--- a/Items/Les Micro Orm, alternatives à Entity Framework.pptx
+++ b/Items/Les Micro Orm, alternatives à Entity Framework.pptx
@@ -5,10 +5,10 @@
     <p:sldMasterId id="2147483648" r:id="rId2"/>
   </p:sldMasterIdLst>
   <p:notesMasterIdLst>
-    <p:notesMasterId r:id="rId13"/>
+    <p:notesMasterId r:id="rId15"/>
   </p:notesMasterIdLst>
   <p:handoutMasterIdLst>
-    <p:handoutMasterId r:id="rId14"/>
+    <p:handoutMasterId r:id="rId16"/>
   </p:handoutMasterIdLst>
   <p:sldIdLst>
     <p:sldId id="273" r:id="rId3"/>
@@ -19,8 +19,10 @@
     <p:sldId id="266" r:id="rId8"/>
     <p:sldId id="275" r:id="rId9"/>
     <p:sldId id="279" r:id="rId10"/>
-    <p:sldId id="260" r:id="rId11"/>
-    <p:sldId id="276" r:id="rId12"/>
+    <p:sldId id="280" r:id="rId11"/>
+    <p:sldId id="281" r:id="rId12"/>
+    <p:sldId id="260" r:id="rId13"/>
+    <p:sldId id="276" r:id="rId14"/>
   </p:sldIdLst>
   <p:sldSz cx="12192000" cy="6858000"/>
   <p:notesSz cx="6858000" cy="9144000"/>
@@ -5951,6 +5953,391 @@
 </file>
 
 <file path=ppt/slides/slide10.xml><?xml version="1.0" encoding="utf-8"?>
+<p:sld xmlns:a="http://schemas.openxmlformats.org/drawingml/2006/main" xmlns:r="http://schemas.openxmlformats.org/officeDocument/2006/relationships" xmlns:p="http://schemas.openxmlformats.org/presentationml/2006/main">
+  <p:cSld>
+    <p:spTree>
+      <p:nvGrpSpPr>
+        <p:cNvPr id="1" name=""/>
+        <p:cNvGrpSpPr/>
+        <p:nvPr/>
+      </p:nvGrpSpPr>
+      <p:grpSpPr>
+        <a:xfrm>
+          <a:off x="0" y="0"/>
+          <a:ext cx="0" cy="0"/>
+          <a:chOff x="0" y="0"/>
+          <a:chExt cx="0" cy="0"/>
+        </a:xfrm>
+      </p:grpSpPr>
+      <p:sp>
+        <p:nvSpPr>
+          <p:cNvPr id="13" name="Titre 12"/>
+          <p:cNvSpPr>
+            <a:spLocks noGrp="1"/>
+          </p:cNvSpPr>
+          <p:nvPr>
+            <p:ph type="title"/>
+          </p:nvPr>
+        </p:nvSpPr>
+        <p:spPr>
+          <a:xfrm>
+            <a:off x="1341120" y="438912"/>
+            <a:ext cx="9509760" cy="517433"/>
+          </a:xfrm>
+        </p:spPr>
+        <p:txBody>
+          <a:bodyPr>
+            <a:normAutofit fontScale="90000"/>
+          </a:bodyPr>
+          <a:lstStyle/>
+          <a:p>
+            <a:r>
+              <a:rPr lang="fr-FR" noProof="1"/>
+              <a:t>Massive</a:t>
+            </a:r>
+          </a:p>
+        </p:txBody>
+      </p:sp>
+      <p:sp>
+        <p:nvSpPr>
+          <p:cNvPr id="3" name="Espace réservé du contenu 2"/>
+          <p:cNvSpPr>
+            <a:spLocks noGrp="1"/>
+          </p:cNvSpPr>
+          <p:nvPr>
+            <p:ph idx="1"/>
+          </p:nvPr>
+        </p:nvSpPr>
+        <p:spPr>
+          <a:xfrm>
+            <a:off x="1341120" y="956345"/>
+            <a:ext cx="9509760" cy="5217952"/>
+          </a:xfrm>
+        </p:spPr>
+        <p:txBody>
+          <a:bodyPr>
+            <a:normAutofit lnSpcReduction="10000"/>
+          </a:bodyPr>
+          <a:lstStyle/>
+          <a:p>
+            <a:pPr>
+              <a:buFont typeface="Wingdings" panose="05000000000000000000" pitchFamily="2" charset="2"/>
+              <a:buChar char="Ø"/>
+            </a:pPr>
+            <a:r>
+              <a:rPr lang="fr-FR" dirty="0" err="1"/>
+              <a:t>MicroOrm</a:t>
+            </a:r>
+            <a:r>
+              <a:rPr lang="fr-FR" dirty="0"/>
+              <a:t> fournissant uniquement des données dynamiques</a:t>
+            </a:r>
+          </a:p>
+          <a:p>
+            <a:pPr>
+              <a:buFont typeface="Wingdings" panose="05000000000000000000" pitchFamily="2" charset="2"/>
+              <a:buChar char="Ø"/>
+            </a:pPr>
+            <a:r>
+              <a:rPr lang="fr-CA" dirty="0"/>
+              <a:t>C</a:t>
+            </a:r>
+            <a:r>
+              <a:rPr lang="fr-FR" dirty="0" err="1"/>
+              <a:t>ompatible</a:t>
+            </a:r>
+            <a:r>
+              <a:rPr lang="fr-FR" dirty="0"/>
+              <a:t> avec peu de bases de données :</a:t>
+            </a:r>
+          </a:p>
+          <a:p>
+            <a:pPr lvl="1">
+              <a:buFont typeface="Wingdings" panose="05000000000000000000" pitchFamily="2" charset="2"/>
+              <a:buChar char="Ø"/>
+            </a:pPr>
+            <a:r>
+              <a:rPr lang="fr-FR" dirty="0"/>
+              <a:t>SQL Server</a:t>
+            </a:r>
+          </a:p>
+          <a:p>
+            <a:pPr lvl="1">
+              <a:buFont typeface="Wingdings" panose="05000000000000000000" pitchFamily="2" charset="2"/>
+              <a:buChar char="Ø"/>
+            </a:pPr>
+            <a:r>
+              <a:rPr lang="fr-FR" dirty="0"/>
+              <a:t>Oracle</a:t>
+            </a:r>
+          </a:p>
+          <a:p>
+            <a:pPr lvl="1">
+              <a:buFont typeface="Wingdings" panose="05000000000000000000" pitchFamily="2" charset="2"/>
+              <a:buChar char="Ø"/>
+            </a:pPr>
+            <a:r>
+              <a:rPr lang="fr-FR" dirty="0" err="1"/>
+              <a:t>SqlLite</a:t>
+            </a:r>
+            <a:r>
+              <a:rPr lang="fr-FR" dirty="0"/>
+              <a:t> </a:t>
+            </a:r>
+          </a:p>
+          <a:p>
+            <a:pPr lvl="1">
+              <a:buFont typeface="Wingdings" panose="05000000000000000000" pitchFamily="2" charset="2"/>
+              <a:buChar char="Ø"/>
+            </a:pPr>
+            <a:r>
+              <a:rPr lang="fr-CA" dirty="0" err="1"/>
+              <a:t>PostgreSql</a:t>
+            </a:r>
+            <a:endParaRPr lang="fr-CA" dirty="0"/>
+          </a:p>
+          <a:p>
+            <a:pPr>
+              <a:buFont typeface="Wingdings" panose="05000000000000000000" pitchFamily="2" charset="2"/>
+              <a:buChar char="Ø"/>
+            </a:pPr>
+            <a:r>
+              <a:rPr lang="fr-FR" dirty="0"/>
+              <a:t>Double Syntaxe SQL et hybride LINQ / SQL</a:t>
+            </a:r>
+          </a:p>
+          <a:p>
+            <a:pPr>
+              <a:buFont typeface="Wingdings" panose="05000000000000000000" pitchFamily="2" charset="2"/>
+              <a:buChar char="Ø"/>
+            </a:pPr>
+            <a:r>
+              <a:rPr lang="fr-CA" dirty="0"/>
+              <a:t>Fournit les commandes de base uniquement, syntaxe simpliste</a:t>
+            </a:r>
+            <a:endParaRPr lang="fr-FR" dirty="0"/>
+          </a:p>
+          <a:p>
+            <a:pPr>
+              <a:buFont typeface="Wingdings" panose="05000000000000000000" pitchFamily="2" charset="2"/>
+              <a:buChar char="Ø"/>
+            </a:pPr>
+            <a:r>
+              <a:rPr lang="fr-FR" dirty="0"/>
+              <a:t>Performances intéressantes</a:t>
+            </a:r>
+          </a:p>
+          <a:p>
+            <a:pPr>
+              <a:buFont typeface="Wingdings" panose="05000000000000000000" pitchFamily="2" charset="2"/>
+              <a:buChar char="Ø"/>
+            </a:pPr>
+            <a:r>
+              <a:rPr lang="fr-CA" dirty="0"/>
+              <a:t>Obligation de créer une </a:t>
+            </a:r>
+            <a:r>
+              <a:rPr lang="fr-CA" dirty="0" err="1"/>
+              <a:t>query</a:t>
+            </a:r>
+            <a:r>
+              <a:rPr lang="fr-CA" dirty="0"/>
+              <a:t> </a:t>
+            </a:r>
+            <a:r>
+              <a:rPr lang="fr-CA" dirty="0" err="1"/>
+              <a:t>AdHoc</a:t>
+            </a:r>
+            <a:r>
+              <a:rPr lang="fr-CA" dirty="0"/>
+              <a:t> pour </a:t>
+            </a:r>
+            <a:r>
+              <a:rPr lang="fr-CA" dirty="0" err="1"/>
+              <a:t>populer</a:t>
+            </a:r>
+            <a:r>
+              <a:rPr lang="fr-CA" dirty="0"/>
+              <a:t> un objet</a:t>
+            </a:r>
+          </a:p>
+          <a:p>
+            <a:pPr>
+              <a:buFont typeface="Wingdings" panose="05000000000000000000" pitchFamily="2" charset="2"/>
+              <a:buChar char="Ø"/>
+            </a:pPr>
+            <a:r>
+              <a:rPr lang="fr-CA" dirty="0"/>
+              <a:t>Obligation de faire hériter ses </a:t>
+            </a:r>
+            <a:r>
+              <a:rPr lang="fr-CA" dirty="0" err="1"/>
+              <a:t>Pocos</a:t>
+            </a:r>
+            <a:r>
+              <a:rPr lang="fr-CA" dirty="0"/>
+              <a:t> d’une classe nommée « </a:t>
+            </a:r>
+            <a:r>
+              <a:rPr lang="fr-CA" dirty="0" err="1"/>
+              <a:t>DynamicModel</a:t>
+            </a:r>
+            <a:r>
+              <a:rPr lang="fr-CA" dirty="0"/>
+              <a:t> »,</a:t>
+            </a:r>
+          </a:p>
+          <a:p>
+            <a:pPr lvl="1">
+              <a:buFont typeface="Wingdings" panose="05000000000000000000" pitchFamily="2" charset="2"/>
+              <a:buChar char="Ø"/>
+            </a:pPr>
+            <a:r>
+              <a:rPr lang="fr-CA" dirty="0"/>
+              <a:t>Mapper ses données dans un autre objet typé similaire ou se contenter de données dynamiques</a:t>
+            </a:r>
+            <a:endParaRPr lang="fr-FR" dirty="0"/>
+          </a:p>
+          <a:p>
+            <a:pPr>
+              <a:buFont typeface="Wingdings" panose="05000000000000000000" pitchFamily="2" charset="2"/>
+              <a:buChar char="Ø"/>
+            </a:pPr>
+            <a:endParaRPr lang="fr-FR" dirty="0"/>
+          </a:p>
+          <a:p>
+            <a:pPr marL="45720" indent="0">
+              <a:buNone/>
+            </a:pPr>
+            <a:endParaRPr lang="fr-FR" dirty="0"/>
+          </a:p>
+        </p:txBody>
+      </p:sp>
+    </p:spTree>
+    <p:extLst>
+      <p:ext uri="{BB962C8B-B14F-4D97-AF65-F5344CB8AC3E}">
+        <p14:creationId xmlns:p14="http://schemas.microsoft.com/office/powerpoint/2010/main" val="2045684570"/>
+      </p:ext>
+    </p:extLst>
+  </p:cSld>
+  <p:clrMapOvr>
+    <a:masterClrMapping/>
+  </p:clrMapOvr>
+  <mc:AlternateContent xmlns:mc="http://schemas.openxmlformats.org/markup-compatibility/2006" xmlns:p14="http://schemas.microsoft.com/office/powerpoint/2010/main">
+    <mc:Choice Requires="p14">
+      <p:transition spd="med" p14:dur="700">
+        <p:fade/>
+      </p:transition>
+    </mc:Choice>
+    <mc:Fallback xmlns="">
+      <p:transition spd="med">
+        <p:fade/>
+      </p:transition>
+    </mc:Fallback>
+  </mc:AlternateContent>
+</p:sld>
+</file>
+
+<file path=ppt/slides/slide11.xml><?xml version="1.0" encoding="utf-8"?>
+<p:sld xmlns:a="http://schemas.openxmlformats.org/drawingml/2006/main" xmlns:r="http://schemas.openxmlformats.org/officeDocument/2006/relationships" xmlns:p="http://schemas.openxmlformats.org/presentationml/2006/main">
+  <p:cSld>
+    <p:spTree>
+      <p:nvGrpSpPr>
+        <p:cNvPr id="1" name=""/>
+        <p:cNvGrpSpPr/>
+        <p:nvPr/>
+      </p:nvGrpSpPr>
+      <p:grpSpPr>
+        <a:xfrm>
+          <a:off x="0" y="0"/>
+          <a:ext cx="0" cy="0"/>
+          <a:chOff x="0" y="0"/>
+          <a:chExt cx="0" cy="0"/>
+        </a:xfrm>
+      </p:grpSpPr>
+      <p:sp>
+        <p:nvSpPr>
+          <p:cNvPr id="7" name="Titre 6"/>
+          <p:cNvSpPr>
+            <a:spLocks noGrp="1"/>
+          </p:cNvSpPr>
+          <p:nvPr>
+            <p:ph type="title"/>
+          </p:nvPr>
+        </p:nvSpPr>
+        <p:spPr>
+          <a:xfrm>
+            <a:off x="1341120" y="438912"/>
+            <a:ext cx="9509760" cy="584545"/>
+          </a:xfrm>
+        </p:spPr>
+        <p:txBody>
+          <a:bodyPr/>
+          <a:lstStyle/>
+          <a:p>
+            <a:r>
+              <a:rPr lang="fr-CA" noProof="1"/>
+              <a:t>Aperçu des performances (Select)</a:t>
+            </a:r>
+            <a:endParaRPr lang="fr-FR" noProof="1"/>
+          </a:p>
+        </p:txBody>
+      </p:sp>
+      <p:pic>
+        <p:nvPicPr>
+          <p:cNvPr id="2" name="Espace réservé du contenu 1"/>
+          <p:cNvPicPr>
+            <a:picLocks noGrp="1" noChangeAspect="1"/>
+          </p:cNvPicPr>
+          <p:nvPr>
+            <p:ph sz="half" idx="2"/>
+          </p:nvPr>
+        </p:nvPicPr>
+        <p:blipFill>
+          <a:blip r:embed="rId2">
+            <a:extLst>
+              <a:ext uri="{28A0092B-C50C-407E-A947-70E740481C1C}">
+                <a14:useLocalDpi xmlns:a14="http://schemas.microsoft.com/office/drawing/2010/main" val="0"/>
+              </a:ext>
+            </a:extLst>
+          </a:blip>
+          <a:stretch>
+            <a:fillRect/>
+          </a:stretch>
+        </p:blipFill>
+        <p:spPr>
+          <a:xfrm>
+            <a:off x="1621613" y="1199626"/>
+            <a:ext cx="8535746" cy="4801357"/>
+          </a:xfrm>
+        </p:spPr>
+      </p:pic>
+    </p:spTree>
+    <p:extLst>
+      <p:ext uri="{BB962C8B-B14F-4D97-AF65-F5344CB8AC3E}">
+        <p14:creationId xmlns:p14="http://schemas.microsoft.com/office/powerpoint/2010/main" val="1341470884"/>
+      </p:ext>
+    </p:extLst>
+  </p:cSld>
+  <p:clrMapOvr>
+    <a:masterClrMapping/>
+  </p:clrMapOvr>
+  <mc:AlternateContent xmlns:mc="http://schemas.openxmlformats.org/markup-compatibility/2006" xmlns:p14="http://schemas.microsoft.com/office/powerpoint/2010/main">
+    <mc:Choice Requires="p14">
+      <p:transition spd="med" p14:dur="700">
+        <p:fade/>
+      </p:transition>
+    </mc:Choice>
+    <mc:Fallback xmlns="">
+      <p:transition spd="med">
+        <p:fade/>
+      </p:transition>
+    </mc:Fallback>
+  </mc:AlternateContent>
+</p:sld>
+</file>
+
+<file path=ppt/slides/slide12.xml><?xml version="1.0" encoding="utf-8"?>
 <p:sld xmlns:a="http://schemas.openxmlformats.org/drawingml/2006/main" xmlns:r="http://schemas.openxmlformats.org/officeDocument/2006/relationships" xmlns:p="http://schemas.openxmlformats.org/presentationml/2006/main">
   <p:cSld>
     <p:spTree>
@@ -7181,66 +7568,6 @@
       </p:pic>
       <p:pic>
         <p:nvPicPr>
-          <p:cNvPr id="11" name="Image 10" descr="Image vectorielle gratuite: Étoiles, Jaune, Or, Noël, Shine - Image ..."/>
-          <p:cNvPicPr>
-            <a:picLocks noChangeAspect="1"/>
-          </p:cNvPicPr>
-          <p:nvPr/>
-        </p:nvPicPr>
-        <p:blipFill>
-          <a:blip r:embed="rId2" cstate="print">
-            <a:extLst>
-              <a:ext uri="{28A0092B-C50C-407E-A947-70E740481C1C}">
-                <a14:useLocalDpi xmlns:a14="http://schemas.microsoft.com/office/drawing/2010/main" val="0"/>
-              </a:ext>
-            </a:extLst>
-          </a:blip>
-          <a:stretch>
-            <a:fillRect/>
-          </a:stretch>
-        </p:blipFill>
-        <p:spPr>
-          <a:xfrm>
-            <a:off x="3467070" y="2645518"/>
-            <a:ext cx="305746" cy="292736"/>
-          </a:xfrm>
-          <a:prstGeom prst="rect">
-            <a:avLst/>
-          </a:prstGeom>
-        </p:spPr>
-      </p:pic>
-      <p:pic>
-        <p:nvPicPr>
-          <p:cNvPr id="12" name="Image 11" descr="Image vectorielle gratuite: Étoiles, Jaune, Or, Noël, Shine - Image ..."/>
-          <p:cNvPicPr>
-            <a:picLocks noChangeAspect="1"/>
-          </p:cNvPicPr>
-          <p:nvPr/>
-        </p:nvPicPr>
-        <p:blipFill>
-          <a:blip r:embed="rId2" cstate="print">
-            <a:extLst>
-              <a:ext uri="{28A0092B-C50C-407E-A947-70E740481C1C}">
-                <a14:useLocalDpi xmlns:a14="http://schemas.microsoft.com/office/drawing/2010/main" val="0"/>
-              </a:ext>
-            </a:extLst>
-          </a:blip>
-          <a:stretch>
-            <a:fillRect/>
-          </a:stretch>
-        </p:blipFill>
-        <p:spPr>
-          <a:xfrm>
-            <a:off x="3161324" y="2641763"/>
-            <a:ext cx="305746" cy="292736"/>
-          </a:xfrm>
-          <a:prstGeom prst="rect">
-            <a:avLst/>
-          </a:prstGeom>
-        </p:spPr>
-      </p:pic>
-      <p:pic>
-        <p:nvPicPr>
           <p:cNvPr id="13" name="Image 12" descr="Image vectorielle gratuite: Étoiles, Jaune, Or, Noël, Shine - Image ..."/>
           <p:cNvPicPr>
             <a:picLocks noChangeAspect="1"/>
@@ -7531,7 +7858,7 @@
         </p:blipFill>
         <p:spPr>
           <a:xfrm>
-            <a:off x="3304267" y="3414746"/>
+            <a:off x="3447329" y="3406315"/>
             <a:ext cx="305746" cy="292736"/>
           </a:xfrm>
           <a:prstGeom prst="rect">
@@ -7561,37 +7888,7 @@
         </p:blipFill>
         <p:spPr>
           <a:xfrm>
-            <a:off x="2988590" y="3412124"/>
-            <a:ext cx="305746" cy="292736"/>
-          </a:xfrm>
-          <a:prstGeom prst="rect">
-            <a:avLst/>
-          </a:prstGeom>
-        </p:spPr>
-      </p:pic>
-      <p:pic>
-        <p:nvPicPr>
-          <p:cNvPr id="24" name="Image 23" descr="Image vectorielle gratuite: Étoiles, Jaune, Or, Noël, Shine - Image ..."/>
-          <p:cNvPicPr>
-            <a:picLocks noChangeAspect="1"/>
-          </p:cNvPicPr>
-          <p:nvPr/>
-        </p:nvPicPr>
-        <p:blipFill>
-          <a:blip r:embed="rId2" cstate="print">
-            <a:extLst>
-              <a:ext uri="{28A0092B-C50C-407E-A947-70E740481C1C}">
-                <a14:useLocalDpi xmlns:a14="http://schemas.microsoft.com/office/drawing/2010/main" val="0"/>
-              </a:ext>
-            </a:extLst>
-          </a:blip>
-          <a:stretch>
-            <a:fillRect/>
-          </a:stretch>
-        </p:blipFill>
-        <p:spPr>
-          <a:xfrm>
-            <a:off x="3611306" y="3414208"/>
+            <a:off x="3131652" y="3403693"/>
             <a:ext cx="305746" cy="292736"/>
           </a:xfrm>
           <a:prstGeom prst="rect">
@@ -7871,66 +8168,6 @@
       </p:pic>
       <p:pic>
         <p:nvPicPr>
-          <p:cNvPr id="34" name="Image 33" descr="Image vectorielle gratuite: Étoiles, Jaune, Or, Noël, Shine - Image ..."/>
-          <p:cNvPicPr>
-            <a:picLocks noChangeAspect="1"/>
-          </p:cNvPicPr>
-          <p:nvPr/>
-        </p:nvPicPr>
-        <p:blipFill>
-          <a:blip r:embed="rId2" cstate="print">
-            <a:extLst>
-              <a:ext uri="{28A0092B-C50C-407E-A947-70E740481C1C}">
-                <a14:useLocalDpi xmlns:a14="http://schemas.microsoft.com/office/drawing/2010/main" val="0"/>
-              </a:ext>
-            </a:extLst>
-          </a:blip>
-          <a:stretch>
-            <a:fillRect/>
-          </a:stretch>
-        </p:blipFill>
-        <p:spPr>
-          <a:xfrm>
-            <a:off x="5151055" y="3422151"/>
-            <a:ext cx="305746" cy="292736"/>
-          </a:xfrm>
-          <a:prstGeom prst="rect">
-            <a:avLst/>
-          </a:prstGeom>
-        </p:spPr>
-      </p:pic>
-      <p:pic>
-        <p:nvPicPr>
-          <p:cNvPr id="35" name="Image 34" descr="Image vectorielle gratuite: Étoiles, Jaune, Or, Noël, Shine - Image ..."/>
-          <p:cNvPicPr>
-            <a:picLocks noChangeAspect="1"/>
-          </p:cNvPicPr>
-          <p:nvPr/>
-        </p:nvPicPr>
-        <p:blipFill>
-          <a:blip r:embed="rId2" cstate="print">
-            <a:extLst>
-              <a:ext uri="{28A0092B-C50C-407E-A947-70E740481C1C}">
-                <a14:useLocalDpi xmlns:a14="http://schemas.microsoft.com/office/drawing/2010/main" val="0"/>
-              </a:ext>
-            </a:extLst>
-          </a:blip>
-          <a:stretch>
-            <a:fillRect/>
-          </a:stretch>
-        </p:blipFill>
-        <p:spPr>
-          <a:xfrm>
-            <a:off x="4845309" y="3418396"/>
-            <a:ext cx="305746" cy="292736"/>
-          </a:xfrm>
-          <a:prstGeom prst="rect">
-            <a:avLst/>
-          </a:prstGeom>
-        </p:spPr>
-      </p:pic>
-      <p:pic>
-        <p:nvPicPr>
           <p:cNvPr id="36" name="Image 35" descr="Image vectorielle gratuite: Étoiles, Jaune, Or, Noël, Shine - Image ..."/>
           <p:cNvPicPr>
             <a:picLocks noChangeAspect="1"/>
@@ -8591,36 +8828,6 @@
       </p:pic>
       <p:pic>
         <p:nvPicPr>
-          <p:cNvPr id="61" name="Image 60" descr="Free vector graphic: &lt;strong&gt;X&lt;/strong&gt;, Red, Mark, Incorrect - Free Image on Pixabay ..."/>
-          <p:cNvPicPr>
-            <a:picLocks noChangeAspect="1"/>
-          </p:cNvPicPr>
-          <p:nvPr/>
-        </p:nvPicPr>
-        <p:blipFill>
-          <a:blip r:embed="rId4" cstate="print">
-            <a:extLst>
-              <a:ext uri="{28A0092B-C50C-407E-A947-70E740481C1C}">
-                <a14:useLocalDpi xmlns:a14="http://schemas.microsoft.com/office/drawing/2010/main" val="0"/>
-              </a:ext>
-            </a:extLst>
-          </a:blip>
-          <a:stretch>
-            <a:fillRect/>
-          </a:stretch>
-        </p:blipFill>
-        <p:spPr>
-          <a:xfrm>
-            <a:off x="9326579" y="2598167"/>
-            <a:ext cx="317175" cy="317175"/>
-          </a:xfrm>
-          <a:prstGeom prst="rect">
-            <a:avLst/>
-          </a:prstGeom>
-        </p:spPr>
-      </p:pic>
-      <p:pic>
-        <p:nvPicPr>
           <p:cNvPr id="67" name="Image 66" descr="Free vector graphic: &lt;strong&gt;X&lt;/strong&gt;, Red, Mark, Incorrect - Free Image on Pixabay ..."/>
           <p:cNvPicPr>
             <a:picLocks noChangeAspect="1"/>
@@ -8741,36 +8948,6 @@
       </p:pic>
       <p:pic>
         <p:nvPicPr>
-          <p:cNvPr id="71" name="Image 70" descr="Free vector graphic: &lt;strong&gt;X&lt;/strong&gt;, Red, Mark, Incorrect - Free Image on Pixabay ..."/>
-          <p:cNvPicPr>
-            <a:picLocks noChangeAspect="1"/>
-          </p:cNvPicPr>
-          <p:nvPr/>
-        </p:nvPicPr>
-        <p:blipFill>
-          <a:blip r:embed="rId4" cstate="print">
-            <a:extLst>
-              <a:ext uri="{28A0092B-C50C-407E-A947-70E740481C1C}">
-                <a14:useLocalDpi xmlns:a14="http://schemas.microsoft.com/office/drawing/2010/main" val="0"/>
-              </a:ext>
-            </a:extLst>
-          </a:blip>
-          <a:stretch>
-            <a:fillRect/>
-          </a:stretch>
-        </p:blipFill>
-        <p:spPr>
-          <a:xfrm>
-            <a:off x="10415190" y="2600184"/>
-            <a:ext cx="317175" cy="317175"/>
-          </a:xfrm>
-          <a:prstGeom prst="rect">
-            <a:avLst/>
-          </a:prstGeom>
-        </p:spPr>
-      </p:pic>
-      <p:pic>
-        <p:nvPicPr>
           <p:cNvPr id="72" name="Image 71" descr="Archivo:Gtk-&lt;strong&gt;ok&lt;/strong&gt;.svg - Wikipedia, la enciclopedia libre"/>
           <p:cNvPicPr>
             <a:picLocks noChangeAspect="1"/>
@@ -9723,6 +9900,246 @@
           <a:xfrm>
             <a:off x="7150524" y="4959028"/>
             <a:ext cx="305746" cy="292736"/>
+          </a:xfrm>
+          <a:prstGeom prst="rect">
+            <a:avLst/>
+          </a:prstGeom>
+        </p:spPr>
+      </p:pic>
+      <p:pic>
+        <p:nvPicPr>
+          <p:cNvPr id="112" name="Image 111" descr="Image vectorielle gratuite: Étoiles, Jaune, Or, Noël, Shine - Image ..."/>
+          <p:cNvPicPr>
+            <a:picLocks noChangeAspect="1"/>
+          </p:cNvPicPr>
+          <p:nvPr/>
+        </p:nvPicPr>
+        <p:blipFill>
+          <a:blip r:embed="rId2" cstate="print">
+            <a:extLst>
+              <a:ext uri="{28A0092B-C50C-407E-A947-70E740481C1C}">
+                <a14:useLocalDpi xmlns:a14="http://schemas.microsoft.com/office/drawing/2010/main" val="0"/>
+              </a:ext>
+            </a:extLst>
+          </a:blip>
+          <a:stretch>
+            <a:fillRect/>
+          </a:stretch>
+        </p:blipFill>
+        <p:spPr>
+          <a:xfrm>
+            <a:off x="4985901" y="3419767"/>
+            <a:ext cx="305746" cy="292736"/>
+          </a:xfrm>
+          <a:prstGeom prst="rect">
+            <a:avLst/>
+          </a:prstGeom>
+        </p:spPr>
+      </p:pic>
+      <p:pic>
+        <p:nvPicPr>
+          <p:cNvPr id="113" name="Image 112" descr="Image vectorielle gratuite: Étoiles, Jaune, Or, Noël, Shine - Image ..."/>
+          <p:cNvPicPr>
+            <a:picLocks noChangeAspect="1"/>
+          </p:cNvPicPr>
+          <p:nvPr/>
+        </p:nvPicPr>
+        <p:blipFill>
+          <a:blip r:embed="rId2" cstate="print">
+            <a:extLst>
+              <a:ext uri="{28A0092B-C50C-407E-A947-70E740481C1C}">
+                <a14:useLocalDpi xmlns:a14="http://schemas.microsoft.com/office/drawing/2010/main" val="0"/>
+              </a:ext>
+            </a:extLst>
+          </a:blip>
+          <a:stretch>
+            <a:fillRect/>
+          </a:stretch>
+        </p:blipFill>
+        <p:spPr>
+          <a:xfrm>
+            <a:off x="4670224" y="3417145"/>
+            <a:ext cx="305746" cy="292736"/>
+          </a:xfrm>
+          <a:prstGeom prst="rect">
+            <a:avLst/>
+          </a:prstGeom>
+        </p:spPr>
+      </p:pic>
+      <p:pic>
+        <p:nvPicPr>
+          <p:cNvPr id="114" name="Image 113" descr="Image vectorielle gratuite: Étoiles, Jaune, Or, Noël, Shine - Image ..."/>
+          <p:cNvPicPr>
+            <a:picLocks noChangeAspect="1"/>
+          </p:cNvPicPr>
+          <p:nvPr/>
+        </p:nvPicPr>
+        <p:blipFill>
+          <a:blip r:embed="rId2" cstate="print">
+            <a:extLst>
+              <a:ext uri="{28A0092B-C50C-407E-A947-70E740481C1C}">
+                <a14:useLocalDpi xmlns:a14="http://schemas.microsoft.com/office/drawing/2010/main" val="0"/>
+              </a:ext>
+            </a:extLst>
+          </a:blip>
+          <a:stretch>
+            <a:fillRect/>
+          </a:stretch>
+        </p:blipFill>
+        <p:spPr>
+          <a:xfrm>
+            <a:off x="5292940" y="3419229"/>
+            <a:ext cx="305746" cy="292736"/>
+          </a:xfrm>
+          <a:prstGeom prst="rect">
+            <a:avLst/>
+          </a:prstGeom>
+        </p:spPr>
+      </p:pic>
+      <p:pic>
+        <p:nvPicPr>
+          <p:cNvPr id="116" name="Image 115" descr="Free vector graphic: &lt;strong&gt;X&lt;/strong&gt;, Red, Mark, Incorrect - Free Image on Pixabay ..."/>
+          <p:cNvPicPr>
+            <a:picLocks noChangeAspect="1"/>
+          </p:cNvPicPr>
+          <p:nvPr/>
+        </p:nvPicPr>
+        <p:blipFill>
+          <a:blip r:embed="rId4" cstate="print">
+            <a:extLst>
+              <a:ext uri="{28A0092B-C50C-407E-A947-70E740481C1C}">
+                <a14:useLocalDpi xmlns:a14="http://schemas.microsoft.com/office/drawing/2010/main" val="0"/>
+              </a:ext>
+            </a:extLst>
+          </a:blip>
+          <a:stretch>
+            <a:fillRect/>
+          </a:stretch>
+        </p:blipFill>
+        <p:spPr>
+          <a:xfrm>
+            <a:off x="9293597" y="2601951"/>
+            <a:ext cx="317175" cy="317175"/>
+          </a:xfrm>
+          <a:prstGeom prst="rect">
+            <a:avLst/>
+          </a:prstGeom>
+        </p:spPr>
+      </p:pic>
+      <p:pic>
+        <p:nvPicPr>
+          <p:cNvPr id="117" name="Image 116" descr="Archivo:Gtk-&lt;strong&gt;ok&lt;/strong&gt;.svg - Wikipedia, la enciclopedia libre"/>
+          <p:cNvPicPr>
+            <a:picLocks noChangeAspect="1"/>
+          </p:cNvPicPr>
+          <p:nvPr/>
+        </p:nvPicPr>
+        <p:blipFill>
+          <a:blip r:embed="rId3" cstate="print">
+            <a:extLst>
+              <a:ext uri="{28A0092B-C50C-407E-A947-70E740481C1C}">
+                <a14:useLocalDpi xmlns:a14="http://schemas.microsoft.com/office/drawing/2010/main" val="0"/>
+              </a:ext>
+            </a:extLst>
+          </a:blip>
+          <a:stretch>
+            <a:fillRect/>
+          </a:stretch>
+        </p:blipFill>
+        <p:spPr>
+          <a:xfrm>
+            <a:off x="10345650" y="2489669"/>
+            <a:ext cx="445316" cy="445316"/>
+          </a:xfrm>
+          <a:prstGeom prst="rect">
+            <a:avLst/>
+          </a:prstGeom>
+        </p:spPr>
+      </p:pic>
+      <p:pic>
+        <p:nvPicPr>
+          <p:cNvPr id="119" name="Image 118" descr="Image vectorielle gratuite: Étoiles, Jaune, Or, Noël, Shine - Image ..."/>
+          <p:cNvPicPr>
+            <a:picLocks noChangeAspect="1"/>
+          </p:cNvPicPr>
+          <p:nvPr/>
+        </p:nvPicPr>
+        <p:blipFill>
+          <a:blip r:embed="rId2" cstate="print">
+            <a:extLst>
+              <a:ext uri="{28A0092B-C50C-407E-A947-70E740481C1C}">
+                <a14:useLocalDpi xmlns:a14="http://schemas.microsoft.com/office/drawing/2010/main" val="0"/>
+              </a:ext>
+            </a:extLst>
+          </a:blip>
+          <a:stretch>
+            <a:fillRect/>
+          </a:stretch>
+        </p:blipFill>
+        <p:spPr>
+          <a:xfrm>
+            <a:off x="3304267" y="2609002"/>
+            <a:ext cx="305746" cy="331324"/>
+          </a:xfrm>
+          <a:prstGeom prst="rect">
+            <a:avLst/>
+          </a:prstGeom>
+        </p:spPr>
+      </p:pic>
+      <p:pic>
+        <p:nvPicPr>
+          <p:cNvPr id="120" name="Image 119" descr="Image vectorielle gratuite: Étoiles, Jaune, Or, Noël, Shine - Image ..."/>
+          <p:cNvPicPr>
+            <a:picLocks noChangeAspect="1"/>
+          </p:cNvPicPr>
+          <p:nvPr/>
+        </p:nvPicPr>
+        <p:blipFill>
+          <a:blip r:embed="rId2" cstate="print">
+            <a:extLst>
+              <a:ext uri="{28A0092B-C50C-407E-A947-70E740481C1C}">
+                <a14:useLocalDpi xmlns:a14="http://schemas.microsoft.com/office/drawing/2010/main" val="0"/>
+              </a:ext>
+            </a:extLst>
+          </a:blip>
+          <a:stretch>
+            <a:fillRect/>
+          </a:stretch>
+        </p:blipFill>
+        <p:spPr>
+          <a:xfrm>
+            <a:off x="2997989" y="2596403"/>
+            <a:ext cx="305746" cy="331324"/>
+          </a:xfrm>
+          <a:prstGeom prst="rect">
+            <a:avLst/>
+          </a:prstGeom>
+        </p:spPr>
+      </p:pic>
+      <p:pic>
+        <p:nvPicPr>
+          <p:cNvPr id="121" name="Image 120" descr="Image vectorielle gratuite: Étoiles, Jaune, Or, Noël, Shine - Image ..."/>
+          <p:cNvPicPr>
+            <a:picLocks noChangeAspect="1"/>
+          </p:cNvPicPr>
+          <p:nvPr/>
+        </p:nvPicPr>
+        <p:blipFill>
+          <a:blip r:embed="rId2" cstate="print">
+            <a:extLst>
+              <a:ext uri="{28A0092B-C50C-407E-A947-70E740481C1C}">
+                <a14:useLocalDpi xmlns:a14="http://schemas.microsoft.com/office/drawing/2010/main" val="0"/>
+              </a:ext>
+            </a:extLst>
+          </a:blip>
+          <a:stretch>
+            <a:fillRect/>
+          </a:stretch>
+        </p:blipFill>
+        <p:spPr>
+          <a:xfrm>
+            <a:off x="3603230" y="2606579"/>
+            <a:ext cx="305746" cy="331324"/>
           </a:xfrm>
           <a:prstGeom prst="rect">
             <a:avLst/>
@@ -14810,7 +15227,7 @@
         </p:spPr>
         <p:txBody>
           <a:bodyPr>
-            <a:normAutofit fontScale="70000" lnSpcReduction="20000"/>
+            <a:normAutofit fontScale="62500" lnSpcReduction="20000"/>
           </a:bodyPr>
           <a:lstStyle/>
           <a:p>
@@ -15005,7 +15422,40 @@
               <a:rPr lang="fr-CA" dirty="0"/>
               <a:t>Transactions non prises en charge</a:t>
             </a:r>
-            <a:endParaRPr lang="fr-FR" dirty="0"/>
+          </a:p>
+          <a:p>
+            <a:pPr>
+              <a:buFont typeface="Wingdings" panose="05000000000000000000" pitchFamily="2" charset="2"/>
+              <a:buChar char="Ø"/>
+            </a:pPr>
+            <a:r>
+              <a:rPr lang="fr-CA" dirty="0"/>
+              <a:t>Obligation de créer une </a:t>
+            </a:r>
+            <a:r>
+              <a:rPr lang="fr-CA" dirty="0" err="1"/>
+              <a:t>query</a:t>
+            </a:r>
+            <a:r>
+              <a:rPr lang="fr-CA" dirty="0"/>
+              <a:t> </a:t>
+            </a:r>
+            <a:r>
+              <a:rPr lang="fr-CA" dirty="0" err="1"/>
+              <a:t>AdHoc</a:t>
+            </a:r>
+            <a:r>
+              <a:rPr lang="fr-CA" dirty="0"/>
+              <a:t> pour </a:t>
+            </a:r>
+            <a:r>
+              <a:rPr lang="fr-CA" dirty="0" err="1"/>
+              <a:t>populer</a:t>
+            </a:r>
+            <a:r>
+              <a:rPr lang="fr-CA" dirty="0"/>
+              <a:t> un objet </a:t>
+            </a:r>
           </a:p>
           <a:p>
             <a:pPr>
@@ -15076,7 +15526,7 @@
       </p:grpSpPr>
       <p:sp>
         <p:nvSpPr>
-          <p:cNvPr id="7" name="Titre 6"/>
+          <p:cNvPr id="13" name="Titre 12"/>
           <p:cNvSpPr>
             <a:spLocks noGrp="1"/>
           </p:cNvSpPr>
@@ -15087,54 +15537,268 @@
         <p:spPr>
           <a:xfrm>
             <a:off x="1341120" y="438912"/>
-            <a:ext cx="9509760" cy="584545"/>
+            <a:ext cx="9509760" cy="517433"/>
           </a:xfrm>
         </p:spPr>
         <p:txBody>
-          <a:bodyPr/>
+          <a:bodyPr>
+            <a:normAutofit fontScale="90000"/>
+          </a:bodyPr>
           <a:lstStyle/>
           <a:p>
             <a:r>
-              <a:rPr lang="fr-CA" noProof="1"/>
-              <a:t>Aperçu des performances (Select)</a:t>
-            </a:r>
-            <a:endParaRPr lang="fr-FR" noProof="1"/>
+              <a:rPr lang="fr-FR" noProof="1"/>
+              <a:t>OrmLite</a:t>
+            </a:r>
           </a:p>
         </p:txBody>
       </p:sp>
-      <p:pic>
-        <p:nvPicPr>
-          <p:cNvPr id="2" name="Espace réservé du contenu 1"/>
-          <p:cNvPicPr>
-            <a:picLocks noGrp="1" noChangeAspect="1"/>
-          </p:cNvPicPr>
+      <p:sp>
+        <p:nvSpPr>
+          <p:cNvPr id="3" name="Espace réservé du contenu 2"/>
+          <p:cNvSpPr>
+            <a:spLocks noGrp="1"/>
+          </p:cNvSpPr>
           <p:nvPr>
-            <p:ph sz="half" idx="2"/>
+            <p:ph idx="1"/>
           </p:nvPr>
-        </p:nvPicPr>
-        <p:blipFill>
-          <a:blip r:embed="rId2">
-            <a:extLst>
-              <a:ext uri="{28A0092B-C50C-407E-A947-70E740481C1C}">
-                <a14:useLocalDpi xmlns:a14="http://schemas.microsoft.com/office/drawing/2010/main" val="0"/>
-              </a:ext>
-            </a:extLst>
-          </a:blip>
-          <a:stretch>
-            <a:fillRect/>
-          </a:stretch>
-        </p:blipFill>
-        <p:spPr>
-          <a:xfrm>
-            <a:off x="1621613" y="1199626"/>
-            <a:ext cx="8535746" cy="4801357"/>
-          </a:xfrm>
-        </p:spPr>
-      </p:pic>
+        </p:nvSpPr>
+        <p:spPr>
+          <a:xfrm>
+            <a:off x="1341120" y="956345"/>
+            <a:ext cx="9509760" cy="5217952"/>
+          </a:xfrm>
+        </p:spPr>
+        <p:txBody>
+          <a:bodyPr>
+            <a:normAutofit fontScale="92500" lnSpcReduction="20000"/>
+          </a:bodyPr>
+          <a:lstStyle/>
+          <a:p>
+            <a:pPr>
+              <a:buFont typeface="Wingdings" panose="05000000000000000000" pitchFamily="2" charset="2"/>
+              <a:buChar char="Ø"/>
+            </a:pPr>
+            <a:r>
+              <a:rPr lang="fr-FR" dirty="0"/>
+              <a:t>Développé par l’équipe </a:t>
+            </a:r>
+            <a:r>
+              <a:rPr lang="fr-FR" dirty="0" err="1"/>
+              <a:t>ServiceStack</a:t>
+            </a:r>
+            <a:endParaRPr lang="fr-FR" dirty="0"/>
+          </a:p>
+          <a:p>
+            <a:pPr>
+              <a:buFont typeface="Wingdings" panose="05000000000000000000" pitchFamily="2" charset="2"/>
+              <a:buChar char="Ø"/>
+            </a:pPr>
+            <a:r>
+              <a:rPr lang="fr-CA" dirty="0"/>
+              <a:t>C</a:t>
+            </a:r>
+            <a:r>
+              <a:rPr lang="fr-FR" dirty="0" err="1"/>
+              <a:t>ompatible</a:t>
+            </a:r>
+            <a:r>
+              <a:rPr lang="fr-FR" dirty="0"/>
+              <a:t> avec plusieurs bases de données : </a:t>
+            </a:r>
+          </a:p>
+          <a:p>
+            <a:pPr lvl="1">
+              <a:buFont typeface="Wingdings" panose="05000000000000000000" pitchFamily="2" charset="2"/>
+              <a:buChar char="Ø"/>
+            </a:pPr>
+            <a:r>
+              <a:rPr lang="fr-FR" dirty="0"/>
+              <a:t>SQL Server 2000 et supérieur, </a:t>
+            </a:r>
+          </a:p>
+          <a:p>
+            <a:pPr lvl="1">
+              <a:buFont typeface="Wingdings" panose="05000000000000000000" pitchFamily="2" charset="2"/>
+              <a:buChar char="Ø"/>
+            </a:pPr>
+            <a:r>
+              <a:rPr lang="fr-FR" dirty="0"/>
+              <a:t>Oracle</a:t>
+            </a:r>
+          </a:p>
+          <a:p>
+            <a:pPr lvl="1">
+              <a:buFont typeface="Wingdings" panose="05000000000000000000" pitchFamily="2" charset="2"/>
+              <a:buChar char="Ø"/>
+            </a:pPr>
+            <a:r>
+              <a:rPr lang="fr-FR" dirty="0" err="1"/>
+              <a:t>Mysql</a:t>
+            </a:r>
+            <a:endParaRPr lang="fr-FR" dirty="0"/>
+          </a:p>
+          <a:p>
+            <a:pPr lvl="1">
+              <a:buFont typeface="Wingdings" panose="05000000000000000000" pitchFamily="2" charset="2"/>
+              <a:buChar char="Ø"/>
+            </a:pPr>
+            <a:r>
+              <a:rPr lang="fr-FR" dirty="0" err="1"/>
+              <a:t>SqlLite</a:t>
+            </a:r>
+            <a:r>
+              <a:rPr lang="fr-FR" dirty="0"/>
+              <a:t> </a:t>
+            </a:r>
+          </a:p>
+          <a:p>
+            <a:pPr lvl="1">
+              <a:buFont typeface="Wingdings" panose="05000000000000000000" pitchFamily="2" charset="2"/>
+              <a:buChar char="Ø"/>
+            </a:pPr>
+            <a:r>
+              <a:rPr lang="fr-CA" dirty="0" err="1"/>
+              <a:t>PostgreSql</a:t>
+            </a:r>
+            <a:endParaRPr lang="fr-CA" dirty="0"/>
+          </a:p>
+          <a:p>
+            <a:pPr lvl="1">
+              <a:buFont typeface="Wingdings" panose="05000000000000000000" pitchFamily="2" charset="2"/>
+              <a:buChar char="Ø"/>
+            </a:pPr>
+            <a:r>
+              <a:rPr lang="fr-CA" dirty="0" err="1"/>
+              <a:t>FireBird</a:t>
+            </a:r>
+            <a:endParaRPr lang="fr-CA" dirty="0"/>
+          </a:p>
+          <a:p>
+            <a:pPr lvl="1">
+              <a:buFont typeface="Wingdings" panose="05000000000000000000" pitchFamily="2" charset="2"/>
+              <a:buChar char="Ø"/>
+            </a:pPr>
+            <a:r>
+              <a:rPr lang="fr-CA" dirty="0" err="1"/>
+              <a:t>VistaDB</a:t>
+            </a:r>
+            <a:endParaRPr lang="fr-CA" dirty="0"/>
+          </a:p>
+          <a:p>
+            <a:pPr>
+              <a:buFont typeface="Wingdings" panose="05000000000000000000" pitchFamily="2" charset="2"/>
+              <a:buChar char="Ø"/>
+            </a:pPr>
+            <a:r>
+              <a:rPr lang="fr-FR" dirty="0"/>
+              <a:t>Double Syntaxe LINQ-</a:t>
+            </a:r>
+            <a:r>
+              <a:rPr lang="fr-FR" dirty="0" err="1"/>
+              <a:t>Like</a:t>
+            </a:r>
+            <a:r>
+              <a:rPr lang="fr-FR" dirty="0"/>
+              <a:t> élégante et SQL</a:t>
+            </a:r>
+          </a:p>
+          <a:p>
+            <a:pPr>
+              <a:buFont typeface="Wingdings" panose="05000000000000000000" pitchFamily="2" charset="2"/>
+              <a:buChar char="Ø"/>
+            </a:pPr>
+            <a:r>
+              <a:rPr lang="fr-CA" dirty="0"/>
+              <a:t>A</a:t>
+            </a:r>
+            <a:r>
+              <a:rPr lang="fr-FR" dirty="0"/>
+              <a:t>PI riche en fonctionnalités</a:t>
+            </a:r>
+          </a:p>
+          <a:p>
+            <a:pPr>
+              <a:buFont typeface="Wingdings" panose="05000000000000000000" pitchFamily="2" charset="2"/>
+              <a:buChar char="Ø"/>
+            </a:pPr>
+            <a:r>
+              <a:rPr lang="fr-FR" dirty="0"/>
+              <a:t>Performances intéressantes</a:t>
+            </a:r>
+          </a:p>
+          <a:p>
+            <a:pPr>
+              <a:buFont typeface="Wingdings" panose="05000000000000000000" pitchFamily="2" charset="2"/>
+              <a:buChar char="Ø"/>
+            </a:pPr>
+            <a:r>
+              <a:rPr lang="fr-CA" dirty="0"/>
+              <a:t>Supporte .Net </a:t>
+            </a:r>
+            <a:r>
+              <a:rPr lang="fr-CA" dirty="0" err="1"/>
+              <a:t>Core</a:t>
+            </a:r>
+            <a:r>
+              <a:rPr lang="fr-CA" dirty="0"/>
+              <a:t>, les transactions, et le requêtes asynchrones</a:t>
+            </a:r>
+          </a:p>
+          <a:p>
+            <a:pPr>
+              <a:buFont typeface="Wingdings" panose="05000000000000000000" pitchFamily="2" charset="2"/>
+              <a:buChar char="Ø"/>
+            </a:pPr>
+            <a:r>
+              <a:rPr lang="fr-CA" dirty="0"/>
+              <a:t>Obligation de créer une </a:t>
+            </a:r>
+            <a:r>
+              <a:rPr lang="fr-CA" dirty="0" err="1"/>
+              <a:t>query</a:t>
+            </a:r>
+            <a:r>
+              <a:rPr lang="fr-CA" dirty="0"/>
+              <a:t> </a:t>
+            </a:r>
+            <a:r>
+              <a:rPr lang="fr-CA" dirty="0" err="1"/>
+              <a:t>AdHoc</a:t>
+            </a:r>
+            <a:r>
+              <a:rPr lang="fr-CA" dirty="0"/>
+              <a:t> pour </a:t>
+            </a:r>
+            <a:r>
+              <a:rPr lang="fr-CA" dirty="0" err="1"/>
+              <a:t>populer</a:t>
+            </a:r>
+            <a:r>
+              <a:rPr lang="fr-CA" dirty="0"/>
+              <a:t> un objet</a:t>
+            </a:r>
+            <a:endParaRPr lang="fr-FR" dirty="0"/>
+          </a:p>
+          <a:p>
+            <a:pPr>
+              <a:buFont typeface="Wingdings" panose="05000000000000000000" pitchFamily="2" charset="2"/>
+              <a:buChar char="Ø"/>
+            </a:pPr>
+            <a:endParaRPr lang="fr-FR" dirty="0"/>
+          </a:p>
+          <a:p>
+            <a:pPr marL="45720" indent="0">
+              <a:buNone/>
+            </a:pPr>
+            <a:endParaRPr lang="fr-FR" dirty="0"/>
+          </a:p>
+        </p:txBody>
+      </p:sp>
     </p:spTree>
     <p:extLst>
       <p:ext uri="{BB962C8B-B14F-4D97-AF65-F5344CB8AC3E}">
-        <p14:creationId xmlns:p14="http://schemas.microsoft.com/office/powerpoint/2010/main" val="1341470884"/>
+        <p14:creationId xmlns:p14="http://schemas.microsoft.com/office/powerpoint/2010/main" val="3056944924"/>
       </p:ext>
     </p:extLst>
   </p:cSld>

--- a/Items/Les Micro Orm, alternatives à Entity Framework.pptx
+++ b/Items/Les Micro Orm, alternatives à Entity Framework.pptx
@@ -5,10 +5,10 @@
     <p:sldMasterId id="2147483648" r:id="rId2"/>
   </p:sldMasterIdLst>
   <p:notesMasterIdLst>
-    <p:notesMasterId r:id="rId15"/>
+    <p:notesMasterId r:id="rId17"/>
   </p:notesMasterIdLst>
   <p:handoutMasterIdLst>
-    <p:handoutMasterId r:id="rId16"/>
+    <p:handoutMasterId r:id="rId18"/>
   </p:handoutMasterIdLst>
   <p:sldIdLst>
     <p:sldId id="273" r:id="rId3"/>
@@ -19,10 +19,12 @@
     <p:sldId id="266" r:id="rId8"/>
     <p:sldId id="275" r:id="rId9"/>
     <p:sldId id="279" r:id="rId10"/>
-    <p:sldId id="280" r:id="rId11"/>
-    <p:sldId id="281" r:id="rId12"/>
-    <p:sldId id="260" r:id="rId13"/>
-    <p:sldId id="276" r:id="rId14"/>
+    <p:sldId id="281" r:id="rId11"/>
+    <p:sldId id="282" r:id="rId12"/>
+    <p:sldId id="283" r:id="rId13"/>
+    <p:sldId id="280" r:id="rId14"/>
+    <p:sldId id="260" r:id="rId15"/>
+    <p:sldId id="276" r:id="rId16"/>
   </p:sldIdLst>
   <p:sldSz cx="12192000" cy="6858000"/>
   <p:notesSz cx="6858000" cy="9144000"/>
@@ -225,7 +227,7 @@
           <a:p>
             <a:fld id="{20EA5F0D-C1DC-412F-A146-DDB3A74B588F}" type="datetimeFigureOut">
               <a:rPr lang="en-US"/>
-              <a:t>2/26/2017</a:t>
+              <a:t>3/2/2017</a:t>
             </a:fld>
             <a:endParaRPr/>
           </a:p>
@@ -390,7 +392,7 @@
           <a:p>
             <a:fld id="{A8CDE508-72C8-4AB5-AA9C-1584D31690E0}" type="datetimeFigureOut">
               <a:rPr lang="en-US"/>
-              <a:t>2/26/2017</a:t>
+              <a:t>3/2/2017</a:t>
             </a:fld>
             <a:endParaRPr/>
           </a:p>
@@ -1501,7 +1503,7 @@
           <a:p>
             <a:fld id="{9E583DDF-CA54-461A-A486-592D2374C532}" type="datetimeFigureOut">
               <a:rPr lang="fr-FR"/>
-              <a:t>26/02/2017</a:t>
+              <a:t>02/03/2017</a:t>
             </a:fld>
             <a:endParaRPr/>
           </a:p>
@@ -1693,7 +1695,7 @@
           <a:p>
             <a:fld id="{9E583DDF-CA54-461A-A486-592D2374C532}" type="datetimeFigureOut">
               <a:rPr lang="fr-FR"/>
-              <a:t>26/02/2017</a:t>
+              <a:t>02/03/2017</a:t>
             </a:fld>
             <a:endParaRPr/>
           </a:p>
@@ -1875,7 +1877,7 @@
           <a:p>
             <a:fld id="{9E583DDF-CA54-461A-A486-592D2374C532}" type="datetimeFigureOut">
               <a:rPr lang="fr-FR"/>
-              <a:t>26/02/2017</a:t>
+              <a:t>02/03/2017</a:t>
             </a:fld>
             <a:endParaRPr/>
           </a:p>
@@ -2315,7 +2317,7 @@
           <a:p>
             <a:fld id="{9E583DDF-CA54-461A-A486-592D2374C532}" type="datetimeFigureOut">
               <a:rPr lang="fr-FR"/>
-              <a:t>26/02/2017</a:t>
+              <a:t>02/03/2017</a:t>
             </a:fld>
             <a:endParaRPr/>
           </a:p>
@@ -2779,7 +2781,7 @@
           <a:p>
             <a:fld id="{0A879FD0-C37A-4F50-8F3B-5FA0D9D0B42F}" type="datetimeFigureOut">
               <a:rPr lang="fr-FR"/>
-              <a:t>26/02/2017</a:t>
+              <a:t>02/03/2017</a:t>
             </a:fld>
             <a:endParaRPr/>
           </a:p>
@@ -3223,7 +3225,7 @@
           <a:p>
             <a:fld id="{9E583DDF-CA54-461A-A486-592D2374C532}" type="datetimeFigureOut">
               <a:rPr lang="fr-FR"/>
-              <a:t>26/02/2017</a:t>
+              <a:t>02/03/2017</a:t>
             </a:fld>
             <a:endParaRPr/>
           </a:p>
@@ -3353,7 +3355,7 @@
           <a:p>
             <a:fld id="{9E583DDF-CA54-461A-A486-592D2374C532}" type="datetimeFigureOut">
               <a:rPr lang="fr-FR"/>
-              <a:t>26/02/2017</a:t>
+              <a:t>02/03/2017</a:t>
             </a:fld>
             <a:endParaRPr/>
           </a:p>
@@ -3571,7 +3573,7 @@
           <a:p>
             <a:fld id="{9E583DDF-CA54-461A-A486-592D2374C532}" type="datetimeFigureOut">
               <a:rPr lang="fr-FR"/>
-              <a:t>26/02/2017</a:t>
+              <a:t>02/03/2017</a:t>
             </a:fld>
             <a:endParaRPr/>
           </a:p>
@@ -4091,7 +4093,7 @@
           <a:p>
             <a:fld id="{9E583DDF-CA54-461A-A486-592D2374C532}" type="datetimeFigureOut">
               <a:rPr lang="fr-FR"/>
-              <a:t>26/02/2017</a:t>
+              <a:t>02/03/2017</a:t>
             </a:fld>
             <a:endParaRPr/>
           </a:p>
@@ -4490,7 +4492,7 @@
           <a:p>
             <a:fld id="{9E583DDF-CA54-461A-A486-592D2374C532}" type="datetimeFigureOut">
               <a:rPr lang="fr-FR"/>
-              <a:t>26/02/2017</a:t>
+              <a:t>02/03/2017</a:t>
             </a:fld>
             <a:endParaRPr/>
           </a:p>
@@ -5332,7 +5334,7 @@
             <a:fld id="{9E583DDF-CA54-461A-A486-592D2374C532}" type="datetimeFigureOut">
               <a:rPr lang="fr-FR"/>
               <a:pPr/>
-              <a:t>26/02/2017</a:t>
+              <a:t>02/03/2017</a:t>
             </a:fld>
             <a:endParaRPr/>
           </a:p>
@@ -5993,7 +5995,7 @@
           <a:p>
             <a:r>
               <a:rPr lang="fr-FR" noProof="1"/>
-              <a:t>Massive</a:t>
+              <a:t>PetaPoco</a:t>
             </a:r>
           </a:p>
         </p:txBody>
@@ -6016,7 +6018,7 @@
         </p:spPr>
         <p:txBody>
           <a:bodyPr>
-            <a:normAutofit lnSpcReduction="10000"/>
+            <a:normAutofit fontScale="77500" lnSpcReduction="20000"/>
           </a:bodyPr>
           <a:lstStyle/>
           <a:p>
@@ -6025,12 +6027,8 @@
               <a:buChar char="Ø"/>
             </a:pPr>
             <a:r>
-              <a:rPr lang="fr-FR" dirty="0" err="1"/>
-              <a:t>MicroOrm</a:t>
-            </a:r>
-            <a:r>
               <a:rPr lang="fr-FR" dirty="0"/>
-              <a:t> fournissant uniquement des données dynamiques</a:t>
+              <a:t>«  Inspiré » de Massive, probablement un fork de ce dernier</a:t>
             </a:r>
           </a:p>
           <a:p>
@@ -6048,7 +6046,7 @@
             </a:r>
             <a:r>
               <a:rPr lang="fr-FR" dirty="0"/>
-              <a:t> avec peu de bases de données :</a:t>
+              <a:t> avec les bases de données :</a:t>
             </a:r>
           </a:p>
           <a:p>
@@ -6097,13 +6095,42 @@
             <a:endParaRPr lang="fr-CA" dirty="0"/>
           </a:p>
           <a:p>
+            <a:pPr lvl="1">
+              <a:buFont typeface="Wingdings" panose="05000000000000000000" pitchFamily="2" charset="2"/>
+              <a:buChar char="Ø"/>
+            </a:pPr>
+            <a:r>
+              <a:rPr lang="fr-CA" dirty="0"/>
+              <a:t>MySQL</a:t>
+            </a:r>
+          </a:p>
+          <a:p>
+            <a:pPr lvl="1">
+              <a:buFont typeface="Wingdings" panose="05000000000000000000" pitchFamily="2" charset="2"/>
+              <a:buChar char="Ø"/>
+            </a:pPr>
+            <a:r>
+              <a:rPr lang="fr-CA" dirty="0" err="1"/>
+              <a:t>FireBird</a:t>
+            </a:r>
+            <a:endParaRPr lang="fr-CA" dirty="0"/>
+          </a:p>
+          <a:p>
             <a:pPr>
               <a:buFont typeface="Wingdings" panose="05000000000000000000" pitchFamily="2" charset="2"/>
               <a:buChar char="Ø"/>
             </a:pPr>
             <a:r>
               <a:rPr lang="fr-FR" dirty="0"/>
-              <a:t>Double Syntaxe SQL et hybride LINQ / SQL</a:t>
+              <a:t>Double Syntaxe SQL et LINQ-</a:t>
+            </a:r>
+            <a:r>
+              <a:rPr lang="fr-FR" dirty="0" err="1"/>
+              <a:t>Like</a:t>
+            </a:r>
+            <a:r>
+              <a:rPr lang="fr-FR" dirty="0"/>
+              <a:t> + hybride LINQ / SQL</a:t>
             </a:r>
           </a:p>
           <a:p>
@@ -6112,10 +6139,9 @@
               <a:buChar char="Ø"/>
             </a:pPr>
             <a:r>
-              <a:rPr lang="fr-CA" dirty="0"/>
-              <a:t>Fournit les commandes de base uniquement, syntaxe simpliste</a:t>
-            </a:r>
-            <a:endParaRPr lang="fr-FR" dirty="0"/>
+              <a:rPr lang="fr-FR" dirty="0"/>
+              <a:t>Performances intéressantes</a:t>
+            </a:r>
           </a:p>
           <a:p>
             <a:pPr>
@@ -6123,8 +6149,8 @@
               <a:buChar char="Ø"/>
             </a:pPr>
             <a:r>
-              <a:rPr lang="fr-FR" dirty="0"/>
-              <a:t>Performances intéressantes</a:t>
+              <a:rPr lang="fr-CA" dirty="0"/>
+              <a:t>Communauté active autour ce dernier</a:t>
             </a:r>
           </a:p>
           <a:p>
@@ -6134,7 +6160,7 @@
             </a:pPr>
             <a:r>
               <a:rPr lang="fr-CA" dirty="0"/>
-              <a:t>Obligation de créer une </a:t>
+              <a:t>Pas besoin d’une </a:t>
             </a:r>
             <a:r>
               <a:rPr lang="fr-CA" dirty="0" err="1"/>
@@ -6158,7 +6184,7 @@
             </a:r>
             <a:r>
               <a:rPr lang="fr-CA" dirty="0"/>
-              <a:t> un objet</a:t>
+              <a:t> un objet (relations supportées)</a:t>
             </a:r>
           </a:p>
           <a:p>
@@ -6168,33 +6194,47 @@
             </a:pPr>
             <a:r>
               <a:rPr lang="fr-CA" dirty="0"/>
-              <a:t>Obligation de faire hériter ses </a:t>
+              <a:t>Obligation d’ajouter des attributs de </a:t>
             </a:r>
             <a:r>
               <a:rPr lang="fr-CA" dirty="0" err="1"/>
-              <a:t>Pocos</a:t>
+              <a:t>mapping</a:t>
             </a:r>
             <a:r>
               <a:rPr lang="fr-CA" dirty="0"/>
-              <a:t> d’une classe nommée « </a:t>
-            </a:r>
-            <a:r>
-              <a:rPr lang="fr-CA" dirty="0" err="1"/>
-              <a:t>DynamicModel</a:t>
-            </a:r>
-            <a:r>
-              <a:rPr lang="fr-CA" dirty="0"/>
-              <a:t> »,</a:t>
-            </a:r>
-          </a:p>
-          <a:p>
-            <a:pPr lvl="1">
+              <a:t> si on utilise des alias dans la requête SQL</a:t>
+            </a:r>
+          </a:p>
+          <a:p>
+            <a:pPr>
               <a:buFont typeface="Wingdings" panose="05000000000000000000" pitchFamily="2" charset="2"/>
               <a:buChar char="Ø"/>
             </a:pPr>
             <a:r>
               <a:rPr lang="fr-CA" dirty="0"/>
-              <a:t>Mapper ses données dans un autre objet typé similaire ou se contenter de données dynamiques</a:t>
+              <a:t>Insert, Update, </a:t>
+            </a:r>
+            <a:r>
+              <a:rPr lang="fr-CA" dirty="0" err="1"/>
+              <a:t>Delete</a:t>
+            </a:r>
+            <a:r>
+              <a:rPr lang="fr-CA" dirty="0"/>
+              <a:t> identiques à Massive</a:t>
+            </a:r>
+          </a:p>
+          <a:p>
+            <a:pPr>
+              <a:buFont typeface="Wingdings" panose="05000000000000000000" pitchFamily="2" charset="2"/>
+              <a:buChar char="Ø"/>
+            </a:pPr>
+            <a:r>
+              <a:rPr lang="fr-CA" dirty="0"/>
+              <a:t>Pas d’</a:t>
+            </a:r>
+            <a:r>
+              <a:rPr lang="fr-CA" dirty="0" err="1"/>
+              <a:t>Async</a:t>
             </a:r>
             <a:endParaRPr lang="fr-FR" dirty="0"/>
           </a:p>
@@ -6206,6 +6246,13 @@
             <a:endParaRPr lang="fr-FR" dirty="0"/>
           </a:p>
           <a:p>
+            <a:pPr>
+              <a:buFont typeface="Wingdings" panose="05000000000000000000" pitchFamily="2" charset="2"/>
+              <a:buChar char="Ø"/>
+            </a:pPr>
+            <a:endParaRPr lang="fr-FR" dirty="0"/>
+          </a:p>
+          <a:p>
             <a:pPr marL="45720" indent="0">
               <a:buNone/>
             </a:pPr>
@@ -6216,7 +6263,7 @@
     </p:spTree>
     <p:extLst>
       <p:ext uri="{BB962C8B-B14F-4D97-AF65-F5344CB8AC3E}">
-        <p14:creationId xmlns:p14="http://schemas.microsoft.com/office/powerpoint/2010/main" val="2045684570"/>
+        <p14:creationId xmlns:p14="http://schemas.microsoft.com/office/powerpoint/2010/main" val="3557918268"/>
       </p:ext>
     </p:extLst>
   </p:cSld>
@@ -6257,6 +6304,621 @@
       </p:grpSpPr>
       <p:sp>
         <p:nvSpPr>
+          <p:cNvPr id="13" name="Titre 12"/>
+          <p:cNvSpPr>
+            <a:spLocks noGrp="1"/>
+          </p:cNvSpPr>
+          <p:nvPr>
+            <p:ph type="title"/>
+          </p:nvPr>
+        </p:nvSpPr>
+        <p:spPr>
+          <a:xfrm>
+            <a:off x="1341120" y="438912"/>
+            <a:ext cx="9509760" cy="517433"/>
+          </a:xfrm>
+        </p:spPr>
+        <p:txBody>
+          <a:bodyPr>
+            <a:normAutofit fontScale="90000"/>
+          </a:bodyPr>
+          <a:lstStyle/>
+          <a:p>
+            <a:r>
+              <a:rPr lang="fr-FR" noProof="1"/>
+              <a:t>NPoco</a:t>
+            </a:r>
+          </a:p>
+        </p:txBody>
+      </p:sp>
+      <p:sp>
+        <p:nvSpPr>
+          <p:cNvPr id="3" name="Espace réservé du contenu 2"/>
+          <p:cNvSpPr>
+            <a:spLocks noGrp="1"/>
+          </p:cNvSpPr>
+          <p:nvPr>
+            <p:ph idx="1"/>
+          </p:nvPr>
+        </p:nvSpPr>
+        <p:spPr>
+          <a:xfrm>
+            <a:off x="1341120" y="956345"/>
+            <a:ext cx="9509760" cy="5217952"/>
+          </a:xfrm>
+        </p:spPr>
+        <p:txBody>
+          <a:bodyPr>
+            <a:normAutofit/>
+          </a:bodyPr>
+          <a:lstStyle/>
+          <a:p>
+            <a:pPr>
+              <a:buFont typeface="Wingdings" panose="05000000000000000000" pitchFamily="2" charset="2"/>
+              <a:buChar char="Ø"/>
+            </a:pPr>
+            <a:r>
+              <a:rPr lang="fr-FR" dirty="0"/>
+              <a:t>Fork de </a:t>
+            </a:r>
+            <a:r>
+              <a:rPr lang="fr-FR" dirty="0" err="1"/>
+              <a:t>PetaPoco</a:t>
+            </a:r>
+            <a:endParaRPr lang="fr-FR" dirty="0"/>
+          </a:p>
+          <a:p>
+            <a:pPr>
+              <a:buFont typeface="Wingdings" panose="05000000000000000000" pitchFamily="2" charset="2"/>
+              <a:buChar char="Ø"/>
+            </a:pPr>
+            <a:r>
+              <a:rPr lang="fr-CA" dirty="0"/>
+              <a:t>Même avantages de </a:t>
+            </a:r>
+            <a:r>
+              <a:rPr lang="fr-CA" dirty="0" err="1"/>
+              <a:t>PetaPoco</a:t>
+            </a:r>
+            <a:r>
+              <a:rPr lang="fr-CA" dirty="0"/>
+              <a:t>, avec des </a:t>
+            </a:r>
+            <a:r>
+              <a:rPr lang="fr-CA" dirty="0" err="1"/>
+              <a:t>features</a:t>
+            </a:r>
+            <a:r>
+              <a:rPr lang="fr-CA" dirty="0"/>
+              <a:t> additionnelles</a:t>
+            </a:r>
+          </a:p>
+          <a:p>
+            <a:pPr lvl="1">
+              <a:buFont typeface="Wingdings" panose="05000000000000000000" pitchFamily="2" charset="2"/>
+              <a:buChar char="Ø"/>
+            </a:pPr>
+            <a:r>
+              <a:rPr lang="fr-CA" dirty="0" err="1"/>
+              <a:t>Mapping</a:t>
+            </a:r>
+            <a:r>
+              <a:rPr lang="fr-CA" dirty="0"/>
+              <a:t> dans un objet existant possible</a:t>
+            </a:r>
+            <a:endParaRPr lang="fr-FR" dirty="0"/>
+          </a:p>
+          <a:p>
+            <a:pPr lvl="1">
+              <a:buFont typeface="Wingdings" panose="05000000000000000000" pitchFamily="2" charset="2"/>
+              <a:buChar char="Ø"/>
+            </a:pPr>
+            <a:r>
+              <a:rPr lang="fr-CA" dirty="0"/>
+              <a:t>S</a:t>
+            </a:r>
+            <a:r>
+              <a:rPr lang="fr-FR" dirty="0" err="1"/>
+              <a:t>upporte</a:t>
+            </a:r>
+            <a:r>
+              <a:rPr lang="fr-FR" dirty="0"/>
+              <a:t> les jeux de données multiples (comme EF, mais plus élégant)</a:t>
+            </a:r>
+          </a:p>
+          <a:p>
+            <a:pPr lvl="1">
+              <a:buFont typeface="Wingdings" panose="05000000000000000000" pitchFamily="2" charset="2"/>
+              <a:buChar char="Ø"/>
+            </a:pPr>
+            <a:r>
+              <a:rPr lang="fr-CA" dirty="0" err="1"/>
+              <a:t>Async</a:t>
+            </a:r>
+            <a:r>
+              <a:rPr lang="fr-CA" dirty="0"/>
+              <a:t> (mais pas toute </a:t>
+            </a:r>
+            <a:r>
+              <a:rPr lang="fr-CA"/>
+              <a:t>les opérations)</a:t>
+            </a:r>
+            <a:endParaRPr lang="fr-FR" dirty="0"/>
+          </a:p>
+          <a:p>
+            <a:pPr lvl="1">
+              <a:buFont typeface="Wingdings" panose="05000000000000000000" pitchFamily="2" charset="2"/>
+              <a:buChar char="Ø"/>
+            </a:pPr>
+            <a:r>
+              <a:rPr lang="fr-CA" dirty="0"/>
+              <a:t>E</a:t>
+            </a:r>
+            <a:r>
+              <a:rPr lang="fr-FR" dirty="0"/>
+              <a:t>t bien d’autres encore….</a:t>
+            </a:r>
+          </a:p>
+          <a:p>
+            <a:pPr>
+              <a:buFont typeface="Wingdings" panose="05000000000000000000" pitchFamily="2" charset="2"/>
+              <a:buChar char="Ø"/>
+            </a:pPr>
+            <a:r>
+              <a:rPr lang="fr-CA" dirty="0"/>
+              <a:t>S</a:t>
+            </a:r>
+            <a:r>
+              <a:rPr lang="fr-FR" dirty="0" err="1"/>
+              <a:t>yntaxe</a:t>
+            </a:r>
+            <a:r>
+              <a:rPr lang="fr-FR" dirty="0"/>
+              <a:t> quasiment identique</a:t>
+            </a:r>
+          </a:p>
+          <a:p>
+            <a:pPr>
+              <a:buFont typeface="Wingdings" panose="05000000000000000000" pitchFamily="2" charset="2"/>
+              <a:buChar char="Ø"/>
+            </a:pPr>
+            <a:r>
+              <a:rPr lang="fr-CA" dirty="0"/>
+              <a:t>G</a:t>
+            </a:r>
+            <a:r>
+              <a:rPr lang="fr-FR" dirty="0" err="1"/>
+              <a:t>estion</a:t>
+            </a:r>
+            <a:r>
+              <a:rPr lang="fr-FR" dirty="0"/>
+              <a:t> des relations simplifiée</a:t>
+            </a:r>
+          </a:p>
+          <a:p>
+            <a:pPr>
+              <a:buFont typeface="Wingdings" panose="05000000000000000000" pitchFamily="2" charset="2"/>
+              <a:buChar char="Ø"/>
+            </a:pPr>
+            <a:r>
+              <a:rPr lang="fr-CA" dirty="0"/>
+              <a:t>P</a:t>
+            </a:r>
+            <a:r>
+              <a:rPr lang="fr-FR" dirty="0"/>
+              <a:t>lus besoin d’attributs de </a:t>
+            </a:r>
+            <a:r>
+              <a:rPr lang="fr-FR" dirty="0" err="1"/>
+              <a:t>mapping</a:t>
+            </a:r>
+            <a:r>
+              <a:rPr lang="fr-FR" dirty="0"/>
+              <a:t> comme </a:t>
+            </a:r>
+            <a:r>
+              <a:rPr lang="fr-FR" dirty="0" err="1"/>
+              <a:t>PetaPoco</a:t>
+            </a:r>
+            <a:r>
+              <a:rPr lang="fr-FR" dirty="0"/>
+              <a:t>, les alias sont mieux pris en charge</a:t>
+            </a:r>
+          </a:p>
+          <a:p>
+            <a:pPr>
+              <a:buFont typeface="Wingdings" panose="05000000000000000000" pitchFamily="2" charset="2"/>
+              <a:buChar char="Ø"/>
+            </a:pPr>
+            <a:r>
+              <a:rPr lang="fr-CA" dirty="0"/>
+              <a:t>Moins populaire que </a:t>
+            </a:r>
+            <a:r>
+              <a:rPr lang="fr-CA" dirty="0" err="1"/>
+              <a:t>PetaPoco</a:t>
+            </a:r>
+            <a:r>
+              <a:rPr lang="fr-CA" dirty="0"/>
+              <a:t>, communauté moins active</a:t>
+            </a:r>
+          </a:p>
+          <a:p>
+            <a:pPr marL="45720" indent="0">
+              <a:buNone/>
+            </a:pPr>
+            <a:endParaRPr lang="fr-FR" dirty="0"/>
+          </a:p>
+        </p:txBody>
+      </p:sp>
+    </p:spTree>
+    <p:extLst>
+      <p:ext uri="{BB962C8B-B14F-4D97-AF65-F5344CB8AC3E}">
+        <p14:creationId xmlns:p14="http://schemas.microsoft.com/office/powerpoint/2010/main" val="4083376732"/>
+      </p:ext>
+    </p:extLst>
+  </p:cSld>
+  <p:clrMapOvr>
+    <a:masterClrMapping/>
+  </p:clrMapOvr>
+  <mc:AlternateContent xmlns:mc="http://schemas.openxmlformats.org/markup-compatibility/2006" xmlns:p14="http://schemas.microsoft.com/office/powerpoint/2010/main">
+    <mc:Choice Requires="p14">
+      <p:transition spd="med" p14:dur="700">
+        <p:fade/>
+      </p:transition>
+    </mc:Choice>
+    <mc:Fallback xmlns="">
+      <p:transition spd="med">
+        <p:fade/>
+      </p:transition>
+    </mc:Fallback>
+  </mc:AlternateContent>
+</p:sld>
+</file>
+
+<file path=ppt/slides/slide12.xml><?xml version="1.0" encoding="utf-8"?>
+<p:sld xmlns:a="http://schemas.openxmlformats.org/drawingml/2006/main" xmlns:r="http://schemas.openxmlformats.org/officeDocument/2006/relationships" xmlns:p="http://schemas.openxmlformats.org/presentationml/2006/main">
+  <p:cSld>
+    <p:spTree>
+      <p:nvGrpSpPr>
+        <p:cNvPr id="1" name=""/>
+        <p:cNvGrpSpPr/>
+        <p:nvPr/>
+      </p:nvGrpSpPr>
+      <p:grpSpPr>
+        <a:xfrm>
+          <a:off x="0" y="0"/>
+          <a:ext cx="0" cy="0"/>
+          <a:chOff x="0" y="0"/>
+          <a:chExt cx="0" cy="0"/>
+        </a:xfrm>
+      </p:grpSpPr>
+      <p:sp>
+        <p:nvSpPr>
+          <p:cNvPr id="13" name="Titre 12"/>
+          <p:cNvSpPr>
+            <a:spLocks noGrp="1"/>
+          </p:cNvSpPr>
+          <p:nvPr>
+            <p:ph type="title"/>
+          </p:nvPr>
+        </p:nvSpPr>
+        <p:spPr>
+          <a:xfrm>
+            <a:off x="1341120" y="438912"/>
+            <a:ext cx="9509760" cy="517433"/>
+          </a:xfrm>
+        </p:spPr>
+        <p:txBody>
+          <a:bodyPr>
+            <a:normAutofit fontScale="90000"/>
+          </a:bodyPr>
+          <a:lstStyle/>
+          <a:p>
+            <a:r>
+              <a:rPr lang="fr-FR" noProof="1"/>
+              <a:t>OrmLite</a:t>
+            </a:r>
+          </a:p>
+        </p:txBody>
+      </p:sp>
+      <p:sp>
+        <p:nvSpPr>
+          <p:cNvPr id="3" name="Espace réservé du contenu 2"/>
+          <p:cNvSpPr>
+            <a:spLocks noGrp="1"/>
+          </p:cNvSpPr>
+          <p:nvPr>
+            <p:ph idx="1"/>
+          </p:nvPr>
+        </p:nvSpPr>
+        <p:spPr>
+          <a:xfrm>
+            <a:off x="1341120" y="956345"/>
+            <a:ext cx="9509760" cy="5217952"/>
+          </a:xfrm>
+        </p:spPr>
+        <p:txBody>
+          <a:bodyPr>
+            <a:normAutofit fontScale="85000" lnSpcReduction="20000"/>
+          </a:bodyPr>
+          <a:lstStyle/>
+          <a:p>
+            <a:pPr>
+              <a:buFont typeface="Wingdings" panose="05000000000000000000" pitchFamily="2" charset="2"/>
+              <a:buChar char="Ø"/>
+            </a:pPr>
+            <a:r>
+              <a:rPr lang="fr-FR" dirty="0"/>
+              <a:t>Développé par l’équipe </a:t>
+            </a:r>
+            <a:r>
+              <a:rPr lang="fr-FR" dirty="0" err="1"/>
+              <a:t>ServiceStack</a:t>
+            </a:r>
+            <a:endParaRPr lang="fr-FR" dirty="0"/>
+          </a:p>
+          <a:p>
+            <a:pPr>
+              <a:buFont typeface="Wingdings" panose="05000000000000000000" pitchFamily="2" charset="2"/>
+              <a:buChar char="Ø"/>
+            </a:pPr>
+            <a:r>
+              <a:rPr lang="fr-CA" dirty="0"/>
+              <a:t>C</a:t>
+            </a:r>
+            <a:r>
+              <a:rPr lang="fr-FR" dirty="0" err="1"/>
+              <a:t>ompatible</a:t>
+            </a:r>
+            <a:r>
+              <a:rPr lang="fr-FR" dirty="0"/>
+              <a:t> avec plusieurs bases de données : </a:t>
+            </a:r>
+          </a:p>
+          <a:p>
+            <a:pPr lvl="1">
+              <a:buFont typeface="Wingdings" panose="05000000000000000000" pitchFamily="2" charset="2"/>
+              <a:buChar char="Ø"/>
+            </a:pPr>
+            <a:r>
+              <a:rPr lang="fr-FR" dirty="0"/>
+              <a:t>SQL Server 2000 et supérieur, </a:t>
+            </a:r>
+          </a:p>
+          <a:p>
+            <a:pPr lvl="1">
+              <a:buFont typeface="Wingdings" panose="05000000000000000000" pitchFamily="2" charset="2"/>
+              <a:buChar char="Ø"/>
+            </a:pPr>
+            <a:r>
+              <a:rPr lang="fr-FR" dirty="0"/>
+              <a:t>Oracle</a:t>
+            </a:r>
+          </a:p>
+          <a:p>
+            <a:pPr lvl="1">
+              <a:buFont typeface="Wingdings" panose="05000000000000000000" pitchFamily="2" charset="2"/>
+              <a:buChar char="Ø"/>
+            </a:pPr>
+            <a:r>
+              <a:rPr lang="fr-FR" dirty="0" err="1"/>
+              <a:t>Mysql</a:t>
+            </a:r>
+            <a:endParaRPr lang="fr-FR" dirty="0"/>
+          </a:p>
+          <a:p>
+            <a:pPr lvl="1">
+              <a:buFont typeface="Wingdings" panose="05000000000000000000" pitchFamily="2" charset="2"/>
+              <a:buChar char="Ø"/>
+            </a:pPr>
+            <a:r>
+              <a:rPr lang="fr-FR" dirty="0" err="1"/>
+              <a:t>SqlLite</a:t>
+            </a:r>
+            <a:r>
+              <a:rPr lang="fr-FR" dirty="0"/>
+              <a:t> </a:t>
+            </a:r>
+          </a:p>
+          <a:p>
+            <a:pPr lvl="1">
+              <a:buFont typeface="Wingdings" panose="05000000000000000000" pitchFamily="2" charset="2"/>
+              <a:buChar char="Ø"/>
+            </a:pPr>
+            <a:r>
+              <a:rPr lang="fr-CA" dirty="0" err="1"/>
+              <a:t>PostgreSql</a:t>
+            </a:r>
+            <a:endParaRPr lang="fr-CA" dirty="0"/>
+          </a:p>
+          <a:p>
+            <a:pPr lvl="1">
+              <a:buFont typeface="Wingdings" panose="05000000000000000000" pitchFamily="2" charset="2"/>
+              <a:buChar char="Ø"/>
+            </a:pPr>
+            <a:r>
+              <a:rPr lang="fr-CA" dirty="0" err="1"/>
+              <a:t>FireBird</a:t>
+            </a:r>
+            <a:endParaRPr lang="fr-CA" dirty="0"/>
+          </a:p>
+          <a:p>
+            <a:pPr lvl="1">
+              <a:buFont typeface="Wingdings" panose="05000000000000000000" pitchFamily="2" charset="2"/>
+              <a:buChar char="Ø"/>
+            </a:pPr>
+            <a:r>
+              <a:rPr lang="fr-CA" dirty="0" err="1"/>
+              <a:t>VistaDB</a:t>
+            </a:r>
+            <a:endParaRPr lang="fr-CA" dirty="0"/>
+          </a:p>
+          <a:p>
+            <a:pPr>
+              <a:buFont typeface="Wingdings" panose="05000000000000000000" pitchFamily="2" charset="2"/>
+              <a:buChar char="Ø"/>
+            </a:pPr>
+            <a:r>
+              <a:rPr lang="fr-FR" dirty="0"/>
+              <a:t>Double Syntaxe LINQ-</a:t>
+            </a:r>
+            <a:r>
+              <a:rPr lang="fr-FR" dirty="0" err="1"/>
+              <a:t>Like</a:t>
+            </a:r>
+            <a:r>
+              <a:rPr lang="fr-FR" dirty="0"/>
+              <a:t> élégante et SQL</a:t>
+            </a:r>
+          </a:p>
+          <a:p>
+            <a:pPr>
+              <a:buFont typeface="Wingdings" panose="05000000000000000000" pitchFamily="2" charset="2"/>
+              <a:buChar char="Ø"/>
+            </a:pPr>
+            <a:r>
+              <a:rPr lang="fr-CA" dirty="0"/>
+              <a:t>A</a:t>
+            </a:r>
+            <a:r>
+              <a:rPr lang="fr-FR" dirty="0"/>
+              <a:t>PI riche en fonctionnalités</a:t>
+            </a:r>
+          </a:p>
+          <a:p>
+            <a:pPr>
+              <a:buFont typeface="Wingdings" panose="05000000000000000000" pitchFamily="2" charset="2"/>
+              <a:buChar char="Ø"/>
+            </a:pPr>
+            <a:r>
+              <a:rPr lang="fr-CA" dirty="0"/>
+              <a:t>Communauté active autour ce dernier</a:t>
+            </a:r>
+            <a:endParaRPr lang="fr-FR" dirty="0"/>
+          </a:p>
+          <a:p>
+            <a:pPr>
+              <a:buFont typeface="Wingdings" panose="05000000000000000000" pitchFamily="2" charset="2"/>
+              <a:buChar char="Ø"/>
+            </a:pPr>
+            <a:r>
+              <a:rPr lang="fr-FR" dirty="0"/>
+              <a:t>Performances intéressantes</a:t>
+            </a:r>
+          </a:p>
+          <a:p>
+            <a:pPr>
+              <a:buFont typeface="Wingdings" panose="05000000000000000000" pitchFamily="2" charset="2"/>
+              <a:buChar char="Ø"/>
+            </a:pPr>
+            <a:r>
+              <a:rPr lang="fr-CA" dirty="0"/>
+              <a:t>Supporte .Net </a:t>
+            </a:r>
+            <a:r>
+              <a:rPr lang="fr-CA" dirty="0" err="1"/>
+              <a:t>Core</a:t>
+            </a:r>
+            <a:r>
+              <a:rPr lang="fr-CA" dirty="0"/>
+              <a:t>, les transactions, et le requêtes asynchrones</a:t>
+            </a:r>
+          </a:p>
+          <a:p>
+            <a:pPr>
+              <a:buFont typeface="Wingdings" panose="05000000000000000000" pitchFamily="2" charset="2"/>
+              <a:buChar char="Ø"/>
+            </a:pPr>
+            <a:r>
+              <a:rPr lang="fr-CA" dirty="0"/>
+              <a:t>Obligation de créer une </a:t>
+            </a:r>
+            <a:r>
+              <a:rPr lang="fr-CA" dirty="0" err="1"/>
+              <a:t>query</a:t>
+            </a:r>
+            <a:r>
+              <a:rPr lang="fr-CA" dirty="0"/>
+              <a:t> </a:t>
+            </a:r>
+            <a:r>
+              <a:rPr lang="fr-CA" dirty="0" err="1"/>
+              <a:t>AdHoc</a:t>
+            </a:r>
+            <a:r>
+              <a:rPr lang="fr-CA" dirty="0"/>
+              <a:t> pour </a:t>
+            </a:r>
+            <a:r>
+              <a:rPr lang="fr-CA" dirty="0" err="1"/>
+              <a:t>populer</a:t>
+            </a:r>
+            <a:r>
+              <a:rPr lang="fr-CA" dirty="0"/>
+              <a:t> un objet</a:t>
+            </a:r>
+            <a:endParaRPr lang="fr-FR" dirty="0"/>
+          </a:p>
+          <a:p>
+            <a:pPr>
+              <a:buFont typeface="Wingdings" panose="05000000000000000000" pitchFamily="2" charset="2"/>
+              <a:buChar char="Ø"/>
+            </a:pPr>
+            <a:endParaRPr lang="fr-FR" dirty="0"/>
+          </a:p>
+          <a:p>
+            <a:pPr marL="45720" indent="0">
+              <a:buNone/>
+            </a:pPr>
+            <a:endParaRPr lang="fr-FR" dirty="0"/>
+          </a:p>
+        </p:txBody>
+      </p:sp>
+    </p:spTree>
+    <p:extLst>
+      <p:ext uri="{BB962C8B-B14F-4D97-AF65-F5344CB8AC3E}">
+        <p14:creationId xmlns:p14="http://schemas.microsoft.com/office/powerpoint/2010/main" val="3056944924"/>
+      </p:ext>
+    </p:extLst>
+  </p:cSld>
+  <p:clrMapOvr>
+    <a:masterClrMapping/>
+  </p:clrMapOvr>
+  <mc:AlternateContent xmlns:mc="http://schemas.openxmlformats.org/markup-compatibility/2006" xmlns:p14="http://schemas.microsoft.com/office/powerpoint/2010/main">
+    <mc:Choice Requires="p14">
+      <p:transition spd="med" p14:dur="700">
+        <p:fade/>
+      </p:transition>
+    </mc:Choice>
+    <mc:Fallback xmlns="">
+      <p:transition spd="med">
+        <p:fade/>
+      </p:transition>
+    </mc:Fallback>
+  </mc:AlternateContent>
+</p:sld>
+</file>
+
+<file path=ppt/slides/slide13.xml><?xml version="1.0" encoding="utf-8"?>
+<p:sld xmlns:a="http://schemas.openxmlformats.org/drawingml/2006/main" xmlns:r="http://schemas.openxmlformats.org/officeDocument/2006/relationships" xmlns:p="http://schemas.openxmlformats.org/presentationml/2006/main">
+  <p:cSld>
+    <p:spTree>
+      <p:nvGrpSpPr>
+        <p:cNvPr id="1" name=""/>
+        <p:cNvGrpSpPr/>
+        <p:nvPr/>
+      </p:nvGrpSpPr>
+      <p:grpSpPr>
+        <a:xfrm>
+          <a:off x="0" y="0"/>
+          <a:ext cx="0" cy="0"/>
+          <a:chOff x="0" y="0"/>
+          <a:chExt cx="0" cy="0"/>
+        </a:xfrm>
+      </p:grpSpPr>
+      <p:sp>
+        <p:nvSpPr>
           <p:cNvPr id="7" name="Titre 6"/>
           <p:cNvSpPr>
             <a:spLocks noGrp="1"/>
@@ -6337,7 +6999,7 @@
 </p:sld>
 </file>
 
-<file path=ppt/slides/slide12.xml><?xml version="1.0" encoding="utf-8"?>
+<file path=ppt/slides/slide14.xml><?xml version="1.0" encoding="utf-8"?>
 <p:sld xmlns:a="http://schemas.openxmlformats.org/drawingml/2006/main" xmlns:r="http://schemas.openxmlformats.org/officeDocument/2006/relationships" xmlns:p="http://schemas.openxmlformats.org/presentationml/2006/main">
   <p:cSld>
     <p:spTree>
@@ -15283,13 +15945,8 @@
             </a:pPr>
             <a:r>
               <a:rPr lang="fr-FR" dirty="0"/>
-              <a:t>Oracle</a:t>
-            </a:r>
-            <a:r>
-              <a:rPr lang="fr-FR" dirty="0"/>
-              <a:t>, </a:t>
-            </a:r>
-            <a:endParaRPr lang="fr-FR" dirty="0"/>
+              <a:t>Oracle, </a:t>
+            </a:r>
           </a:p>
           <a:p>
             <a:pPr lvl="1">
@@ -15406,7 +16063,7 @@
             </a:r>
             <a:r>
               <a:rPr lang="en-US" i="1" dirty="0"/>
-              <a:t> is quite aggressive in closing connections and holds no open connections to a data store by default, so you can keep the Database object returned from the Open*() methods hanging around without worrying. </a:t>
+              <a:t> is quite aggressive in closing connections and holds no open connections to a data store by default, so you can keep the Database object returned from the Open*() methods hanging around without worrying.</a:t>
             </a:r>
             <a:r>
               <a:rPr lang="fr-CA" dirty="0"/>
@@ -15548,7 +16205,7 @@
           <a:p>
             <a:r>
               <a:rPr lang="fr-FR" noProof="1"/>
-              <a:t>OrmLite</a:t>
+              <a:t>Massive</a:t>
             </a:r>
           </a:p>
         </p:txBody>
@@ -15571,7 +16228,7 @@
         </p:spPr>
         <p:txBody>
           <a:bodyPr>
-            <a:normAutofit fontScale="92500" lnSpcReduction="20000"/>
+            <a:normAutofit fontScale="92500" lnSpcReduction="10000"/>
           </a:bodyPr>
           <a:lstStyle/>
           <a:p>
@@ -15580,14 +16237,13 @@
               <a:buChar char="Ø"/>
             </a:pPr>
             <a:r>
+              <a:rPr lang="fr-FR" dirty="0" err="1"/>
+              <a:t>MicroOrm</a:t>
+            </a:r>
+            <a:r>
               <a:rPr lang="fr-FR" dirty="0"/>
-              <a:t>Développé par l’équipe </a:t>
-            </a:r>
-            <a:r>
-              <a:rPr lang="fr-FR" dirty="0" err="1"/>
-              <a:t>ServiceStack</a:t>
-            </a:r>
-            <a:endParaRPr lang="fr-FR" dirty="0"/>
+              <a:t> fournissant uniquement des données dynamiques</a:t>
+            </a:r>
           </a:p>
           <a:p>
             <a:pPr>
@@ -15604,7 +16260,7 @@
             </a:r>
             <a:r>
               <a:rPr lang="fr-FR" dirty="0"/>
-              <a:t> avec plusieurs bases de données : </a:t>
+              <a:t> avec peu de bases de données :</a:t>
             </a:r>
           </a:p>
           <a:p>
@@ -15614,7 +16270,7 @@
             </a:pPr>
             <a:r>
               <a:rPr lang="fr-FR" dirty="0"/>
-              <a:t>SQL Server 2000 et supérieur, </a:t>
+              <a:t>SQL Server</a:t>
             </a:r>
           </a:p>
           <a:p>
@@ -15634,9 +16290,12 @@
             </a:pPr>
             <a:r>
               <a:rPr lang="fr-FR" dirty="0" err="1"/>
-              <a:t>Mysql</a:t>
-            </a:r>
-            <a:endParaRPr lang="fr-FR" dirty="0"/>
+              <a:t>SqlLite</a:t>
+            </a:r>
+            <a:r>
+              <a:rPr lang="fr-FR" dirty="0"/>
+              <a:t> </a:t>
+            </a:r>
           </a:p>
           <a:p>
             <a:pPr lvl="1">
@@ -15644,12 +16303,108 @@
               <a:buChar char="Ø"/>
             </a:pPr>
             <a:r>
-              <a:rPr lang="fr-FR" dirty="0" err="1"/>
-              <a:t>SqlLite</a:t>
-            </a:r>
+              <a:rPr lang="fr-CA" dirty="0" err="1"/>
+              <a:t>PostgreSql</a:t>
+            </a:r>
+            <a:endParaRPr lang="fr-CA" dirty="0"/>
+          </a:p>
+          <a:p>
+            <a:pPr>
+              <a:buFont typeface="Wingdings" panose="05000000000000000000" pitchFamily="2" charset="2"/>
+              <a:buChar char="Ø"/>
+            </a:pPr>
             <a:r>
               <a:rPr lang="fr-FR" dirty="0"/>
+              <a:t>Double Syntaxe SQL et hybride LINQ / SQL</a:t>
+            </a:r>
+          </a:p>
+          <a:p>
+            <a:pPr>
+              <a:buFont typeface="Wingdings" panose="05000000000000000000" pitchFamily="2" charset="2"/>
+              <a:buChar char="Ø"/>
+            </a:pPr>
+            <a:r>
+              <a:rPr lang="fr-CA" dirty="0"/>
+              <a:t>Fournit les commandes de base uniquement, syntaxe simpliste (pas de </a:t>
+            </a:r>
+            <a:r>
+              <a:rPr lang="fr-CA" dirty="0" err="1"/>
+              <a:t>join</a:t>
+            </a:r>
+            <a:r>
+              <a:rPr lang="fr-CA" dirty="0"/>
+              <a:t> par exemple)</a:t>
+            </a:r>
+            <a:endParaRPr lang="fr-FR" dirty="0"/>
+          </a:p>
+          <a:p>
+            <a:pPr>
+              <a:buFont typeface="Wingdings" panose="05000000000000000000" pitchFamily="2" charset="2"/>
+              <a:buChar char="Ø"/>
+            </a:pPr>
+            <a:r>
+              <a:rPr lang="fr-FR" dirty="0"/>
+              <a:t>Performances intéressantes</a:t>
+            </a:r>
+          </a:p>
+          <a:p>
+            <a:pPr>
+              <a:buFont typeface="Wingdings" panose="05000000000000000000" pitchFamily="2" charset="2"/>
+              <a:buChar char="Ø"/>
+            </a:pPr>
+            <a:r>
+              <a:rPr lang="fr-CA" dirty="0"/>
+              <a:t>Obligation de créer une </a:t>
+            </a:r>
+            <a:r>
+              <a:rPr lang="fr-CA" dirty="0" err="1"/>
+              <a:t>query</a:t>
+            </a:r>
+            <a:r>
+              <a:rPr lang="fr-CA" dirty="0"/>
               <a:t> </a:t>
+            </a:r>
+            <a:r>
+              <a:rPr lang="fr-CA" dirty="0" err="1"/>
+              <a:t>AdHoc</a:t>
+            </a:r>
+            <a:r>
+              <a:rPr lang="fr-CA" dirty="0"/>
+              <a:t> pour </a:t>
+            </a:r>
+            <a:r>
+              <a:rPr lang="fr-CA" dirty="0" err="1"/>
+              <a:t>populer</a:t>
+            </a:r>
+            <a:r>
+              <a:rPr lang="fr-CA" dirty="0"/>
+              <a:t> un objet</a:t>
+            </a:r>
+          </a:p>
+          <a:p>
+            <a:pPr>
+              <a:buFont typeface="Wingdings" panose="05000000000000000000" pitchFamily="2" charset="2"/>
+              <a:buChar char="Ø"/>
+            </a:pPr>
+            <a:r>
+              <a:rPr lang="fr-CA" dirty="0"/>
+              <a:t>Obligation de faire hériter ses </a:t>
+            </a:r>
+            <a:r>
+              <a:rPr lang="fr-CA" dirty="0" err="1"/>
+              <a:t>Pocos</a:t>
+            </a:r>
+            <a:r>
+              <a:rPr lang="fr-CA" dirty="0"/>
+              <a:t> d’une classe nommée « </a:t>
+            </a:r>
+            <a:r>
+              <a:rPr lang="fr-CA" dirty="0" err="1"/>
+              <a:t>DynamicModel</a:t>
+            </a:r>
+            <a:r>
+              <a:rPr lang="fr-CA" dirty="0"/>
+              <a:t> »,</a:t>
             </a:r>
           </a:p>
           <a:p>
@@ -15658,125 +16413,8 @@
               <a:buChar char="Ø"/>
             </a:pPr>
             <a:r>
-              <a:rPr lang="fr-CA" dirty="0" err="1"/>
-              <a:t>PostgreSql</a:t>
-            </a:r>
-            <a:endParaRPr lang="fr-CA" dirty="0"/>
-          </a:p>
-          <a:p>
-            <a:pPr lvl="1">
-              <a:buFont typeface="Wingdings" panose="05000000000000000000" pitchFamily="2" charset="2"/>
-              <a:buChar char="Ø"/>
-            </a:pPr>
-            <a:r>
-              <a:rPr lang="fr-CA" dirty="0" err="1"/>
-              <a:t>FireBird</a:t>
-            </a:r>
-            <a:endParaRPr lang="fr-CA" dirty="0"/>
-          </a:p>
-          <a:p>
-            <a:pPr lvl="1">
-              <a:buFont typeface="Wingdings" panose="05000000000000000000" pitchFamily="2" charset="2"/>
-              <a:buChar char="Ø"/>
-            </a:pPr>
-            <a:r>
-              <a:rPr lang="fr-CA" dirty="0" err="1"/>
-              <a:t>VistaDB</a:t>
-            </a:r>
-            <a:endParaRPr lang="fr-CA" dirty="0"/>
-          </a:p>
-          <a:p>
-            <a:pPr>
-              <a:buFont typeface="Wingdings" panose="05000000000000000000" pitchFamily="2" charset="2"/>
-              <a:buChar char="Ø"/>
-            </a:pPr>
-            <a:r>
-              <a:rPr lang="fr-FR" dirty="0"/>
-              <a:t>Double Syntaxe LINQ-</a:t>
-            </a:r>
-            <a:r>
-              <a:rPr lang="fr-FR" dirty="0" err="1"/>
-              <a:t>Like</a:t>
-            </a:r>
-            <a:r>
-              <a:rPr lang="fr-FR" dirty="0"/>
-              <a:t> élégante et SQL</a:t>
-            </a:r>
-          </a:p>
-          <a:p>
-            <a:pPr>
-              <a:buFont typeface="Wingdings" panose="05000000000000000000" pitchFamily="2" charset="2"/>
-              <a:buChar char="Ø"/>
-            </a:pPr>
-            <a:r>
               <a:rPr lang="fr-CA" dirty="0"/>
-              <a:t>A</a:t>
-            </a:r>
-            <a:r>
-              <a:rPr lang="fr-FR" dirty="0"/>
-              <a:t>PI riche en fonctionnalités</a:t>
-            </a:r>
-          </a:p>
-          <a:p>
-            <a:pPr>
-              <a:buFont typeface="Wingdings" panose="05000000000000000000" pitchFamily="2" charset="2"/>
-              <a:buChar char="Ø"/>
-            </a:pPr>
-            <a:r>
-              <a:rPr lang="fr-FR" dirty="0"/>
-              <a:t>Performances intéressantes</a:t>
-            </a:r>
-          </a:p>
-          <a:p>
-            <a:pPr>
-              <a:buFont typeface="Wingdings" panose="05000000000000000000" pitchFamily="2" charset="2"/>
-              <a:buChar char="Ø"/>
-            </a:pPr>
-            <a:r>
-              <a:rPr lang="fr-CA" dirty="0"/>
-              <a:t>Supporte .Net </a:t>
-            </a:r>
-            <a:r>
-              <a:rPr lang="fr-CA" dirty="0" err="1"/>
-              <a:t>Core</a:t>
-            </a:r>
-            <a:r>
-              <a:rPr lang="fr-CA" dirty="0"/>
-              <a:t>, les transactions, et le requêtes asynchrones</a:t>
-            </a:r>
-          </a:p>
-          <a:p>
-            <a:pPr>
-              <a:buFont typeface="Wingdings" panose="05000000000000000000" pitchFamily="2" charset="2"/>
-              <a:buChar char="Ø"/>
-            </a:pPr>
-            <a:r>
-              <a:rPr lang="fr-CA" dirty="0"/>
-              <a:t>Obligation de créer une </a:t>
-            </a:r>
-            <a:r>
-              <a:rPr lang="fr-CA" dirty="0" err="1"/>
-              <a:t>query</a:t>
-            </a:r>
-            <a:r>
-              <a:rPr lang="fr-CA" dirty="0"/>
-              <a:t> </a:t>
-            </a:r>
-            <a:r>
-              <a:rPr lang="fr-CA" dirty="0" err="1"/>
-              <a:t>AdHoc</a:t>
-            </a:r>
-            <a:r>
-              <a:rPr lang="fr-CA" dirty="0"/>
-              <a:t> pour </a:t>
-            </a:r>
-            <a:r>
-              <a:rPr lang="fr-CA" dirty="0" err="1"/>
-              <a:t>populer</a:t>
-            </a:r>
-            <a:r>
-              <a:rPr lang="fr-CA" dirty="0"/>
-              <a:t> un objet</a:t>
+              <a:t>Mapper ses données dans un autre objet typé similaire ou se contenter de données dynamiques</a:t>
             </a:r>
             <a:endParaRPr lang="fr-FR" dirty="0"/>
           </a:p>
@@ -15798,7 +16436,7 @@
     </p:spTree>
     <p:extLst>
       <p:ext uri="{BB962C8B-B14F-4D97-AF65-F5344CB8AC3E}">
-        <p14:creationId xmlns:p14="http://schemas.microsoft.com/office/powerpoint/2010/main" val="3056944924"/>
+        <p14:creationId xmlns:p14="http://schemas.microsoft.com/office/powerpoint/2010/main" val="2045684570"/>
       </p:ext>
     </p:extLst>
   </p:cSld>

--- a/Items/Les Micro Orm, alternatives à Entity Framework.pptx
+++ b/Items/Les Micro Orm, alternatives à Entity Framework.pptx
@@ -5,10 +5,10 @@
     <p:sldMasterId id="2147483648" r:id="rId2"/>
   </p:sldMasterIdLst>
   <p:notesMasterIdLst>
-    <p:notesMasterId r:id="rId17"/>
+    <p:notesMasterId r:id="rId23"/>
   </p:notesMasterIdLst>
   <p:handoutMasterIdLst>
-    <p:handoutMasterId r:id="rId18"/>
+    <p:handoutMasterId r:id="rId24"/>
   </p:handoutMasterIdLst>
   <p:sldIdLst>
     <p:sldId id="273" r:id="rId3"/>
@@ -18,13 +18,19 @@
     <p:sldId id="274" r:id="rId7"/>
     <p:sldId id="266" r:id="rId8"/>
     <p:sldId id="275" r:id="rId9"/>
-    <p:sldId id="279" r:id="rId10"/>
-    <p:sldId id="281" r:id="rId11"/>
-    <p:sldId id="282" r:id="rId12"/>
-    <p:sldId id="283" r:id="rId13"/>
-    <p:sldId id="280" r:id="rId14"/>
-    <p:sldId id="260" r:id="rId15"/>
-    <p:sldId id="276" r:id="rId16"/>
+    <p:sldId id="284" r:id="rId10"/>
+    <p:sldId id="279" r:id="rId11"/>
+    <p:sldId id="281" r:id="rId12"/>
+    <p:sldId id="282" r:id="rId13"/>
+    <p:sldId id="283" r:id="rId14"/>
+    <p:sldId id="280" r:id="rId15"/>
+    <p:sldId id="285" r:id="rId16"/>
+    <p:sldId id="260" r:id="rId17"/>
+    <p:sldId id="289" r:id="rId18"/>
+    <p:sldId id="276" r:id="rId19"/>
+    <p:sldId id="286" r:id="rId20"/>
+    <p:sldId id="287" r:id="rId21"/>
+    <p:sldId id="288" r:id="rId22"/>
   </p:sldIdLst>
   <p:sldSz cx="12192000" cy="6858000"/>
   <p:notesSz cx="6858000" cy="9144000"/>
@@ -145,6 +151,12 @@
 </p:presentation>
 </file>
 
+<file path=ppt/commentAuthors.xml><?xml version="1.0" encoding="utf-8"?>
+<p:cmAuthorLst xmlns:a="http://schemas.openxmlformats.org/drawingml/2006/main" xmlns:r="http://schemas.openxmlformats.org/officeDocument/2006/relationships" xmlns:p="http://schemas.openxmlformats.org/presentationml/2006/main">
+  <p:cmAuthor id="2" name="Auteur" initials="A" lastIdx="1" clrIdx="1"/>
+</p:cmAuthorLst>
+</file>
+
 <file path=ppt/handoutMasters/handoutMaster1.xml><?xml version="1.0" encoding="utf-8"?>
 <p:handoutMaster xmlns:a="http://schemas.openxmlformats.org/drawingml/2006/main" xmlns:r="http://schemas.openxmlformats.org/officeDocument/2006/relationships" xmlns:p="http://schemas.openxmlformats.org/presentationml/2006/main">
   <p:cSld>
@@ -227,7 +239,7 @@
           <a:p>
             <a:fld id="{20EA5F0D-C1DC-412F-A146-DDB3A74B588F}" type="datetimeFigureOut">
               <a:rPr lang="en-US"/>
-              <a:t>3/2/2017</a:t>
+              <a:t>3/5/2017</a:t>
             </a:fld>
             <a:endParaRPr/>
           </a:p>
@@ -392,7 +404,7 @@
           <a:p>
             <a:fld id="{A8CDE508-72C8-4AB5-AA9C-1584D31690E0}" type="datetimeFigureOut">
               <a:rPr lang="en-US"/>
-              <a:t>3/2/2017</a:t>
+              <a:t>3/5/2017</a:t>
             </a:fld>
             <a:endParaRPr/>
           </a:p>
@@ -657,6 +669,174 @@
     </a:lvl9pPr>
   </p:notesStyle>
 </p:notesMaster>
+</file>
+
+<file path=ppt/notesSlides/notesSlide1.xml><?xml version="1.0" encoding="utf-8"?>
+<p:notes xmlns:a="http://schemas.openxmlformats.org/drawingml/2006/main" xmlns:r="http://schemas.openxmlformats.org/officeDocument/2006/relationships" xmlns:p="http://schemas.openxmlformats.org/presentationml/2006/main">
+  <p:cSld>
+    <p:spTree>
+      <p:nvGrpSpPr>
+        <p:cNvPr id="1" name=""/>
+        <p:cNvGrpSpPr/>
+        <p:nvPr/>
+      </p:nvGrpSpPr>
+      <p:grpSpPr>
+        <a:xfrm>
+          <a:off x="0" y="0"/>
+          <a:ext cx="0" cy="0"/>
+          <a:chOff x="0" y="0"/>
+          <a:chExt cx="0" cy="0"/>
+        </a:xfrm>
+      </p:grpSpPr>
+      <p:sp>
+        <p:nvSpPr>
+          <p:cNvPr id="2" name="Espace réservé de l'image des diapositives 1"/>
+          <p:cNvSpPr>
+            <a:spLocks noGrp="1" noRot="1" noChangeAspect="1"/>
+          </p:cNvSpPr>
+          <p:nvPr>
+            <p:ph type="sldImg"/>
+          </p:nvPr>
+        </p:nvSpPr>
+        <p:spPr/>
+      </p:sp>
+      <p:sp>
+        <p:nvSpPr>
+          <p:cNvPr id="3" name="Espace réservé des notes 2"/>
+          <p:cNvSpPr>
+            <a:spLocks noGrp="1"/>
+          </p:cNvSpPr>
+          <p:nvPr>
+            <p:ph type="body" idx="1"/>
+          </p:nvPr>
+        </p:nvSpPr>
+        <p:spPr/>
+        <p:txBody>
+          <a:bodyPr/>
+          <a:lstStyle/>
+          <a:p>
+            <a:endParaRPr lang="fr-FR" dirty="0"/>
+          </a:p>
+        </p:txBody>
+      </p:sp>
+      <p:sp>
+        <p:nvSpPr>
+          <p:cNvPr id="4" name="Espace réservé du numéro de diapositive 3"/>
+          <p:cNvSpPr>
+            <a:spLocks noGrp="1"/>
+          </p:cNvSpPr>
+          <p:nvPr>
+            <p:ph type="sldNum" sz="quarter" idx="10"/>
+          </p:nvPr>
+        </p:nvSpPr>
+        <p:spPr/>
+        <p:txBody>
+          <a:bodyPr/>
+          <a:lstStyle/>
+          <a:p>
+            <a:fld id="{7FB667E1-E601-4AAF-B95C-B25720D70A60}" type="slidenum">
+              <a:rPr lang="fr-FR" smtClean="0"/>
+              <a:t>7</a:t>
+            </a:fld>
+            <a:endParaRPr lang="fr-FR"/>
+          </a:p>
+        </p:txBody>
+      </p:sp>
+    </p:spTree>
+    <p:extLst>
+      <p:ext uri="{BB962C8B-B14F-4D97-AF65-F5344CB8AC3E}">
+        <p14:creationId xmlns:p14="http://schemas.microsoft.com/office/powerpoint/2010/main" val="2032882465"/>
+      </p:ext>
+    </p:extLst>
+  </p:cSld>
+  <p:clrMapOvr>
+    <a:masterClrMapping/>
+  </p:clrMapOvr>
+</p:notes>
+</file>
+
+<file path=ppt/notesSlides/notesSlide2.xml><?xml version="1.0" encoding="utf-8"?>
+<p:notes xmlns:a="http://schemas.openxmlformats.org/drawingml/2006/main" xmlns:r="http://schemas.openxmlformats.org/officeDocument/2006/relationships" xmlns:p="http://schemas.openxmlformats.org/presentationml/2006/main">
+  <p:cSld>
+    <p:spTree>
+      <p:nvGrpSpPr>
+        <p:cNvPr id="1" name=""/>
+        <p:cNvGrpSpPr/>
+        <p:nvPr/>
+      </p:nvGrpSpPr>
+      <p:grpSpPr>
+        <a:xfrm>
+          <a:off x="0" y="0"/>
+          <a:ext cx="0" cy="0"/>
+          <a:chOff x="0" y="0"/>
+          <a:chExt cx="0" cy="0"/>
+        </a:xfrm>
+      </p:grpSpPr>
+      <p:sp>
+        <p:nvSpPr>
+          <p:cNvPr id="2" name="Espace réservé de l'image des diapositives 1"/>
+          <p:cNvSpPr>
+            <a:spLocks noGrp="1" noRot="1" noChangeAspect="1"/>
+          </p:cNvSpPr>
+          <p:nvPr>
+            <p:ph type="sldImg"/>
+          </p:nvPr>
+        </p:nvSpPr>
+        <p:spPr/>
+      </p:sp>
+      <p:sp>
+        <p:nvSpPr>
+          <p:cNvPr id="3" name="Espace réservé des notes 2"/>
+          <p:cNvSpPr>
+            <a:spLocks noGrp="1"/>
+          </p:cNvSpPr>
+          <p:nvPr>
+            <p:ph type="body" idx="1"/>
+          </p:nvPr>
+        </p:nvSpPr>
+        <p:spPr/>
+        <p:txBody>
+          <a:bodyPr/>
+          <a:lstStyle/>
+          <a:p>
+            <a:endParaRPr lang="fr-FR" dirty="0"/>
+          </a:p>
+        </p:txBody>
+      </p:sp>
+      <p:sp>
+        <p:nvSpPr>
+          <p:cNvPr id="4" name="Espace réservé du numéro de diapositive 3"/>
+          <p:cNvSpPr>
+            <a:spLocks noGrp="1"/>
+          </p:cNvSpPr>
+          <p:nvPr>
+            <p:ph type="sldNum" sz="quarter" idx="10"/>
+          </p:nvPr>
+        </p:nvSpPr>
+        <p:spPr/>
+        <p:txBody>
+          <a:bodyPr/>
+          <a:lstStyle/>
+          <a:p>
+            <a:fld id="{7FB667E1-E601-4AAF-B95C-B25720D70A60}" type="slidenum">
+              <a:rPr lang="fr-FR" smtClean="0"/>
+              <a:t>8</a:t>
+            </a:fld>
+            <a:endParaRPr lang="fr-FR"/>
+          </a:p>
+        </p:txBody>
+      </p:sp>
+    </p:spTree>
+    <p:extLst>
+      <p:ext uri="{BB962C8B-B14F-4D97-AF65-F5344CB8AC3E}">
+        <p14:creationId xmlns:p14="http://schemas.microsoft.com/office/powerpoint/2010/main" val="411852153"/>
+      </p:ext>
+    </p:extLst>
+  </p:cSld>
+  <p:clrMapOvr>
+    <a:masterClrMapping/>
+  </p:clrMapOvr>
+</p:notes>
 </file>
 
 <file path=ppt/slideLayouts/slideLayout1.xml><?xml version="1.0" encoding="utf-8"?>
@@ -1503,7 +1683,7 @@
           <a:p>
             <a:fld id="{9E583DDF-CA54-461A-A486-592D2374C532}" type="datetimeFigureOut">
               <a:rPr lang="fr-FR"/>
-              <a:t>02/03/2017</a:t>
+              <a:t>05/03/2017</a:t>
             </a:fld>
             <a:endParaRPr/>
           </a:p>
@@ -1695,7 +1875,7 @@
           <a:p>
             <a:fld id="{9E583DDF-CA54-461A-A486-592D2374C532}" type="datetimeFigureOut">
               <a:rPr lang="fr-FR"/>
-              <a:t>02/03/2017</a:t>
+              <a:t>05/03/2017</a:t>
             </a:fld>
             <a:endParaRPr/>
           </a:p>
@@ -1877,7 +2057,7 @@
           <a:p>
             <a:fld id="{9E583DDF-CA54-461A-A486-592D2374C532}" type="datetimeFigureOut">
               <a:rPr lang="fr-FR"/>
-              <a:t>02/03/2017</a:t>
+              <a:t>05/03/2017</a:t>
             </a:fld>
             <a:endParaRPr/>
           </a:p>
@@ -2317,7 +2497,7 @@
           <a:p>
             <a:fld id="{9E583DDF-CA54-461A-A486-592D2374C532}" type="datetimeFigureOut">
               <a:rPr lang="fr-FR"/>
-              <a:t>02/03/2017</a:t>
+              <a:t>05/03/2017</a:t>
             </a:fld>
             <a:endParaRPr/>
           </a:p>
@@ -2781,7 +2961,7 @@
           <a:p>
             <a:fld id="{0A879FD0-C37A-4F50-8F3B-5FA0D9D0B42F}" type="datetimeFigureOut">
               <a:rPr lang="fr-FR"/>
-              <a:t>02/03/2017</a:t>
+              <a:t>05/03/2017</a:t>
             </a:fld>
             <a:endParaRPr/>
           </a:p>
@@ -3225,7 +3405,7 @@
           <a:p>
             <a:fld id="{9E583DDF-CA54-461A-A486-592D2374C532}" type="datetimeFigureOut">
               <a:rPr lang="fr-FR"/>
-              <a:t>02/03/2017</a:t>
+              <a:t>05/03/2017</a:t>
             </a:fld>
             <a:endParaRPr/>
           </a:p>
@@ -3355,7 +3535,7 @@
           <a:p>
             <a:fld id="{9E583DDF-CA54-461A-A486-592D2374C532}" type="datetimeFigureOut">
               <a:rPr lang="fr-FR"/>
-              <a:t>02/03/2017</a:t>
+              <a:t>05/03/2017</a:t>
             </a:fld>
             <a:endParaRPr/>
           </a:p>
@@ -3573,7 +3753,7 @@
           <a:p>
             <a:fld id="{9E583DDF-CA54-461A-A486-592D2374C532}" type="datetimeFigureOut">
               <a:rPr lang="fr-FR"/>
-              <a:t>02/03/2017</a:t>
+              <a:t>05/03/2017</a:t>
             </a:fld>
             <a:endParaRPr/>
           </a:p>
@@ -4093,7 +4273,7 @@
           <a:p>
             <a:fld id="{9E583DDF-CA54-461A-A486-592D2374C532}" type="datetimeFigureOut">
               <a:rPr lang="fr-FR"/>
-              <a:t>02/03/2017</a:t>
+              <a:t>05/03/2017</a:t>
             </a:fld>
             <a:endParaRPr/>
           </a:p>
@@ -4492,7 +4672,7 @@
           <a:p>
             <a:fld id="{9E583DDF-CA54-461A-A486-592D2374C532}" type="datetimeFigureOut">
               <a:rPr lang="fr-FR"/>
-              <a:t>02/03/2017</a:t>
+              <a:t>05/03/2017</a:t>
             </a:fld>
             <a:endParaRPr/>
           </a:p>
@@ -5334,7 +5514,7 @@
             <a:fld id="{9E583DDF-CA54-461A-A486-592D2374C532}" type="datetimeFigureOut">
               <a:rPr lang="fr-FR"/>
               <a:pPr/>
-              <a:t>02/03/2017</a:t>
+              <a:t>05/03/2017</a:t>
             </a:fld>
             <a:endParaRPr/>
           </a:p>
@@ -5844,8 +6024,11 @@
               <a:buNone/>
             </a:pPr>
             <a:r>
-              <a:rPr lang="fr-FR" noProof="1"/>
-              <a:t>Les Micro Orm, alternatives à Entity Framework</a:t>
+              <a:rPr lang="fr-FR" noProof="1">
+                <a:latin typeface="Segoe UI" panose="020B0502040204020203" pitchFamily="34" charset="0"/>
+                <a:cs typeface="Segoe UI" panose="020B0502040204020203" pitchFamily="34" charset="0"/>
+              </a:rPr>
+              <a:t>Les Micro ORM, alternatives à Entity Framework</a:t>
             </a:r>
           </a:p>
         </p:txBody>
@@ -5873,26 +6056,41 @@
           <a:lstStyle/>
           <a:p>
             <a:r>
-              <a:rPr lang="fr-FR" sz="2000" cap="none" noProof="1"/>
+              <a:rPr lang="fr-FR" sz="2000" cap="none" noProof="1">
+                <a:latin typeface="Segoe UI" panose="020B0502040204020203" pitchFamily="34" charset="0"/>
+                <a:cs typeface="Segoe UI" panose="020B0502040204020203" pitchFamily="34" charset="0"/>
+              </a:rPr>
               <a:t>Anthony Giretti</a:t>
             </a:r>
           </a:p>
           <a:p>
             <a:r>
-              <a:rPr lang="fr-CA" sz="2000" cap="none" noProof="1"/>
+              <a:rPr lang="fr-CA" sz="2000" cap="none" noProof="1">
+                <a:latin typeface="Segoe UI" panose="020B0502040204020203" pitchFamily="34" charset="0"/>
+                <a:cs typeface="Segoe UI" panose="020B0502040204020203" pitchFamily="34" charset="0"/>
+              </a:rPr>
               <a:t>Consultant </a:t>
             </a:r>
             <a:r>
-              <a:rPr lang="fr-FR" sz="2000" cap="none" noProof="1"/>
+              <a:rPr lang="fr-FR" sz="2000" cap="none" noProof="1">
+                <a:latin typeface="Segoe UI" panose="020B0502040204020203" pitchFamily="34" charset="0"/>
+                <a:cs typeface="Segoe UI" panose="020B0502040204020203" pitchFamily="34" charset="0"/>
+              </a:rPr>
               <a:t>sénior .NET chez Technologies NTER (Loto-Québec)</a:t>
             </a:r>
           </a:p>
           <a:p>
             <a:r>
-              <a:rPr lang="fr-CA" sz="2000" cap="none" noProof="1"/>
+              <a:rPr lang="fr-CA" sz="2000" cap="none" noProof="1">
+                <a:latin typeface="Segoe UI" panose="020B0502040204020203" pitchFamily="34" charset="0"/>
+                <a:cs typeface="Segoe UI" panose="020B0502040204020203" pitchFamily="34" charset="0"/>
+              </a:rPr>
               <a:t>http://anthonygiretti.com</a:t>
             </a:r>
-            <a:endParaRPr lang="fr-FR" sz="2000" cap="none" noProof="1"/>
+            <a:endParaRPr lang="fr-FR" sz="2000" cap="none" noProof="1">
+              <a:latin typeface="Segoe UI" panose="020B0502040204020203" pitchFamily="34" charset="0"/>
+              <a:cs typeface="Segoe UI" panose="020B0502040204020203" pitchFamily="34" charset="0"/>
+            </a:endParaRPr>
           </a:p>
           <a:p>
             <a:endParaRPr lang="fr-FR" cap="none" noProof="1"/>
@@ -5901,14 +6099,14 @@
       </p:sp>
       <p:pic>
         <p:nvPicPr>
-          <p:cNvPr id="5" name="Image 4"/>
+          <p:cNvPr id="4" name="Image 3"/>
           <p:cNvPicPr>
             <a:picLocks noChangeAspect="1"/>
           </p:cNvPicPr>
           <p:nvPr/>
         </p:nvPicPr>
         <p:blipFill>
-          <a:blip r:embed="rId2" cstate="print">
+          <a:blip r:embed="rId2">
             <a:extLst>
               <a:ext uri="{28A0092B-C50C-407E-A947-70E740481C1C}">
                 <a14:useLocalDpi xmlns:a14="http://schemas.microsoft.com/office/drawing/2010/main" val="0"/>
@@ -5921,8 +6119,8 @@
         </p:blipFill>
         <p:spPr>
           <a:xfrm>
-            <a:off x="9651028" y="4290112"/>
-            <a:ext cx="1330162" cy="1082147"/>
+            <a:off x="9532038" y="4049815"/>
+            <a:ext cx="1482708" cy="1482708"/>
           </a:xfrm>
           <a:prstGeom prst="rect">
             <a:avLst/>
@@ -5994,8 +6192,11 @@
           <a:lstStyle/>
           <a:p>
             <a:r>
-              <a:rPr lang="fr-FR" noProof="1"/>
-              <a:t>PetaPoco</a:t>
+              <a:rPr lang="fr-FR" noProof="1">
+                <a:latin typeface="Segoe UI" panose="020B0502040204020203" pitchFamily="34" charset="0"/>
+                <a:cs typeface="Segoe UI" panose="020B0502040204020203" pitchFamily="34" charset="0"/>
+              </a:rPr>
+              <a:t>Massive</a:t>
             </a:r>
           </a:p>
         </p:txBody>
@@ -6018,7 +6219,7 @@
         </p:spPr>
         <p:txBody>
           <a:bodyPr>
-            <a:normAutofit fontScale="77500" lnSpcReduction="20000"/>
+            <a:normAutofit fontScale="85000" lnSpcReduction="20000"/>
           </a:bodyPr>
           <a:lstStyle/>
           <a:p>
@@ -6027,8 +6228,18 @@
               <a:buChar char="Ø"/>
             </a:pPr>
             <a:r>
-              <a:rPr lang="fr-FR" dirty="0"/>
-              <a:t>«  Inspiré » de Massive, probablement un fork de ce dernier</a:t>
+              <a:rPr lang="fr-FR" dirty="0" err="1">
+                <a:latin typeface="Segoe UI" panose="020B0502040204020203" pitchFamily="34" charset="0"/>
+                <a:cs typeface="Segoe UI" panose="020B0502040204020203" pitchFamily="34" charset="0"/>
+              </a:rPr>
+              <a:t>MicroOrm</a:t>
+            </a:r>
+            <a:r>
+              <a:rPr lang="fr-FR" dirty="0">
+                <a:latin typeface="Segoe UI" panose="020B0502040204020203" pitchFamily="34" charset="0"/>
+                <a:cs typeface="Segoe UI" panose="020B0502040204020203" pitchFamily="34" charset="0"/>
+              </a:rPr>
+              <a:t> fournissant uniquement des données dynamiques</a:t>
             </a:r>
           </a:p>
           <a:p>
@@ -6037,16 +6248,246 @@
               <a:buChar char="Ø"/>
             </a:pPr>
             <a:r>
-              <a:rPr lang="fr-CA" dirty="0"/>
+              <a:rPr lang="fr-CA" dirty="0">
+                <a:latin typeface="Segoe UI" panose="020B0502040204020203" pitchFamily="34" charset="0"/>
+                <a:cs typeface="Segoe UI" panose="020B0502040204020203" pitchFamily="34" charset="0"/>
+              </a:rPr>
               <a:t>C</a:t>
             </a:r>
             <a:r>
-              <a:rPr lang="fr-FR" dirty="0" err="1"/>
+              <a:rPr lang="fr-FR" dirty="0" err="1">
+                <a:latin typeface="Segoe UI" panose="020B0502040204020203" pitchFamily="34" charset="0"/>
+                <a:cs typeface="Segoe UI" panose="020B0502040204020203" pitchFamily="34" charset="0"/>
+              </a:rPr>
               <a:t>ompatible</a:t>
             </a:r>
             <a:r>
-              <a:rPr lang="fr-FR" dirty="0"/>
-              <a:t> avec les bases de données :</a:t>
+              <a:rPr lang="fr-FR" dirty="0">
+                <a:latin typeface="Segoe UI" panose="020B0502040204020203" pitchFamily="34" charset="0"/>
+                <a:cs typeface="Segoe UI" panose="020B0502040204020203" pitchFamily="34" charset="0"/>
+              </a:rPr>
+              <a:t> avec peu de bases de données </a:t>
+            </a:r>
+            <a:r>
+              <a:rPr lang="fr-FR" dirty="0" err="1">
+                <a:latin typeface="Segoe UI" panose="020B0502040204020203" pitchFamily="34" charset="0"/>
+                <a:cs typeface="Segoe UI" panose="020B0502040204020203" pitchFamily="34" charset="0"/>
+              </a:rPr>
+              <a:t>relationelles</a:t>
+            </a:r>
+            <a:r>
+              <a:rPr lang="fr-FR" dirty="0">
+                <a:latin typeface="Segoe UI" panose="020B0502040204020203" pitchFamily="34" charset="0"/>
+                <a:cs typeface="Segoe UI" panose="020B0502040204020203" pitchFamily="34" charset="0"/>
+              </a:rPr>
+              <a:t>:</a:t>
+            </a:r>
+          </a:p>
+          <a:p>
+            <a:pPr marL="365760" lvl="1" indent="0">
+              <a:buNone/>
+            </a:pPr>
+            <a:r>
+              <a:rPr lang="fr-FR" dirty="0">
+                <a:latin typeface="Segoe UI" panose="020B0502040204020203" pitchFamily="34" charset="0"/>
+                <a:cs typeface="Segoe UI" panose="020B0502040204020203" pitchFamily="34" charset="0"/>
+              </a:rPr>
+              <a:t>SQL Server, Oracle, </a:t>
+            </a:r>
+            <a:r>
+              <a:rPr lang="fr-FR" dirty="0" err="1">
+                <a:latin typeface="Segoe UI" panose="020B0502040204020203" pitchFamily="34" charset="0"/>
+                <a:cs typeface="Segoe UI" panose="020B0502040204020203" pitchFamily="34" charset="0"/>
+              </a:rPr>
+              <a:t>SqlLite</a:t>
+            </a:r>
+            <a:r>
+              <a:rPr lang="fr-FR" dirty="0">
+                <a:latin typeface="Segoe UI" panose="020B0502040204020203" pitchFamily="34" charset="0"/>
+                <a:cs typeface="Segoe UI" panose="020B0502040204020203" pitchFamily="34" charset="0"/>
+              </a:rPr>
+              <a:t>, </a:t>
+            </a:r>
+            <a:r>
+              <a:rPr lang="fr-CA" dirty="0" err="1">
+                <a:latin typeface="Segoe UI" panose="020B0502040204020203" pitchFamily="34" charset="0"/>
+                <a:cs typeface="Segoe UI" panose="020B0502040204020203" pitchFamily="34" charset="0"/>
+              </a:rPr>
+              <a:t>PostgreSql</a:t>
+            </a:r>
+            <a:endParaRPr lang="fr-CA" dirty="0">
+              <a:latin typeface="Segoe UI" panose="020B0502040204020203" pitchFamily="34" charset="0"/>
+              <a:cs typeface="Segoe UI" panose="020B0502040204020203" pitchFamily="34" charset="0"/>
+            </a:endParaRPr>
+          </a:p>
+          <a:p>
+            <a:pPr>
+              <a:buFont typeface="Wingdings" panose="05000000000000000000" pitchFamily="2" charset="2"/>
+              <a:buChar char="Ø"/>
+            </a:pPr>
+            <a:r>
+              <a:rPr lang="fr-FR" dirty="0">
+                <a:latin typeface="Segoe UI" panose="020B0502040204020203" pitchFamily="34" charset="0"/>
+                <a:cs typeface="Segoe UI" panose="020B0502040204020203" pitchFamily="34" charset="0"/>
+              </a:rPr>
+              <a:t>Double Syntaxe SQL et hybride LINQ / SQL</a:t>
+            </a:r>
+          </a:p>
+          <a:p>
+            <a:pPr>
+              <a:buFont typeface="Wingdings" panose="05000000000000000000" pitchFamily="2" charset="2"/>
+              <a:buChar char="Ø"/>
+            </a:pPr>
+            <a:r>
+              <a:rPr lang="fr-CA" dirty="0">
+                <a:latin typeface="Segoe UI" panose="020B0502040204020203" pitchFamily="34" charset="0"/>
+                <a:cs typeface="Segoe UI" panose="020B0502040204020203" pitchFamily="34" charset="0"/>
+              </a:rPr>
+              <a:t>Fournit les commandes de base uniquement, syntaxe simpliste (pas de </a:t>
+            </a:r>
+            <a:r>
+              <a:rPr lang="fr-CA" dirty="0" err="1">
+                <a:latin typeface="Segoe UI" panose="020B0502040204020203" pitchFamily="34" charset="0"/>
+                <a:cs typeface="Segoe UI" panose="020B0502040204020203" pitchFamily="34" charset="0"/>
+              </a:rPr>
+              <a:t>Join</a:t>
+            </a:r>
+            <a:r>
+              <a:rPr lang="fr-CA" dirty="0">
+                <a:latin typeface="Segoe UI" panose="020B0502040204020203" pitchFamily="34" charset="0"/>
+                <a:cs typeface="Segoe UI" panose="020B0502040204020203" pitchFamily="34" charset="0"/>
+              </a:rPr>
+              <a:t> par exemple)</a:t>
+            </a:r>
+            <a:endParaRPr lang="fr-FR" dirty="0">
+              <a:latin typeface="Segoe UI" panose="020B0502040204020203" pitchFamily="34" charset="0"/>
+              <a:cs typeface="Segoe UI" panose="020B0502040204020203" pitchFamily="34" charset="0"/>
+            </a:endParaRPr>
+          </a:p>
+          <a:p>
+            <a:pPr>
+              <a:buFont typeface="Wingdings" panose="05000000000000000000" pitchFamily="2" charset="2"/>
+              <a:buChar char="Ø"/>
+            </a:pPr>
+            <a:r>
+              <a:rPr lang="fr-FR" dirty="0">
+                <a:latin typeface="Segoe UI" panose="020B0502040204020203" pitchFamily="34" charset="0"/>
+                <a:cs typeface="Segoe UI" panose="020B0502040204020203" pitchFamily="34" charset="0"/>
+              </a:rPr>
+              <a:t>Performances intéressantes</a:t>
+            </a:r>
+          </a:p>
+          <a:p>
+            <a:pPr>
+              <a:buFont typeface="Wingdings" panose="05000000000000000000" pitchFamily="2" charset="2"/>
+              <a:buChar char="Ø"/>
+            </a:pPr>
+            <a:r>
+              <a:rPr lang="fr-CA" dirty="0">
+                <a:latin typeface="Segoe UI" panose="020B0502040204020203" pitchFamily="34" charset="0"/>
+                <a:cs typeface="Segoe UI" panose="020B0502040204020203" pitchFamily="34" charset="0"/>
+              </a:rPr>
+              <a:t>Supporte les transactions</a:t>
+            </a:r>
+            <a:endParaRPr lang="fr-FR" dirty="0">
+              <a:latin typeface="Segoe UI" panose="020B0502040204020203" pitchFamily="34" charset="0"/>
+              <a:cs typeface="Segoe UI" panose="020B0502040204020203" pitchFamily="34" charset="0"/>
+            </a:endParaRPr>
+          </a:p>
+          <a:p>
+            <a:pPr>
+              <a:buFont typeface="Wingdings" panose="05000000000000000000" pitchFamily="2" charset="2"/>
+              <a:buChar char="Ø"/>
+            </a:pPr>
+            <a:r>
+              <a:rPr lang="fr-CA" dirty="0">
+                <a:latin typeface="Segoe UI" panose="020B0502040204020203" pitchFamily="34" charset="0"/>
+                <a:cs typeface="Segoe UI" panose="020B0502040204020203" pitchFamily="34" charset="0"/>
+              </a:rPr>
+              <a:t>Obligation de créer une </a:t>
+            </a:r>
+            <a:r>
+              <a:rPr lang="fr-CA" dirty="0" err="1">
+                <a:latin typeface="Segoe UI" panose="020B0502040204020203" pitchFamily="34" charset="0"/>
+                <a:cs typeface="Segoe UI" panose="020B0502040204020203" pitchFamily="34" charset="0"/>
+              </a:rPr>
+              <a:t>query</a:t>
+            </a:r>
+            <a:r>
+              <a:rPr lang="fr-CA" dirty="0">
+                <a:latin typeface="Segoe UI" panose="020B0502040204020203" pitchFamily="34" charset="0"/>
+                <a:cs typeface="Segoe UI" panose="020B0502040204020203" pitchFamily="34" charset="0"/>
+              </a:rPr>
+              <a:t> </a:t>
+            </a:r>
+            <a:r>
+              <a:rPr lang="fr-CA" dirty="0" err="1">
+                <a:latin typeface="Segoe UI" panose="020B0502040204020203" pitchFamily="34" charset="0"/>
+                <a:cs typeface="Segoe UI" panose="020B0502040204020203" pitchFamily="34" charset="0"/>
+              </a:rPr>
+              <a:t>AdHoc</a:t>
+            </a:r>
+            <a:r>
+              <a:rPr lang="fr-CA" dirty="0">
+                <a:latin typeface="Segoe UI" panose="020B0502040204020203" pitchFamily="34" charset="0"/>
+                <a:cs typeface="Segoe UI" panose="020B0502040204020203" pitchFamily="34" charset="0"/>
+              </a:rPr>
+              <a:t> pour </a:t>
+            </a:r>
+            <a:r>
+              <a:rPr lang="fr-CA" dirty="0" err="1">
+                <a:latin typeface="Segoe UI" panose="020B0502040204020203" pitchFamily="34" charset="0"/>
+                <a:cs typeface="Segoe UI" panose="020B0502040204020203" pitchFamily="34" charset="0"/>
+              </a:rPr>
+              <a:t>populer</a:t>
+            </a:r>
+            <a:r>
+              <a:rPr lang="fr-CA" dirty="0">
+                <a:latin typeface="Segoe UI" panose="020B0502040204020203" pitchFamily="34" charset="0"/>
+                <a:cs typeface="Segoe UI" panose="020B0502040204020203" pitchFamily="34" charset="0"/>
+              </a:rPr>
+              <a:t> un objet (relations non supportées)</a:t>
+            </a:r>
+          </a:p>
+          <a:p>
+            <a:pPr>
+              <a:buFont typeface="Wingdings" panose="05000000000000000000" pitchFamily="2" charset="2"/>
+              <a:buChar char="Ø"/>
+            </a:pPr>
+            <a:r>
+              <a:rPr lang="fr-CA" dirty="0">
+                <a:latin typeface="Segoe UI" panose="020B0502040204020203" pitchFamily="34" charset="0"/>
+                <a:cs typeface="Segoe UI" panose="020B0502040204020203" pitchFamily="34" charset="0"/>
+              </a:rPr>
+              <a:t>Obligation de faire hériter ses </a:t>
+            </a:r>
+            <a:r>
+              <a:rPr lang="fr-CA" dirty="0" err="1">
+                <a:latin typeface="Segoe UI" panose="020B0502040204020203" pitchFamily="34" charset="0"/>
+                <a:cs typeface="Segoe UI" panose="020B0502040204020203" pitchFamily="34" charset="0"/>
+              </a:rPr>
+              <a:t>Pocos</a:t>
+            </a:r>
+            <a:r>
+              <a:rPr lang="fr-CA" dirty="0">
+                <a:latin typeface="Segoe UI" panose="020B0502040204020203" pitchFamily="34" charset="0"/>
+                <a:cs typeface="Segoe UI" panose="020B0502040204020203" pitchFamily="34" charset="0"/>
+              </a:rPr>
+              <a:t> d’une classe nommée « </a:t>
+            </a:r>
+            <a:r>
+              <a:rPr lang="fr-CA" dirty="0" err="1">
+                <a:latin typeface="Segoe UI" panose="020B0502040204020203" pitchFamily="34" charset="0"/>
+                <a:cs typeface="Segoe UI" panose="020B0502040204020203" pitchFamily="34" charset="0"/>
+              </a:rPr>
+              <a:t>DynamicModel</a:t>
+            </a:r>
+            <a:r>
+              <a:rPr lang="fr-CA" dirty="0">
+                <a:latin typeface="Segoe UI" panose="020B0502040204020203" pitchFamily="34" charset="0"/>
+                <a:cs typeface="Segoe UI" panose="020B0502040204020203" pitchFamily="34" charset="0"/>
+              </a:rPr>
+              <a:t> »,</a:t>
             </a:r>
           </a:p>
           <a:p>
@@ -6055,65 +6496,12 @@
               <a:buChar char="Ø"/>
             </a:pPr>
             <a:r>
-              <a:rPr lang="fr-FR" dirty="0"/>
-              <a:t>SQL Server</a:t>
-            </a:r>
-          </a:p>
-          <a:p>
-            <a:pPr lvl="1">
-              <a:buFont typeface="Wingdings" panose="05000000000000000000" pitchFamily="2" charset="2"/>
-              <a:buChar char="Ø"/>
-            </a:pPr>
-            <a:r>
-              <a:rPr lang="fr-FR" dirty="0"/>
-              <a:t>Oracle</a:t>
-            </a:r>
-          </a:p>
-          <a:p>
-            <a:pPr lvl="1">
-              <a:buFont typeface="Wingdings" panose="05000000000000000000" pitchFamily="2" charset="2"/>
-              <a:buChar char="Ø"/>
-            </a:pPr>
-            <a:r>
-              <a:rPr lang="fr-FR" dirty="0" err="1"/>
-              <a:t>SqlLite</a:t>
-            </a:r>
-            <a:r>
-              <a:rPr lang="fr-FR" dirty="0"/>
-              <a:t> </a:t>
-            </a:r>
-          </a:p>
-          <a:p>
-            <a:pPr lvl="1">
-              <a:buFont typeface="Wingdings" panose="05000000000000000000" pitchFamily="2" charset="2"/>
-              <a:buChar char="Ø"/>
-            </a:pPr>
-            <a:r>
-              <a:rPr lang="fr-CA" dirty="0" err="1"/>
-              <a:t>PostgreSql</a:t>
-            </a:r>
-            <a:endParaRPr lang="fr-CA" dirty="0"/>
-          </a:p>
-          <a:p>
-            <a:pPr lvl="1">
-              <a:buFont typeface="Wingdings" panose="05000000000000000000" pitchFamily="2" charset="2"/>
-              <a:buChar char="Ø"/>
-            </a:pPr>
-            <a:r>
-              <a:rPr lang="fr-CA" dirty="0"/>
-              <a:t>MySQL</a:t>
-            </a:r>
-          </a:p>
-          <a:p>
-            <a:pPr lvl="1">
-              <a:buFont typeface="Wingdings" panose="05000000000000000000" pitchFamily="2" charset="2"/>
-              <a:buChar char="Ø"/>
-            </a:pPr>
-            <a:r>
-              <a:rPr lang="fr-CA" dirty="0" err="1"/>
-              <a:t>FireBird</a:t>
-            </a:r>
-            <a:endParaRPr lang="fr-CA" dirty="0"/>
+              <a:rPr lang="fr-CA" dirty="0">
+                <a:latin typeface="Segoe UI" panose="020B0502040204020203" pitchFamily="34" charset="0"/>
+                <a:cs typeface="Segoe UI" panose="020B0502040204020203" pitchFamily="34" charset="0"/>
+              </a:rPr>
+              <a:t>Mapper ses données dans un autre objet typé similaire ou se contenter de données dynamiques</a:t>
+            </a:r>
           </a:p>
           <a:p>
             <a:pPr>
@@ -6121,16 +6509,25 @@
               <a:buChar char="Ø"/>
             </a:pPr>
             <a:r>
-              <a:rPr lang="fr-FR" dirty="0"/>
-              <a:t>Double Syntaxe SQL et LINQ-</a:t>
-            </a:r>
-            <a:r>
-              <a:rPr lang="fr-FR" dirty="0" err="1"/>
-              <a:t>Like</a:t>
-            </a:r>
-            <a:r>
-              <a:rPr lang="fr-FR" dirty="0"/>
-              <a:t> + hybride LINQ / SQL</a:t>
+              <a:rPr lang="fr-CA" dirty="0">
+                <a:latin typeface="Segoe UI" panose="020B0502040204020203" pitchFamily="34" charset="0"/>
+                <a:cs typeface="Segoe UI" panose="020B0502040204020203" pitchFamily="34" charset="0"/>
+              </a:rPr>
+              <a:t>Pas de package </a:t>
+            </a:r>
+            <a:r>
+              <a:rPr lang="fr-CA" dirty="0" err="1">
+                <a:latin typeface="Segoe UI" panose="020B0502040204020203" pitchFamily="34" charset="0"/>
+                <a:cs typeface="Segoe UI" panose="020B0502040204020203" pitchFamily="34" charset="0"/>
+              </a:rPr>
+              <a:t>NuGet</a:t>
+            </a:r>
+            <a:r>
+              <a:rPr lang="fr-CA" dirty="0">
+                <a:latin typeface="Segoe UI" panose="020B0502040204020203" pitchFamily="34" charset="0"/>
+                <a:cs typeface="Segoe UI" panose="020B0502040204020203" pitchFamily="34" charset="0"/>
+              </a:rPr>
+              <a:t>, télécharger deux fichiers sur le repo GitHub</a:t>
             </a:r>
           </a:p>
           <a:p>
@@ -6139,131 +6536,94 @@
               <a:buChar char="Ø"/>
             </a:pPr>
             <a:r>
-              <a:rPr lang="fr-FR" dirty="0"/>
-              <a:t>Performances intéressantes</a:t>
-            </a:r>
-          </a:p>
-          <a:p>
-            <a:pPr>
-              <a:buFont typeface="Wingdings" panose="05000000000000000000" pitchFamily="2" charset="2"/>
-              <a:buChar char="Ø"/>
-            </a:pPr>
-            <a:r>
-              <a:rPr lang="fr-CA" dirty="0"/>
-              <a:t>Communauté active autour ce dernier</a:t>
-            </a:r>
-          </a:p>
-          <a:p>
-            <a:pPr>
-              <a:buFont typeface="Wingdings" panose="05000000000000000000" pitchFamily="2" charset="2"/>
-              <a:buChar char="Ø"/>
-            </a:pPr>
-            <a:r>
-              <a:rPr lang="fr-CA" dirty="0"/>
-              <a:t>Pas besoin d’une </a:t>
-            </a:r>
-            <a:r>
-              <a:rPr lang="fr-CA" dirty="0" err="1"/>
-              <a:t>query</a:t>
-            </a:r>
-            <a:r>
-              <a:rPr lang="fr-CA" dirty="0"/>
-              <a:t> </a:t>
-            </a:r>
-            <a:r>
-              <a:rPr lang="fr-CA" dirty="0" err="1"/>
-              <a:t>AdHoc</a:t>
-            </a:r>
-            <a:r>
-              <a:rPr lang="fr-CA" dirty="0"/>
-              <a:t> pour </a:t>
-            </a:r>
-            <a:r>
-              <a:rPr lang="fr-CA" dirty="0" err="1"/>
-              <a:t>populer</a:t>
-            </a:r>
-            <a:r>
-              <a:rPr lang="fr-CA" dirty="0"/>
-              <a:t> un objet (relations supportées)</a:t>
-            </a:r>
-          </a:p>
-          <a:p>
-            <a:pPr>
-              <a:buFont typeface="Wingdings" panose="05000000000000000000" pitchFamily="2" charset="2"/>
-              <a:buChar char="Ø"/>
-            </a:pPr>
-            <a:r>
-              <a:rPr lang="fr-CA" dirty="0"/>
-              <a:t>Obligation d’ajouter des attributs de </a:t>
-            </a:r>
-            <a:r>
-              <a:rPr lang="fr-CA" dirty="0" err="1"/>
-              <a:t>mapping</a:t>
-            </a:r>
-            <a:r>
-              <a:rPr lang="fr-CA" dirty="0"/>
-              <a:t> si on utilise des alias dans la requête SQL</a:t>
-            </a:r>
-          </a:p>
-          <a:p>
-            <a:pPr>
-              <a:buFont typeface="Wingdings" panose="05000000000000000000" pitchFamily="2" charset="2"/>
-              <a:buChar char="Ø"/>
-            </a:pPr>
-            <a:r>
-              <a:rPr lang="fr-CA" dirty="0"/>
-              <a:t>Insert, Update, </a:t>
-            </a:r>
-            <a:r>
-              <a:rPr lang="fr-CA" dirty="0" err="1"/>
-              <a:t>Delete</a:t>
-            </a:r>
-            <a:r>
-              <a:rPr lang="fr-CA" dirty="0"/>
-              <a:t> identiques à Massive</a:t>
-            </a:r>
-          </a:p>
-          <a:p>
-            <a:pPr>
-              <a:buFont typeface="Wingdings" panose="05000000000000000000" pitchFamily="2" charset="2"/>
-              <a:buChar char="Ø"/>
-            </a:pPr>
-            <a:r>
-              <a:rPr lang="fr-CA" dirty="0"/>
-              <a:t>Pas d’</a:t>
-            </a:r>
-            <a:r>
-              <a:rPr lang="fr-CA" dirty="0" err="1"/>
-              <a:t>Async</a:t>
-            </a:r>
-            <a:endParaRPr lang="fr-FR" dirty="0"/>
-          </a:p>
-          <a:p>
-            <a:pPr>
-              <a:buFont typeface="Wingdings" panose="05000000000000000000" pitchFamily="2" charset="2"/>
-              <a:buChar char="Ø"/>
-            </a:pPr>
-            <a:endParaRPr lang="fr-FR" dirty="0"/>
-          </a:p>
-          <a:p>
-            <a:pPr>
-              <a:buFont typeface="Wingdings" panose="05000000000000000000" pitchFamily="2" charset="2"/>
-              <a:buChar char="Ø"/>
-            </a:pPr>
-            <a:endParaRPr lang="fr-FR" dirty="0"/>
+              <a:rPr lang="fr-CA" dirty="0">
+                <a:latin typeface="Segoe UI" panose="020B0502040204020203" pitchFamily="34" charset="0"/>
+                <a:cs typeface="Segoe UI" panose="020B0502040204020203" pitchFamily="34" charset="0"/>
+              </a:rPr>
+              <a:t>Testable unitairement ? : pas de réponse à date</a:t>
+            </a:r>
+            <a:endParaRPr lang="fr-FR" dirty="0">
+              <a:latin typeface="Segoe UI" panose="020B0502040204020203" pitchFamily="34" charset="0"/>
+              <a:cs typeface="Segoe UI" panose="020B0502040204020203" pitchFamily="34" charset="0"/>
+            </a:endParaRPr>
           </a:p>
           <a:p>
             <a:pPr marL="45720" indent="0">
               <a:buNone/>
             </a:pPr>
-            <a:endParaRPr lang="fr-FR" dirty="0"/>
+            <a:r>
+              <a:rPr lang="fr-CA" dirty="0">
+                <a:solidFill>
+                  <a:srgbClr val="FF0000"/>
+                </a:solidFill>
+                <a:latin typeface="Segoe UI" panose="020B0502040204020203" pitchFamily="34" charset="0"/>
+                <a:cs typeface="Segoe UI" panose="020B0502040204020203" pitchFamily="34" charset="0"/>
+              </a:rPr>
+              <a:t>MAJ : </a:t>
+            </a:r>
+            <a:r>
+              <a:rPr lang="fr-CA" dirty="0" err="1">
+                <a:solidFill>
+                  <a:srgbClr val="FF0000"/>
+                </a:solidFill>
+                <a:latin typeface="Segoe UI" panose="020B0502040204020203" pitchFamily="34" charset="0"/>
+                <a:cs typeface="Segoe UI" panose="020B0502040204020203" pitchFamily="34" charset="0"/>
+              </a:rPr>
+              <a:t>Async</a:t>
+            </a:r>
+            <a:r>
+              <a:rPr lang="fr-CA" dirty="0">
+                <a:solidFill>
+                  <a:srgbClr val="FF0000"/>
+                </a:solidFill>
+                <a:latin typeface="Segoe UI" panose="020B0502040204020203" pitchFamily="34" charset="0"/>
+                <a:cs typeface="Segoe UI" panose="020B0502040204020203" pitchFamily="34" charset="0"/>
+              </a:rPr>
+              <a:t> pris en charge depuis peu (télécharger un fichier sur </a:t>
+            </a:r>
+            <a:r>
+              <a:rPr lang="fr-CA" dirty="0" err="1">
+                <a:solidFill>
+                  <a:srgbClr val="FF0000"/>
+                </a:solidFill>
+                <a:latin typeface="Segoe UI" panose="020B0502040204020203" pitchFamily="34" charset="0"/>
+                <a:cs typeface="Segoe UI" panose="020B0502040204020203" pitchFamily="34" charset="0"/>
+              </a:rPr>
+              <a:t>Github</a:t>
+            </a:r>
+            <a:r>
+              <a:rPr lang="fr-CA" dirty="0">
+                <a:solidFill>
+                  <a:srgbClr val="FF0000"/>
+                </a:solidFill>
+                <a:latin typeface="Segoe UI" panose="020B0502040204020203" pitchFamily="34" charset="0"/>
+                <a:cs typeface="Segoe UI" panose="020B0502040204020203" pitchFamily="34" charset="0"/>
+              </a:rPr>
+              <a:t>)</a:t>
+            </a:r>
+            <a:endParaRPr lang="fr-FR" dirty="0">
+              <a:solidFill>
+                <a:srgbClr val="FF0000"/>
+              </a:solidFill>
+              <a:latin typeface="Segoe UI" panose="020B0502040204020203" pitchFamily="34" charset="0"/>
+              <a:cs typeface="Segoe UI" panose="020B0502040204020203" pitchFamily="34" charset="0"/>
+            </a:endParaRPr>
+          </a:p>
+          <a:p>
+            <a:pPr marL="45720" indent="0">
+              <a:buNone/>
+            </a:pPr>
+            <a:endParaRPr lang="fr-FR" dirty="0">
+              <a:latin typeface="Segoe UI" panose="020B0502040204020203" pitchFamily="34" charset="0"/>
+              <a:cs typeface="Segoe UI" panose="020B0502040204020203" pitchFamily="34" charset="0"/>
+            </a:endParaRPr>
           </a:p>
         </p:txBody>
       </p:sp>
     </p:spTree>
     <p:extLst>
       <p:ext uri="{BB962C8B-B14F-4D97-AF65-F5344CB8AC3E}">
-        <p14:creationId xmlns:p14="http://schemas.microsoft.com/office/powerpoint/2010/main" val="3557918268"/>
+        <p14:creationId xmlns:p14="http://schemas.microsoft.com/office/powerpoint/2010/main" val="2045684570"/>
       </p:ext>
     </p:extLst>
   </p:cSld>
@@ -6325,8 +6685,11 @@
           <a:lstStyle/>
           <a:p>
             <a:r>
-              <a:rPr lang="fr-FR" noProof="1"/>
-              <a:t>NPoco</a:t>
+              <a:rPr lang="fr-FR" noProof="1">
+                <a:latin typeface="Segoe UI" panose="020B0502040204020203" pitchFamily="34" charset="0"/>
+                <a:cs typeface="Segoe UI" panose="020B0502040204020203" pitchFamily="34" charset="0"/>
+              </a:rPr>
+              <a:t>PetaPoco</a:t>
             </a:r>
           </a:p>
         </p:txBody>
@@ -6349,7 +6712,7 @@
         </p:spPr>
         <p:txBody>
           <a:bodyPr>
-            <a:normAutofit/>
+            <a:normAutofit fontScale="85000" lnSpcReduction="10000"/>
           </a:bodyPr>
           <a:lstStyle/>
           <a:p>
@@ -6358,14 +6721,12 @@
               <a:buChar char="Ø"/>
             </a:pPr>
             <a:r>
-              <a:rPr lang="fr-FR" dirty="0"/>
-              <a:t>Fork de </a:t>
-            </a:r>
-            <a:r>
-              <a:rPr lang="fr-FR" dirty="0" err="1"/>
-              <a:t>PetaPoco</a:t>
-            </a:r>
-            <a:endParaRPr lang="fr-FR" dirty="0"/>
+              <a:rPr lang="fr-FR" dirty="0">
+                <a:latin typeface="Segoe UI" panose="020B0502040204020203" pitchFamily="34" charset="0"/>
+                <a:cs typeface="Segoe UI" panose="020B0502040204020203" pitchFamily="34" charset="0"/>
+              </a:rPr>
+              <a:t>«  Inspiré » de Massive, probablement un fork de ce dernier</a:t>
+            </a:r>
           </a:p>
           <a:p>
             <a:pPr>
@@ -6373,24 +6734,25 @@
               <a:buChar char="Ø"/>
             </a:pPr>
             <a:r>
-              <a:rPr lang="fr-CA" dirty="0"/>
-              <a:t>Même avantages de </a:t>
-            </a:r>
-            <a:r>
-              <a:rPr lang="fr-CA" dirty="0" err="1"/>
-              <a:t>PetaPoco</a:t>
-            </a:r>
-            <a:r>
-              <a:rPr lang="fr-CA" dirty="0"/>
-              <a:t>, avec des </a:t>
-            </a:r>
-            <a:r>
-              <a:rPr lang="fr-CA" dirty="0" err="1"/>
-              <a:t>features</a:t>
-            </a:r>
-            <a:r>
-              <a:rPr lang="fr-CA" dirty="0"/>
-              <a:t> additionnelles</a:t>
+              <a:rPr lang="fr-CA" dirty="0">
+                <a:latin typeface="Segoe UI" panose="020B0502040204020203" pitchFamily="34" charset="0"/>
+                <a:cs typeface="Segoe UI" panose="020B0502040204020203" pitchFamily="34" charset="0"/>
+              </a:rPr>
+              <a:t>C</a:t>
+            </a:r>
+            <a:r>
+              <a:rPr lang="fr-FR" dirty="0" err="1">
+                <a:latin typeface="Segoe UI" panose="020B0502040204020203" pitchFamily="34" charset="0"/>
+                <a:cs typeface="Segoe UI" panose="020B0502040204020203" pitchFamily="34" charset="0"/>
+              </a:rPr>
+              <a:t>ompatible</a:t>
+            </a:r>
+            <a:r>
+              <a:rPr lang="fr-FR" dirty="0">
+                <a:latin typeface="Segoe UI" panose="020B0502040204020203" pitchFamily="34" charset="0"/>
+                <a:cs typeface="Segoe UI" panose="020B0502040204020203" pitchFamily="34" charset="0"/>
+              </a:rPr>
+              <a:t> avec les bases de données :</a:t>
             </a:r>
           </a:p>
           <a:p>
@@ -6399,65 +6761,51 @@
               <a:buChar char="Ø"/>
             </a:pPr>
             <a:r>
-              <a:rPr lang="fr-CA" dirty="0" err="1"/>
-              <a:t>Mapping</a:t>
-            </a:r>
-            <a:r>
-              <a:rPr lang="fr-CA" dirty="0"/>
-              <a:t> dans un objet existant possible</a:t>
-            </a:r>
-            <a:endParaRPr lang="fr-FR" dirty="0"/>
-          </a:p>
-          <a:p>
-            <a:pPr lvl="1">
-              <a:buFont typeface="Wingdings" panose="05000000000000000000" pitchFamily="2" charset="2"/>
-              <a:buChar char="Ø"/>
-            </a:pPr>
-            <a:r>
-              <a:rPr lang="fr-CA" dirty="0"/>
-              <a:t>S</a:t>
-            </a:r>
-            <a:r>
-              <a:rPr lang="fr-FR" dirty="0" err="1"/>
-              <a:t>upporte</a:t>
-            </a:r>
-            <a:r>
-              <a:rPr lang="fr-FR" dirty="0"/>
-              <a:t> les jeux de données multiples (comme EF, mais plus élégant)</a:t>
-            </a:r>
-          </a:p>
-          <a:p>
-            <a:pPr lvl="1">
-              <a:buFont typeface="Wingdings" panose="05000000000000000000" pitchFamily="2" charset="2"/>
-              <a:buChar char="Ø"/>
-            </a:pPr>
-            <a:r>
-              <a:rPr lang="fr-CA" dirty="0" err="1"/>
-              <a:t>Async</a:t>
-            </a:r>
-            <a:r>
-              <a:rPr lang="fr-CA" dirty="0"/>
-              <a:t> (mais pas toute </a:t>
-            </a:r>
-            <a:r>
-              <a:rPr lang="fr-CA"/>
-              <a:t>les opérations)</a:t>
-            </a:r>
-            <a:endParaRPr lang="fr-FR" dirty="0"/>
-          </a:p>
-          <a:p>
-            <a:pPr lvl="1">
-              <a:buFont typeface="Wingdings" panose="05000000000000000000" pitchFamily="2" charset="2"/>
-              <a:buChar char="Ø"/>
-            </a:pPr>
-            <a:r>
-              <a:rPr lang="fr-CA" dirty="0"/>
-              <a:t>E</a:t>
-            </a:r>
-            <a:r>
-              <a:rPr lang="fr-FR" dirty="0"/>
-              <a:t>t bien d’autres encore….</a:t>
-            </a:r>
+              <a:rPr lang="fr-FR" dirty="0">
+                <a:latin typeface="Segoe UI" panose="020B0502040204020203" pitchFamily="34" charset="0"/>
+                <a:cs typeface="Segoe UI" panose="020B0502040204020203" pitchFamily="34" charset="0"/>
+              </a:rPr>
+              <a:t>SQL Server, Oracle, </a:t>
+            </a:r>
+            <a:r>
+              <a:rPr lang="fr-FR" dirty="0" err="1">
+                <a:latin typeface="Segoe UI" panose="020B0502040204020203" pitchFamily="34" charset="0"/>
+                <a:cs typeface="Segoe UI" panose="020B0502040204020203" pitchFamily="34" charset="0"/>
+              </a:rPr>
+              <a:t>SqlLite</a:t>
+            </a:r>
+            <a:r>
+              <a:rPr lang="fr-FR" dirty="0">
+                <a:latin typeface="Segoe UI" panose="020B0502040204020203" pitchFamily="34" charset="0"/>
+                <a:cs typeface="Segoe UI" panose="020B0502040204020203" pitchFamily="34" charset="0"/>
+              </a:rPr>
+              <a:t>, </a:t>
+            </a:r>
+            <a:r>
+              <a:rPr lang="fr-CA" dirty="0" err="1">
+                <a:latin typeface="Segoe UI" panose="020B0502040204020203" pitchFamily="34" charset="0"/>
+                <a:cs typeface="Segoe UI" panose="020B0502040204020203" pitchFamily="34" charset="0"/>
+              </a:rPr>
+              <a:t>PostgreSql</a:t>
+            </a:r>
+            <a:r>
+              <a:rPr lang="fr-CA" dirty="0">
+                <a:latin typeface="Segoe UI" panose="020B0502040204020203" pitchFamily="34" charset="0"/>
+                <a:cs typeface="Segoe UI" panose="020B0502040204020203" pitchFamily="34" charset="0"/>
+              </a:rPr>
+              <a:t>, MySQL, </a:t>
+            </a:r>
+            <a:r>
+              <a:rPr lang="fr-CA" dirty="0" err="1">
+                <a:latin typeface="Segoe UI" panose="020B0502040204020203" pitchFamily="34" charset="0"/>
+                <a:cs typeface="Segoe UI" panose="020B0502040204020203" pitchFamily="34" charset="0"/>
+              </a:rPr>
+              <a:t>FireBird</a:t>
+            </a:r>
+            <a:endParaRPr lang="fr-CA" dirty="0">
+              <a:latin typeface="Segoe UI" panose="020B0502040204020203" pitchFamily="34" charset="0"/>
+              <a:cs typeface="Segoe UI" panose="020B0502040204020203" pitchFamily="34" charset="0"/>
+            </a:endParaRPr>
           </a:p>
           <a:p>
             <a:pPr>
@@ -6465,16 +6813,25 @@
               <a:buChar char="Ø"/>
             </a:pPr>
             <a:r>
-              <a:rPr lang="fr-CA" dirty="0"/>
-              <a:t>S</a:t>
-            </a:r>
-            <a:r>
-              <a:rPr lang="fr-FR" dirty="0" err="1"/>
-              <a:t>yntaxe</a:t>
-            </a:r>
-            <a:r>
-              <a:rPr lang="fr-FR" dirty="0"/>
-              <a:t> quasiment identique</a:t>
+              <a:rPr lang="fr-FR" dirty="0">
+                <a:latin typeface="Segoe UI" panose="020B0502040204020203" pitchFamily="34" charset="0"/>
+                <a:cs typeface="Segoe UI" panose="020B0502040204020203" pitchFamily="34" charset="0"/>
+              </a:rPr>
+              <a:t>Triple Syntaxe SQL, LINQ-</a:t>
+            </a:r>
+            <a:r>
+              <a:rPr lang="fr-FR" dirty="0" err="1">
+                <a:latin typeface="Segoe UI" panose="020B0502040204020203" pitchFamily="34" charset="0"/>
+                <a:cs typeface="Segoe UI" panose="020B0502040204020203" pitchFamily="34" charset="0"/>
+              </a:rPr>
+              <a:t>Like</a:t>
+            </a:r>
+            <a:r>
+              <a:rPr lang="fr-FR" dirty="0">
+                <a:latin typeface="Segoe UI" panose="020B0502040204020203" pitchFamily="34" charset="0"/>
+                <a:cs typeface="Segoe UI" panose="020B0502040204020203" pitchFamily="34" charset="0"/>
+              </a:rPr>
+              <a:t> et hybride LINQ / SQL</a:t>
             </a:r>
           </a:p>
           <a:p>
@@ -6483,16 +6840,11 @@
               <a:buChar char="Ø"/>
             </a:pPr>
             <a:r>
-              <a:rPr lang="fr-CA" dirty="0"/>
-              <a:t>G</a:t>
-            </a:r>
-            <a:r>
-              <a:rPr lang="fr-FR" dirty="0" err="1"/>
-              <a:t>estion</a:t>
-            </a:r>
-            <a:r>
-              <a:rPr lang="fr-FR" dirty="0"/>
-              <a:t> des relations simplifiée</a:t>
+              <a:rPr lang="fr-FR" dirty="0">
+                <a:latin typeface="Segoe UI" panose="020B0502040204020203" pitchFamily="34" charset="0"/>
+                <a:cs typeface="Segoe UI" panose="020B0502040204020203" pitchFamily="34" charset="0"/>
+              </a:rPr>
+              <a:t>Performances intéressantes</a:t>
             </a:r>
           </a:p>
           <a:p>
@@ -6501,28 +6853,11 @@
               <a:buChar char="Ø"/>
             </a:pPr>
             <a:r>
-              <a:rPr lang="fr-CA" dirty="0"/>
-              <a:t>P</a:t>
-            </a:r>
-            <a:r>
-              <a:rPr lang="fr-FR" dirty="0"/>
-              <a:t>lus besoin d’attributs de </a:t>
-            </a:r>
-            <a:r>
-              <a:rPr lang="fr-FR" dirty="0" err="1"/>
-              <a:t>mapping</a:t>
-            </a:r>
-            <a:r>
-              <a:rPr lang="fr-FR" dirty="0"/>
-              <a:t> comme </a:t>
-            </a:r>
-            <a:r>
-              <a:rPr lang="fr-FR" dirty="0" err="1"/>
-              <a:t>PetaPoco</a:t>
-            </a:r>
-            <a:r>
-              <a:rPr lang="fr-FR" dirty="0"/>
-              <a:t>, les alias sont mieux pris en charge</a:t>
+              <a:rPr lang="fr-CA" dirty="0">
+                <a:latin typeface="Segoe UI" panose="020B0502040204020203" pitchFamily="34" charset="0"/>
+                <a:cs typeface="Segoe UI" panose="020B0502040204020203" pitchFamily="34" charset="0"/>
+              </a:rPr>
+              <a:t>Communauté active </a:t>
             </a:r>
           </a:p>
           <a:p>
@@ -6531,30 +6866,211 @@
               <a:buChar char="Ø"/>
             </a:pPr>
             <a:r>
-              <a:rPr lang="fr-CA" dirty="0"/>
-              <a:t>Moins populaire que </a:t>
-            </a:r>
-            <a:r>
-              <a:rPr lang="fr-CA" dirty="0" err="1"/>
-              <a:t>PetaPoco</a:t>
-            </a:r>
-            <a:r>
-              <a:rPr lang="fr-CA" dirty="0"/>
-              <a:t>, communauté moins active</a:t>
-            </a:r>
+              <a:rPr lang="fr-CA" dirty="0">
+                <a:latin typeface="Segoe UI" panose="020B0502040204020203" pitchFamily="34" charset="0"/>
+                <a:cs typeface="Segoe UI" panose="020B0502040204020203" pitchFamily="34" charset="0"/>
+              </a:rPr>
+              <a:t>Pas d’obligation de créer une </a:t>
+            </a:r>
+            <a:r>
+              <a:rPr lang="fr-CA" dirty="0" err="1">
+                <a:latin typeface="Segoe UI" panose="020B0502040204020203" pitchFamily="34" charset="0"/>
+                <a:cs typeface="Segoe UI" panose="020B0502040204020203" pitchFamily="34" charset="0"/>
+              </a:rPr>
+              <a:t>query</a:t>
+            </a:r>
+            <a:r>
+              <a:rPr lang="fr-CA" dirty="0">
+                <a:latin typeface="Segoe UI" panose="020B0502040204020203" pitchFamily="34" charset="0"/>
+                <a:cs typeface="Segoe UI" panose="020B0502040204020203" pitchFamily="34" charset="0"/>
+              </a:rPr>
+              <a:t> </a:t>
+            </a:r>
+            <a:r>
+              <a:rPr lang="fr-CA" dirty="0" err="1">
+                <a:latin typeface="Segoe UI" panose="020B0502040204020203" pitchFamily="34" charset="0"/>
+                <a:cs typeface="Segoe UI" panose="020B0502040204020203" pitchFamily="34" charset="0"/>
+              </a:rPr>
+              <a:t>AdHoc</a:t>
+            </a:r>
+            <a:r>
+              <a:rPr lang="fr-CA" dirty="0">
+                <a:latin typeface="Segoe UI" panose="020B0502040204020203" pitchFamily="34" charset="0"/>
+                <a:cs typeface="Segoe UI" panose="020B0502040204020203" pitchFamily="34" charset="0"/>
+              </a:rPr>
+              <a:t> pour </a:t>
+            </a:r>
+            <a:r>
+              <a:rPr lang="fr-CA" dirty="0" err="1">
+                <a:latin typeface="Segoe UI" panose="020B0502040204020203" pitchFamily="34" charset="0"/>
+                <a:cs typeface="Segoe UI" panose="020B0502040204020203" pitchFamily="34" charset="0"/>
+              </a:rPr>
+              <a:t>populer</a:t>
+            </a:r>
+            <a:r>
+              <a:rPr lang="fr-CA" dirty="0">
+                <a:latin typeface="Segoe UI" panose="020B0502040204020203" pitchFamily="34" charset="0"/>
+                <a:cs typeface="Segoe UI" panose="020B0502040204020203" pitchFamily="34" charset="0"/>
+              </a:rPr>
+              <a:t> un objet (relations supportées)</a:t>
+            </a:r>
+          </a:p>
+          <a:p>
+            <a:pPr>
+              <a:buFont typeface="Wingdings" panose="05000000000000000000" pitchFamily="2" charset="2"/>
+              <a:buChar char="Ø"/>
+            </a:pPr>
+            <a:r>
+              <a:rPr lang="fr-CA" dirty="0">
+                <a:latin typeface="Segoe UI" panose="020B0502040204020203" pitchFamily="34" charset="0"/>
+                <a:cs typeface="Segoe UI" panose="020B0502040204020203" pitchFamily="34" charset="0"/>
+              </a:rPr>
+              <a:t>Supporte .Net </a:t>
+            </a:r>
+            <a:r>
+              <a:rPr lang="fr-CA" dirty="0" err="1">
+                <a:latin typeface="Segoe UI" panose="020B0502040204020203" pitchFamily="34" charset="0"/>
+                <a:cs typeface="Segoe UI" panose="020B0502040204020203" pitchFamily="34" charset="0"/>
+              </a:rPr>
+              <a:t>Core</a:t>
+            </a:r>
+            <a:r>
+              <a:rPr lang="fr-CA" dirty="0">
+                <a:latin typeface="Segoe UI" panose="020B0502040204020203" pitchFamily="34" charset="0"/>
+                <a:cs typeface="Segoe UI" panose="020B0502040204020203" pitchFamily="34" charset="0"/>
+              </a:rPr>
+              <a:t>, les transactions</a:t>
+            </a:r>
+          </a:p>
+          <a:p>
+            <a:pPr>
+              <a:buFont typeface="Wingdings" panose="05000000000000000000" pitchFamily="2" charset="2"/>
+              <a:buChar char="Ø"/>
+            </a:pPr>
+            <a:r>
+              <a:rPr lang="fr-CA" dirty="0">
+                <a:latin typeface="Segoe UI" panose="020B0502040204020203" pitchFamily="34" charset="0"/>
+                <a:cs typeface="Segoe UI" panose="020B0502040204020203" pitchFamily="34" charset="0"/>
+              </a:rPr>
+              <a:t>Insert, Update, </a:t>
+            </a:r>
+            <a:r>
+              <a:rPr lang="fr-CA" dirty="0" err="1">
+                <a:latin typeface="Segoe UI" panose="020B0502040204020203" pitchFamily="34" charset="0"/>
+                <a:cs typeface="Segoe UI" panose="020B0502040204020203" pitchFamily="34" charset="0"/>
+              </a:rPr>
+              <a:t>Delete</a:t>
+            </a:r>
+            <a:r>
+              <a:rPr lang="fr-CA" dirty="0">
+                <a:latin typeface="Segoe UI" panose="020B0502040204020203" pitchFamily="34" charset="0"/>
+                <a:cs typeface="Segoe UI" panose="020B0502040204020203" pitchFamily="34" charset="0"/>
+              </a:rPr>
+              <a:t> identiques à Massive</a:t>
+            </a:r>
+          </a:p>
+          <a:p>
+            <a:pPr>
+              <a:buFont typeface="Wingdings" panose="05000000000000000000" pitchFamily="2" charset="2"/>
+              <a:buChar char="Ø"/>
+            </a:pPr>
+            <a:r>
+              <a:rPr lang="fr-CA" dirty="0">
+                <a:solidFill>
+                  <a:srgbClr val="0070C0"/>
+                </a:solidFill>
+                <a:latin typeface="Segoe UI" panose="020B0502040204020203" pitchFamily="34" charset="0"/>
+                <a:cs typeface="Segoe UI" panose="020B0502040204020203" pitchFamily="34" charset="0"/>
+              </a:rPr>
+              <a:t>Testable unitairement</a:t>
+            </a:r>
+          </a:p>
+          <a:p>
+            <a:pPr>
+              <a:buFont typeface="Wingdings" panose="05000000000000000000" pitchFamily="2" charset="2"/>
+              <a:buChar char="Ø"/>
+            </a:pPr>
+            <a:r>
+              <a:rPr lang="fr-CA" dirty="0">
+                <a:latin typeface="Segoe UI" panose="020B0502040204020203" pitchFamily="34" charset="0"/>
+                <a:cs typeface="Segoe UI" panose="020B0502040204020203" pitchFamily="34" charset="0"/>
+              </a:rPr>
+              <a:t>Obligation d’ajouter des attributs de </a:t>
+            </a:r>
+            <a:r>
+              <a:rPr lang="fr-CA" dirty="0" err="1">
+                <a:latin typeface="Segoe UI" panose="020B0502040204020203" pitchFamily="34" charset="0"/>
+                <a:cs typeface="Segoe UI" panose="020B0502040204020203" pitchFamily="34" charset="0"/>
+              </a:rPr>
+              <a:t>mapping</a:t>
+            </a:r>
+            <a:r>
+              <a:rPr lang="fr-CA" dirty="0">
+                <a:latin typeface="Segoe UI" panose="020B0502040204020203" pitchFamily="34" charset="0"/>
+                <a:cs typeface="Segoe UI" panose="020B0502040204020203" pitchFamily="34" charset="0"/>
+              </a:rPr>
+              <a:t> si on utilise des alias dans la requête SQL</a:t>
+            </a:r>
+          </a:p>
+          <a:p>
+            <a:pPr>
+              <a:buFont typeface="Wingdings" panose="05000000000000000000" pitchFamily="2" charset="2"/>
+              <a:buChar char="Ø"/>
+            </a:pPr>
+            <a:r>
+              <a:rPr lang="fr-CA" dirty="0">
+                <a:latin typeface="Segoe UI" panose="020B0502040204020203" pitchFamily="34" charset="0"/>
+                <a:cs typeface="Segoe UI" panose="020B0502040204020203" pitchFamily="34" charset="0"/>
+              </a:rPr>
+              <a:t>Pas d’</a:t>
+            </a:r>
+            <a:r>
+              <a:rPr lang="fr-CA" dirty="0" err="1">
+                <a:latin typeface="Segoe UI" panose="020B0502040204020203" pitchFamily="34" charset="0"/>
+                <a:cs typeface="Segoe UI" panose="020B0502040204020203" pitchFamily="34" charset="0"/>
+              </a:rPr>
+              <a:t>Async</a:t>
+            </a:r>
+            <a:endParaRPr lang="fr-FR" dirty="0">
+              <a:latin typeface="Segoe UI" panose="020B0502040204020203" pitchFamily="34" charset="0"/>
+              <a:cs typeface="Segoe UI" panose="020B0502040204020203" pitchFamily="34" charset="0"/>
+            </a:endParaRPr>
+          </a:p>
+          <a:p>
+            <a:pPr>
+              <a:buFont typeface="Wingdings" panose="05000000000000000000" pitchFamily="2" charset="2"/>
+              <a:buChar char="Ø"/>
+            </a:pPr>
+            <a:endParaRPr lang="fr-FR" dirty="0">
+              <a:latin typeface="Segoe UI" panose="020B0502040204020203" pitchFamily="34" charset="0"/>
+              <a:cs typeface="Segoe UI" panose="020B0502040204020203" pitchFamily="34" charset="0"/>
+            </a:endParaRPr>
+          </a:p>
+          <a:p>
+            <a:pPr>
+              <a:buFont typeface="Wingdings" panose="05000000000000000000" pitchFamily="2" charset="2"/>
+              <a:buChar char="Ø"/>
+            </a:pPr>
+            <a:endParaRPr lang="fr-FR" dirty="0">
+              <a:latin typeface="Segoe UI" panose="020B0502040204020203" pitchFamily="34" charset="0"/>
+              <a:cs typeface="Segoe UI" panose="020B0502040204020203" pitchFamily="34" charset="0"/>
+            </a:endParaRPr>
           </a:p>
           <a:p>
             <a:pPr marL="45720" indent="0">
               <a:buNone/>
             </a:pPr>
-            <a:endParaRPr lang="fr-FR" dirty="0"/>
+            <a:endParaRPr lang="fr-FR" dirty="0">
+              <a:latin typeface="Segoe UI" panose="020B0502040204020203" pitchFamily="34" charset="0"/>
+              <a:cs typeface="Segoe UI" panose="020B0502040204020203" pitchFamily="34" charset="0"/>
+            </a:endParaRPr>
           </a:p>
         </p:txBody>
       </p:sp>
     </p:spTree>
     <p:extLst>
       <p:ext uri="{BB962C8B-B14F-4D97-AF65-F5344CB8AC3E}">
-        <p14:creationId xmlns:p14="http://schemas.microsoft.com/office/powerpoint/2010/main" val="4083376732"/>
+        <p14:creationId xmlns:p14="http://schemas.microsoft.com/office/powerpoint/2010/main" val="3557918268"/>
       </p:ext>
     </p:extLst>
   </p:cSld>
@@ -6616,8 +7132,11 @@
           <a:lstStyle/>
           <a:p>
             <a:r>
-              <a:rPr lang="fr-FR" noProof="1"/>
-              <a:t>OrmLite</a:t>
+              <a:rPr lang="fr-FR" noProof="1">
+                <a:latin typeface="Segoe UI" panose="020B0502040204020203" pitchFamily="34" charset="0"/>
+                <a:cs typeface="Segoe UI" panose="020B0502040204020203" pitchFamily="34" charset="0"/>
+              </a:rPr>
+              <a:t>NPoco</a:t>
             </a:r>
           </a:p>
         </p:txBody>
@@ -6640,7 +7159,7 @@
         </p:spPr>
         <p:txBody>
           <a:bodyPr>
-            <a:normAutofit fontScale="85000" lnSpcReduction="20000"/>
+            <a:normAutofit/>
           </a:bodyPr>
           <a:lstStyle/>
           <a:p>
@@ -6649,14 +7168,23 @@
               <a:buChar char="Ø"/>
             </a:pPr>
             <a:r>
-              <a:rPr lang="fr-FR" dirty="0"/>
-              <a:t>Développé par l’équipe </a:t>
-            </a:r>
-            <a:r>
-              <a:rPr lang="fr-FR" dirty="0" err="1"/>
-              <a:t>ServiceStack</a:t>
-            </a:r>
-            <a:endParaRPr lang="fr-FR" dirty="0"/>
+              <a:rPr lang="fr-FR" dirty="0">
+                <a:latin typeface="Segoe UI" panose="020B0502040204020203" pitchFamily="34" charset="0"/>
+                <a:cs typeface="Segoe UI" panose="020B0502040204020203" pitchFamily="34" charset="0"/>
+              </a:rPr>
+              <a:t>Fork de </a:t>
+            </a:r>
+            <a:r>
+              <a:rPr lang="fr-FR" dirty="0" err="1">
+                <a:latin typeface="Segoe UI" panose="020B0502040204020203" pitchFamily="34" charset="0"/>
+                <a:cs typeface="Segoe UI" panose="020B0502040204020203" pitchFamily="34" charset="0"/>
+              </a:rPr>
+              <a:t>PetaPoco</a:t>
+            </a:r>
+            <a:endParaRPr lang="fr-FR" dirty="0">
+              <a:latin typeface="Segoe UI" panose="020B0502040204020203" pitchFamily="34" charset="0"/>
+              <a:cs typeface="Segoe UI" panose="020B0502040204020203" pitchFamily="34" charset="0"/>
+            </a:endParaRPr>
           </a:p>
           <a:p>
             <a:pPr>
@@ -6664,16 +7192,39 @@
               <a:buChar char="Ø"/>
             </a:pPr>
             <a:r>
-              <a:rPr lang="fr-CA" dirty="0"/>
-              <a:t>C</a:t>
-            </a:r>
-            <a:r>
-              <a:rPr lang="fr-FR" dirty="0" err="1"/>
-              <a:t>ompatible</a:t>
-            </a:r>
-            <a:r>
-              <a:rPr lang="fr-FR" dirty="0"/>
-              <a:t> avec plusieurs bases de données : </a:t>
+              <a:rPr lang="fr-CA" dirty="0">
+                <a:latin typeface="Segoe UI" panose="020B0502040204020203" pitchFamily="34" charset="0"/>
+                <a:cs typeface="Segoe UI" panose="020B0502040204020203" pitchFamily="34" charset="0"/>
+              </a:rPr>
+              <a:t>Même avantages de </a:t>
+            </a:r>
+            <a:r>
+              <a:rPr lang="fr-CA" dirty="0" err="1">
+                <a:latin typeface="Segoe UI" panose="020B0502040204020203" pitchFamily="34" charset="0"/>
+                <a:cs typeface="Segoe UI" panose="020B0502040204020203" pitchFamily="34" charset="0"/>
+              </a:rPr>
+              <a:t>PetaPoco</a:t>
+            </a:r>
+            <a:r>
+              <a:rPr lang="fr-CA" dirty="0">
+                <a:latin typeface="Segoe UI" panose="020B0502040204020203" pitchFamily="34" charset="0"/>
+                <a:cs typeface="Segoe UI" panose="020B0502040204020203" pitchFamily="34" charset="0"/>
+              </a:rPr>
+              <a:t>, avec des </a:t>
+            </a:r>
+            <a:r>
+              <a:rPr lang="fr-CA" dirty="0" err="1">
+                <a:latin typeface="Segoe UI" panose="020B0502040204020203" pitchFamily="34" charset="0"/>
+                <a:cs typeface="Segoe UI" panose="020B0502040204020203" pitchFamily="34" charset="0"/>
+              </a:rPr>
+              <a:t>features</a:t>
+            </a:r>
+            <a:r>
+              <a:rPr lang="fr-CA" dirty="0">
+                <a:latin typeface="Segoe UI" panose="020B0502040204020203" pitchFamily="34" charset="0"/>
+                <a:cs typeface="Segoe UI" panose="020B0502040204020203" pitchFamily="34" charset="0"/>
+              </a:rPr>
+              <a:t> additionnelles</a:t>
             </a:r>
           </a:p>
           <a:p>
@@ -6682,9 +7233,23 @@
               <a:buChar char="Ø"/>
             </a:pPr>
             <a:r>
-              <a:rPr lang="fr-FR" dirty="0"/>
-              <a:t>SQL Server 2000 et supérieur, </a:t>
-            </a:r>
+              <a:rPr lang="fr-CA" dirty="0" err="1">
+                <a:latin typeface="Segoe UI" panose="020B0502040204020203" pitchFamily="34" charset="0"/>
+                <a:cs typeface="Segoe UI" panose="020B0502040204020203" pitchFamily="34" charset="0"/>
+              </a:rPr>
+              <a:t>Mapping</a:t>
+            </a:r>
+            <a:r>
+              <a:rPr lang="fr-CA" dirty="0">
+                <a:latin typeface="Segoe UI" panose="020B0502040204020203" pitchFamily="34" charset="0"/>
+                <a:cs typeface="Segoe UI" panose="020B0502040204020203" pitchFamily="34" charset="0"/>
+              </a:rPr>
+              <a:t> dans un objet existant possible</a:t>
+            </a:r>
+            <a:endParaRPr lang="fr-FR" dirty="0">
+              <a:latin typeface="Segoe UI" panose="020B0502040204020203" pitchFamily="34" charset="0"/>
+              <a:cs typeface="Segoe UI" panose="020B0502040204020203" pitchFamily="34" charset="0"/>
+            </a:endParaRPr>
           </a:p>
           <a:p>
             <a:pPr lvl="1">
@@ -6692,8 +7257,25 @@
               <a:buChar char="Ø"/>
             </a:pPr>
             <a:r>
-              <a:rPr lang="fr-FR" dirty="0"/>
-              <a:t>Oracle</a:t>
+              <a:rPr lang="fr-CA" dirty="0">
+                <a:latin typeface="Segoe UI" panose="020B0502040204020203" pitchFamily="34" charset="0"/>
+                <a:cs typeface="Segoe UI" panose="020B0502040204020203" pitchFamily="34" charset="0"/>
+              </a:rPr>
+              <a:t>S</a:t>
+            </a:r>
+            <a:r>
+              <a:rPr lang="fr-FR" dirty="0" err="1">
+                <a:latin typeface="Segoe UI" panose="020B0502040204020203" pitchFamily="34" charset="0"/>
+                <a:cs typeface="Segoe UI" panose="020B0502040204020203" pitchFamily="34" charset="0"/>
+              </a:rPr>
+              <a:t>upporte</a:t>
+            </a:r>
+            <a:r>
+              <a:rPr lang="fr-FR" dirty="0">
+                <a:latin typeface="Segoe UI" panose="020B0502040204020203" pitchFamily="34" charset="0"/>
+                <a:cs typeface="Segoe UI" panose="020B0502040204020203" pitchFamily="34" charset="0"/>
+              </a:rPr>
+              <a:t> les jeux de données multiples (comme EF, mais plus élégant)</a:t>
             </a:r>
           </a:p>
           <a:p>
@@ -6702,10 +7284,23 @@
               <a:buChar char="Ø"/>
             </a:pPr>
             <a:r>
-              <a:rPr lang="fr-FR" dirty="0" err="1"/>
-              <a:t>Mysql</a:t>
-            </a:r>
-            <a:endParaRPr lang="fr-FR" dirty="0"/>
+              <a:rPr lang="fr-CA" dirty="0" err="1">
+                <a:latin typeface="Segoe UI" panose="020B0502040204020203" pitchFamily="34" charset="0"/>
+                <a:cs typeface="Segoe UI" panose="020B0502040204020203" pitchFamily="34" charset="0"/>
+              </a:rPr>
+              <a:t>Async</a:t>
+            </a:r>
+            <a:r>
+              <a:rPr lang="fr-CA" dirty="0">
+                <a:latin typeface="Segoe UI" panose="020B0502040204020203" pitchFamily="34" charset="0"/>
+                <a:cs typeface="Segoe UI" panose="020B0502040204020203" pitchFamily="34" charset="0"/>
+              </a:rPr>
+              <a:t> (mais pas toute les opérations)</a:t>
+            </a:r>
+            <a:endParaRPr lang="fr-FR" dirty="0">
+              <a:latin typeface="Segoe UI" panose="020B0502040204020203" pitchFamily="34" charset="0"/>
+              <a:cs typeface="Segoe UI" panose="020B0502040204020203" pitchFamily="34" charset="0"/>
+            </a:endParaRPr>
           </a:p>
           <a:p>
             <a:pPr lvl="1">
@@ -6713,12 +7308,45 @@
               <a:buChar char="Ø"/>
             </a:pPr>
             <a:r>
-              <a:rPr lang="fr-FR" dirty="0" err="1"/>
-              <a:t>SqlLite</a:t>
-            </a:r>
-            <a:r>
-              <a:rPr lang="fr-FR" dirty="0"/>
-              <a:t> </a:t>
+              <a:rPr lang="fr-CA" dirty="0">
+                <a:latin typeface="Segoe UI" panose="020B0502040204020203" pitchFamily="34" charset="0"/>
+                <a:cs typeface="Segoe UI" panose="020B0502040204020203" pitchFamily="34" charset="0"/>
+              </a:rPr>
+              <a:t>E</a:t>
+            </a:r>
+            <a:r>
+              <a:rPr lang="fr-FR" dirty="0">
+                <a:latin typeface="Segoe UI" panose="020B0502040204020203" pitchFamily="34" charset="0"/>
+                <a:cs typeface="Segoe UI" panose="020B0502040204020203" pitchFamily="34" charset="0"/>
+              </a:rPr>
+              <a:t>t bien d’autres encore….</a:t>
+            </a:r>
+          </a:p>
+          <a:p>
+            <a:pPr>
+              <a:buFont typeface="Wingdings" panose="05000000000000000000" pitchFamily="2" charset="2"/>
+              <a:buChar char="Ø"/>
+            </a:pPr>
+            <a:r>
+              <a:rPr lang="fr-CA" dirty="0">
+                <a:latin typeface="Segoe UI" panose="020B0502040204020203" pitchFamily="34" charset="0"/>
+                <a:cs typeface="Segoe UI" panose="020B0502040204020203" pitchFamily="34" charset="0"/>
+              </a:rPr>
+              <a:t>S</a:t>
+            </a:r>
+            <a:r>
+              <a:rPr lang="fr-FR" dirty="0" err="1">
+                <a:latin typeface="Segoe UI" panose="020B0502040204020203" pitchFamily="34" charset="0"/>
+                <a:cs typeface="Segoe UI" panose="020B0502040204020203" pitchFamily="34" charset="0"/>
+              </a:rPr>
+              <a:t>yntaxe</a:t>
+            </a:r>
+            <a:r>
+              <a:rPr lang="fr-FR" dirty="0">
+                <a:latin typeface="Segoe UI" panose="020B0502040204020203" pitchFamily="34" charset="0"/>
+                <a:cs typeface="Segoe UI" panose="020B0502040204020203" pitchFamily="34" charset="0"/>
+              </a:rPr>
+              <a:t> quasiment identique, plus simple dans la plupart des cas</a:t>
             </a:r>
           </a:p>
           <a:p>
@@ -6727,10 +7355,26 @@
               <a:buChar char="Ø"/>
             </a:pPr>
             <a:r>
-              <a:rPr lang="fr-CA" dirty="0" err="1"/>
-              <a:t>PostgreSql</a:t>
-            </a:r>
-            <a:endParaRPr lang="fr-CA" dirty="0"/>
+              <a:rPr lang="fr-CA" dirty="0">
+                <a:latin typeface="Segoe UI" panose="020B0502040204020203" pitchFamily="34" charset="0"/>
+                <a:cs typeface="Segoe UI" panose="020B0502040204020203" pitchFamily="34" charset="0"/>
+              </a:rPr>
+              <a:t>G</a:t>
+            </a:r>
+            <a:r>
+              <a:rPr lang="fr-FR" dirty="0" err="1">
+                <a:latin typeface="Segoe UI" panose="020B0502040204020203" pitchFamily="34" charset="0"/>
+                <a:cs typeface="Segoe UI" panose="020B0502040204020203" pitchFamily="34" charset="0"/>
+              </a:rPr>
+              <a:t>estion</a:t>
+            </a:r>
+            <a:r>
+              <a:rPr lang="fr-FR" dirty="0">
+                <a:latin typeface="Segoe UI" panose="020B0502040204020203" pitchFamily="34" charset="0"/>
+                <a:cs typeface="Segoe UI" panose="020B0502040204020203" pitchFamily="34" charset="0"/>
+              </a:rPr>
+              <a:t> des relations simplifiée</a:t>
+            </a:r>
           </a:p>
           <a:p>
             <a:pPr lvl="1">
@@ -6738,21 +7382,47 @@
               <a:buChar char="Ø"/>
             </a:pPr>
             <a:r>
-              <a:rPr lang="fr-CA" dirty="0" err="1"/>
-              <a:t>FireBird</a:t>
-            </a:r>
-            <a:endParaRPr lang="fr-CA" dirty="0"/>
-          </a:p>
-          <a:p>
-            <a:pPr lvl="1">
-              <a:buFont typeface="Wingdings" panose="05000000000000000000" pitchFamily="2" charset="2"/>
-              <a:buChar char="Ø"/>
-            </a:pPr>
-            <a:r>
-              <a:rPr lang="fr-CA" dirty="0" err="1"/>
-              <a:t>VistaDB</a:t>
-            </a:r>
-            <a:endParaRPr lang="fr-CA" dirty="0"/>
+              <a:rPr lang="fr-CA" dirty="0">
+                <a:latin typeface="Segoe UI" panose="020B0502040204020203" pitchFamily="34" charset="0"/>
+                <a:cs typeface="Segoe UI" panose="020B0502040204020203" pitchFamily="34" charset="0"/>
+              </a:rPr>
+              <a:t>P</a:t>
+            </a:r>
+            <a:r>
+              <a:rPr lang="fr-FR" dirty="0">
+                <a:latin typeface="Segoe UI" panose="020B0502040204020203" pitchFamily="34" charset="0"/>
+                <a:cs typeface="Segoe UI" panose="020B0502040204020203" pitchFamily="34" charset="0"/>
+              </a:rPr>
+              <a:t>lus besoin d’attributs de </a:t>
+            </a:r>
+            <a:r>
+              <a:rPr lang="fr-FR" dirty="0" err="1">
+                <a:latin typeface="Segoe UI" panose="020B0502040204020203" pitchFamily="34" charset="0"/>
+                <a:cs typeface="Segoe UI" panose="020B0502040204020203" pitchFamily="34" charset="0"/>
+              </a:rPr>
+              <a:t>mapping</a:t>
+            </a:r>
+            <a:r>
+              <a:rPr lang="fr-FR" dirty="0">
+                <a:latin typeface="Segoe UI" panose="020B0502040204020203" pitchFamily="34" charset="0"/>
+                <a:cs typeface="Segoe UI" panose="020B0502040204020203" pitchFamily="34" charset="0"/>
+              </a:rPr>
+              <a:t> comme </a:t>
+            </a:r>
+            <a:r>
+              <a:rPr lang="fr-FR" dirty="0" err="1">
+                <a:latin typeface="Segoe UI" panose="020B0502040204020203" pitchFamily="34" charset="0"/>
+                <a:cs typeface="Segoe UI" panose="020B0502040204020203" pitchFamily="34" charset="0"/>
+              </a:rPr>
+              <a:t>PetaPoco</a:t>
+            </a:r>
+            <a:r>
+              <a:rPr lang="fr-FR" dirty="0">
+                <a:latin typeface="Segoe UI" panose="020B0502040204020203" pitchFamily="34" charset="0"/>
+                <a:cs typeface="Segoe UI" panose="020B0502040204020203" pitchFamily="34" charset="0"/>
+              </a:rPr>
+              <a:t>, les alias sont mieux pris en charge</a:t>
+            </a:r>
           </a:p>
           <a:p>
             <a:pPr>
@@ -6760,17 +7430,19 @@
               <a:buChar char="Ø"/>
             </a:pPr>
             <a:r>
-              <a:rPr lang="fr-FR" dirty="0"/>
-              <a:t>Double Syntaxe LINQ-</a:t>
-            </a:r>
-            <a:r>
-              <a:rPr lang="fr-FR" dirty="0" err="1"/>
-              <a:t>Like</a:t>
-            </a:r>
-            <a:r>
-              <a:rPr lang="fr-FR" dirty="0"/>
-              <a:t> élégante et SQL</a:t>
-            </a:r>
+              <a:rPr lang="fr-CA" dirty="0">
+                <a:solidFill>
+                  <a:srgbClr val="0070C0"/>
+                </a:solidFill>
+                <a:latin typeface="Segoe UI" panose="020B0502040204020203" pitchFamily="34" charset="0"/>
+                <a:cs typeface="Segoe UI" panose="020B0502040204020203" pitchFamily="34" charset="0"/>
+              </a:rPr>
+              <a:t>Testable unitairement</a:t>
+            </a:r>
+            <a:endParaRPr lang="fr-FR" dirty="0">
+              <a:latin typeface="Segoe UI" panose="020B0502040204020203" pitchFamily="34" charset="0"/>
+              <a:cs typeface="Segoe UI" panose="020B0502040204020203" pitchFamily="34" charset="0"/>
+            </a:endParaRPr>
           </a:p>
           <a:p>
             <a:pPr>
@@ -6778,107 +7450,42 @@
               <a:buChar char="Ø"/>
             </a:pPr>
             <a:r>
-              <a:rPr lang="fr-CA" dirty="0"/>
-              <a:t>A</a:t>
-            </a:r>
-            <a:r>
-              <a:rPr lang="fr-FR" dirty="0"/>
-              <a:t>PI riche en fonctionnalités</a:t>
-            </a:r>
-          </a:p>
-          <a:p>
-            <a:pPr>
-              <a:buFont typeface="Wingdings" panose="05000000000000000000" pitchFamily="2" charset="2"/>
-              <a:buChar char="Ø"/>
-            </a:pPr>
-            <a:r>
-              <a:rPr lang="fr-CA" dirty="0"/>
-              <a:t>Communauté active autour ce dernier</a:t>
-            </a:r>
-            <a:endParaRPr lang="fr-FR" dirty="0"/>
-          </a:p>
-          <a:p>
-            <a:pPr>
-              <a:buFont typeface="Wingdings" panose="05000000000000000000" pitchFamily="2" charset="2"/>
-              <a:buChar char="Ø"/>
-            </a:pPr>
-            <a:r>
-              <a:rPr lang="fr-FR" dirty="0"/>
-              <a:t>Performances intéressantes</a:t>
-            </a:r>
-          </a:p>
-          <a:p>
-            <a:pPr>
-              <a:buFont typeface="Wingdings" panose="05000000000000000000" pitchFamily="2" charset="2"/>
-              <a:buChar char="Ø"/>
-            </a:pPr>
-            <a:r>
-              <a:rPr lang="fr-CA" dirty="0"/>
-              <a:t>Supporte .Net </a:t>
-            </a:r>
-            <a:r>
-              <a:rPr lang="fr-CA" dirty="0" err="1"/>
-              <a:t>Core</a:t>
-            </a:r>
-            <a:r>
-              <a:rPr lang="fr-CA" dirty="0"/>
-              <a:t>, les transactions, et le requêtes asynchrones</a:t>
-            </a:r>
-          </a:p>
-          <a:p>
-            <a:pPr>
-              <a:buFont typeface="Wingdings" panose="05000000000000000000" pitchFamily="2" charset="2"/>
-              <a:buChar char="Ø"/>
-            </a:pPr>
-            <a:r>
-              <a:rPr lang="fr-CA" dirty="0"/>
-              <a:t>Obligation de créer une </a:t>
-            </a:r>
-            <a:r>
-              <a:rPr lang="fr-CA" dirty="0" err="1"/>
-              <a:t>query</a:t>
-            </a:r>
-            <a:r>
-              <a:rPr lang="fr-CA" dirty="0"/>
-              <a:t> </a:t>
-            </a:r>
-            <a:r>
-              <a:rPr lang="fr-CA" dirty="0" err="1"/>
-              <a:t>AdHoc</a:t>
-            </a:r>
-            <a:r>
-              <a:rPr lang="fr-CA" dirty="0"/>
-              <a:t> pour </a:t>
-            </a:r>
-            <a:r>
-              <a:rPr lang="fr-CA" dirty="0" err="1"/>
-              <a:t>populer</a:t>
-            </a:r>
-            <a:r>
-              <a:rPr lang="fr-CA" dirty="0"/>
-              <a:t> un objet</a:t>
-            </a:r>
-            <a:endParaRPr lang="fr-FR" dirty="0"/>
-          </a:p>
-          <a:p>
-            <a:pPr>
-              <a:buFont typeface="Wingdings" panose="05000000000000000000" pitchFamily="2" charset="2"/>
-              <a:buChar char="Ø"/>
-            </a:pPr>
-            <a:endParaRPr lang="fr-FR" dirty="0"/>
+              <a:rPr lang="fr-CA" dirty="0">
+                <a:latin typeface="Segoe UI" panose="020B0502040204020203" pitchFamily="34" charset="0"/>
+                <a:cs typeface="Segoe UI" panose="020B0502040204020203" pitchFamily="34" charset="0"/>
+              </a:rPr>
+              <a:t>Moins populaire que </a:t>
+            </a:r>
+            <a:r>
+              <a:rPr lang="fr-CA" dirty="0" err="1">
+                <a:latin typeface="Segoe UI" panose="020B0502040204020203" pitchFamily="34" charset="0"/>
+                <a:cs typeface="Segoe UI" panose="020B0502040204020203" pitchFamily="34" charset="0"/>
+              </a:rPr>
+              <a:t>PetaPoco</a:t>
+            </a:r>
+            <a:r>
+              <a:rPr lang="fr-CA" dirty="0">
+                <a:latin typeface="Segoe UI" panose="020B0502040204020203" pitchFamily="34" charset="0"/>
+                <a:cs typeface="Segoe UI" panose="020B0502040204020203" pitchFamily="34" charset="0"/>
+              </a:rPr>
+              <a:t>, communauté moins active</a:t>
+            </a:r>
           </a:p>
           <a:p>
             <a:pPr marL="45720" indent="0">
               <a:buNone/>
             </a:pPr>
-            <a:endParaRPr lang="fr-FR" dirty="0"/>
+            <a:endParaRPr lang="fr-FR" dirty="0">
+              <a:latin typeface="Segoe UI" panose="020B0502040204020203" pitchFamily="34" charset="0"/>
+              <a:cs typeface="Segoe UI" panose="020B0502040204020203" pitchFamily="34" charset="0"/>
+            </a:endParaRPr>
           </a:p>
         </p:txBody>
       </p:sp>
     </p:spTree>
     <p:extLst>
       <p:ext uri="{BB962C8B-B14F-4D97-AF65-F5344CB8AC3E}">
-        <p14:creationId xmlns:p14="http://schemas.microsoft.com/office/powerpoint/2010/main" val="3056944924"/>
+        <p14:creationId xmlns:p14="http://schemas.microsoft.com/office/powerpoint/2010/main" val="4083376732"/>
       </p:ext>
     </p:extLst>
   </p:cSld>
@@ -6919,7 +7526,7 @@
       </p:grpSpPr>
       <p:sp>
         <p:nvSpPr>
-          <p:cNvPr id="7" name="Titre 6"/>
+          <p:cNvPr id="13" name="Titre 12"/>
           <p:cNvSpPr>
             <a:spLocks noGrp="1"/>
           </p:cNvSpPr>
@@ -6930,54 +7537,381 @@
         <p:spPr>
           <a:xfrm>
             <a:off x="1341120" y="438912"/>
-            <a:ext cx="9509760" cy="584545"/>
+            <a:ext cx="9509760" cy="517433"/>
           </a:xfrm>
         </p:spPr>
         <p:txBody>
-          <a:bodyPr/>
+          <a:bodyPr>
+            <a:normAutofit fontScale="90000"/>
+          </a:bodyPr>
           <a:lstStyle/>
           <a:p>
             <a:r>
-              <a:rPr lang="fr-CA" noProof="1"/>
-              <a:t>Aperçu des performances (Select)</a:t>
-            </a:r>
-            <a:endParaRPr lang="fr-FR" noProof="1"/>
+              <a:rPr lang="fr-FR" noProof="1">
+                <a:latin typeface="Segoe UI" panose="020B0502040204020203" pitchFamily="34" charset="0"/>
+                <a:cs typeface="Segoe UI" panose="020B0502040204020203" pitchFamily="34" charset="0"/>
+              </a:rPr>
+              <a:t>OrmLite</a:t>
+            </a:r>
           </a:p>
         </p:txBody>
       </p:sp>
-      <p:pic>
-        <p:nvPicPr>
-          <p:cNvPr id="2" name="Espace réservé du contenu 1"/>
-          <p:cNvPicPr>
-            <a:picLocks noGrp="1" noChangeAspect="1"/>
-          </p:cNvPicPr>
+      <p:sp>
+        <p:nvSpPr>
+          <p:cNvPr id="3" name="Espace réservé du contenu 2"/>
+          <p:cNvSpPr>
+            <a:spLocks noGrp="1"/>
+          </p:cNvSpPr>
           <p:nvPr>
-            <p:ph sz="half" idx="2"/>
+            <p:ph idx="1"/>
           </p:nvPr>
-        </p:nvPicPr>
-        <p:blipFill>
-          <a:blip r:embed="rId2">
-            <a:extLst>
-              <a:ext uri="{28A0092B-C50C-407E-A947-70E740481C1C}">
-                <a14:useLocalDpi xmlns:a14="http://schemas.microsoft.com/office/drawing/2010/main" val="0"/>
-              </a:ext>
-            </a:extLst>
-          </a:blip>
-          <a:stretch>
-            <a:fillRect/>
-          </a:stretch>
-        </p:blipFill>
-        <p:spPr>
-          <a:xfrm>
-            <a:off x="1621613" y="1199626"/>
-            <a:ext cx="8535746" cy="4801357"/>
-          </a:xfrm>
-        </p:spPr>
-      </p:pic>
+        </p:nvSpPr>
+        <p:spPr>
+          <a:xfrm>
+            <a:off x="1341120" y="956345"/>
+            <a:ext cx="9509760" cy="5217952"/>
+          </a:xfrm>
+        </p:spPr>
+        <p:txBody>
+          <a:bodyPr>
+            <a:normAutofit/>
+          </a:bodyPr>
+          <a:lstStyle/>
+          <a:p>
+            <a:pPr>
+              <a:buFont typeface="Wingdings" panose="05000000000000000000" pitchFamily="2" charset="2"/>
+              <a:buChar char="Ø"/>
+            </a:pPr>
+            <a:r>
+              <a:rPr lang="fr-FR" dirty="0">
+                <a:latin typeface="Segoe UI" panose="020B0502040204020203" pitchFamily="34" charset="0"/>
+                <a:cs typeface="Segoe UI" panose="020B0502040204020203" pitchFamily="34" charset="0"/>
+              </a:rPr>
+              <a:t>Développé par l’équipe </a:t>
+            </a:r>
+            <a:r>
+              <a:rPr lang="fr-FR" dirty="0" err="1">
+                <a:latin typeface="Segoe UI" panose="020B0502040204020203" pitchFamily="34" charset="0"/>
+                <a:cs typeface="Segoe UI" panose="020B0502040204020203" pitchFamily="34" charset="0"/>
+              </a:rPr>
+              <a:t>ServiceStack</a:t>
+            </a:r>
+            <a:endParaRPr lang="fr-FR" dirty="0">
+              <a:latin typeface="Segoe UI" panose="020B0502040204020203" pitchFamily="34" charset="0"/>
+              <a:cs typeface="Segoe UI" panose="020B0502040204020203" pitchFamily="34" charset="0"/>
+            </a:endParaRPr>
+          </a:p>
+          <a:p>
+            <a:pPr>
+              <a:buFont typeface="Wingdings" panose="05000000000000000000" pitchFamily="2" charset="2"/>
+              <a:buChar char="Ø"/>
+            </a:pPr>
+            <a:r>
+              <a:rPr lang="fr-CA" dirty="0">
+                <a:latin typeface="Segoe UI" panose="020B0502040204020203" pitchFamily="34" charset="0"/>
+                <a:cs typeface="Segoe UI" panose="020B0502040204020203" pitchFamily="34" charset="0"/>
+              </a:rPr>
+              <a:t>C</a:t>
+            </a:r>
+            <a:r>
+              <a:rPr lang="fr-FR" dirty="0" err="1">
+                <a:latin typeface="Segoe UI" panose="020B0502040204020203" pitchFamily="34" charset="0"/>
+                <a:cs typeface="Segoe UI" panose="020B0502040204020203" pitchFamily="34" charset="0"/>
+              </a:rPr>
+              <a:t>ompatible</a:t>
+            </a:r>
+            <a:r>
+              <a:rPr lang="fr-FR" dirty="0">
+                <a:latin typeface="Segoe UI" panose="020B0502040204020203" pitchFamily="34" charset="0"/>
+                <a:cs typeface="Segoe UI" panose="020B0502040204020203" pitchFamily="34" charset="0"/>
+              </a:rPr>
+              <a:t> avec plusieurs bases de données relationnelles: </a:t>
+            </a:r>
+          </a:p>
+          <a:p>
+            <a:pPr lvl="1">
+              <a:buFont typeface="Wingdings" panose="05000000000000000000" pitchFamily="2" charset="2"/>
+              <a:buChar char="Ø"/>
+            </a:pPr>
+            <a:r>
+              <a:rPr lang="fr-FR" dirty="0">
+                <a:latin typeface="Segoe UI" panose="020B0502040204020203" pitchFamily="34" charset="0"/>
+                <a:cs typeface="Segoe UI" panose="020B0502040204020203" pitchFamily="34" charset="0"/>
+              </a:rPr>
+              <a:t>SQL Server, Oracle, </a:t>
+            </a:r>
+            <a:r>
+              <a:rPr lang="fr-FR" dirty="0" err="1">
+                <a:latin typeface="Segoe UI" panose="020B0502040204020203" pitchFamily="34" charset="0"/>
+                <a:cs typeface="Segoe UI" panose="020B0502040204020203" pitchFamily="34" charset="0"/>
+              </a:rPr>
+              <a:t>Mysql</a:t>
+            </a:r>
+            <a:r>
+              <a:rPr lang="fr-FR" dirty="0">
+                <a:latin typeface="Segoe UI" panose="020B0502040204020203" pitchFamily="34" charset="0"/>
+                <a:cs typeface="Segoe UI" panose="020B0502040204020203" pitchFamily="34" charset="0"/>
+              </a:rPr>
+              <a:t>, </a:t>
+            </a:r>
+            <a:r>
+              <a:rPr lang="fr-FR" dirty="0" err="1">
+                <a:latin typeface="Segoe UI" panose="020B0502040204020203" pitchFamily="34" charset="0"/>
+                <a:cs typeface="Segoe UI" panose="020B0502040204020203" pitchFamily="34" charset="0"/>
+              </a:rPr>
+              <a:t>SqlLite</a:t>
+            </a:r>
+            <a:r>
+              <a:rPr lang="fr-FR" dirty="0">
+                <a:latin typeface="Segoe UI" panose="020B0502040204020203" pitchFamily="34" charset="0"/>
+                <a:cs typeface="Segoe UI" panose="020B0502040204020203" pitchFamily="34" charset="0"/>
+              </a:rPr>
+              <a:t>, </a:t>
+            </a:r>
+            <a:r>
+              <a:rPr lang="fr-CA" dirty="0" err="1">
+                <a:latin typeface="Segoe UI" panose="020B0502040204020203" pitchFamily="34" charset="0"/>
+                <a:cs typeface="Segoe UI" panose="020B0502040204020203" pitchFamily="34" charset="0"/>
+              </a:rPr>
+              <a:t>PostgreSql</a:t>
+            </a:r>
+            <a:r>
+              <a:rPr lang="fr-CA" dirty="0">
+                <a:latin typeface="Segoe UI" panose="020B0502040204020203" pitchFamily="34" charset="0"/>
+                <a:cs typeface="Segoe UI" panose="020B0502040204020203" pitchFamily="34" charset="0"/>
+              </a:rPr>
+              <a:t>, </a:t>
+            </a:r>
+            <a:r>
+              <a:rPr lang="fr-CA" dirty="0" err="1">
+                <a:latin typeface="Segoe UI" panose="020B0502040204020203" pitchFamily="34" charset="0"/>
+                <a:cs typeface="Segoe UI" panose="020B0502040204020203" pitchFamily="34" charset="0"/>
+              </a:rPr>
+              <a:t>FireBird</a:t>
+            </a:r>
+            <a:r>
+              <a:rPr lang="fr-CA" dirty="0">
+                <a:latin typeface="Segoe UI" panose="020B0502040204020203" pitchFamily="34" charset="0"/>
+                <a:cs typeface="Segoe UI" panose="020B0502040204020203" pitchFamily="34" charset="0"/>
+              </a:rPr>
+              <a:t>, </a:t>
+            </a:r>
+            <a:r>
+              <a:rPr lang="fr-CA" dirty="0" err="1">
+                <a:latin typeface="Segoe UI" panose="020B0502040204020203" pitchFamily="34" charset="0"/>
+                <a:cs typeface="Segoe UI" panose="020B0502040204020203" pitchFamily="34" charset="0"/>
+              </a:rPr>
+              <a:t>VistaDB</a:t>
+            </a:r>
+            <a:endParaRPr lang="fr-CA" dirty="0">
+              <a:latin typeface="Segoe UI" panose="020B0502040204020203" pitchFamily="34" charset="0"/>
+              <a:cs typeface="Segoe UI" panose="020B0502040204020203" pitchFamily="34" charset="0"/>
+            </a:endParaRPr>
+          </a:p>
+          <a:p>
+            <a:pPr>
+              <a:buFont typeface="Wingdings" panose="05000000000000000000" pitchFamily="2" charset="2"/>
+              <a:buChar char="Ø"/>
+            </a:pPr>
+            <a:r>
+              <a:rPr lang="fr-FR" dirty="0">
+                <a:latin typeface="Segoe UI" panose="020B0502040204020203" pitchFamily="34" charset="0"/>
+                <a:cs typeface="Segoe UI" panose="020B0502040204020203" pitchFamily="34" charset="0"/>
+              </a:rPr>
+              <a:t>Double Syntaxe LINQ-</a:t>
+            </a:r>
+            <a:r>
+              <a:rPr lang="fr-FR" dirty="0" err="1">
+                <a:latin typeface="Segoe UI" panose="020B0502040204020203" pitchFamily="34" charset="0"/>
+                <a:cs typeface="Segoe UI" panose="020B0502040204020203" pitchFamily="34" charset="0"/>
+              </a:rPr>
+              <a:t>Like</a:t>
+            </a:r>
+            <a:r>
+              <a:rPr lang="fr-FR" dirty="0">
+                <a:latin typeface="Segoe UI" panose="020B0502040204020203" pitchFamily="34" charset="0"/>
+                <a:cs typeface="Segoe UI" panose="020B0502040204020203" pitchFamily="34" charset="0"/>
+              </a:rPr>
+              <a:t> (élégante) et SQL</a:t>
+            </a:r>
+          </a:p>
+          <a:p>
+            <a:pPr>
+              <a:buFont typeface="Wingdings" panose="05000000000000000000" pitchFamily="2" charset="2"/>
+              <a:buChar char="Ø"/>
+            </a:pPr>
+            <a:r>
+              <a:rPr lang="fr-CA" dirty="0">
+                <a:latin typeface="Segoe UI" panose="020B0502040204020203" pitchFamily="34" charset="0"/>
+                <a:cs typeface="Segoe UI" panose="020B0502040204020203" pitchFamily="34" charset="0"/>
+              </a:rPr>
+              <a:t>A</a:t>
+            </a:r>
+            <a:r>
+              <a:rPr lang="fr-FR" dirty="0">
+                <a:latin typeface="Segoe UI" panose="020B0502040204020203" pitchFamily="34" charset="0"/>
+                <a:cs typeface="Segoe UI" panose="020B0502040204020203" pitchFamily="34" charset="0"/>
+              </a:rPr>
+              <a:t>PI riche en fonctionnalités</a:t>
+            </a:r>
+          </a:p>
+          <a:p>
+            <a:pPr>
+              <a:buFont typeface="Wingdings" panose="05000000000000000000" pitchFamily="2" charset="2"/>
+              <a:buChar char="Ø"/>
+            </a:pPr>
+            <a:r>
+              <a:rPr lang="fr-CA" dirty="0">
+                <a:latin typeface="Segoe UI" panose="020B0502040204020203" pitchFamily="34" charset="0"/>
+                <a:cs typeface="Segoe UI" panose="020B0502040204020203" pitchFamily="34" charset="0"/>
+              </a:rPr>
+              <a:t>Communauté active </a:t>
+            </a:r>
+          </a:p>
+          <a:p>
+            <a:pPr>
+              <a:buFont typeface="Wingdings" panose="05000000000000000000" pitchFamily="2" charset="2"/>
+              <a:buChar char="Ø"/>
+            </a:pPr>
+            <a:r>
+              <a:rPr lang="fr-FR" dirty="0">
+                <a:latin typeface="Segoe UI" panose="020B0502040204020203" pitchFamily="34" charset="0"/>
+                <a:cs typeface="Segoe UI" panose="020B0502040204020203" pitchFamily="34" charset="0"/>
+              </a:rPr>
+              <a:t>Performances intéressantes</a:t>
+            </a:r>
+          </a:p>
+          <a:p>
+            <a:pPr>
+              <a:buFont typeface="Wingdings" panose="05000000000000000000" pitchFamily="2" charset="2"/>
+              <a:buChar char="Ø"/>
+            </a:pPr>
+            <a:r>
+              <a:rPr lang="fr-CA" dirty="0">
+                <a:latin typeface="Segoe UI" panose="020B0502040204020203" pitchFamily="34" charset="0"/>
+                <a:cs typeface="Segoe UI" panose="020B0502040204020203" pitchFamily="34" charset="0"/>
+              </a:rPr>
+              <a:t>Supporte .Net </a:t>
+            </a:r>
+            <a:r>
+              <a:rPr lang="fr-CA" dirty="0" err="1">
+                <a:latin typeface="Segoe UI" panose="020B0502040204020203" pitchFamily="34" charset="0"/>
+                <a:cs typeface="Segoe UI" panose="020B0502040204020203" pitchFamily="34" charset="0"/>
+              </a:rPr>
+              <a:t>Core</a:t>
+            </a:r>
+            <a:r>
+              <a:rPr lang="fr-CA" dirty="0">
+                <a:latin typeface="Segoe UI" panose="020B0502040204020203" pitchFamily="34" charset="0"/>
+                <a:cs typeface="Segoe UI" panose="020B0502040204020203" pitchFamily="34" charset="0"/>
+              </a:rPr>
+              <a:t>, les transactions, et le requêtes asynchrones</a:t>
+            </a:r>
+          </a:p>
+          <a:p>
+            <a:pPr>
+              <a:buFont typeface="Wingdings" panose="05000000000000000000" pitchFamily="2" charset="2"/>
+              <a:buChar char="Ø"/>
+            </a:pPr>
+            <a:r>
+              <a:rPr lang="fr-CA" dirty="0">
+                <a:solidFill>
+                  <a:srgbClr val="0070C0"/>
+                </a:solidFill>
+                <a:latin typeface="Segoe UI" panose="020B0502040204020203" pitchFamily="34" charset="0"/>
+                <a:cs typeface="Segoe UI" panose="020B0502040204020203" pitchFamily="34" charset="0"/>
+              </a:rPr>
+              <a:t>Testable unitairement</a:t>
+            </a:r>
+            <a:endParaRPr lang="fr-CA" dirty="0">
+              <a:latin typeface="Segoe UI" panose="020B0502040204020203" pitchFamily="34" charset="0"/>
+              <a:cs typeface="Segoe UI" panose="020B0502040204020203" pitchFamily="34" charset="0"/>
+            </a:endParaRPr>
+          </a:p>
+          <a:p>
+            <a:pPr>
+              <a:buFont typeface="Wingdings" panose="05000000000000000000" pitchFamily="2" charset="2"/>
+              <a:buChar char="Ø"/>
+            </a:pPr>
+            <a:r>
+              <a:rPr lang="fr-CA" dirty="0">
+                <a:latin typeface="Segoe UI" panose="020B0502040204020203" pitchFamily="34" charset="0"/>
+                <a:cs typeface="Segoe UI" panose="020B0502040204020203" pitchFamily="34" charset="0"/>
+              </a:rPr>
+              <a:t>Obligation de créer une </a:t>
+            </a:r>
+            <a:r>
+              <a:rPr lang="fr-CA" dirty="0" err="1">
+                <a:latin typeface="Segoe UI" panose="020B0502040204020203" pitchFamily="34" charset="0"/>
+                <a:cs typeface="Segoe UI" panose="020B0502040204020203" pitchFamily="34" charset="0"/>
+              </a:rPr>
+              <a:t>query</a:t>
+            </a:r>
+            <a:r>
+              <a:rPr lang="fr-CA" dirty="0">
+                <a:latin typeface="Segoe UI" panose="020B0502040204020203" pitchFamily="34" charset="0"/>
+                <a:cs typeface="Segoe UI" panose="020B0502040204020203" pitchFamily="34" charset="0"/>
+              </a:rPr>
+              <a:t> </a:t>
+            </a:r>
+            <a:r>
+              <a:rPr lang="fr-CA" dirty="0" err="1">
+                <a:latin typeface="Segoe UI" panose="020B0502040204020203" pitchFamily="34" charset="0"/>
+                <a:cs typeface="Segoe UI" panose="020B0502040204020203" pitchFamily="34" charset="0"/>
+              </a:rPr>
+              <a:t>AdHoc</a:t>
+            </a:r>
+            <a:r>
+              <a:rPr lang="fr-CA" dirty="0">
+                <a:latin typeface="Segoe UI" panose="020B0502040204020203" pitchFamily="34" charset="0"/>
+                <a:cs typeface="Segoe UI" panose="020B0502040204020203" pitchFamily="34" charset="0"/>
+              </a:rPr>
+              <a:t> pour </a:t>
+            </a:r>
+            <a:r>
+              <a:rPr lang="fr-CA" dirty="0" err="1">
+                <a:latin typeface="Segoe UI" panose="020B0502040204020203" pitchFamily="34" charset="0"/>
+                <a:cs typeface="Segoe UI" panose="020B0502040204020203" pitchFamily="34" charset="0"/>
+              </a:rPr>
+              <a:t>populer</a:t>
+            </a:r>
+            <a:r>
+              <a:rPr lang="fr-CA" dirty="0">
+                <a:latin typeface="Segoe UI" panose="020B0502040204020203" pitchFamily="34" charset="0"/>
+                <a:cs typeface="Segoe UI" panose="020B0502040204020203" pitchFamily="34" charset="0"/>
+              </a:rPr>
+              <a:t> un objet (relations non supportées)</a:t>
+            </a:r>
+            <a:endParaRPr lang="fr-FR" dirty="0">
+              <a:latin typeface="Segoe UI" panose="020B0502040204020203" pitchFamily="34" charset="0"/>
+              <a:cs typeface="Segoe UI" panose="020B0502040204020203" pitchFamily="34" charset="0"/>
+            </a:endParaRPr>
+          </a:p>
+          <a:p>
+            <a:pPr>
+              <a:buFont typeface="Wingdings" panose="05000000000000000000" pitchFamily="2" charset="2"/>
+              <a:buChar char="Ø"/>
+            </a:pPr>
+            <a:endParaRPr lang="fr-FR" dirty="0">
+              <a:latin typeface="Segoe UI" panose="020B0502040204020203" pitchFamily="34" charset="0"/>
+              <a:cs typeface="Segoe UI" panose="020B0502040204020203" pitchFamily="34" charset="0"/>
+            </a:endParaRPr>
+          </a:p>
+          <a:p>
+            <a:pPr marL="45720" indent="0">
+              <a:buNone/>
+            </a:pPr>
+            <a:endParaRPr lang="fr-FR" dirty="0">
+              <a:latin typeface="Segoe UI" panose="020B0502040204020203" pitchFamily="34" charset="0"/>
+              <a:cs typeface="Segoe UI" panose="020B0502040204020203" pitchFamily="34" charset="0"/>
+            </a:endParaRPr>
+          </a:p>
+        </p:txBody>
+      </p:sp>
     </p:spTree>
     <p:extLst>
       <p:ext uri="{BB962C8B-B14F-4D97-AF65-F5344CB8AC3E}">
-        <p14:creationId xmlns:p14="http://schemas.microsoft.com/office/powerpoint/2010/main" val="1341470884"/>
+        <p14:creationId xmlns:p14="http://schemas.microsoft.com/office/powerpoint/2010/main" val="3056944924"/>
       </p:ext>
     </p:extLst>
   </p:cSld>
@@ -7018,6 +7952,697 @@
       </p:grpSpPr>
       <p:sp>
         <p:nvSpPr>
+          <p:cNvPr id="13" name="Titre 12"/>
+          <p:cNvSpPr>
+            <a:spLocks noGrp="1"/>
+          </p:cNvSpPr>
+          <p:nvPr>
+            <p:ph type="title"/>
+          </p:nvPr>
+        </p:nvSpPr>
+        <p:spPr>
+          <a:xfrm>
+            <a:off x="1341120" y="438912"/>
+            <a:ext cx="9509760" cy="517433"/>
+          </a:xfrm>
+        </p:spPr>
+        <p:txBody>
+          <a:bodyPr>
+            <a:normAutofit fontScale="90000"/>
+          </a:bodyPr>
+          <a:lstStyle/>
+          <a:p>
+            <a:r>
+              <a:rPr lang="fr-FR" noProof="1">
+                <a:latin typeface="Segoe UI" panose="020B0502040204020203" pitchFamily="34" charset="0"/>
+                <a:cs typeface="Segoe UI" panose="020B0502040204020203" pitchFamily="34" charset="0"/>
+              </a:rPr>
+              <a:t>Dapper</a:t>
+            </a:r>
+          </a:p>
+        </p:txBody>
+      </p:sp>
+      <p:sp>
+        <p:nvSpPr>
+          <p:cNvPr id="3" name="Espace réservé du contenu 2"/>
+          <p:cNvSpPr>
+            <a:spLocks noGrp="1"/>
+          </p:cNvSpPr>
+          <p:nvPr>
+            <p:ph idx="1"/>
+          </p:nvPr>
+        </p:nvSpPr>
+        <p:spPr>
+          <a:xfrm>
+            <a:off x="1341120" y="956345"/>
+            <a:ext cx="9509760" cy="5217952"/>
+          </a:xfrm>
+        </p:spPr>
+        <p:txBody>
+          <a:bodyPr>
+            <a:normAutofit lnSpcReduction="10000"/>
+          </a:bodyPr>
+          <a:lstStyle/>
+          <a:p>
+            <a:pPr>
+              <a:buFont typeface="Wingdings" panose="05000000000000000000" pitchFamily="2" charset="2"/>
+              <a:buChar char="Ø"/>
+            </a:pPr>
+            <a:r>
+              <a:rPr lang="fr-FR" dirty="0">
+                <a:latin typeface="Segoe UI" panose="020B0502040204020203" pitchFamily="34" charset="0"/>
+                <a:cs typeface="Segoe UI" panose="020B0502040204020203" pitchFamily="34" charset="0"/>
+              </a:rPr>
+              <a:t>Développé par l’équipe </a:t>
+            </a:r>
+            <a:r>
+              <a:rPr lang="fr-FR" dirty="0" err="1">
+                <a:latin typeface="Segoe UI" panose="020B0502040204020203" pitchFamily="34" charset="0"/>
+                <a:cs typeface="Segoe UI" panose="020B0502040204020203" pitchFamily="34" charset="0"/>
+              </a:rPr>
+              <a:t>StackExchange</a:t>
+            </a:r>
+            <a:endParaRPr lang="fr-FR" dirty="0">
+              <a:latin typeface="Segoe UI" panose="020B0502040204020203" pitchFamily="34" charset="0"/>
+              <a:cs typeface="Segoe UI" panose="020B0502040204020203" pitchFamily="34" charset="0"/>
+            </a:endParaRPr>
+          </a:p>
+          <a:p>
+            <a:pPr>
+              <a:buFont typeface="Wingdings" panose="05000000000000000000" pitchFamily="2" charset="2"/>
+              <a:buChar char="Ø"/>
+            </a:pPr>
+            <a:r>
+              <a:rPr lang="fr-CA" dirty="0">
+                <a:latin typeface="Segoe UI" panose="020B0502040204020203" pitchFamily="34" charset="0"/>
+                <a:cs typeface="Segoe UI" panose="020B0502040204020203" pitchFamily="34" charset="0"/>
+              </a:rPr>
+              <a:t>C</a:t>
+            </a:r>
+            <a:r>
+              <a:rPr lang="fr-FR" dirty="0" err="1">
+                <a:latin typeface="Segoe UI" panose="020B0502040204020203" pitchFamily="34" charset="0"/>
+                <a:cs typeface="Segoe UI" panose="020B0502040204020203" pitchFamily="34" charset="0"/>
+              </a:rPr>
+              <a:t>ompatible</a:t>
+            </a:r>
+            <a:r>
+              <a:rPr lang="fr-FR" dirty="0">
+                <a:latin typeface="Segoe UI" panose="020B0502040204020203" pitchFamily="34" charset="0"/>
+                <a:cs typeface="Segoe UI" panose="020B0502040204020203" pitchFamily="34" charset="0"/>
+              </a:rPr>
+              <a:t> avec plusieurs bases de données relationnelles: </a:t>
+            </a:r>
+          </a:p>
+          <a:p>
+            <a:pPr lvl="1">
+              <a:buFont typeface="Wingdings" panose="05000000000000000000" pitchFamily="2" charset="2"/>
+              <a:buChar char="Ø"/>
+            </a:pPr>
+            <a:r>
+              <a:rPr lang="fr-FR" dirty="0">
+                <a:latin typeface="Segoe UI" panose="020B0502040204020203" pitchFamily="34" charset="0"/>
+                <a:cs typeface="Segoe UI" panose="020B0502040204020203" pitchFamily="34" charset="0"/>
+              </a:rPr>
+              <a:t>SQL Server, Oracle, </a:t>
+            </a:r>
+            <a:r>
+              <a:rPr lang="fr-FR" dirty="0" err="1">
+                <a:latin typeface="Segoe UI" panose="020B0502040204020203" pitchFamily="34" charset="0"/>
+                <a:cs typeface="Segoe UI" panose="020B0502040204020203" pitchFamily="34" charset="0"/>
+              </a:rPr>
+              <a:t>Mysql</a:t>
+            </a:r>
+            <a:r>
+              <a:rPr lang="fr-FR" dirty="0">
+                <a:latin typeface="Segoe UI" panose="020B0502040204020203" pitchFamily="34" charset="0"/>
+                <a:cs typeface="Segoe UI" panose="020B0502040204020203" pitchFamily="34" charset="0"/>
+              </a:rPr>
+              <a:t>, </a:t>
+            </a:r>
+            <a:r>
+              <a:rPr lang="fr-FR" dirty="0" err="1">
+                <a:latin typeface="Segoe UI" panose="020B0502040204020203" pitchFamily="34" charset="0"/>
+                <a:cs typeface="Segoe UI" panose="020B0502040204020203" pitchFamily="34" charset="0"/>
+              </a:rPr>
+              <a:t>SqlLite</a:t>
+            </a:r>
+            <a:r>
+              <a:rPr lang="fr-FR" dirty="0">
+                <a:latin typeface="Segoe UI" panose="020B0502040204020203" pitchFamily="34" charset="0"/>
+                <a:cs typeface="Segoe UI" panose="020B0502040204020203" pitchFamily="34" charset="0"/>
+              </a:rPr>
+              <a:t>, </a:t>
+            </a:r>
+            <a:r>
+              <a:rPr lang="fr-CA" dirty="0" err="1">
+                <a:latin typeface="Segoe UI" panose="020B0502040204020203" pitchFamily="34" charset="0"/>
+                <a:cs typeface="Segoe UI" panose="020B0502040204020203" pitchFamily="34" charset="0"/>
+              </a:rPr>
+              <a:t>PostgreSql</a:t>
+            </a:r>
+            <a:r>
+              <a:rPr lang="fr-CA" dirty="0">
+                <a:latin typeface="Segoe UI" panose="020B0502040204020203" pitchFamily="34" charset="0"/>
+                <a:cs typeface="Segoe UI" panose="020B0502040204020203" pitchFamily="34" charset="0"/>
+              </a:rPr>
+              <a:t>, </a:t>
+            </a:r>
+            <a:r>
+              <a:rPr lang="fr-CA" dirty="0" err="1">
+                <a:latin typeface="Segoe UI" panose="020B0502040204020203" pitchFamily="34" charset="0"/>
+                <a:cs typeface="Segoe UI" panose="020B0502040204020203" pitchFamily="34" charset="0"/>
+              </a:rPr>
+              <a:t>FireBird</a:t>
+            </a:r>
+            <a:endParaRPr lang="fr-CA" dirty="0">
+              <a:latin typeface="Segoe UI" panose="020B0502040204020203" pitchFamily="34" charset="0"/>
+              <a:cs typeface="Segoe UI" panose="020B0502040204020203" pitchFamily="34" charset="0"/>
+            </a:endParaRPr>
+          </a:p>
+          <a:p>
+            <a:pPr>
+              <a:buFont typeface="Wingdings" panose="05000000000000000000" pitchFamily="2" charset="2"/>
+              <a:buChar char="Ø"/>
+            </a:pPr>
+            <a:r>
+              <a:rPr lang="fr-CA" dirty="0">
+                <a:latin typeface="Segoe UI" panose="020B0502040204020203" pitchFamily="34" charset="0"/>
+                <a:cs typeface="Segoe UI" panose="020B0502040204020203" pitchFamily="34" charset="0"/>
+              </a:rPr>
+              <a:t>A</a:t>
+            </a:r>
+            <a:r>
+              <a:rPr lang="fr-FR" dirty="0">
+                <a:latin typeface="Segoe UI" panose="020B0502040204020203" pitchFamily="34" charset="0"/>
+                <a:cs typeface="Segoe UI" panose="020B0502040204020203" pitchFamily="34" charset="0"/>
+              </a:rPr>
+              <a:t>PI riche en fonctionnalités</a:t>
+            </a:r>
+          </a:p>
+          <a:p>
+            <a:pPr>
+              <a:buFont typeface="Wingdings" panose="05000000000000000000" pitchFamily="2" charset="2"/>
+              <a:buChar char="Ø"/>
+            </a:pPr>
+            <a:r>
+              <a:rPr lang="fr-CA" dirty="0">
+                <a:latin typeface="Segoe UI" panose="020B0502040204020203" pitchFamily="34" charset="0"/>
+                <a:cs typeface="Segoe UI" panose="020B0502040204020203" pitchFamily="34" charset="0"/>
+              </a:rPr>
+              <a:t>Communauté très active </a:t>
+            </a:r>
+          </a:p>
+          <a:p>
+            <a:pPr>
+              <a:buFont typeface="Wingdings" panose="05000000000000000000" pitchFamily="2" charset="2"/>
+              <a:buChar char="Ø"/>
+            </a:pPr>
+            <a:r>
+              <a:rPr lang="fr-FR" dirty="0">
+                <a:latin typeface="Segoe UI" panose="020B0502040204020203" pitchFamily="34" charset="0"/>
+                <a:cs typeface="Segoe UI" panose="020B0502040204020203" pitchFamily="34" charset="0"/>
+              </a:rPr>
+              <a:t>Performances très intéressantes (</a:t>
+            </a:r>
+            <a:r>
+              <a:rPr lang="fr-FR" dirty="0" err="1">
+                <a:latin typeface="Segoe UI" panose="020B0502040204020203" pitchFamily="34" charset="0"/>
+                <a:cs typeface="Segoe UI" panose="020B0502040204020203" pitchFamily="34" charset="0"/>
+              </a:rPr>
+              <a:t>mapping</a:t>
+            </a:r>
+            <a:r>
+              <a:rPr lang="fr-FR" dirty="0">
+                <a:latin typeface="Segoe UI" panose="020B0502040204020203" pitchFamily="34" charset="0"/>
+                <a:cs typeface="Segoe UI" panose="020B0502040204020203" pitchFamily="34" charset="0"/>
+              </a:rPr>
+              <a:t> le plus rapide)</a:t>
+            </a:r>
+          </a:p>
+          <a:p>
+            <a:pPr>
+              <a:buFont typeface="Wingdings" panose="05000000000000000000" pitchFamily="2" charset="2"/>
+              <a:buChar char="Ø"/>
+            </a:pPr>
+            <a:r>
+              <a:rPr lang="fr-CA" dirty="0">
+                <a:latin typeface="Segoe UI" panose="020B0502040204020203" pitchFamily="34" charset="0"/>
+                <a:cs typeface="Segoe UI" panose="020B0502040204020203" pitchFamily="34" charset="0"/>
+              </a:rPr>
+              <a:t>Supporte .Net </a:t>
+            </a:r>
+            <a:r>
+              <a:rPr lang="fr-CA" dirty="0" err="1">
+                <a:latin typeface="Segoe UI" panose="020B0502040204020203" pitchFamily="34" charset="0"/>
+                <a:cs typeface="Segoe UI" panose="020B0502040204020203" pitchFamily="34" charset="0"/>
+              </a:rPr>
+              <a:t>Core</a:t>
+            </a:r>
+            <a:r>
+              <a:rPr lang="fr-CA" dirty="0">
+                <a:latin typeface="Segoe UI" panose="020B0502040204020203" pitchFamily="34" charset="0"/>
+                <a:cs typeface="Segoe UI" panose="020B0502040204020203" pitchFamily="34" charset="0"/>
+              </a:rPr>
+              <a:t>, les transactions, et le requêtes asynchrones</a:t>
+            </a:r>
+          </a:p>
+          <a:p>
+            <a:pPr>
+              <a:buFont typeface="Wingdings" panose="05000000000000000000" pitchFamily="2" charset="2"/>
+              <a:buChar char="Ø"/>
+            </a:pPr>
+            <a:r>
+              <a:rPr lang="fr-CA" dirty="0">
+                <a:latin typeface="Segoe UI" panose="020B0502040204020203" pitchFamily="34" charset="0"/>
+                <a:cs typeface="Segoe UI" panose="020B0502040204020203" pitchFamily="34" charset="0"/>
+              </a:rPr>
+              <a:t>Relations non supportées, mapper facile à utiliser pour </a:t>
+            </a:r>
+            <a:r>
+              <a:rPr lang="fr-CA" dirty="0" err="1">
+                <a:latin typeface="Segoe UI" panose="020B0502040204020203" pitchFamily="34" charset="0"/>
+                <a:cs typeface="Segoe UI" panose="020B0502040204020203" pitchFamily="34" charset="0"/>
+              </a:rPr>
+              <a:t>populer</a:t>
+            </a:r>
+            <a:r>
+              <a:rPr lang="fr-CA" dirty="0">
+                <a:latin typeface="Segoe UI" panose="020B0502040204020203" pitchFamily="34" charset="0"/>
+                <a:cs typeface="Segoe UI" panose="020B0502040204020203" pitchFamily="34" charset="0"/>
+              </a:rPr>
+              <a:t> les relations</a:t>
+            </a:r>
+          </a:p>
+          <a:p>
+            <a:pPr>
+              <a:buFont typeface="Wingdings" panose="05000000000000000000" pitchFamily="2" charset="2"/>
+              <a:buChar char="Ø"/>
+            </a:pPr>
+            <a:r>
+              <a:rPr lang="fr-CA" dirty="0">
+                <a:latin typeface="Segoe UI" panose="020B0502040204020203" pitchFamily="34" charset="0"/>
+                <a:cs typeface="Segoe UI" panose="020B0502040204020203" pitchFamily="34" charset="0"/>
+              </a:rPr>
+              <a:t>Insert, Update, </a:t>
+            </a:r>
+            <a:r>
+              <a:rPr lang="fr-CA" dirty="0" err="1">
+                <a:latin typeface="Segoe UI" panose="020B0502040204020203" pitchFamily="34" charset="0"/>
+                <a:cs typeface="Segoe UI" panose="020B0502040204020203" pitchFamily="34" charset="0"/>
+              </a:rPr>
+              <a:t>Delete</a:t>
+            </a:r>
+            <a:r>
+              <a:rPr lang="fr-CA" dirty="0">
+                <a:latin typeface="Segoe UI" panose="020B0502040204020203" pitchFamily="34" charset="0"/>
+                <a:cs typeface="Segoe UI" panose="020B0502040204020203" pitchFamily="34" charset="0"/>
+              </a:rPr>
+              <a:t> uniquement en </a:t>
+            </a:r>
+            <a:r>
+              <a:rPr lang="fr-CA" dirty="0" err="1">
+                <a:latin typeface="Segoe UI" panose="020B0502040204020203" pitchFamily="34" charset="0"/>
+                <a:cs typeface="Segoe UI" panose="020B0502040204020203" pitchFamily="34" charset="0"/>
+              </a:rPr>
+              <a:t>query</a:t>
+            </a:r>
+            <a:r>
+              <a:rPr lang="fr-CA" dirty="0">
+                <a:latin typeface="Segoe UI" panose="020B0502040204020203" pitchFamily="34" charset="0"/>
+                <a:cs typeface="Segoe UI" panose="020B0502040204020203" pitchFamily="34" charset="0"/>
+              </a:rPr>
+              <a:t> texte : un peu plus fastidieux à écrire</a:t>
+            </a:r>
+          </a:p>
+          <a:p>
+            <a:pPr>
+              <a:buFont typeface="Wingdings" panose="05000000000000000000" pitchFamily="2" charset="2"/>
+              <a:buChar char="Ø"/>
+            </a:pPr>
+            <a:r>
+              <a:rPr lang="fr-CA" dirty="0">
+                <a:solidFill>
+                  <a:srgbClr val="0070C0"/>
+                </a:solidFill>
+                <a:latin typeface="Segoe UI" panose="020B0502040204020203" pitchFamily="34" charset="0"/>
+                <a:cs typeface="Segoe UI" panose="020B0502040204020203" pitchFamily="34" charset="0"/>
+              </a:rPr>
+              <a:t>Testable unitairement, grandement facilité avec «  </a:t>
+            </a:r>
+            <a:r>
+              <a:rPr lang="fr-CA" dirty="0" err="1">
+                <a:solidFill>
+                  <a:srgbClr val="0070C0"/>
+                </a:solidFill>
+                <a:latin typeface="Segoe UI" panose="020B0502040204020203" pitchFamily="34" charset="0"/>
+                <a:cs typeface="Segoe UI" panose="020B0502040204020203" pitchFamily="34" charset="0"/>
+              </a:rPr>
+              <a:t>DapperWrapper</a:t>
+            </a:r>
+            <a:r>
+              <a:rPr lang="fr-CA" dirty="0">
+                <a:solidFill>
+                  <a:srgbClr val="0070C0"/>
+                </a:solidFill>
+                <a:latin typeface="Segoe UI" panose="020B0502040204020203" pitchFamily="34" charset="0"/>
+                <a:cs typeface="Segoe UI" panose="020B0502040204020203" pitchFamily="34" charset="0"/>
+              </a:rPr>
+              <a:t> » et «  </a:t>
+            </a:r>
+            <a:r>
+              <a:rPr lang="fr-CA" dirty="0" err="1">
+                <a:solidFill>
+                  <a:srgbClr val="0070C0"/>
+                </a:solidFill>
+                <a:latin typeface="Segoe UI" panose="020B0502040204020203" pitchFamily="34" charset="0"/>
+                <a:cs typeface="Segoe UI" panose="020B0502040204020203" pitchFamily="34" charset="0"/>
+              </a:rPr>
+              <a:t>DapperParameters</a:t>
+            </a:r>
+            <a:r>
+              <a:rPr lang="fr-CA" dirty="0">
+                <a:solidFill>
+                  <a:srgbClr val="0070C0"/>
+                </a:solidFill>
+                <a:latin typeface="Segoe UI" panose="020B0502040204020203" pitchFamily="34" charset="0"/>
+                <a:cs typeface="Segoe UI" panose="020B0502040204020203" pitchFamily="34" charset="0"/>
+              </a:rPr>
+              <a:t> » pour unit tester les procédures stockées</a:t>
+            </a:r>
+            <a:endParaRPr lang="fr-FR" dirty="0">
+              <a:solidFill>
+                <a:srgbClr val="0070C0"/>
+              </a:solidFill>
+              <a:latin typeface="Segoe UI" panose="020B0502040204020203" pitchFamily="34" charset="0"/>
+              <a:cs typeface="Segoe UI" panose="020B0502040204020203" pitchFamily="34" charset="0"/>
+            </a:endParaRPr>
+          </a:p>
+          <a:p>
+            <a:pPr>
+              <a:buFont typeface="Wingdings" panose="05000000000000000000" pitchFamily="2" charset="2"/>
+              <a:buChar char="Ø"/>
+            </a:pPr>
+            <a:endParaRPr lang="fr-FR" dirty="0">
+              <a:latin typeface="Segoe UI" panose="020B0502040204020203" pitchFamily="34" charset="0"/>
+              <a:cs typeface="Segoe UI" panose="020B0502040204020203" pitchFamily="34" charset="0"/>
+            </a:endParaRPr>
+          </a:p>
+          <a:p>
+            <a:pPr marL="45720" indent="0">
+              <a:buNone/>
+            </a:pPr>
+            <a:endParaRPr lang="fr-FR" dirty="0">
+              <a:latin typeface="Segoe UI" panose="020B0502040204020203" pitchFamily="34" charset="0"/>
+              <a:cs typeface="Segoe UI" panose="020B0502040204020203" pitchFamily="34" charset="0"/>
+            </a:endParaRPr>
+          </a:p>
+        </p:txBody>
+      </p:sp>
+    </p:spTree>
+    <p:extLst>
+      <p:ext uri="{BB962C8B-B14F-4D97-AF65-F5344CB8AC3E}">
+        <p14:creationId xmlns:p14="http://schemas.microsoft.com/office/powerpoint/2010/main" val="530389675"/>
+      </p:ext>
+    </p:extLst>
+  </p:cSld>
+  <p:clrMapOvr>
+    <a:masterClrMapping/>
+  </p:clrMapOvr>
+  <mc:AlternateContent xmlns:mc="http://schemas.openxmlformats.org/markup-compatibility/2006" xmlns:p14="http://schemas.microsoft.com/office/powerpoint/2010/main">
+    <mc:Choice Requires="p14">
+      <p:transition spd="med" p14:dur="700">
+        <p:fade/>
+      </p:transition>
+    </mc:Choice>
+    <mc:Fallback xmlns="">
+      <p:transition spd="med">
+        <p:fade/>
+      </p:transition>
+    </mc:Fallback>
+  </mc:AlternateContent>
+</p:sld>
+</file>
+
+<file path=ppt/slides/slide15.xml><?xml version="1.0" encoding="utf-8"?>
+<p:sld xmlns:a="http://schemas.openxmlformats.org/drawingml/2006/main" xmlns:r="http://schemas.openxmlformats.org/officeDocument/2006/relationships" xmlns:p="http://schemas.openxmlformats.org/presentationml/2006/main">
+  <p:cSld>
+    <p:spTree>
+      <p:nvGrpSpPr>
+        <p:cNvPr id="1" name=""/>
+        <p:cNvGrpSpPr/>
+        <p:nvPr/>
+      </p:nvGrpSpPr>
+      <p:grpSpPr>
+        <a:xfrm>
+          <a:off x="0" y="0"/>
+          <a:ext cx="0" cy="0"/>
+          <a:chOff x="0" y="0"/>
+          <a:chExt cx="0" cy="0"/>
+        </a:xfrm>
+      </p:grpSpPr>
+      <p:sp>
+        <p:nvSpPr>
+          <p:cNvPr id="7" name="Titre 6"/>
+          <p:cNvSpPr>
+            <a:spLocks noGrp="1"/>
+          </p:cNvSpPr>
+          <p:nvPr>
+            <p:ph type="title"/>
+          </p:nvPr>
+        </p:nvSpPr>
+        <p:spPr>
+          <a:xfrm>
+            <a:off x="1341120" y="438912"/>
+            <a:ext cx="9509760" cy="584545"/>
+          </a:xfrm>
+        </p:spPr>
+        <p:txBody>
+          <a:bodyPr>
+            <a:normAutofit fontScale="90000"/>
+          </a:bodyPr>
+          <a:lstStyle/>
+          <a:p>
+            <a:r>
+              <a:rPr lang="fr-CA" noProof="1">
+                <a:latin typeface="Segoe UI" panose="020B0502040204020203" pitchFamily="34" charset="0"/>
+                <a:cs typeface="Segoe UI" panose="020B0502040204020203" pitchFamily="34" charset="0"/>
+              </a:rPr>
+              <a:t>Aperçu des performances </a:t>
+            </a:r>
+            <a:br>
+              <a:rPr lang="fr-CA" noProof="1">
+                <a:latin typeface="Segoe UI" panose="020B0502040204020203" pitchFamily="34" charset="0"/>
+                <a:cs typeface="Segoe UI" panose="020B0502040204020203" pitchFamily="34" charset="0"/>
+              </a:rPr>
+            </a:br>
+            <a:r>
+              <a:rPr lang="fr-CA" noProof="1">
+                <a:latin typeface="Segoe UI" panose="020B0502040204020203" pitchFamily="34" charset="0"/>
+                <a:cs typeface="Segoe UI" panose="020B0502040204020203" pitchFamily="34" charset="0"/>
+              </a:rPr>
+              <a:t>Select unique avec 500 enregistrements</a:t>
+            </a:r>
+            <a:endParaRPr lang="fr-FR" noProof="1">
+              <a:latin typeface="Segoe UI" panose="020B0502040204020203" pitchFamily="34" charset="0"/>
+              <a:cs typeface="Segoe UI" panose="020B0502040204020203" pitchFamily="34" charset="0"/>
+            </a:endParaRPr>
+          </a:p>
+        </p:txBody>
+      </p:sp>
+      <p:pic>
+        <p:nvPicPr>
+          <p:cNvPr id="6" name="Espace réservé du contenu 5"/>
+          <p:cNvPicPr>
+            <a:picLocks noGrp="1" noChangeAspect="1"/>
+          </p:cNvPicPr>
+          <p:nvPr>
+            <p:ph sz="half" idx="2"/>
+          </p:nvPr>
+        </p:nvPicPr>
+        <p:blipFill>
+          <a:blip r:embed="rId2">
+            <a:extLst>
+              <a:ext uri="{28A0092B-C50C-407E-A947-70E740481C1C}">
+                <a14:useLocalDpi xmlns:a14="http://schemas.microsoft.com/office/drawing/2010/main" val="0"/>
+              </a:ext>
+            </a:extLst>
+          </a:blip>
+          <a:stretch>
+            <a:fillRect/>
+          </a:stretch>
+        </p:blipFill>
+        <p:spPr>
+          <a:xfrm>
+            <a:off x="1341120" y="1023457"/>
+            <a:ext cx="9302889" cy="5232874"/>
+          </a:xfrm>
+        </p:spPr>
+      </p:pic>
+    </p:spTree>
+    <p:extLst>
+      <p:ext uri="{BB962C8B-B14F-4D97-AF65-F5344CB8AC3E}">
+        <p14:creationId xmlns:p14="http://schemas.microsoft.com/office/powerpoint/2010/main" val="1341470884"/>
+      </p:ext>
+    </p:extLst>
+  </p:cSld>
+  <p:clrMapOvr>
+    <a:masterClrMapping/>
+  </p:clrMapOvr>
+  <mc:AlternateContent xmlns:mc="http://schemas.openxmlformats.org/markup-compatibility/2006" xmlns:p14="http://schemas.microsoft.com/office/powerpoint/2010/main">
+    <mc:Choice Requires="p14">
+      <p:transition spd="med" p14:dur="700">
+        <p:fade/>
+      </p:transition>
+    </mc:Choice>
+    <mc:Fallback xmlns="">
+      <p:transition spd="med">
+        <p:fade/>
+      </p:transition>
+    </mc:Fallback>
+  </mc:AlternateContent>
+</p:sld>
+</file>
+
+<file path=ppt/slides/slide16.xml><?xml version="1.0" encoding="utf-8"?>
+<p:sld xmlns:a="http://schemas.openxmlformats.org/drawingml/2006/main" xmlns:r="http://schemas.openxmlformats.org/officeDocument/2006/relationships" xmlns:p="http://schemas.openxmlformats.org/presentationml/2006/main">
+  <p:cSld>
+    <p:spTree>
+      <p:nvGrpSpPr>
+        <p:cNvPr id="1" name=""/>
+        <p:cNvGrpSpPr/>
+        <p:nvPr/>
+      </p:nvGrpSpPr>
+      <p:grpSpPr>
+        <a:xfrm>
+          <a:off x="0" y="0"/>
+          <a:ext cx="0" cy="0"/>
+          <a:chOff x="0" y="0"/>
+          <a:chExt cx="0" cy="0"/>
+        </a:xfrm>
+      </p:grpSpPr>
+      <p:sp>
+        <p:nvSpPr>
+          <p:cNvPr id="7" name="Titre 6"/>
+          <p:cNvSpPr>
+            <a:spLocks noGrp="1"/>
+          </p:cNvSpPr>
+          <p:nvPr>
+            <p:ph type="title"/>
+          </p:nvPr>
+        </p:nvSpPr>
+        <p:spPr>
+          <a:xfrm>
+            <a:off x="1341120" y="438912"/>
+            <a:ext cx="9509760" cy="584545"/>
+          </a:xfrm>
+        </p:spPr>
+        <p:txBody>
+          <a:bodyPr>
+            <a:normAutofit fontScale="90000"/>
+          </a:bodyPr>
+          <a:lstStyle/>
+          <a:p>
+            <a:r>
+              <a:rPr lang="fr-CA" noProof="1">
+                <a:latin typeface="Segoe UI" panose="020B0502040204020203" pitchFamily="34" charset="0"/>
+                <a:cs typeface="Segoe UI" panose="020B0502040204020203" pitchFamily="34" charset="0"/>
+              </a:rPr>
+              <a:t>Aperçu des performances </a:t>
+            </a:r>
+            <a:br>
+              <a:rPr lang="fr-CA" noProof="1">
+                <a:latin typeface="Segoe UI" panose="020B0502040204020203" pitchFamily="34" charset="0"/>
+                <a:cs typeface="Segoe UI" panose="020B0502040204020203" pitchFamily="34" charset="0"/>
+              </a:rPr>
+            </a:br>
+            <a:r>
+              <a:rPr lang="fr-CA" noProof="1">
+                <a:latin typeface="Segoe UI" panose="020B0502040204020203" pitchFamily="34" charset="0"/>
+                <a:cs typeface="Segoe UI" panose="020B0502040204020203" pitchFamily="34" charset="0"/>
+              </a:rPr>
+              <a:t>Select en boucle avec un enregistrement unique</a:t>
+            </a:r>
+            <a:endParaRPr lang="fr-FR" noProof="1">
+              <a:latin typeface="Segoe UI" panose="020B0502040204020203" pitchFamily="34" charset="0"/>
+              <a:cs typeface="Segoe UI" panose="020B0502040204020203" pitchFamily="34" charset="0"/>
+            </a:endParaRPr>
+          </a:p>
+        </p:txBody>
+      </p:sp>
+      <p:pic>
+        <p:nvPicPr>
+          <p:cNvPr id="2" name="Espace réservé du contenu 1"/>
+          <p:cNvPicPr>
+            <a:picLocks noGrp="1" noChangeAspect="1"/>
+          </p:cNvPicPr>
+          <p:nvPr>
+            <p:ph sz="half" idx="2"/>
+          </p:nvPr>
+        </p:nvPicPr>
+        <p:blipFill>
+          <a:blip r:embed="rId2">
+            <a:extLst>
+              <a:ext uri="{28A0092B-C50C-407E-A947-70E740481C1C}">
+                <a14:useLocalDpi xmlns:a14="http://schemas.microsoft.com/office/drawing/2010/main" val="0"/>
+              </a:ext>
+            </a:extLst>
+          </a:blip>
+          <a:stretch>
+            <a:fillRect/>
+          </a:stretch>
+        </p:blipFill>
+        <p:spPr>
+          <a:xfrm>
+            <a:off x="1621613" y="1199626"/>
+            <a:ext cx="8535746" cy="4801357"/>
+          </a:xfrm>
+        </p:spPr>
+      </p:pic>
+    </p:spTree>
+    <p:extLst>
+      <p:ext uri="{BB962C8B-B14F-4D97-AF65-F5344CB8AC3E}">
+        <p14:creationId xmlns:p14="http://schemas.microsoft.com/office/powerpoint/2010/main" val="3350614369"/>
+      </p:ext>
+    </p:extLst>
+  </p:cSld>
+  <p:clrMapOvr>
+    <a:masterClrMapping/>
+  </p:clrMapOvr>
+  <mc:AlternateContent xmlns:mc="http://schemas.openxmlformats.org/markup-compatibility/2006" xmlns:p14="http://schemas.microsoft.com/office/powerpoint/2010/main">
+    <mc:Choice Requires="p14">
+      <p:transition spd="med" p14:dur="700">
+        <p:fade/>
+      </p:transition>
+    </mc:Choice>
+    <mc:Fallback xmlns="">
+      <p:transition spd="med">
+        <p:fade/>
+      </p:transition>
+    </mc:Fallback>
+  </mc:AlternateContent>
+</p:sld>
+</file>
+
+<file path=ppt/slides/slide17.xml><?xml version="1.0" encoding="utf-8"?>
+<p:sld xmlns:a="http://schemas.openxmlformats.org/drawingml/2006/main" xmlns:r="http://schemas.openxmlformats.org/officeDocument/2006/relationships" xmlns:p="http://schemas.openxmlformats.org/presentationml/2006/main">
+  <p:cSld>
+    <p:spTree>
+      <p:nvGrpSpPr>
+        <p:cNvPr id="1" name=""/>
+        <p:cNvGrpSpPr/>
+        <p:nvPr/>
+      </p:nvGrpSpPr>
+      <p:grpSpPr>
+        <a:xfrm>
+          <a:off x="0" y="0"/>
+          <a:ext cx="0" cy="0"/>
+          <a:chOff x="0" y="0"/>
+          <a:chExt cx="0" cy="0"/>
+        </a:xfrm>
+      </p:grpSpPr>
+      <p:sp>
+        <p:nvSpPr>
           <p:cNvPr id="2" name="Titre 1"/>
           <p:cNvSpPr>
             <a:spLocks noGrp="1"/>
@@ -7026,16 +8651,27 @@
             <p:ph type="title"/>
           </p:nvPr>
         </p:nvSpPr>
-        <p:spPr/>
+        <p:spPr>
+          <a:xfrm>
+            <a:off x="1341120" y="438912"/>
+            <a:ext cx="9509760" cy="591962"/>
+          </a:xfrm>
+        </p:spPr>
         <p:txBody>
           <a:bodyPr/>
           <a:lstStyle/>
           <a:p>
             <a:r>
-              <a:rPr lang="fr-CA" dirty="0"/>
-              <a:t>Comparaisons</a:t>
-            </a:r>
-            <a:endParaRPr lang="fr-FR" dirty="0"/>
+              <a:rPr lang="fr-CA" dirty="0">
+                <a:latin typeface="Segoe UI" panose="020B0502040204020203" pitchFamily="34" charset="0"/>
+                <a:cs typeface="Segoe UI" panose="020B0502040204020203" pitchFamily="34" charset="0"/>
+              </a:rPr>
+              <a:t>Récapitulatif</a:t>
+            </a:r>
+            <a:endParaRPr lang="fr-FR" dirty="0">
+              <a:latin typeface="Segoe UI" panose="020B0502040204020203" pitchFamily="34" charset="0"/>
+              <a:cs typeface="Segoe UI" panose="020B0502040204020203" pitchFamily="34" charset="0"/>
+            </a:endParaRPr>
           </a:p>
         </p:txBody>
       </p:sp>
@@ -7049,14 +8685,14 @@
             <p:ph idx="1"/>
             <p:extLst>
               <p:ext uri="{D42A27DB-BD31-4B8C-83A1-F6EECF244321}">
-                <p14:modId xmlns:p14="http://schemas.microsoft.com/office/powerpoint/2010/main" val="4177640784"/>
+                <p14:modId xmlns:p14="http://schemas.microsoft.com/office/powerpoint/2010/main" val="598739614"/>
               </p:ext>
             </p:extLst>
           </p:nvPr>
         </p:nvGraphicFramePr>
         <p:xfrm>
-          <a:off x="117443" y="1673224"/>
-          <a:ext cx="11979480" cy="3588734"/>
+          <a:off x="212520" y="1686383"/>
+          <a:ext cx="11979481" cy="3171852"/>
         </p:xfrm>
         <a:graphic>
           <a:graphicData uri="http://schemas.openxmlformats.org/drawingml/2006/table">
@@ -7065,63 +8701,70 @@
                 <a:tableStyleId>{69012ECD-51FC-41F1-AA8D-1B2483CD663E}</a:tableStyleId>
               </a:tblPr>
               <a:tblGrid>
-                <a:gridCol w="1350630">
+                <a:gridCol w="1367705">
                   <a:extLst>
                     <a:ext uri="{9D8B030D-6E8A-4147-A177-3AD203B41FA5}">
                       <a16:colId xmlns:a16="http://schemas.microsoft.com/office/drawing/2014/main" val="2167666082"/>
                     </a:ext>
                   </a:extLst>
                 </a:gridCol>
-                <a:gridCol w="1551964">
+                <a:gridCol w="1285207">
                   <a:extLst>
                     <a:ext uri="{9D8B030D-6E8A-4147-A177-3AD203B41FA5}">
                       <a16:colId xmlns:a16="http://schemas.microsoft.com/office/drawing/2014/main" val="927774335"/>
                     </a:ext>
                   </a:extLst>
                 </a:gridCol>
-                <a:gridCol w="935561">
+                <a:gridCol w="855084">
                   <a:extLst>
                     <a:ext uri="{9D8B030D-6E8A-4147-A177-3AD203B41FA5}">
                       <a16:colId xmlns:a16="http://schemas.microsoft.com/office/drawing/2014/main" val="477042933"/>
                     </a:ext>
                   </a:extLst>
                 </a:gridCol>
-                <a:gridCol w="2453591">
+                <a:gridCol w="2289667">
                   <a:extLst>
                     <a:ext uri="{9D8B030D-6E8A-4147-A177-3AD203B41FA5}">
                       <a16:colId xmlns:a16="http://schemas.microsoft.com/office/drawing/2014/main" val="3771356532"/>
                     </a:ext>
                   </a:extLst>
                 </a:gridCol>
-                <a:gridCol w="1300294">
+                <a:gridCol w="1109708">
                   <a:extLst>
                     <a:ext uri="{9D8B030D-6E8A-4147-A177-3AD203B41FA5}">
                       <a16:colId xmlns:a16="http://schemas.microsoft.com/office/drawing/2014/main" val="3374069151"/>
                     </a:ext>
                   </a:extLst>
                 </a:gridCol>
-                <a:gridCol w="1384183">
+                <a:gridCol w="1331651">
                   <a:extLst>
                     <a:ext uri="{9D8B030D-6E8A-4147-A177-3AD203B41FA5}">
                       <a16:colId xmlns:a16="http://schemas.microsoft.com/office/drawing/2014/main" val="1442313358"/>
                     </a:ext>
                   </a:extLst>
                 </a:gridCol>
-                <a:gridCol w="855677">
+                <a:gridCol w="905522">
                   <a:extLst>
                     <a:ext uri="{9D8B030D-6E8A-4147-A177-3AD203B41FA5}">
                       <a16:colId xmlns:a16="http://schemas.microsoft.com/office/drawing/2014/main" val="2763533904"/>
                     </a:ext>
                   </a:extLst>
                 </a:gridCol>
-                <a:gridCol w="1308683">
+                <a:gridCol w="1127464">
                   <a:extLst>
                     <a:ext uri="{9D8B030D-6E8A-4147-A177-3AD203B41FA5}">
                       <a16:colId xmlns:a16="http://schemas.microsoft.com/office/drawing/2014/main" val="3784075202"/>
                     </a:ext>
                   </a:extLst>
                 </a:gridCol>
-                <a:gridCol w="838897">
+                <a:gridCol w="639192">
+                  <a:extLst>
+                    <a:ext uri="{9D8B030D-6E8A-4147-A177-3AD203B41FA5}">
+                      <a16:colId xmlns:a16="http://schemas.microsoft.com/office/drawing/2014/main" val="2893047761"/>
+                    </a:ext>
+                  </a:extLst>
+                </a:gridCol>
+                <a:gridCol w="1068281">
                   <a:extLst>
                     <a:ext uri="{9D8B030D-6E8A-4147-A177-3AD203B41FA5}">
                       <a16:colId xmlns:a16="http://schemas.microsoft.com/office/drawing/2014/main" val="301737186"/>
@@ -7135,7 +8778,10 @@
                     <a:bodyPr/>
                     <a:lstStyle/>
                     <a:p>
-                      <a:endParaRPr lang="fr-FR" dirty="0"/>
+                      <a:endParaRPr lang="fr-FR" dirty="0">
+                        <a:latin typeface="Segoe UI" panose="020B0502040204020203" pitchFamily="34" charset="0"/>
+                        <a:cs typeface="Segoe UI" panose="020B0502040204020203" pitchFamily="34" charset="0"/>
+                      </a:endParaRPr>
                     </a:p>
                   </a:txBody>
                   <a:tcPr/>
@@ -7146,10 +8792,16 @@
                     <a:lstStyle/>
                     <a:p>
                       <a:r>
-                        <a:rPr lang="fr-CA" sz="1200" dirty="0"/>
+                        <a:rPr lang="fr-CA" sz="1100" dirty="0">
+                          <a:latin typeface="Segoe UI" panose="020B0502040204020203" pitchFamily="34" charset="0"/>
+                          <a:cs typeface="Segoe UI" panose="020B0502040204020203" pitchFamily="34" charset="0"/>
+                        </a:rPr>
                         <a:t>Licence / Installation</a:t>
                       </a:r>
-                      <a:endParaRPr lang="fr-FR" sz="1200" dirty="0"/>
+                      <a:endParaRPr lang="fr-FR" sz="1100" dirty="0">
+                        <a:latin typeface="Segoe UI" panose="020B0502040204020203" pitchFamily="34" charset="0"/>
+                        <a:cs typeface="Segoe UI" panose="020B0502040204020203" pitchFamily="34" charset="0"/>
+                      </a:endParaRPr>
                     </a:p>
                   </a:txBody>
                   <a:tcPr/>
@@ -7160,7 +8812,10 @@
                     <a:lstStyle/>
                     <a:p>
                       <a:r>
-                        <a:rPr lang="fr-FR" sz="1200" dirty="0"/>
+                        <a:rPr lang="fr-FR" sz="1100" dirty="0">
+                          <a:latin typeface="Segoe UI" panose="020B0502040204020203" pitchFamily="34" charset="0"/>
+                          <a:cs typeface="Segoe UI" panose="020B0502040204020203" pitchFamily="34" charset="0"/>
+                        </a:rPr>
                         <a:t>Prise en main</a:t>
                       </a:r>
                     </a:p>
@@ -7173,10 +8828,16 @@
                     <a:lstStyle/>
                     <a:p>
                       <a:r>
-                        <a:rPr lang="fr-CA" sz="1200" dirty="0"/>
+                        <a:rPr lang="fr-CA" sz="1100" dirty="0">
+                          <a:latin typeface="Segoe UI" panose="020B0502040204020203" pitchFamily="34" charset="0"/>
+                          <a:cs typeface="Segoe UI" panose="020B0502040204020203" pitchFamily="34" charset="0"/>
+                        </a:rPr>
                         <a:t>Communauté, documentation, maturité, Fréquence Maj</a:t>
                       </a:r>
-                      <a:endParaRPr lang="fr-FR" sz="1200" dirty="0"/>
+                      <a:endParaRPr lang="fr-FR" sz="1100" dirty="0">
+                        <a:latin typeface="Segoe UI" panose="020B0502040204020203" pitchFamily="34" charset="0"/>
+                        <a:cs typeface="Segoe UI" panose="020B0502040204020203" pitchFamily="34" charset="0"/>
+                      </a:endParaRPr>
                     </a:p>
                   </a:txBody>
                   <a:tcPr/>
@@ -7187,10 +8848,16 @@
                     <a:lstStyle/>
                     <a:p>
                       <a:r>
-                        <a:rPr lang="fr-CA" sz="1200" dirty="0"/>
+                        <a:rPr lang="fr-CA" sz="1100" dirty="0">
+                          <a:latin typeface="Segoe UI" panose="020B0502040204020203" pitchFamily="34" charset="0"/>
+                          <a:cs typeface="Segoe UI" panose="020B0502040204020203" pitchFamily="34" charset="0"/>
+                        </a:rPr>
                         <a:t>Performances</a:t>
                       </a:r>
-                      <a:endParaRPr lang="fr-FR" sz="1200" dirty="0"/>
+                      <a:endParaRPr lang="fr-FR" sz="1100" dirty="0">
+                        <a:latin typeface="Segoe UI" panose="020B0502040204020203" pitchFamily="34" charset="0"/>
+                        <a:cs typeface="Segoe UI" panose="020B0502040204020203" pitchFamily="34" charset="0"/>
+                      </a:endParaRPr>
                     </a:p>
                   </a:txBody>
                   <a:tcPr/>
@@ -7201,20 +8868,32 @@
                     <a:lstStyle/>
                     <a:p>
                       <a:r>
-                        <a:rPr lang="fr-CA" sz="1200" dirty="0"/>
+                        <a:rPr lang="fr-CA" sz="1100" dirty="0">
+                          <a:latin typeface="Segoe UI" panose="020B0502040204020203" pitchFamily="34" charset="0"/>
+                          <a:cs typeface="Segoe UI" panose="020B0502040204020203" pitchFamily="34" charset="0"/>
+                        </a:rPr>
                         <a:t>Support</a:t>
                       </a:r>
                     </a:p>
                     <a:p>
                       <a:r>
-                        <a:rPr lang="fr-CA" sz="1200" dirty="0"/>
+                        <a:rPr lang="fr-CA" sz="1100" dirty="0">
+                          <a:latin typeface="Segoe UI" panose="020B0502040204020203" pitchFamily="34" charset="0"/>
+                          <a:cs typeface="Segoe UI" panose="020B0502040204020203" pitchFamily="34" charset="0"/>
+                        </a:rPr>
                         <a:t>différentes </a:t>
                       </a:r>
                       <a:r>
-                        <a:rPr lang="fr-CA" sz="1200" dirty="0" err="1"/>
+                        <a:rPr lang="fr-CA" sz="1100" dirty="0" err="1">
+                          <a:latin typeface="Segoe UI" panose="020B0502040204020203" pitchFamily="34" charset="0"/>
+                          <a:cs typeface="Segoe UI" panose="020B0502040204020203" pitchFamily="34" charset="0"/>
+                        </a:rPr>
                         <a:t>Bdd</a:t>
                       </a:r>
-                      <a:endParaRPr lang="fr-FR" sz="1200" dirty="0"/>
+                      <a:endParaRPr lang="fr-FR" sz="1100" dirty="0">
+                        <a:latin typeface="Segoe UI" panose="020B0502040204020203" pitchFamily="34" charset="0"/>
+                        <a:cs typeface="Segoe UI" panose="020B0502040204020203" pitchFamily="34" charset="0"/>
+                      </a:endParaRPr>
                     </a:p>
                   </a:txBody>
                   <a:tcPr/>
@@ -7225,20 +8904,32 @@
                     <a:lstStyle/>
                     <a:p>
                       <a:r>
-                        <a:rPr lang="fr-CA" sz="1200" dirty="0"/>
+                        <a:rPr lang="fr-CA" sz="1100" dirty="0">
+                          <a:latin typeface="Segoe UI" panose="020B0502040204020203" pitchFamily="34" charset="0"/>
+                          <a:cs typeface="Segoe UI" panose="020B0502040204020203" pitchFamily="34" charset="0"/>
+                        </a:rPr>
                         <a:t>Support </a:t>
                       </a:r>
                     </a:p>
                     <a:p>
                       <a:r>
-                        <a:rPr lang="fr-CA" sz="1200" dirty="0"/>
+                        <a:rPr lang="fr-CA" sz="1100" dirty="0">
+                          <a:latin typeface="Segoe UI" panose="020B0502040204020203" pitchFamily="34" charset="0"/>
+                          <a:cs typeface="Segoe UI" panose="020B0502040204020203" pitchFamily="34" charset="0"/>
+                        </a:rPr>
                         <a:t>.Net </a:t>
                       </a:r>
                       <a:r>
-                        <a:rPr lang="fr-CA" sz="1200" dirty="0" err="1"/>
+                        <a:rPr lang="fr-CA" sz="1100" dirty="0" err="1">
+                          <a:latin typeface="Segoe UI" panose="020B0502040204020203" pitchFamily="34" charset="0"/>
+                          <a:cs typeface="Segoe UI" panose="020B0502040204020203" pitchFamily="34" charset="0"/>
+                        </a:rPr>
                         <a:t>Core</a:t>
                       </a:r>
-                      <a:endParaRPr lang="fr-FR" sz="1200" dirty="0"/>
+                      <a:endParaRPr lang="fr-FR" sz="1100" dirty="0">
+                        <a:latin typeface="Segoe UI" panose="020B0502040204020203" pitchFamily="34" charset="0"/>
+                        <a:cs typeface="Segoe UI" panose="020B0502040204020203" pitchFamily="34" charset="0"/>
+                      </a:endParaRPr>
                     </a:p>
                   </a:txBody>
                   <a:tcPr/>
@@ -7249,10 +8940,16 @@
                     <a:lstStyle/>
                     <a:p>
                       <a:r>
-                        <a:rPr lang="fr-CA" sz="1200" dirty="0"/>
+                        <a:rPr lang="fr-CA" sz="1100" dirty="0">
+                          <a:latin typeface="Segoe UI" panose="020B0502040204020203" pitchFamily="34" charset="0"/>
+                          <a:cs typeface="Segoe UI" panose="020B0502040204020203" pitchFamily="34" charset="0"/>
+                        </a:rPr>
                         <a:t>Transactions</a:t>
                       </a:r>
-                      <a:endParaRPr lang="fr-FR" sz="1200" dirty="0"/>
+                      <a:endParaRPr lang="fr-FR" sz="1100" dirty="0">
+                        <a:latin typeface="Segoe UI" panose="020B0502040204020203" pitchFamily="34" charset="0"/>
+                        <a:cs typeface="Segoe UI" panose="020B0502040204020203" pitchFamily="34" charset="0"/>
+                      </a:endParaRPr>
                     </a:p>
                   </a:txBody>
                   <a:tcPr/>
@@ -7263,26 +8960,37 @@
                     <a:lstStyle/>
                     <a:p>
                       <a:r>
-                        <a:rPr lang="fr-FR" sz="1200" b="1" i="0" kern="1200" dirty="0" err="1">
+                        <a:rPr lang="fr-CA" sz="1100" dirty="0" err="1">
+                          <a:latin typeface="Segoe UI" panose="020B0502040204020203" pitchFamily="34" charset="0"/>
+                          <a:cs typeface="Segoe UI" panose="020B0502040204020203" pitchFamily="34" charset="0"/>
+                        </a:rPr>
+                        <a:t>Async</a:t>
+                      </a:r>
+                      <a:endParaRPr lang="fr-FR" sz="1100" dirty="0">
+                        <a:latin typeface="Segoe UI" panose="020B0502040204020203" pitchFamily="34" charset="0"/>
+                        <a:cs typeface="Segoe UI" panose="020B0502040204020203" pitchFamily="34" charset="0"/>
+                      </a:endParaRPr>
+                    </a:p>
+                  </a:txBody>
+                  <a:tcPr/>
+                </a:tc>
+                <a:tc>
+                  <a:txBody>
+                    <a:bodyPr/>
+                    <a:lstStyle/>
+                    <a:p>
+                      <a:r>
+                        <a:rPr lang="fr-FR" sz="1100" b="1" i="0" kern="1200" dirty="0">
                           <a:solidFill>
                             <a:schemeClr val="bg1"/>
                           </a:solidFill>
                           <a:effectLst/>
-                          <a:latin typeface="+mn-lt"/>
+                          <a:latin typeface="Segoe UI" panose="020B0502040204020203" pitchFamily="34" charset="0"/>
                           <a:ea typeface="+mn-ea"/>
-                          <a:cs typeface="+mn-cs"/>
+                          <a:cs typeface="Segoe UI" panose="020B0502040204020203" pitchFamily="34" charset="0"/>
                         </a:rPr>
-                        <a:t>Async</a:t>
+                        <a:t>Testabilité</a:t>
                       </a:r>
-                      <a:endParaRPr lang="fr-FR" sz="1200" b="1" i="0" kern="1200" dirty="0">
-                        <a:solidFill>
-                          <a:schemeClr val="bg1"/>
-                        </a:solidFill>
-                        <a:effectLst/>
-                        <a:latin typeface="+mn-lt"/>
-                        <a:ea typeface="+mn-ea"/>
-                        <a:cs typeface="+mn-cs"/>
-                      </a:endParaRPr>
                     </a:p>
                   </a:txBody>
                   <a:tcPr/>
@@ -7300,10 +9008,16 @@
                     <a:lstStyle/>
                     <a:p>
                       <a:r>
-                        <a:rPr lang="fr-CA" dirty="0"/>
+                        <a:rPr lang="fr-CA" dirty="0">
+                          <a:latin typeface="Segoe UI" panose="020B0502040204020203" pitchFamily="34" charset="0"/>
+                          <a:cs typeface="Segoe UI" panose="020B0502040204020203" pitchFamily="34" charset="0"/>
+                        </a:rPr>
                         <a:t>EF</a:t>
                       </a:r>
-                      <a:endParaRPr lang="fr-FR" dirty="0"/>
+                      <a:endParaRPr lang="fr-FR" dirty="0">
+                        <a:latin typeface="Segoe UI" panose="020B0502040204020203" pitchFamily="34" charset="0"/>
+                        <a:cs typeface="Segoe UI" panose="020B0502040204020203" pitchFamily="34" charset="0"/>
+                      </a:endParaRPr>
                     </a:p>
                   </a:txBody>
                   <a:tcPr/>
@@ -7314,14 +9028,23 @@
                     <a:lstStyle/>
                     <a:p>
                       <a:r>
-                        <a:rPr lang="fr-FR" sz="1100" dirty="0"/>
+                        <a:rPr lang="fr-FR" sz="1100" dirty="0">
+                          <a:latin typeface="Segoe UI" panose="020B0502040204020203" pitchFamily="34" charset="0"/>
+                          <a:cs typeface="Segoe UI" panose="020B0502040204020203" pitchFamily="34" charset="0"/>
+                        </a:rPr>
                         <a:t>Package </a:t>
                       </a:r>
                       <a:r>
-                        <a:rPr lang="fr-FR" sz="1100" dirty="0" err="1"/>
+                        <a:rPr lang="fr-FR" sz="1100" dirty="0" err="1">
+                          <a:latin typeface="Segoe UI" panose="020B0502040204020203" pitchFamily="34" charset="0"/>
+                          <a:cs typeface="Segoe UI" panose="020B0502040204020203" pitchFamily="34" charset="0"/>
+                        </a:rPr>
                         <a:t>Nuget</a:t>
                       </a:r>
-                      <a:endParaRPr lang="fr-FR" sz="1100" dirty="0"/>
+                      <a:endParaRPr lang="fr-FR" sz="1100" dirty="0">
+                        <a:latin typeface="Segoe UI" panose="020B0502040204020203" pitchFamily="34" charset="0"/>
+                        <a:cs typeface="Segoe UI" panose="020B0502040204020203" pitchFamily="34" charset="0"/>
+                      </a:endParaRPr>
                     </a:p>
                   </a:txBody>
                   <a:tcPr/>
@@ -7331,7 +9054,10 @@
                     <a:bodyPr/>
                     <a:lstStyle/>
                     <a:p>
-                      <a:endParaRPr lang="fr-FR" dirty="0"/>
+                      <a:endParaRPr lang="fr-FR" dirty="0">
+                        <a:latin typeface="Segoe UI" panose="020B0502040204020203" pitchFamily="34" charset="0"/>
+                        <a:cs typeface="Segoe UI" panose="020B0502040204020203" pitchFamily="34" charset="0"/>
+                      </a:endParaRPr>
                     </a:p>
                   </a:txBody>
                   <a:tcPr/>
@@ -7341,7 +9067,10 @@
                     <a:bodyPr/>
                     <a:lstStyle/>
                     <a:p>
-                      <a:endParaRPr lang="fr-FR" dirty="0"/>
+                      <a:endParaRPr lang="fr-FR" dirty="0">
+                        <a:latin typeface="Segoe UI" panose="020B0502040204020203" pitchFamily="34" charset="0"/>
+                        <a:cs typeface="Segoe UI" panose="020B0502040204020203" pitchFamily="34" charset="0"/>
+                      </a:endParaRPr>
                     </a:p>
                   </a:txBody>
                   <a:tcPr/>
@@ -7351,7 +9080,10 @@
                     <a:bodyPr/>
                     <a:lstStyle/>
                     <a:p>
-                      <a:endParaRPr lang="fr-FR" dirty="0"/>
+                      <a:endParaRPr lang="fr-FR" dirty="0">
+                        <a:latin typeface="Segoe UI" panose="020B0502040204020203" pitchFamily="34" charset="0"/>
+                        <a:cs typeface="Segoe UI" panose="020B0502040204020203" pitchFamily="34" charset="0"/>
+                      </a:endParaRPr>
                     </a:p>
                   </a:txBody>
                   <a:tcPr/>
@@ -7361,7 +9093,10 @@
                     <a:bodyPr/>
                     <a:lstStyle/>
                     <a:p>
-                      <a:endParaRPr lang="fr-FR" dirty="0"/>
+                      <a:endParaRPr lang="fr-FR" dirty="0">
+                        <a:latin typeface="Segoe UI" panose="020B0502040204020203" pitchFamily="34" charset="0"/>
+                        <a:cs typeface="Segoe UI" panose="020B0502040204020203" pitchFamily="34" charset="0"/>
+                      </a:endParaRPr>
                     </a:p>
                   </a:txBody>
                   <a:tcPr/>
@@ -7371,7 +9106,10 @@
                     <a:bodyPr/>
                     <a:lstStyle/>
                     <a:p>
-                      <a:endParaRPr lang="fr-FR" dirty="0"/>
+                      <a:endParaRPr lang="fr-FR" dirty="0">
+                        <a:latin typeface="Segoe UI" panose="020B0502040204020203" pitchFamily="34" charset="0"/>
+                        <a:cs typeface="Segoe UI" panose="020B0502040204020203" pitchFamily="34" charset="0"/>
+                      </a:endParaRPr>
                     </a:p>
                   </a:txBody>
                   <a:tcPr/>
@@ -7381,7 +9119,10 @@
                     <a:bodyPr/>
                     <a:lstStyle/>
                     <a:p>
-                      <a:endParaRPr lang="fr-FR" dirty="0"/>
+                      <a:endParaRPr lang="fr-FR" dirty="0">
+                        <a:latin typeface="Segoe UI" panose="020B0502040204020203" pitchFamily="34" charset="0"/>
+                        <a:cs typeface="Segoe UI" panose="020B0502040204020203" pitchFamily="34" charset="0"/>
+                      </a:endParaRPr>
                     </a:p>
                   </a:txBody>
                   <a:tcPr/>
@@ -7391,7 +9132,23 @@
                     <a:bodyPr/>
                     <a:lstStyle/>
                     <a:p>
-                      <a:endParaRPr lang="fr-FR" dirty="0"/>
+                      <a:endParaRPr lang="fr-FR" dirty="0">
+                        <a:latin typeface="Segoe UI" panose="020B0502040204020203" pitchFamily="34" charset="0"/>
+                        <a:cs typeface="Segoe UI" panose="020B0502040204020203" pitchFamily="34" charset="0"/>
+                      </a:endParaRPr>
+                    </a:p>
+                  </a:txBody>
+                  <a:tcPr/>
+                </a:tc>
+                <a:tc>
+                  <a:txBody>
+                    <a:bodyPr/>
+                    <a:lstStyle/>
+                    <a:p>
+                      <a:endParaRPr lang="fr-FR" dirty="0">
+                        <a:latin typeface="Segoe UI" panose="020B0502040204020203" pitchFamily="34" charset="0"/>
+                        <a:cs typeface="Segoe UI" panose="020B0502040204020203" pitchFamily="34" charset="0"/>
+                      </a:endParaRPr>
                     </a:p>
                   </a:txBody>
                   <a:tcPr/>
@@ -7409,10 +9166,16 @@
                     <a:lstStyle/>
                     <a:p>
                       <a:r>
-                        <a:rPr lang="fr-CA" dirty="0"/>
+                        <a:rPr lang="fr-CA" dirty="0">
+                          <a:latin typeface="Segoe UI" panose="020B0502040204020203" pitchFamily="34" charset="0"/>
+                          <a:cs typeface="Segoe UI" panose="020B0502040204020203" pitchFamily="34" charset="0"/>
+                        </a:rPr>
                         <a:t>Massive</a:t>
                       </a:r>
-                      <a:endParaRPr lang="fr-FR" dirty="0"/>
+                      <a:endParaRPr lang="fr-FR" dirty="0">
+                        <a:latin typeface="Segoe UI" panose="020B0502040204020203" pitchFamily="34" charset="0"/>
+                        <a:cs typeface="Segoe UI" panose="020B0502040204020203" pitchFamily="34" charset="0"/>
+                      </a:endParaRPr>
                     </a:p>
                   </a:txBody>
                   <a:tcPr/>
@@ -7423,8 +9186,11 @@
                     <a:lstStyle/>
                     <a:p>
                       <a:r>
-                        <a:rPr lang="fr-FR" sz="1100" dirty="0"/>
-                        <a:t>Télécharger 2 fichiers sur GitHub</a:t>
+                        <a:rPr lang="fr-FR" sz="1100" dirty="0">
+                          <a:latin typeface="Segoe UI" panose="020B0502040204020203" pitchFamily="34" charset="0"/>
+                          <a:cs typeface="Segoe UI" panose="020B0502040204020203" pitchFamily="34" charset="0"/>
+                        </a:rPr>
+                        <a:t>Télécharger 2 fichiers</a:t>
                       </a:r>
                     </a:p>
                   </a:txBody>
@@ -7435,7 +9201,10 @@
                     <a:bodyPr/>
                     <a:lstStyle/>
                     <a:p>
-                      <a:endParaRPr lang="fr-FR" dirty="0"/>
+                      <a:endParaRPr lang="fr-FR" dirty="0">
+                        <a:latin typeface="Segoe UI" panose="020B0502040204020203" pitchFamily="34" charset="0"/>
+                        <a:cs typeface="Segoe UI" panose="020B0502040204020203" pitchFamily="34" charset="0"/>
+                      </a:endParaRPr>
                     </a:p>
                   </a:txBody>
                   <a:tcPr/>
@@ -7445,7 +9214,10 @@
                     <a:bodyPr/>
                     <a:lstStyle/>
                     <a:p>
-                      <a:endParaRPr lang="fr-FR" dirty="0"/>
+                      <a:endParaRPr lang="fr-FR" dirty="0">
+                        <a:latin typeface="Segoe UI" panose="020B0502040204020203" pitchFamily="34" charset="0"/>
+                        <a:cs typeface="Segoe UI" panose="020B0502040204020203" pitchFamily="34" charset="0"/>
+                      </a:endParaRPr>
                     </a:p>
                   </a:txBody>
                   <a:tcPr/>
@@ -7455,7 +9227,10 @@
                     <a:bodyPr/>
                     <a:lstStyle/>
                     <a:p>
-                      <a:endParaRPr lang="fr-FR" dirty="0"/>
+                      <a:endParaRPr lang="fr-FR" dirty="0">
+                        <a:latin typeface="Segoe UI" panose="020B0502040204020203" pitchFamily="34" charset="0"/>
+                        <a:cs typeface="Segoe UI" panose="020B0502040204020203" pitchFamily="34" charset="0"/>
+                      </a:endParaRPr>
                     </a:p>
                   </a:txBody>
                   <a:tcPr/>
@@ -7465,7 +9240,10 @@
                     <a:bodyPr/>
                     <a:lstStyle/>
                     <a:p>
-                      <a:endParaRPr lang="fr-FR" dirty="0"/>
+                      <a:endParaRPr lang="fr-FR" dirty="0">
+                        <a:latin typeface="Segoe UI" panose="020B0502040204020203" pitchFamily="34" charset="0"/>
+                        <a:cs typeface="Segoe UI" panose="020B0502040204020203" pitchFamily="34" charset="0"/>
+                      </a:endParaRPr>
                     </a:p>
                   </a:txBody>
                   <a:tcPr/>
@@ -7475,7 +9253,10 @@
                     <a:bodyPr/>
                     <a:lstStyle/>
                     <a:p>
-                      <a:endParaRPr lang="fr-FR" dirty="0"/>
+                      <a:endParaRPr lang="fr-FR" dirty="0">
+                        <a:latin typeface="Segoe UI" panose="020B0502040204020203" pitchFamily="34" charset="0"/>
+                        <a:cs typeface="Segoe UI" panose="020B0502040204020203" pitchFamily="34" charset="0"/>
+                      </a:endParaRPr>
                     </a:p>
                   </a:txBody>
                   <a:tcPr/>
@@ -7485,7 +9266,10 @@
                     <a:bodyPr/>
                     <a:lstStyle/>
                     <a:p>
-                      <a:endParaRPr lang="fr-FR" dirty="0"/>
+                      <a:endParaRPr lang="fr-FR" dirty="0">
+                        <a:latin typeface="Segoe UI" panose="020B0502040204020203" pitchFamily="34" charset="0"/>
+                        <a:cs typeface="Segoe UI" panose="020B0502040204020203" pitchFamily="34" charset="0"/>
+                      </a:endParaRPr>
                     </a:p>
                   </a:txBody>
                   <a:tcPr/>
@@ -7495,7 +9279,23 @@
                     <a:bodyPr/>
                     <a:lstStyle/>
                     <a:p>
-                      <a:endParaRPr lang="fr-FR" dirty="0"/>
+                      <a:endParaRPr lang="fr-FR" dirty="0">
+                        <a:latin typeface="Segoe UI" panose="020B0502040204020203" pitchFamily="34" charset="0"/>
+                        <a:cs typeface="Segoe UI" panose="020B0502040204020203" pitchFamily="34" charset="0"/>
+                      </a:endParaRPr>
+                    </a:p>
+                  </a:txBody>
+                  <a:tcPr/>
+                </a:tc>
+                <a:tc>
+                  <a:txBody>
+                    <a:bodyPr/>
+                    <a:lstStyle/>
+                    <a:p>
+                      <a:endParaRPr lang="fr-FR" dirty="0">
+                        <a:latin typeface="Segoe UI" panose="020B0502040204020203" pitchFamily="34" charset="0"/>
+                        <a:cs typeface="Segoe UI" panose="020B0502040204020203" pitchFamily="34" charset="0"/>
+                      </a:endParaRPr>
                     </a:p>
                   </a:txBody>
                   <a:tcPr/>
@@ -7513,10 +9313,16 @@
                     <a:lstStyle/>
                     <a:p>
                       <a:r>
-                        <a:rPr lang="fr-CA" dirty="0" err="1"/>
+                        <a:rPr lang="fr-CA" dirty="0" err="1">
+                          <a:latin typeface="Segoe UI" panose="020B0502040204020203" pitchFamily="34" charset="0"/>
+                          <a:cs typeface="Segoe UI" panose="020B0502040204020203" pitchFamily="34" charset="0"/>
+                        </a:rPr>
                         <a:t>Dapper</a:t>
                       </a:r>
-                      <a:endParaRPr lang="fr-FR" dirty="0"/>
+                      <a:endParaRPr lang="fr-FR" dirty="0">
+                        <a:latin typeface="Segoe UI" panose="020B0502040204020203" pitchFamily="34" charset="0"/>
+                        <a:cs typeface="Segoe UI" panose="020B0502040204020203" pitchFamily="34" charset="0"/>
+                      </a:endParaRPr>
                     </a:p>
                   </a:txBody>
                   <a:tcPr/>
@@ -7527,14 +9333,23 @@
                     <a:lstStyle/>
                     <a:p>
                       <a:r>
-                        <a:rPr lang="fr-FR" sz="1100" dirty="0"/>
+                        <a:rPr lang="fr-FR" sz="1100" dirty="0">
+                          <a:latin typeface="Segoe UI" panose="020B0502040204020203" pitchFamily="34" charset="0"/>
+                          <a:cs typeface="Segoe UI" panose="020B0502040204020203" pitchFamily="34" charset="0"/>
+                        </a:rPr>
                         <a:t>Package </a:t>
                       </a:r>
                       <a:r>
-                        <a:rPr lang="fr-FR" sz="1100" dirty="0" err="1"/>
+                        <a:rPr lang="fr-FR" sz="1100" dirty="0" err="1">
+                          <a:latin typeface="Segoe UI" panose="020B0502040204020203" pitchFamily="34" charset="0"/>
+                          <a:cs typeface="Segoe UI" panose="020B0502040204020203" pitchFamily="34" charset="0"/>
+                        </a:rPr>
                         <a:t>Nuget</a:t>
                       </a:r>
-                      <a:endParaRPr lang="fr-FR" sz="1100" dirty="0"/>
+                      <a:endParaRPr lang="fr-FR" sz="1100" dirty="0">
+                        <a:latin typeface="Segoe UI" panose="020B0502040204020203" pitchFamily="34" charset="0"/>
+                        <a:cs typeface="Segoe UI" panose="020B0502040204020203" pitchFamily="34" charset="0"/>
+                      </a:endParaRPr>
                     </a:p>
                   </a:txBody>
                   <a:tcPr/>
@@ -7544,7 +9359,10 @@
                     <a:bodyPr/>
                     <a:lstStyle/>
                     <a:p>
-                      <a:endParaRPr lang="fr-FR" dirty="0"/>
+                      <a:endParaRPr lang="fr-FR" dirty="0">
+                        <a:latin typeface="Segoe UI" panose="020B0502040204020203" pitchFamily="34" charset="0"/>
+                        <a:cs typeface="Segoe UI" panose="020B0502040204020203" pitchFamily="34" charset="0"/>
+                      </a:endParaRPr>
                     </a:p>
                   </a:txBody>
                   <a:tcPr/>
@@ -7554,7 +9372,10 @@
                     <a:bodyPr/>
                     <a:lstStyle/>
                     <a:p>
-                      <a:endParaRPr lang="fr-FR" dirty="0"/>
+                      <a:endParaRPr lang="fr-FR" dirty="0">
+                        <a:latin typeface="Segoe UI" panose="020B0502040204020203" pitchFamily="34" charset="0"/>
+                        <a:cs typeface="Segoe UI" panose="020B0502040204020203" pitchFamily="34" charset="0"/>
+                      </a:endParaRPr>
                     </a:p>
                   </a:txBody>
                   <a:tcPr/>
@@ -7564,7 +9385,10 @@
                     <a:bodyPr/>
                     <a:lstStyle/>
                     <a:p>
-                      <a:endParaRPr lang="fr-FR" dirty="0"/>
+                      <a:endParaRPr lang="fr-FR" dirty="0">
+                        <a:latin typeface="Segoe UI" panose="020B0502040204020203" pitchFamily="34" charset="0"/>
+                        <a:cs typeface="Segoe UI" panose="020B0502040204020203" pitchFamily="34" charset="0"/>
+                      </a:endParaRPr>
                     </a:p>
                   </a:txBody>
                   <a:tcPr/>
@@ -7574,7 +9398,10 @@
                     <a:bodyPr/>
                     <a:lstStyle/>
                     <a:p>
-                      <a:endParaRPr lang="fr-FR" dirty="0"/>
+                      <a:endParaRPr lang="fr-FR" dirty="0">
+                        <a:latin typeface="Segoe UI" panose="020B0502040204020203" pitchFamily="34" charset="0"/>
+                        <a:cs typeface="Segoe UI" panose="020B0502040204020203" pitchFamily="34" charset="0"/>
+                      </a:endParaRPr>
                     </a:p>
                   </a:txBody>
                   <a:tcPr/>
@@ -7584,7 +9411,10 @@
                     <a:bodyPr/>
                     <a:lstStyle/>
                     <a:p>
-                      <a:endParaRPr lang="fr-FR" dirty="0"/>
+                      <a:endParaRPr lang="fr-FR" dirty="0">
+                        <a:latin typeface="Segoe UI" panose="020B0502040204020203" pitchFamily="34" charset="0"/>
+                        <a:cs typeface="Segoe UI" panose="020B0502040204020203" pitchFamily="34" charset="0"/>
+                      </a:endParaRPr>
                     </a:p>
                   </a:txBody>
                   <a:tcPr/>
@@ -7594,7 +9424,10 @@
                     <a:bodyPr/>
                     <a:lstStyle/>
                     <a:p>
-                      <a:endParaRPr lang="fr-FR" dirty="0"/>
+                      <a:endParaRPr lang="fr-FR" dirty="0">
+                        <a:latin typeface="Segoe UI" panose="020B0502040204020203" pitchFamily="34" charset="0"/>
+                        <a:cs typeface="Segoe UI" panose="020B0502040204020203" pitchFamily="34" charset="0"/>
+                      </a:endParaRPr>
                     </a:p>
                   </a:txBody>
                   <a:tcPr/>
@@ -7604,7 +9437,23 @@
                     <a:bodyPr/>
                     <a:lstStyle/>
                     <a:p>
-                      <a:endParaRPr lang="fr-FR" dirty="0"/>
+                      <a:endParaRPr lang="fr-FR" dirty="0">
+                        <a:latin typeface="Segoe UI" panose="020B0502040204020203" pitchFamily="34" charset="0"/>
+                        <a:cs typeface="Segoe UI" panose="020B0502040204020203" pitchFamily="34" charset="0"/>
+                      </a:endParaRPr>
+                    </a:p>
+                  </a:txBody>
+                  <a:tcPr/>
+                </a:tc>
+                <a:tc>
+                  <a:txBody>
+                    <a:bodyPr/>
+                    <a:lstStyle/>
+                    <a:p>
+                      <a:endParaRPr lang="fr-FR" dirty="0">
+                        <a:latin typeface="Segoe UI" panose="020B0502040204020203" pitchFamily="34" charset="0"/>
+                        <a:cs typeface="Segoe UI" panose="020B0502040204020203" pitchFamily="34" charset="0"/>
+                      </a:endParaRPr>
                     </a:p>
                   </a:txBody>
                   <a:tcPr/>
@@ -7622,10 +9471,16 @@
                     <a:lstStyle/>
                     <a:p>
                       <a:r>
-                        <a:rPr lang="fr-CA" dirty="0" err="1"/>
+                        <a:rPr lang="fr-CA" dirty="0" err="1">
+                          <a:latin typeface="Segoe UI" panose="020B0502040204020203" pitchFamily="34" charset="0"/>
+                          <a:cs typeface="Segoe UI" panose="020B0502040204020203" pitchFamily="34" charset="0"/>
+                        </a:rPr>
                         <a:t>Ormlite</a:t>
                       </a:r>
-                      <a:endParaRPr lang="fr-FR" dirty="0"/>
+                      <a:endParaRPr lang="fr-FR" dirty="0">
+                        <a:latin typeface="Segoe UI" panose="020B0502040204020203" pitchFamily="34" charset="0"/>
+                        <a:cs typeface="Segoe UI" panose="020B0502040204020203" pitchFamily="34" charset="0"/>
+                      </a:endParaRPr>
                     </a:p>
                   </a:txBody>
                   <a:tcPr/>
@@ -7636,14 +9491,23 @@
                     <a:lstStyle/>
                     <a:p>
                       <a:r>
-                        <a:rPr lang="fr-FR" sz="1100" dirty="0"/>
+                        <a:rPr lang="fr-FR" sz="1100" dirty="0">
+                          <a:latin typeface="Segoe UI" panose="020B0502040204020203" pitchFamily="34" charset="0"/>
+                          <a:cs typeface="Segoe UI" panose="020B0502040204020203" pitchFamily="34" charset="0"/>
+                        </a:rPr>
                         <a:t>Package </a:t>
                       </a:r>
                       <a:r>
-                        <a:rPr lang="fr-FR" sz="1100" dirty="0" err="1"/>
+                        <a:rPr lang="fr-FR" sz="1100" dirty="0" err="1">
+                          <a:latin typeface="Segoe UI" panose="020B0502040204020203" pitchFamily="34" charset="0"/>
+                          <a:cs typeface="Segoe UI" panose="020B0502040204020203" pitchFamily="34" charset="0"/>
+                        </a:rPr>
                         <a:t>Nuget</a:t>
                       </a:r>
-                      <a:endParaRPr lang="fr-FR" sz="1100" dirty="0"/>
+                      <a:endParaRPr lang="fr-FR" sz="1100" dirty="0">
+                        <a:latin typeface="Segoe UI" panose="020B0502040204020203" pitchFamily="34" charset="0"/>
+                        <a:cs typeface="Segoe UI" panose="020B0502040204020203" pitchFamily="34" charset="0"/>
+                      </a:endParaRPr>
                     </a:p>
                   </a:txBody>
                   <a:tcPr/>
@@ -7653,7 +9517,10 @@
                     <a:bodyPr/>
                     <a:lstStyle/>
                     <a:p>
-                      <a:endParaRPr lang="fr-FR" dirty="0"/>
+                      <a:endParaRPr lang="fr-FR" dirty="0">
+                        <a:latin typeface="Segoe UI" panose="020B0502040204020203" pitchFamily="34" charset="0"/>
+                        <a:cs typeface="Segoe UI" panose="020B0502040204020203" pitchFamily="34" charset="0"/>
+                      </a:endParaRPr>
                     </a:p>
                   </a:txBody>
                   <a:tcPr/>
@@ -7663,7 +9530,10 @@
                     <a:bodyPr/>
                     <a:lstStyle/>
                     <a:p>
-                      <a:endParaRPr lang="fr-FR" dirty="0"/>
+                      <a:endParaRPr lang="fr-FR" dirty="0">
+                        <a:latin typeface="Segoe UI" panose="020B0502040204020203" pitchFamily="34" charset="0"/>
+                        <a:cs typeface="Segoe UI" panose="020B0502040204020203" pitchFamily="34" charset="0"/>
+                      </a:endParaRPr>
                     </a:p>
                   </a:txBody>
                   <a:tcPr/>
@@ -7673,7 +9543,10 @@
                     <a:bodyPr/>
                     <a:lstStyle/>
                     <a:p>
-                      <a:endParaRPr lang="fr-FR" dirty="0"/>
+                      <a:endParaRPr lang="fr-FR" dirty="0">
+                        <a:latin typeface="Segoe UI" panose="020B0502040204020203" pitchFamily="34" charset="0"/>
+                        <a:cs typeface="Segoe UI" panose="020B0502040204020203" pitchFamily="34" charset="0"/>
+                      </a:endParaRPr>
                     </a:p>
                   </a:txBody>
                   <a:tcPr/>
@@ -7683,7 +9556,10 @@
                     <a:bodyPr/>
                     <a:lstStyle/>
                     <a:p>
-                      <a:endParaRPr lang="fr-FR" dirty="0"/>
+                      <a:endParaRPr lang="fr-FR" dirty="0">
+                        <a:latin typeface="Segoe UI" panose="020B0502040204020203" pitchFamily="34" charset="0"/>
+                        <a:cs typeface="Segoe UI" panose="020B0502040204020203" pitchFamily="34" charset="0"/>
+                      </a:endParaRPr>
                     </a:p>
                   </a:txBody>
                   <a:tcPr/>
@@ -7693,7 +9569,10 @@
                     <a:bodyPr/>
                     <a:lstStyle/>
                     <a:p>
-                      <a:endParaRPr lang="fr-FR" dirty="0"/>
+                      <a:endParaRPr lang="fr-FR" dirty="0">
+                        <a:latin typeface="Segoe UI" panose="020B0502040204020203" pitchFamily="34" charset="0"/>
+                        <a:cs typeface="Segoe UI" panose="020B0502040204020203" pitchFamily="34" charset="0"/>
+                      </a:endParaRPr>
                     </a:p>
                   </a:txBody>
                   <a:tcPr/>
@@ -7703,7 +9582,10 @@
                     <a:bodyPr/>
                     <a:lstStyle/>
                     <a:p>
-                      <a:endParaRPr lang="fr-FR" dirty="0"/>
+                      <a:endParaRPr lang="fr-FR" dirty="0">
+                        <a:latin typeface="Segoe UI" panose="020B0502040204020203" pitchFamily="34" charset="0"/>
+                        <a:cs typeface="Segoe UI" panose="020B0502040204020203" pitchFamily="34" charset="0"/>
+                      </a:endParaRPr>
                     </a:p>
                   </a:txBody>
                   <a:tcPr/>
@@ -7713,7 +9595,23 @@
                     <a:bodyPr/>
                     <a:lstStyle/>
                     <a:p>
-                      <a:endParaRPr lang="fr-FR" dirty="0"/>
+                      <a:endParaRPr lang="fr-FR" dirty="0">
+                        <a:latin typeface="Segoe UI" panose="020B0502040204020203" pitchFamily="34" charset="0"/>
+                        <a:cs typeface="Segoe UI" panose="020B0502040204020203" pitchFamily="34" charset="0"/>
+                      </a:endParaRPr>
+                    </a:p>
+                  </a:txBody>
+                  <a:tcPr/>
+                </a:tc>
+                <a:tc>
+                  <a:txBody>
+                    <a:bodyPr/>
+                    <a:lstStyle/>
+                    <a:p>
+                      <a:endParaRPr lang="fr-FR" dirty="0">
+                        <a:latin typeface="Segoe UI" panose="020B0502040204020203" pitchFamily="34" charset="0"/>
+                        <a:cs typeface="Segoe UI" panose="020B0502040204020203" pitchFamily="34" charset="0"/>
+                      </a:endParaRPr>
                     </a:p>
                   </a:txBody>
                   <a:tcPr/>
@@ -7731,10 +9629,16 @@
                     <a:lstStyle/>
                     <a:p>
                       <a:r>
-                        <a:rPr lang="fr-CA" dirty="0" err="1"/>
+                        <a:rPr lang="fr-CA" dirty="0" err="1">
+                          <a:latin typeface="Segoe UI" panose="020B0502040204020203" pitchFamily="34" charset="0"/>
+                          <a:cs typeface="Segoe UI" panose="020B0502040204020203" pitchFamily="34" charset="0"/>
+                        </a:rPr>
                         <a:t>SimpleData</a:t>
                       </a:r>
-                      <a:endParaRPr lang="fr-FR" dirty="0"/>
+                      <a:endParaRPr lang="fr-FR" dirty="0">
+                        <a:latin typeface="Segoe UI" panose="020B0502040204020203" pitchFamily="34" charset="0"/>
+                        <a:cs typeface="Segoe UI" panose="020B0502040204020203" pitchFamily="34" charset="0"/>
+                      </a:endParaRPr>
                     </a:p>
                   </a:txBody>
                   <a:tcPr/>
@@ -7745,14 +9649,23 @@
                     <a:lstStyle/>
                     <a:p>
                       <a:r>
-                        <a:rPr lang="fr-FR" sz="1100" dirty="0"/>
+                        <a:rPr lang="fr-FR" sz="1100" dirty="0">
+                          <a:latin typeface="Segoe UI" panose="020B0502040204020203" pitchFamily="34" charset="0"/>
+                          <a:cs typeface="Segoe UI" panose="020B0502040204020203" pitchFamily="34" charset="0"/>
+                        </a:rPr>
                         <a:t>Package </a:t>
                       </a:r>
                       <a:r>
-                        <a:rPr lang="fr-FR" sz="1100" dirty="0" err="1"/>
+                        <a:rPr lang="fr-FR" sz="1100" dirty="0" err="1">
+                          <a:latin typeface="Segoe UI" panose="020B0502040204020203" pitchFamily="34" charset="0"/>
+                          <a:cs typeface="Segoe UI" panose="020B0502040204020203" pitchFamily="34" charset="0"/>
+                        </a:rPr>
                         <a:t>Nuget</a:t>
                       </a:r>
-                      <a:endParaRPr lang="fr-FR" sz="1100" dirty="0"/>
+                      <a:endParaRPr lang="fr-FR" sz="1100" dirty="0">
+                        <a:latin typeface="Segoe UI" panose="020B0502040204020203" pitchFamily="34" charset="0"/>
+                        <a:cs typeface="Segoe UI" panose="020B0502040204020203" pitchFamily="34" charset="0"/>
+                      </a:endParaRPr>
                     </a:p>
                   </a:txBody>
                   <a:tcPr/>
@@ -7762,7 +9675,10 @@
                     <a:bodyPr/>
                     <a:lstStyle/>
                     <a:p>
-                      <a:endParaRPr lang="fr-FR" dirty="0"/>
+                      <a:endParaRPr lang="fr-FR" dirty="0">
+                        <a:latin typeface="Segoe UI" panose="020B0502040204020203" pitchFamily="34" charset="0"/>
+                        <a:cs typeface="Segoe UI" panose="020B0502040204020203" pitchFamily="34" charset="0"/>
+                      </a:endParaRPr>
                     </a:p>
                   </a:txBody>
                   <a:tcPr/>
@@ -7772,7 +9688,10 @@
                     <a:bodyPr/>
                     <a:lstStyle/>
                     <a:p>
-                      <a:endParaRPr lang="fr-FR" dirty="0"/>
+                      <a:endParaRPr lang="fr-FR" dirty="0">
+                        <a:latin typeface="Segoe UI" panose="020B0502040204020203" pitchFamily="34" charset="0"/>
+                        <a:cs typeface="Segoe UI" panose="020B0502040204020203" pitchFamily="34" charset="0"/>
+                      </a:endParaRPr>
                     </a:p>
                   </a:txBody>
                   <a:tcPr/>
@@ -7782,7 +9701,10 @@
                     <a:bodyPr/>
                     <a:lstStyle/>
                     <a:p>
-                      <a:endParaRPr lang="fr-FR" dirty="0"/>
+                      <a:endParaRPr lang="fr-FR" dirty="0">
+                        <a:latin typeface="Segoe UI" panose="020B0502040204020203" pitchFamily="34" charset="0"/>
+                        <a:cs typeface="Segoe UI" panose="020B0502040204020203" pitchFamily="34" charset="0"/>
+                      </a:endParaRPr>
                     </a:p>
                   </a:txBody>
                   <a:tcPr/>
@@ -7792,7 +9714,10 @@
                     <a:bodyPr/>
                     <a:lstStyle/>
                     <a:p>
-                      <a:endParaRPr lang="fr-FR" dirty="0"/>
+                      <a:endParaRPr lang="fr-FR" dirty="0">
+                        <a:latin typeface="Segoe UI" panose="020B0502040204020203" pitchFamily="34" charset="0"/>
+                        <a:cs typeface="Segoe UI" panose="020B0502040204020203" pitchFamily="34" charset="0"/>
+                      </a:endParaRPr>
                     </a:p>
                   </a:txBody>
                   <a:tcPr/>
@@ -7802,7 +9727,10 @@
                     <a:bodyPr/>
                     <a:lstStyle/>
                     <a:p>
-                      <a:endParaRPr lang="fr-FR" dirty="0"/>
+                      <a:endParaRPr lang="fr-FR" dirty="0">
+                        <a:latin typeface="Segoe UI" panose="020B0502040204020203" pitchFamily="34" charset="0"/>
+                        <a:cs typeface="Segoe UI" panose="020B0502040204020203" pitchFamily="34" charset="0"/>
+                      </a:endParaRPr>
                     </a:p>
                   </a:txBody>
                   <a:tcPr/>
@@ -7812,7 +9740,10 @@
                     <a:bodyPr/>
                     <a:lstStyle/>
                     <a:p>
-                      <a:endParaRPr lang="fr-FR" dirty="0"/>
+                      <a:endParaRPr lang="fr-FR" dirty="0">
+                        <a:latin typeface="Segoe UI" panose="020B0502040204020203" pitchFamily="34" charset="0"/>
+                        <a:cs typeface="Segoe UI" panose="020B0502040204020203" pitchFamily="34" charset="0"/>
+                      </a:endParaRPr>
                     </a:p>
                   </a:txBody>
                   <a:tcPr/>
@@ -7822,7 +9753,23 @@
                     <a:bodyPr/>
                     <a:lstStyle/>
                     <a:p>
-                      <a:endParaRPr lang="fr-FR" dirty="0"/>
+                      <a:endParaRPr lang="fr-FR" dirty="0">
+                        <a:latin typeface="Segoe UI" panose="020B0502040204020203" pitchFamily="34" charset="0"/>
+                        <a:cs typeface="Segoe UI" panose="020B0502040204020203" pitchFamily="34" charset="0"/>
+                      </a:endParaRPr>
+                    </a:p>
+                  </a:txBody>
+                  <a:tcPr/>
+                </a:tc>
+                <a:tc>
+                  <a:txBody>
+                    <a:bodyPr/>
+                    <a:lstStyle/>
+                    <a:p>
+                      <a:endParaRPr lang="fr-FR" dirty="0">
+                        <a:latin typeface="Segoe UI" panose="020B0502040204020203" pitchFamily="34" charset="0"/>
+                        <a:cs typeface="Segoe UI" panose="020B0502040204020203" pitchFamily="34" charset="0"/>
+                      </a:endParaRPr>
                     </a:p>
                   </a:txBody>
                   <a:tcPr/>
@@ -7840,10 +9787,16 @@
                     <a:lstStyle/>
                     <a:p>
                       <a:r>
-                        <a:rPr lang="fr-CA" dirty="0" err="1"/>
+                        <a:rPr lang="fr-CA" dirty="0" err="1">
+                          <a:latin typeface="Segoe UI" panose="020B0502040204020203" pitchFamily="34" charset="0"/>
+                          <a:cs typeface="Segoe UI" panose="020B0502040204020203" pitchFamily="34" charset="0"/>
+                        </a:rPr>
                         <a:t>PetaPoco</a:t>
                       </a:r>
-                      <a:endParaRPr lang="fr-FR" dirty="0"/>
+                      <a:endParaRPr lang="fr-FR" dirty="0">
+                        <a:latin typeface="Segoe UI" panose="020B0502040204020203" pitchFamily="34" charset="0"/>
+                        <a:cs typeface="Segoe UI" panose="020B0502040204020203" pitchFamily="34" charset="0"/>
+                      </a:endParaRPr>
                     </a:p>
                   </a:txBody>
                   <a:tcPr/>
@@ -7854,14 +9807,23 @@
                     <a:lstStyle/>
                     <a:p>
                       <a:r>
-                        <a:rPr lang="fr-FR" sz="1100" dirty="0"/>
+                        <a:rPr lang="fr-FR" sz="1100" dirty="0">
+                          <a:latin typeface="Segoe UI" panose="020B0502040204020203" pitchFamily="34" charset="0"/>
+                          <a:cs typeface="Segoe UI" panose="020B0502040204020203" pitchFamily="34" charset="0"/>
+                        </a:rPr>
                         <a:t>Package </a:t>
                       </a:r>
                       <a:r>
-                        <a:rPr lang="fr-FR" sz="1100" dirty="0" err="1"/>
+                        <a:rPr lang="fr-FR" sz="1100" dirty="0" err="1">
+                          <a:latin typeface="Segoe UI" panose="020B0502040204020203" pitchFamily="34" charset="0"/>
+                          <a:cs typeface="Segoe UI" panose="020B0502040204020203" pitchFamily="34" charset="0"/>
+                        </a:rPr>
                         <a:t>Nuget</a:t>
                       </a:r>
-                      <a:endParaRPr lang="fr-FR" sz="1100" dirty="0"/>
+                      <a:endParaRPr lang="fr-FR" sz="1100" dirty="0">
+                        <a:latin typeface="Segoe UI" panose="020B0502040204020203" pitchFamily="34" charset="0"/>
+                        <a:cs typeface="Segoe UI" panose="020B0502040204020203" pitchFamily="34" charset="0"/>
+                      </a:endParaRPr>
                     </a:p>
                   </a:txBody>
                   <a:tcPr/>
@@ -7871,7 +9833,10 @@
                     <a:bodyPr/>
                     <a:lstStyle/>
                     <a:p>
-                      <a:endParaRPr lang="fr-FR" dirty="0"/>
+                      <a:endParaRPr lang="fr-FR" dirty="0">
+                        <a:latin typeface="Segoe UI" panose="020B0502040204020203" pitchFamily="34" charset="0"/>
+                        <a:cs typeface="Segoe UI" panose="020B0502040204020203" pitchFamily="34" charset="0"/>
+                      </a:endParaRPr>
                     </a:p>
                   </a:txBody>
                   <a:tcPr/>
@@ -7881,7 +9846,10 @@
                     <a:bodyPr/>
                     <a:lstStyle/>
                     <a:p>
-                      <a:endParaRPr lang="fr-FR" dirty="0"/>
+                      <a:endParaRPr lang="fr-FR" dirty="0">
+                        <a:latin typeface="Segoe UI" panose="020B0502040204020203" pitchFamily="34" charset="0"/>
+                        <a:cs typeface="Segoe UI" panose="020B0502040204020203" pitchFamily="34" charset="0"/>
+                      </a:endParaRPr>
                     </a:p>
                   </a:txBody>
                   <a:tcPr/>
@@ -7891,7 +9859,10 @@
                     <a:bodyPr/>
                     <a:lstStyle/>
                     <a:p>
-                      <a:endParaRPr lang="fr-FR" dirty="0"/>
+                      <a:endParaRPr lang="fr-FR" dirty="0">
+                        <a:latin typeface="Segoe UI" panose="020B0502040204020203" pitchFamily="34" charset="0"/>
+                        <a:cs typeface="Segoe UI" panose="020B0502040204020203" pitchFamily="34" charset="0"/>
+                      </a:endParaRPr>
                     </a:p>
                   </a:txBody>
                   <a:tcPr/>
@@ -7901,7 +9872,10 @@
                     <a:bodyPr/>
                     <a:lstStyle/>
                     <a:p>
-                      <a:endParaRPr lang="fr-FR" dirty="0"/>
+                      <a:endParaRPr lang="fr-FR" dirty="0">
+                        <a:latin typeface="Segoe UI" panose="020B0502040204020203" pitchFamily="34" charset="0"/>
+                        <a:cs typeface="Segoe UI" panose="020B0502040204020203" pitchFamily="34" charset="0"/>
+                      </a:endParaRPr>
                     </a:p>
                   </a:txBody>
                   <a:tcPr/>
@@ -7911,7 +9885,10 @@
                     <a:bodyPr/>
                     <a:lstStyle/>
                     <a:p>
-                      <a:endParaRPr lang="fr-FR" dirty="0"/>
+                      <a:endParaRPr lang="fr-FR" dirty="0">
+                        <a:latin typeface="Segoe UI" panose="020B0502040204020203" pitchFamily="34" charset="0"/>
+                        <a:cs typeface="Segoe UI" panose="020B0502040204020203" pitchFamily="34" charset="0"/>
+                      </a:endParaRPr>
                     </a:p>
                   </a:txBody>
                   <a:tcPr/>
@@ -7921,7 +9898,23 @@
                     <a:bodyPr/>
                     <a:lstStyle/>
                     <a:p>
-                      <a:endParaRPr lang="fr-FR" dirty="0"/>
+                      <a:endParaRPr lang="fr-FR" dirty="0">
+                        <a:latin typeface="Segoe UI" panose="020B0502040204020203" pitchFamily="34" charset="0"/>
+                        <a:cs typeface="Segoe UI" panose="020B0502040204020203" pitchFamily="34" charset="0"/>
+                      </a:endParaRPr>
+                    </a:p>
+                  </a:txBody>
+                  <a:tcPr/>
+                </a:tc>
+                <a:tc>
+                  <a:txBody>
+                    <a:bodyPr/>
+                    <a:lstStyle/>
+                    <a:p>
+                      <a:endParaRPr lang="fr-FR" dirty="0">
+                        <a:latin typeface="Segoe UI" panose="020B0502040204020203" pitchFamily="34" charset="0"/>
+                        <a:cs typeface="Segoe UI" panose="020B0502040204020203" pitchFamily="34" charset="0"/>
+                      </a:endParaRPr>
                     </a:p>
                   </a:txBody>
                   <a:tcPr/>
@@ -7932,10 +9925,16 @@
                     <a:lstStyle/>
                     <a:p>
                       <a:r>
-                        <a:rPr lang="fr-CA" sz="1000" dirty="0"/>
+                        <a:rPr lang="fr-CA" sz="1000" dirty="0">
+                          <a:latin typeface="Segoe UI" panose="020B0502040204020203" pitchFamily="34" charset="0"/>
+                          <a:cs typeface="Segoe UI" panose="020B0502040204020203" pitchFamily="34" charset="0"/>
+                        </a:rPr>
                         <a:t>                     </a:t>
                       </a:r>
-                      <a:endParaRPr lang="fr-FR" sz="1000" dirty="0"/>
+                      <a:endParaRPr lang="fr-FR" sz="1000" dirty="0">
+                        <a:latin typeface="Segoe UI" panose="020B0502040204020203" pitchFamily="34" charset="0"/>
+                        <a:cs typeface="Segoe UI" panose="020B0502040204020203" pitchFamily="34" charset="0"/>
+                      </a:endParaRPr>
                     </a:p>
                   </a:txBody>
                   <a:tcPr/>
@@ -7953,10 +9952,16 @@
                     <a:lstStyle/>
                     <a:p>
                       <a:r>
-                        <a:rPr lang="fr-CA" dirty="0"/>
-                        <a:t>Microlite</a:t>
+                        <a:rPr lang="fr-CA" dirty="0" err="1">
+                          <a:latin typeface="Segoe UI" panose="020B0502040204020203" pitchFamily="34" charset="0"/>
+                          <a:cs typeface="Segoe UI" panose="020B0502040204020203" pitchFamily="34" charset="0"/>
+                        </a:rPr>
+                        <a:t>NPoco</a:t>
                       </a:r>
-                      <a:endParaRPr lang="fr-FR" dirty="0"/>
+                      <a:endParaRPr lang="fr-FR" dirty="0">
+                        <a:latin typeface="Segoe UI" panose="020B0502040204020203" pitchFamily="34" charset="0"/>
+                        <a:cs typeface="Segoe UI" panose="020B0502040204020203" pitchFamily="34" charset="0"/>
+                      </a:endParaRPr>
                     </a:p>
                   </a:txBody>
                   <a:tcPr/>
@@ -7967,14 +9972,23 @@
                     <a:lstStyle/>
                     <a:p>
                       <a:r>
-                        <a:rPr lang="fr-FR" sz="1100" dirty="0"/>
+                        <a:rPr lang="fr-FR" sz="1100" dirty="0">
+                          <a:latin typeface="Segoe UI" panose="020B0502040204020203" pitchFamily="34" charset="0"/>
+                          <a:cs typeface="Segoe UI" panose="020B0502040204020203" pitchFamily="34" charset="0"/>
+                        </a:rPr>
                         <a:t>Package </a:t>
                       </a:r>
                       <a:r>
-                        <a:rPr lang="fr-FR" sz="1100" dirty="0" err="1"/>
+                        <a:rPr lang="fr-FR" sz="1100" dirty="0" err="1">
+                          <a:latin typeface="Segoe UI" panose="020B0502040204020203" pitchFamily="34" charset="0"/>
+                          <a:cs typeface="Segoe UI" panose="020B0502040204020203" pitchFamily="34" charset="0"/>
+                        </a:rPr>
                         <a:t>Nuget</a:t>
                       </a:r>
-                      <a:endParaRPr lang="fr-FR" sz="1100" dirty="0"/>
+                      <a:endParaRPr lang="fr-FR" sz="1100" dirty="0">
+                        <a:latin typeface="Segoe UI" panose="020B0502040204020203" pitchFamily="34" charset="0"/>
+                        <a:cs typeface="Segoe UI" panose="020B0502040204020203" pitchFamily="34" charset="0"/>
+                      </a:endParaRPr>
                     </a:p>
                   </a:txBody>
                   <a:tcPr/>
@@ -7984,7 +9998,10 @@
                     <a:bodyPr/>
                     <a:lstStyle/>
                     <a:p>
-                      <a:endParaRPr lang="fr-FR" dirty="0"/>
+                      <a:endParaRPr lang="fr-FR" dirty="0">
+                        <a:latin typeface="Segoe UI" panose="020B0502040204020203" pitchFamily="34" charset="0"/>
+                        <a:cs typeface="Segoe UI" panose="020B0502040204020203" pitchFamily="34" charset="0"/>
+                      </a:endParaRPr>
                     </a:p>
                   </a:txBody>
                   <a:tcPr/>
@@ -7994,7 +10011,10 @@
                     <a:bodyPr/>
                     <a:lstStyle/>
                     <a:p>
-                      <a:endParaRPr lang="fr-FR" dirty="0"/>
+                      <a:endParaRPr lang="fr-FR" dirty="0">
+                        <a:latin typeface="Segoe UI" panose="020B0502040204020203" pitchFamily="34" charset="0"/>
+                        <a:cs typeface="Segoe UI" panose="020B0502040204020203" pitchFamily="34" charset="0"/>
+                      </a:endParaRPr>
                     </a:p>
                   </a:txBody>
                   <a:tcPr/>
@@ -8004,7 +10024,10 @@
                     <a:bodyPr/>
                     <a:lstStyle/>
                     <a:p>
-                      <a:endParaRPr lang="fr-FR" dirty="0"/>
+                      <a:endParaRPr lang="fr-FR" dirty="0">
+                        <a:latin typeface="Segoe UI" panose="020B0502040204020203" pitchFamily="34" charset="0"/>
+                        <a:cs typeface="Segoe UI" panose="020B0502040204020203" pitchFamily="34" charset="0"/>
+                      </a:endParaRPr>
                     </a:p>
                   </a:txBody>
                   <a:tcPr/>
@@ -8014,7 +10037,10 @@
                     <a:bodyPr/>
                     <a:lstStyle/>
                     <a:p>
-                      <a:endParaRPr lang="fr-FR" dirty="0"/>
+                      <a:endParaRPr lang="fr-FR" dirty="0">
+                        <a:latin typeface="Segoe UI" panose="020B0502040204020203" pitchFamily="34" charset="0"/>
+                        <a:cs typeface="Segoe UI" panose="020B0502040204020203" pitchFamily="34" charset="0"/>
+                      </a:endParaRPr>
                     </a:p>
                   </a:txBody>
                   <a:tcPr/>
@@ -8024,7 +10050,10 @@
                     <a:bodyPr/>
                     <a:lstStyle/>
                     <a:p>
-                      <a:endParaRPr lang="fr-FR" dirty="0"/>
+                      <a:endParaRPr lang="fr-FR" dirty="0">
+                        <a:latin typeface="Segoe UI" panose="020B0502040204020203" pitchFamily="34" charset="0"/>
+                        <a:cs typeface="Segoe UI" panose="020B0502040204020203" pitchFamily="34" charset="0"/>
+                      </a:endParaRPr>
                     </a:p>
                   </a:txBody>
                   <a:tcPr/>
@@ -8034,7 +10063,10 @@
                     <a:bodyPr/>
                     <a:lstStyle/>
                     <a:p>
-                      <a:endParaRPr lang="fr-FR" dirty="0"/>
+                      <a:endParaRPr lang="fr-FR" dirty="0">
+                        <a:latin typeface="Segoe UI" panose="020B0502040204020203" pitchFamily="34" charset="0"/>
+                        <a:cs typeface="Segoe UI" panose="020B0502040204020203" pitchFamily="34" charset="0"/>
+                      </a:endParaRPr>
                     </a:p>
                   </a:txBody>
                   <a:tcPr/>
@@ -8044,28 +10076,10 @@
                     <a:bodyPr/>
                     <a:lstStyle/>
                     <a:p>
-                      <a:endParaRPr lang="fr-FR" dirty="0"/>
-                    </a:p>
-                  </a:txBody>
-                  <a:tcPr/>
-                </a:tc>
-                <a:extLst>
-                  <a:ext uri="{0D108BD9-81ED-4DB2-BD59-A6C34878D82A}">
-                    <a16:rowId xmlns:a16="http://schemas.microsoft.com/office/drawing/2014/main" val="3492250956"/>
-                  </a:ext>
-                </a:extLst>
-              </a:tr>
-              <a:tr h="386402">
-                <a:tc>
-                  <a:txBody>
-                    <a:bodyPr/>
-                    <a:lstStyle/>
-                    <a:p>
-                      <a:r>
-                        <a:rPr lang="fr-CA" dirty="0" err="1"/>
-                        <a:t>NPoco</a:t>
-                      </a:r>
-                      <a:endParaRPr lang="fr-FR" dirty="0"/>
+                      <a:endParaRPr lang="fr-FR" dirty="0">
+                        <a:latin typeface="Segoe UI" panose="020B0502040204020203" pitchFamily="34" charset="0"/>
+                        <a:cs typeface="Segoe UI" panose="020B0502040204020203" pitchFamily="34" charset="0"/>
+                      </a:endParaRPr>
                     </a:p>
                   </a:txBody>
                   <a:tcPr/>
@@ -8075,85 +10089,10 @@
                     <a:bodyPr/>
                     <a:lstStyle/>
                     <a:p>
-                      <a:r>
-                        <a:rPr lang="fr-FR" sz="1100" dirty="0"/>
-                        <a:t>Package </a:t>
-                      </a:r>
-                      <a:r>
-                        <a:rPr lang="fr-FR" sz="1100" dirty="0" err="1"/>
-                        <a:t>Nuget</a:t>
-                      </a:r>
-                      <a:endParaRPr lang="fr-FR" sz="1100" dirty="0"/>
-                    </a:p>
-                  </a:txBody>
-                  <a:tcPr/>
-                </a:tc>
-                <a:tc>
-                  <a:txBody>
-                    <a:bodyPr/>
-                    <a:lstStyle/>
-                    <a:p>
-                      <a:endParaRPr lang="fr-FR"/>
-                    </a:p>
-                  </a:txBody>
-                  <a:tcPr/>
-                </a:tc>
-                <a:tc>
-                  <a:txBody>
-                    <a:bodyPr/>
-                    <a:lstStyle/>
-                    <a:p>
-                      <a:endParaRPr lang="fr-FR" dirty="0"/>
-                    </a:p>
-                  </a:txBody>
-                  <a:tcPr/>
-                </a:tc>
-                <a:tc>
-                  <a:txBody>
-                    <a:bodyPr/>
-                    <a:lstStyle/>
-                    <a:p>
-                      <a:endParaRPr lang="fr-FR" dirty="0"/>
-                    </a:p>
-                  </a:txBody>
-                  <a:tcPr/>
-                </a:tc>
-                <a:tc>
-                  <a:txBody>
-                    <a:bodyPr/>
-                    <a:lstStyle/>
-                    <a:p>
-                      <a:endParaRPr lang="fr-FR" dirty="0"/>
-                    </a:p>
-                  </a:txBody>
-                  <a:tcPr/>
-                </a:tc>
-                <a:tc>
-                  <a:txBody>
-                    <a:bodyPr/>
-                    <a:lstStyle/>
-                    <a:p>
-                      <a:endParaRPr lang="fr-FR" dirty="0"/>
-                    </a:p>
-                  </a:txBody>
-                  <a:tcPr/>
-                </a:tc>
-                <a:tc>
-                  <a:txBody>
-                    <a:bodyPr/>
-                    <a:lstStyle/>
-                    <a:p>
-                      <a:endParaRPr lang="fr-FR" dirty="0"/>
-                    </a:p>
-                  </a:txBody>
-                  <a:tcPr/>
-                </a:tc>
-                <a:tc>
-                  <a:txBody>
-                    <a:bodyPr/>
-                    <a:lstStyle/>
-                    <a:p>
-                      <a:endParaRPr lang="fr-FR" dirty="0"/>
+                      <a:endParaRPr lang="fr-FR" dirty="0">
+                        <a:latin typeface="Segoe UI" panose="020B0502040204020203" pitchFamily="34" charset="0"/>
+                        <a:cs typeface="Segoe UI" panose="020B0502040204020203" pitchFamily="34" charset="0"/>
+                      </a:endParaRPr>
                     </a:p>
                   </a:txBody>
                   <a:tcPr/>
@@ -8190,7 +10129,7 @@
         </p:blipFill>
         <p:spPr>
           <a:xfrm>
-            <a:off x="3450357" y="2197383"/>
+            <a:off x="3238297" y="2203664"/>
             <a:ext cx="305746" cy="292736"/>
           </a:xfrm>
           <a:prstGeom prst="rect">
@@ -8220,7 +10159,7 @@
         </p:blipFill>
         <p:spPr>
           <a:xfrm>
-            <a:off x="3144611" y="2200782"/>
+            <a:off x="2932551" y="2207063"/>
             <a:ext cx="305746" cy="292736"/>
           </a:xfrm>
           <a:prstGeom prst="rect">
@@ -8250,7 +10189,7 @@
         </p:blipFill>
         <p:spPr>
           <a:xfrm>
-            <a:off x="3443305" y="4198564"/>
+            <a:off x="3232713" y="4167731"/>
             <a:ext cx="305746" cy="292736"/>
           </a:xfrm>
           <a:prstGeom prst="rect">
@@ -8280,217 +10219,7 @@
         </p:blipFill>
         <p:spPr>
           <a:xfrm>
-            <a:off x="3137559" y="4194809"/>
-            <a:ext cx="305746" cy="292736"/>
-          </a:xfrm>
-          <a:prstGeom prst="rect">
-            <a:avLst/>
-          </a:prstGeom>
-        </p:spPr>
-      </p:pic>
-      <p:pic>
-        <p:nvPicPr>
-          <p:cNvPr id="15" name="Image 14" descr="Image vectorielle gratuite: Étoiles, Jaune, Or, Noël, Shine - Image ..."/>
-          <p:cNvPicPr>
-            <a:picLocks noChangeAspect="1"/>
-          </p:cNvPicPr>
-          <p:nvPr/>
-        </p:nvPicPr>
-        <p:blipFill>
-          <a:blip r:embed="rId2" cstate="print">
-            <a:extLst>
-              <a:ext uri="{28A0092B-C50C-407E-A947-70E740481C1C}">
-                <a14:useLocalDpi xmlns:a14="http://schemas.microsoft.com/office/drawing/2010/main" val="0"/>
-              </a:ext>
-            </a:extLst>
-          </a:blip>
-          <a:stretch>
-            <a:fillRect/>
-          </a:stretch>
-        </p:blipFill>
-        <p:spPr>
-          <a:xfrm>
-            <a:off x="3450357" y="4572237"/>
-            <a:ext cx="305746" cy="292736"/>
-          </a:xfrm>
-          <a:prstGeom prst="rect">
-            <a:avLst/>
-          </a:prstGeom>
-        </p:spPr>
-      </p:pic>
-      <p:pic>
-        <p:nvPicPr>
-          <p:cNvPr id="16" name="Image 15" descr="Image vectorielle gratuite: Étoiles, Jaune, Or, Noël, Shine - Image ..."/>
-          <p:cNvPicPr>
-            <a:picLocks noChangeAspect="1"/>
-          </p:cNvPicPr>
-          <p:nvPr/>
-        </p:nvPicPr>
-        <p:blipFill>
-          <a:blip r:embed="rId2" cstate="print">
-            <a:extLst>
-              <a:ext uri="{28A0092B-C50C-407E-A947-70E740481C1C}">
-                <a14:useLocalDpi xmlns:a14="http://schemas.microsoft.com/office/drawing/2010/main" val="0"/>
-              </a:ext>
-            </a:extLst>
-          </a:blip>
-          <a:stretch>
-            <a:fillRect/>
-          </a:stretch>
-        </p:blipFill>
-        <p:spPr>
-          <a:xfrm>
-            <a:off x="3137559" y="4572237"/>
-            <a:ext cx="305746" cy="292736"/>
-          </a:xfrm>
-          <a:prstGeom prst="rect">
-            <a:avLst/>
-          </a:prstGeom>
-        </p:spPr>
-      </p:pic>
-      <p:pic>
-        <p:nvPicPr>
-          <p:cNvPr id="17" name="Image 16" descr="Image vectorielle gratuite: Étoiles, Jaune, Or, Noël, Shine - Image ..."/>
-          <p:cNvPicPr>
-            <a:picLocks noChangeAspect="1"/>
-          </p:cNvPicPr>
-          <p:nvPr/>
-        </p:nvPicPr>
-        <p:blipFill>
-          <a:blip r:embed="rId2" cstate="print">
-            <a:extLst>
-              <a:ext uri="{28A0092B-C50C-407E-A947-70E740481C1C}">
-                <a14:useLocalDpi xmlns:a14="http://schemas.microsoft.com/office/drawing/2010/main" val="0"/>
-              </a:ext>
-            </a:extLst>
-          </a:blip>
-          <a:stretch>
-            <a:fillRect/>
-          </a:stretch>
-        </p:blipFill>
-        <p:spPr>
-          <a:xfrm>
-            <a:off x="3443305" y="4954118"/>
-            <a:ext cx="305746" cy="292736"/>
-          </a:xfrm>
-          <a:prstGeom prst="rect">
-            <a:avLst/>
-          </a:prstGeom>
-        </p:spPr>
-      </p:pic>
-      <p:pic>
-        <p:nvPicPr>
-          <p:cNvPr id="18" name="Image 17" descr="Image vectorielle gratuite: Étoiles, Jaune, Or, Noël, Shine - Image ..."/>
-          <p:cNvPicPr>
-            <a:picLocks noChangeAspect="1"/>
-          </p:cNvPicPr>
-          <p:nvPr/>
-        </p:nvPicPr>
-        <p:blipFill>
-          <a:blip r:embed="rId2" cstate="print">
-            <a:extLst>
-              <a:ext uri="{28A0092B-C50C-407E-A947-70E740481C1C}">
-                <a14:useLocalDpi xmlns:a14="http://schemas.microsoft.com/office/drawing/2010/main" val="0"/>
-              </a:ext>
-            </a:extLst>
-          </a:blip>
-          <a:stretch>
-            <a:fillRect/>
-          </a:stretch>
-        </p:blipFill>
-        <p:spPr>
-          <a:xfrm>
-            <a:off x="3137559" y="4954118"/>
-            <a:ext cx="305746" cy="292736"/>
-          </a:xfrm>
-          <a:prstGeom prst="rect">
-            <a:avLst/>
-          </a:prstGeom>
-        </p:spPr>
-      </p:pic>
-      <p:pic>
-        <p:nvPicPr>
-          <p:cNvPr id="19" name="Image 18" descr="Image vectorielle gratuite: Étoiles, Jaune, Or, Noël, Shine - Image ..."/>
-          <p:cNvPicPr>
-            <a:picLocks noChangeAspect="1"/>
-          </p:cNvPicPr>
-          <p:nvPr/>
-        </p:nvPicPr>
-        <p:blipFill>
-          <a:blip r:embed="rId2" cstate="print">
-            <a:extLst>
-              <a:ext uri="{28A0092B-C50C-407E-A947-70E740481C1C}">
-                <a14:useLocalDpi xmlns:a14="http://schemas.microsoft.com/office/drawing/2010/main" val="0"/>
-              </a:ext>
-            </a:extLst>
-          </a:blip>
-          <a:stretch>
-            <a:fillRect/>
-          </a:stretch>
-        </p:blipFill>
-        <p:spPr>
-          <a:xfrm>
-            <a:off x="3304267" y="3013303"/>
-            <a:ext cx="305746" cy="292736"/>
-          </a:xfrm>
-          <a:prstGeom prst="rect">
-            <a:avLst/>
-          </a:prstGeom>
-        </p:spPr>
-      </p:pic>
-      <p:pic>
-        <p:nvPicPr>
-          <p:cNvPr id="20" name="Image 19" descr="Image vectorielle gratuite: Étoiles, Jaune, Or, Noël, Shine - Image ..."/>
-          <p:cNvPicPr>
-            <a:picLocks noChangeAspect="1"/>
-          </p:cNvPicPr>
-          <p:nvPr/>
-        </p:nvPicPr>
-        <p:blipFill>
-          <a:blip r:embed="rId2" cstate="print">
-            <a:extLst>
-              <a:ext uri="{28A0092B-C50C-407E-A947-70E740481C1C}">
-                <a14:useLocalDpi xmlns:a14="http://schemas.microsoft.com/office/drawing/2010/main" val="0"/>
-              </a:ext>
-            </a:extLst>
-          </a:blip>
-          <a:stretch>
-            <a:fillRect/>
-          </a:stretch>
-        </p:blipFill>
-        <p:spPr>
-          <a:xfrm>
-            <a:off x="2997989" y="3000704"/>
-            <a:ext cx="305746" cy="292736"/>
-          </a:xfrm>
-          <a:prstGeom prst="rect">
-            <a:avLst/>
-          </a:prstGeom>
-        </p:spPr>
-      </p:pic>
-      <p:pic>
-        <p:nvPicPr>
-          <p:cNvPr id="21" name="Image 20" descr="Image vectorielle gratuite: Étoiles, Jaune, Or, Noël, Shine - Image ..."/>
-          <p:cNvPicPr>
-            <a:picLocks noChangeAspect="1"/>
-          </p:cNvPicPr>
-          <p:nvPr/>
-        </p:nvPicPr>
-        <p:blipFill>
-          <a:blip r:embed="rId2" cstate="print">
-            <a:extLst>
-              <a:ext uri="{28A0092B-C50C-407E-A947-70E740481C1C}">
-                <a14:useLocalDpi xmlns:a14="http://schemas.microsoft.com/office/drawing/2010/main" val="0"/>
-              </a:ext>
-            </a:extLst>
-          </a:blip>
-          <a:stretch>
-            <a:fillRect/>
-          </a:stretch>
-        </p:blipFill>
-        <p:spPr>
-          <a:xfrm>
-            <a:off x="3603230" y="3010880"/>
+            <a:off x="2899117" y="4172808"/>
             <a:ext cx="305746" cy="292736"/>
           </a:xfrm>
           <a:prstGeom prst="rect">
@@ -8520,7 +10249,7 @@
         </p:blipFill>
         <p:spPr>
           <a:xfrm>
-            <a:off x="3447329" y="3406315"/>
+            <a:off x="3235269" y="3412596"/>
             <a:ext cx="305746" cy="292736"/>
           </a:xfrm>
           <a:prstGeom prst="rect">
@@ -8550,7 +10279,7 @@
         </p:blipFill>
         <p:spPr>
           <a:xfrm>
-            <a:off x="3131652" y="3403693"/>
+            <a:off x="2891742" y="3418806"/>
             <a:ext cx="305746" cy="292736"/>
           </a:xfrm>
           <a:prstGeom prst="rect">
@@ -8580,7 +10309,7 @@
         </p:blipFill>
         <p:spPr>
           <a:xfrm>
-            <a:off x="3290432" y="3783526"/>
+            <a:off x="3078372" y="3789807"/>
             <a:ext cx="305746" cy="292736"/>
           </a:xfrm>
           <a:prstGeom prst="rect">
@@ -8610,7 +10339,7 @@
         </p:blipFill>
         <p:spPr>
           <a:xfrm>
-            <a:off x="4966550" y="2198817"/>
+            <a:off x="4566508" y="2189565"/>
             <a:ext cx="305746" cy="292736"/>
           </a:xfrm>
           <a:prstGeom prst="rect">
@@ -8640,7 +10369,7 @@
         </p:blipFill>
         <p:spPr>
           <a:xfrm>
-            <a:off x="4667055" y="2205337"/>
+            <a:off x="4267013" y="2196085"/>
             <a:ext cx="305746" cy="292736"/>
           </a:xfrm>
           <a:prstGeom prst="rect">
@@ -8670,37 +10399,7 @@
         </p:blipFill>
         <p:spPr>
           <a:xfrm>
-            <a:off x="5272296" y="2205337"/>
-            <a:ext cx="305746" cy="292736"/>
-          </a:xfrm>
-          <a:prstGeom prst="rect">
-            <a:avLst/>
-          </a:prstGeom>
-        </p:spPr>
-      </p:pic>
-      <p:pic>
-        <p:nvPicPr>
-          <p:cNvPr id="29" name="Image 28" descr="Image vectorielle gratuite: Étoiles, Jaune, Or, Noël, Shine - Image ..."/>
-          <p:cNvPicPr>
-            <a:picLocks noChangeAspect="1"/>
-          </p:cNvPicPr>
-          <p:nvPr/>
-        </p:nvPicPr>
-        <p:blipFill>
-          <a:blip r:embed="rId2" cstate="print">
-            <a:extLst>
-              <a:ext uri="{28A0092B-C50C-407E-A947-70E740481C1C}">
-                <a14:useLocalDpi xmlns:a14="http://schemas.microsoft.com/office/drawing/2010/main" val="0"/>
-              </a:ext>
-            </a:extLst>
-          </a:blip>
-          <a:stretch>
-            <a:fillRect/>
-          </a:stretch>
-        </p:blipFill>
-        <p:spPr>
-          <a:xfrm>
-            <a:off x="5140067" y="2634863"/>
+            <a:off x="4872254" y="2196085"/>
             <a:ext cx="305746" cy="292736"/>
           </a:xfrm>
           <a:prstGeom prst="rect">
@@ -8730,7 +10429,7 @@
         </p:blipFill>
         <p:spPr>
           <a:xfrm>
-            <a:off x="4834321" y="2641329"/>
+            <a:off x="4577244" y="2624889"/>
             <a:ext cx="305746" cy="292736"/>
           </a:xfrm>
           <a:prstGeom prst="rect">
@@ -8760,7 +10459,7 @@
         </p:blipFill>
         <p:spPr>
           <a:xfrm>
-            <a:off x="4987194" y="3017277"/>
+            <a:off x="4578537" y="3009698"/>
             <a:ext cx="305746" cy="292736"/>
           </a:xfrm>
           <a:prstGeom prst="rect">
@@ -8790,7 +10489,7 @@
         </p:blipFill>
         <p:spPr>
           <a:xfrm>
-            <a:off x="4687699" y="3023797"/>
+            <a:off x="4279042" y="3016218"/>
             <a:ext cx="305746" cy="292736"/>
           </a:xfrm>
           <a:prstGeom prst="rect">
@@ -8820,7 +10519,7 @@
         </p:blipFill>
         <p:spPr>
           <a:xfrm>
-            <a:off x="5292940" y="3023797"/>
+            <a:off x="4884283" y="3016218"/>
             <a:ext cx="305746" cy="292736"/>
           </a:xfrm>
           <a:prstGeom prst="rect">
@@ -8850,7 +10549,7 @@
         </p:blipFill>
         <p:spPr>
           <a:xfrm>
-            <a:off x="4980142" y="3795908"/>
+            <a:off x="4571485" y="3788329"/>
             <a:ext cx="305746" cy="292736"/>
           </a:xfrm>
           <a:prstGeom prst="rect">
@@ -8880,7 +10579,7 @@
         </p:blipFill>
         <p:spPr>
           <a:xfrm>
-            <a:off x="4987194" y="4188589"/>
+            <a:off x="4579096" y="4171486"/>
             <a:ext cx="305746" cy="292736"/>
           </a:xfrm>
           <a:prstGeom prst="rect">
@@ -8910,7 +10609,7 @@
         </p:blipFill>
         <p:spPr>
           <a:xfrm>
-            <a:off x="4681448" y="4184834"/>
+            <a:off x="4273350" y="4167731"/>
             <a:ext cx="305746" cy="292736"/>
           </a:xfrm>
           <a:prstGeom prst="rect">
@@ -8940,67 +10639,7 @@
         </p:blipFill>
         <p:spPr>
           <a:xfrm>
-            <a:off x="5292940" y="4184834"/>
-            <a:ext cx="305746" cy="292736"/>
-          </a:xfrm>
-          <a:prstGeom prst="rect">
-            <a:avLst/>
-          </a:prstGeom>
-        </p:spPr>
-      </p:pic>
-      <p:pic>
-        <p:nvPicPr>
-          <p:cNvPr id="40" name="Image 39" descr="Image vectorielle gratuite: Étoiles, Jaune, Or, Noël, Shine - Image ..."/>
-          <p:cNvPicPr>
-            <a:picLocks noChangeAspect="1"/>
-          </p:cNvPicPr>
-          <p:nvPr/>
-        </p:nvPicPr>
-        <p:blipFill>
-          <a:blip r:embed="rId2" cstate="print">
-            <a:extLst>
-              <a:ext uri="{28A0092B-C50C-407E-A947-70E740481C1C}">
-                <a14:useLocalDpi xmlns:a14="http://schemas.microsoft.com/office/drawing/2010/main" val="0"/>
-              </a:ext>
-            </a:extLst>
-          </a:blip>
-          <a:stretch>
-            <a:fillRect/>
-          </a:stretch>
-        </p:blipFill>
-        <p:spPr>
-          <a:xfrm>
-            <a:off x="5140067" y="4580804"/>
-            <a:ext cx="305746" cy="292736"/>
-          </a:xfrm>
-          <a:prstGeom prst="rect">
-            <a:avLst/>
-          </a:prstGeom>
-        </p:spPr>
-      </p:pic>
-      <p:pic>
-        <p:nvPicPr>
-          <p:cNvPr id="41" name="Image 40" descr="Image vectorielle gratuite: Étoiles, Jaune, Or, Noël, Shine - Image ..."/>
-          <p:cNvPicPr>
-            <a:picLocks noChangeAspect="1"/>
-          </p:cNvPicPr>
-          <p:nvPr/>
-        </p:nvPicPr>
-        <p:blipFill>
-          <a:blip r:embed="rId2" cstate="print">
-            <a:extLst>
-              <a:ext uri="{28A0092B-C50C-407E-A947-70E740481C1C}">
-                <a14:useLocalDpi xmlns:a14="http://schemas.microsoft.com/office/drawing/2010/main" val="0"/>
-              </a:ext>
-            </a:extLst>
-          </a:blip>
-          <a:stretch>
-            <a:fillRect/>
-          </a:stretch>
-        </p:blipFill>
-        <p:spPr>
-          <a:xfrm>
-            <a:off x="4827269" y="4580804"/>
+            <a:off x="4884842" y="4167731"/>
             <a:ext cx="305746" cy="292736"/>
           </a:xfrm>
           <a:prstGeom prst="rect">
@@ -9030,7 +10669,7 @@
         </p:blipFill>
         <p:spPr>
           <a:xfrm>
-            <a:off x="5151055" y="4947517"/>
+            <a:off x="4735615" y="4541359"/>
             <a:ext cx="305746" cy="292736"/>
           </a:xfrm>
           <a:prstGeom prst="rect">
@@ -9060,7 +10699,7 @@
         </p:blipFill>
         <p:spPr>
           <a:xfrm>
-            <a:off x="4838257" y="4947517"/>
+            <a:off x="4422817" y="4541359"/>
             <a:ext cx="305746" cy="292736"/>
           </a:xfrm>
           <a:prstGeom prst="rect">
@@ -9090,7 +10729,7 @@
         </p:blipFill>
         <p:spPr>
           <a:xfrm>
-            <a:off x="8200998" y="2075863"/>
+            <a:off x="7570955" y="2075863"/>
             <a:ext cx="445316" cy="445316"/>
           </a:xfrm>
           <a:prstGeom prst="rect">
@@ -9120,7 +10759,7 @@
         </p:blipFill>
         <p:spPr>
           <a:xfrm>
-            <a:off x="8179415" y="2496560"/>
+            <a:off x="7549372" y="2496560"/>
             <a:ext cx="445316" cy="445316"/>
           </a:xfrm>
           <a:prstGeom prst="rect">
@@ -9150,7 +10789,7 @@
         </p:blipFill>
         <p:spPr>
           <a:xfrm>
-            <a:off x="8159286" y="2923818"/>
+            <a:off x="7530605" y="2908556"/>
             <a:ext cx="445316" cy="445316"/>
           </a:xfrm>
           <a:prstGeom prst="rect">
@@ -9180,7 +10819,7 @@
         </p:blipFill>
         <p:spPr>
           <a:xfrm>
-            <a:off x="8169351" y="3314485"/>
+            <a:off x="7537976" y="3278750"/>
             <a:ext cx="445316" cy="445316"/>
           </a:xfrm>
           <a:prstGeom prst="rect">
@@ -9210,7 +10849,7 @@
         </p:blipFill>
         <p:spPr>
           <a:xfrm>
-            <a:off x="8173822" y="3698564"/>
+            <a:off x="7543507" y="3672531"/>
             <a:ext cx="445316" cy="445316"/>
           </a:xfrm>
           <a:prstGeom prst="rect">
@@ -9240,37 +10879,7 @@
         </p:blipFill>
         <p:spPr>
           <a:xfrm>
-            <a:off x="8185623" y="4081752"/>
-            <a:ext cx="445316" cy="445316"/>
-          </a:xfrm>
-          <a:prstGeom prst="rect">
-            <a:avLst/>
-          </a:prstGeom>
-        </p:spPr>
-      </p:pic>
-      <p:pic>
-        <p:nvPicPr>
-          <p:cNvPr id="51" name="Image 50" descr="Archivo:Gtk-&lt;strong&gt;ok&lt;/strong&gt;.svg - Wikipedia, la enciclopedia libre"/>
-          <p:cNvPicPr>
-            <a:picLocks noChangeAspect="1"/>
-          </p:cNvPicPr>
-          <p:nvPr/>
-        </p:nvPicPr>
-        <p:blipFill>
-          <a:blip r:embed="rId3" cstate="print">
-            <a:extLst>
-              <a:ext uri="{28A0092B-C50C-407E-A947-70E740481C1C}">
-                <a14:useLocalDpi xmlns:a14="http://schemas.microsoft.com/office/drawing/2010/main" val="0"/>
-              </a:ext>
-            </a:extLst>
-          </a:blip>
-          <a:stretch>
-            <a:fillRect/>
-          </a:stretch>
-        </p:blipFill>
-        <p:spPr>
-          <a:xfrm>
-            <a:off x="8197424" y="4473310"/>
+            <a:off x="7538973" y="4055741"/>
             <a:ext cx="445316" cy="445316"/>
           </a:xfrm>
           <a:prstGeom prst="rect">
@@ -9300,7 +10909,7 @@
         </p:blipFill>
         <p:spPr>
           <a:xfrm>
-            <a:off x="8159286" y="4864868"/>
+            <a:off x="7521356" y="4439604"/>
             <a:ext cx="445316" cy="445316"/>
           </a:xfrm>
           <a:prstGeom prst="rect">
@@ -9330,7 +10939,7 @@
         </p:blipFill>
         <p:spPr>
           <a:xfrm>
-            <a:off x="9288492" y="2100725"/>
+            <a:off x="8578088" y="2079157"/>
             <a:ext cx="445316" cy="445316"/>
           </a:xfrm>
           <a:prstGeom prst="rect">
@@ -9360,7 +10969,7 @@
         </p:blipFill>
         <p:spPr>
           <a:xfrm>
-            <a:off x="9211205" y="2937989"/>
+            <a:off x="8499943" y="2887032"/>
             <a:ext cx="445316" cy="445316"/>
           </a:xfrm>
           <a:prstGeom prst="rect">
@@ -9390,7 +10999,7 @@
         </p:blipFill>
         <p:spPr>
           <a:xfrm>
-            <a:off x="9214103" y="3314000"/>
+            <a:off x="8503379" y="3282356"/>
             <a:ext cx="445316" cy="445316"/>
           </a:xfrm>
           <a:prstGeom prst="rect">
@@ -9420,37 +11029,7 @@
         </p:blipFill>
         <p:spPr>
           <a:xfrm>
-            <a:off x="9198438" y="4097897"/>
-            <a:ext cx="445316" cy="445316"/>
-          </a:xfrm>
-          <a:prstGeom prst="rect">
-            <a:avLst/>
-          </a:prstGeom>
-        </p:spPr>
-      </p:pic>
-      <p:pic>
-        <p:nvPicPr>
-          <p:cNvPr id="58" name="Image 57" descr="Archivo:Gtk-&lt;strong&gt;ok&lt;/strong&gt;.svg - Wikipedia, la enciclopedia libre"/>
-          <p:cNvPicPr>
-            <a:picLocks noChangeAspect="1"/>
-          </p:cNvPicPr>
-          <p:nvPr/>
-        </p:nvPicPr>
-        <p:blipFill>
-          <a:blip r:embed="rId3" cstate="print">
-            <a:extLst>
-              <a:ext uri="{28A0092B-C50C-407E-A947-70E740481C1C}">
-                <a14:useLocalDpi xmlns:a14="http://schemas.microsoft.com/office/drawing/2010/main" val="0"/>
-              </a:ext>
-            </a:extLst>
-          </a:blip>
-          <a:stretch>
-            <a:fillRect/>
-          </a:stretch>
-        </p:blipFill>
-        <p:spPr>
-          <a:xfrm>
-            <a:off x="9211205" y="4475791"/>
+            <a:off x="8498080" y="4050360"/>
             <a:ext cx="445316" cy="445316"/>
           </a:xfrm>
           <a:prstGeom prst="rect">
@@ -9480,7 +11059,7 @@
         </p:blipFill>
         <p:spPr>
           <a:xfrm>
-            <a:off x="9216778" y="4873540"/>
+            <a:off x="8499943" y="4427739"/>
             <a:ext cx="445316" cy="445316"/>
           </a:xfrm>
           <a:prstGeom prst="rect">
@@ -9510,7 +11089,7 @@
         </p:blipFill>
         <p:spPr>
           <a:xfrm>
-            <a:off x="9298000" y="3757046"/>
+            <a:off x="8587565" y="3741268"/>
             <a:ext cx="317175" cy="317175"/>
           </a:xfrm>
           <a:prstGeom prst="rect">
@@ -9540,7 +11119,7 @@
         </p:blipFill>
         <p:spPr>
           <a:xfrm>
-            <a:off x="11322534" y="2108141"/>
+            <a:off x="10524432" y="2079721"/>
             <a:ext cx="445316" cy="445316"/>
           </a:xfrm>
           <a:prstGeom prst="rect">
@@ -9570,7 +11149,7 @@
         </p:blipFill>
         <p:spPr>
           <a:xfrm>
-            <a:off x="10354403" y="2108141"/>
+            <a:off x="9636838" y="2070123"/>
             <a:ext cx="445316" cy="445316"/>
           </a:xfrm>
           <a:prstGeom prst="rect">
@@ -9600,7 +11179,7 @@
         </p:blipFill>
         <p:spPr>
           <a:xfrm>
-            <a:off x="11322534" y="2505232"/>
+            <a:off x="10524432" y="2512281"/>
             <a:ext cx="445316" cy="445316"/>
           </a:xfrm>
           <a:prstGeom prst="rect">
@@ -9630,7 +11209,7 @@
         </p:blipFill>
         <p:spPr>
           <a:xfrm>
-            <a:off x="10345650" y="2944180"/>
+            <a:off x="9629335" y="2908556"/>
             <a:ext cx="445316" cy="445316"/>
           </a:xfrm>
           <a:prstGeom prst="rect">
@@ -9660,7 +11239,7 @@
         </p:blipFill>
         <p:spPr>
           <a:xfrm>
-            <a:off x="11322534" y="2944180"/>
+            <a:off x="10534941" y="2894081"/>
             <a:ext cx="445316" cy="445316"/>
           </a:xfrm>
           <a:prstGeom prst="rect">
@@ -9690,7 +11269,7 @@
         </p:blipFill>
         <p:spPr>
           <a:xfrm>
-            <a:off x="11325373" y="3325580"/>
+            <a:off x="10526468" y="3280990"/>
             <a:ext cx="445316" cy="445316"/>
           </a:xfrm>
           <a:prstGeom prst="rect">
@@ -9720,7 +11299,7 @@
         </p:blipFill>
         <p:spPr>
           <a:xfrm>
-            <a:off x="10342752" y="3322886"/>
+            <a:off x="9628470" y="3286164"/>
             <a:ext cx="445316" cy="445316"/>
           </a:xfrm>
           <a:prstGeom prst="rect">
@@ -9750,7 +11329,7 @@
         </p:blipFill>
         <p:spPr>
           <a:xfrm>
-            <a:off x="10351120" y="3707236"/>
+            <a:off x="9636838" y="3704687"/>
             <a:ext cx="445316" cy="445316"/>
           </a:xfrm>
           <a:prstGeom prst="rect">
@@ -9780,7 +11359,7 @@
         </p:blipFill>
         <p:spPr>
           <a:xfrm>
-            <a:off x="11361498" y="3753457"/>
+            <a:off x="10563395" y="3733635"/>
             <a:ext cx="317175" cy="317175"/>
           </a:xfrm>
           <a:prstGeom prst="rect">
@@ -9810,37 +11389,7 @@
         </p:blipFill>
         <p:spPr>
           <a:xfrm>
-            <a:off x="10342752" y="4105329"/>
-            <a:ext cx="445316" cy="445316"/>
-          </a:xfrm>
-          <a:prstGeom prst="rect">
-            <a:avLst/>
-          </a:prstGeom>
-        </p:spPr>
-      </p:pic>
-      <p:pic>
-        <p:nvPicPr>
-          <p:cNvPr id="84" name="Image 83" descr="Archivo:Gtk-&lt;strong&gt;ok&lt;/strong&gt;.svg - Wikipedia, la enciclopedia libre"/>
-          <p:cNvPicPr>
-            <a:picLocks noChangeAspect="1"/>
-          </p:cNvPicPr>
-          <p:nvPr/>
-        </p:nvPicPr>
-        <p:blipFill>
-          <a:blip r:embed="rId3" cstate="print">
-            <a:extLst>
-              <a:ext uri="{28A0092B-C50C-407E-A947-70E740481C1C}">
-                <a14:useLocalDpi xmlns:a14="http://schemas.microsoft.com/office/drawing/2010/main" val="0"/>
-              </a:ext>
-            </a:extLst>
-          </a:blip>
-          <a:stretch>
-            <a:fillRect/>
-          </a:stretch>
-        </p:blipFill>
-        <p:spPr>
-          <a:xfrm>
-            <a:off x="11337381" y="4484552"/>
+            <a:off x="9614687" y="4051974"/>
             <a:ext cx="445316" cy="445316"/>
           </a:xfrm>
           <a:prstGeom prst="rect">
@@ -9870,7 +11419,860 @@
         </p:blipFill>
         <p:spPr>
           <a:xfrm>
-            <a:off x="11361497" y="4142445"/>
+            <a:off x="10563395" y="4132985"/>
+            <a:ext cx="317175" cy="317175"/>
+          </a:xfrm>
+          <a:prstGeom prst="rect">
+            <a:avLst/>
+          </a:prstGeom>
+        </p:spPr>
+      </p:pic>
+      <p:pic>
+        <p:nvPicPr>
+          <p:cNvPr id="87" name="Image 86" descr="Archivo:Gtk-&lt;strong&gt;ok&lt;/strong&gt;.svg - Wikipedia, la enciclopedia libre"/>
+          <p:cNvPicPr>
+            <a:picLocks noChangeAspect="1"/>
+          </p:cNvPicPr>
+          <p:nvPr/>
+        </p:nvPicPr>
+        <p:blipFill>
+          <a:blip r:embed="rId3" cstate="print">
+            <a:extLst>
+              <a:ext uri="{28A0092B-C50C-407E-A947-70E740481C1C}">
+                <a14:useLocalDpi xmlns:a14="http://schemas.microsoft.com/office/drawing/2010/main" val="0"/>
+              </a:ext>
+            </a:extLst>
+          </a:blip>
+          <a:stretch>
+            <a:fillRect/>
+          </a:stretch>
+        </p:blipFill>
+        <p:spPr>
+          <a:xfrm>
+            <a:off x="9628470" y="4438707"/>
+            <a:ext cx="445316" cy="445316"/>
+          </a:xfrm>
+          <a:prstGeom prst="rect">
+            <a:avLst/>
+          </a:prstGeom>
+        </p:spPr>
+      </p:pic>
+      <p:pic>
+        <p:nvPicPr>
+          <p:cNvPr id="88" name="Image 87" descr="Archivo:Gtk-&lt;strong&gt;ok&lt;/strong&gt;.svg - Wikipedia, la enciclopedia libre"/>
+          <p:cNvPicPr>
+            <a:picLocks noChangeAspect="1"/>
+          </p:cNvPicPr>
+          <p:nvPr/>
+        </p:nvPicPr>
+        <p:blipFill>
+          <a:blip r:embed="rId3" cstate="print">
+            <a:extLst>
+              <a:ext uri="{28A0092B-C50C-407E-A947-70E740481C1C}">
+                <a14:useLocalDpi xmlns:a14="http://schemas.microsoft.com/office/drawing/2010/main" val="0"/>
+              </a:ext>
+            </a:extLst>
+          </a:blip>
+          <a:stretch>
+            <a:fillRect/>
+          </a:stretch>
+        </p:blipFill>
+        <p:spPr>
+          <a:xfrm>
+            <a:off x="10515072" y="4446653"/>
+            <a:ext cx="445316" cy="445316"/>
+          </a:xfrm>
+          <a:prstGeom prst="rect">
+            <a:avLst/>
+          </a:prstGeom>
+        </p:spPr>
+      </p:pic>
+      <p:pic>
+        <p:nvPicPr>
+          <p:cNvPr id="89" name="Image 88" descr="Image vectorielle gratuite: Étoiles, Jaune, Or, Noël, Shine - Image ..."/>
+          <p:cNvPicPr>
+            <a:picLocks noChangeAspect="1"/>
+          </p:cNvPicPr>
+          <p:nvPr/>
+        </p:nvPicPr>
+        <p:blipFill>
+          <a:blip r:embed="rId2" cstate="print">
+            <a:extLst>
+              <a:ext uri="{28A0092B-C50C-407E-A947-70E740481C1C}">
+                <a14:useLocalDpi xmlns:a14="http://schemas.microsoft.com/office/drawing/2010/main" val="0"/>
+              </a:ext>
+            </a:extLst>
+          </a:blip>
+          <a:stretch>
+            <a:fillRect/>
+          </a:stretch>
+        </p:blipFill>
+        <p:spPr>
+          <a:xfrm>
+            <a:off x="6299536" y="2173132"/>
+            <a:ext cx="305746" cy="292736"/>
+          </a:xfrm>
+          <a:prstGeom prst="rect">
+            <a:avLst/>
+          </a:prstGeom>
+        </p:spPr>
+      </p:pic>
+      <p:pic>
+        <p:nvPicPr>
+          <p:cNvPr id="90" name="Image 89" descr="Image vectorielle gratuite: Étoiles, Jaune, Or, Noël, Shine - Image ..."/>
+          <p:cNvPicPr>
+            <a:picLocks noChangeAspect="1"/>
+          </p:cNvPicPr>
+          <p:nvPr/>
+        </p:nvPicPr>
+        <p:blipFill>
+          <a:blip r:embed="rId2" cstate="print">
+            <a:extLst>
+              <a:ext uri="{28A0092B-C50C-407E-A947-70E740481C1C}">
+                <a14:useLocalDpi xmlns:a14="http://schemas.microsoft.com/office/drawing/2010/main" val="0"/>
+              </a:ext>
+            </a:extLst>
+          </a:blip>
+          <a:stretch>
+            <a:fillRect/>
+          </a:stretch>
+        </p:blipFill>
+        <p:spPr>
+          <a:xfrm>
+            <a:off x="6299536" y="3767114"/>
+            <a:ext cx="305746" cy="292736"/>
+          </a:xfrm>
+          <a:prstGeom prst="rect">
+            <a:avLst/>
+          </a:prstGeom>
+        </p:spPr>
+      </p:pic>
+      <p:pic>
+        <p:nvPicPr>
+          <p:cNvPr id="91" name="Image 90" descr="Image vectorielle gratuite: Étoiles, Jaune, Or, Noël, Shine - Image ..."/>
+          <p:cNvPicPr>
+            <a:picLocks noChangeAspect="1"/>
+          </p:cNvPicPr>
+          <p:nvPr/>
+        </p:nvPicPr>
+        <p:blipFill>
+          <a:blip r:embed="rId2" cstate="print">
+            <a:extLst>
+              <a:ext uri="{28A0092B-C50C-407E-A947-70E740481C1C}">
+                <a14:useLocalDpi xmlns:a14="http://schemas.microsoft.com/office/drawing/2010/main" val="0"/>
+              </a:ext>
+            </a:extLst>
+          </a:blip>
+          <a:stretch>
+            <a:fillRect/>
+          </a:stretch>
+        </p:blipFill>
+        <p:spPr>
+          <a:xfrm>
+            <a:off x="6295002" y="2618369"/>
+            <a:ext cx="305746" cy="292736"/>
+          </a:xfrm>
+          <a:prstGeom prst="rect">
+            <a:avLst/>
+          </a:prstGeom>
+        </p:spPr>
+      </p:pic>
+      <p:pic>
+        <p:nvPicPr>
+          <p:cNvPr id="92" name="Image 91" descr="Image vectorielle gratuite: Étoiles, Jaune, Or, Noël, Shine - Image ..."/>
+          <p:cNvPicPr>
+            <a:picLocks noChangeAspect="1"/>
+          </p:cNvPicPr>
+          <p:nvPr/>
+        </p:nvPicPr>
+        <p:blipFill>
+          <a:blip r:embed="rId2" cstate="print">
+            <a:extLst>
+              <a:ext uri="{28A0092B-C50C-407E-A947-70E740481C1C}">
+                <a14:useLocalDpi xmlns:a14="http://schemas.microsoft.com/office/drawing/2010/main" val="0"/>
+              </a:ext>
+            </a:extLst>
+          </a:blip>
+          <a:stretch>
+            <a:fillRect/>
+          </a:stretch>
+        </p:blipFill>
+        <p:spPr>
+          <a:xfrm>
+            <a:off x="5995507" y="2624889"/>
+            <a:ext cx="305746" cy="292736"/>
+          </a:xfrm>
+          <a:prstGeom prst="rect">
+            <a:avLst/>
+          </a:prstGeom>
+        </p:spPr>
+      </p:pic>
+      <p:pic>
+        <p:nvPicPr>
+          <p:cNvPr id="93" name="Image 92" descr="Image vectorielle gratuite: Étoiles, Jaune, Or, Noël, Shine - Image ..."/>
+          <p:cNvPicPr>
+            <a:picLocks noChangeAspect="1"/>
+          </p:cNvPicPr>
+          <p:nvPr/>
+        </p:nvPicPr>
+        <p:blipFill>
+          <a:blip r:embed="rId2" cstate="print">
+            <a:extLst>
+              <a:ext uri="{28A0092B-C50C-407E-A947-70E740481C1C}">
+                <a14:useLocalDpi xmlns:a14="http://schemas.microsoft.com/office/drawing/2010/main" val="0"/>
+              </a:ext>
+            </a:extLst>
+          </a:blip>
+          <a:stretch>
+            <a:fillRect/>
+          </a:stretch>
+        </p:blipFill>
+        <p:spPr>
+          <a:xfrm>
+            <a:off x="6600748" y="2624889"/>
+            <a:ext cx="305746" cy="292736"/>
+          </a:xfrm>
+          <a:prstGeom prst="rect">
+            <a:avLst/>
+          </a:prstGeom>
+        </p:spPr>
+      </p:pic>
+      <p:pic>
+        <p:nvPicPr>
+          <p:cNvPr id="94" name="Image 93" descr="Image vectorielle gratuite: Étoiles, Jaune, Or, Noël, Shine - Image ..."/>
+          <p:cNvPicPr>
+            <a:picLocks noChangeAspect="1"/>
+          </p:cNvPicPr>
+          <p:nvPr/>
+        </p:nvPicPr>
+        <p:blipFill>
+          <a:blip r:embed="rId2" cstate="print">
+            <a:extLst>
+              <a:ext uri="{28A0092B-C50C-407E-A947-70E740481C1C}">
+                <a14:useLocalDpi xmlns:a14="http://schemas.microsoft.com/office/drawing/2010/main" val="0"/>
+              </a:ext>
+            </a:extLst>
+          </a:blip>
+          <a:stretch>
+            <a:fillRect/>
+          </a:stretch>
+        </p:blipFill>
+        <p:spPr>
+          <a:xfrm>
+            <a:off x="6295002" y="2999213"/>
+            <a:ext cx="305746" cy="292736"/>
+          </a:xfrm>
+          <a:prstGeom prst="rect">
+            <a:avLst/>
+          </a:prstGeom>
+        </p:spPr>
+      </p:pic>
+      <p:pic>
+        <p:nvPicPr>
+          <p:cNvPr id="95" name="Image 94" descr="Image vectorielle gratuite: Étoiles, Jaune, Or, Noël, Shine - Image ..."/>
+          <p:cNvPicPr>
+            <a:picLocks noChangeAspect="1"/>
+          </p:cNvPicPr>
+          <p:nvPr/>
+        </p:nvPicPr>
+        <p:blipFill>
+          <a:blip r:embed="rId2" cstate="print">
+            <a:extLst>
+              <a:ext uri="{28A0092B-C50C-407E-A947-70E740481C1C}">
+                <a14:useLocalDpi xmlns:a14="http://schemas.microsoft.com/office/drawing/2010/main" val="0"/>
+              </a:ext>
+            </a:extLst>
+          </a:blip>
+          <a:stretch>
+            <a:fillRect/>
+          </a:stretch>
+        </p:blipFill>
+        <p:spPr>
+          <a:xfrm>
+            <a:off x="5995507" y="3005733"/>
+            <a:ext cx="305746" cy="292736"/>
+          </a:xfrm>
+          <a:prstGeom prst="rect">
+            <a:avLst/>
+          </a:prstGeom>
+        </p:spPr>
+      </p:pic>
+      <p:pic>
+        <p:nvPicPr>
+          <p:cNvPr id="96" name="Image 95" descr="Image vectorielle gratuite: Étoiles, Jaune, Or, Noël, Shine - Image ..."/>
+          <p:cNvPicPr>
+            <a:picLocks noChangeAspect="1"/>
+          </p:cNvPicPr>
+          <p:nvPr/>
+        </p:nvPicPr>
+        <p:blipFill>
+          <a:blip r:embed="rId2" cstate="print">
+            <a:extLst>
+              <a:ext uri="{28A0092B-C50C-407E-A947-70E740481C1C}">
+                <a14:useLocalDpi xmlns:a14="http://schemas.microsoft.com/office/drawing/2010/main" val="0"/>
+              </a:ext>
+            </a:extLst>
+          </a:blip>
+          <a:stretch>
+            <a:fillRect/>
+          </a:stretch>
+        </p:blipFill>
+        <p:spPr>
+          <a:xfrm>
+            <a:off x="6600748" y="3005733"/>
+            <a:ext cx="305746" cy="292736"/>
+          </a:xfrm>
+          <a:prstGeom prst="rect">
+            <a:avLst/>
+          </a:prstGeom>
+        </p:spPr>
+      </p:pic>
+      <p:pic>
+        <p:nvPicPr>
+          <p:cNvPr id="97" name="Image 96" descr="Image vectorielle gratuite: Étoiles, Jaune, Or, Noël, Shine - Image ..."/>
+          <p:cNvPicPr>
+            <a:picLocks noChangeAspect="1"/>
+          </p:cNvPicPr>
+          <p:nvPr/>
+        </p:nvPicPr>
+        <p:blipFill>
+          <a:blip r:embed="rId2" cstate="print">
+            <a:extLst>
+              <a:ext uri="{28A0092B-C50C-407E-A947-70E740481C1C}">
+                <a14:useLocalDpi xmlns:a14="http://schemas.microsoft.com/office/drawing/2010/main" val="0"/>
+              </a:ext>
+            </a:extLst>
+          </a:blip>
+          <a:stretch>
+            <a:fillRect/>
+          </a:stretch>
+        </p:blipFill>
+        <p:spPr>
+          <a:xfrm>
+            <a:off x="6295002" y="3383437"/>
+            <a:ext cx="305746" cy="292736"/>
+          </a:xfrm>
+          <a:prstGeom prst="rect">
+            <a:avLst/>
+          </a:prstGeom>
+        </p:spPr>
+      </p:pic>
+      <p:pic>
+        <p:nvPicPr>
+          <p:cNvPr id="98" name="Image 97" descr="Image vectorielle gratuite: Étoiles, Jaune, Or, Noël, Shine - Image ..."/>
+          <p:cNvPicPr>
+            <a:picLocks noChangeAspect="1"/>
+          </p:cNvPicPr>
+          <p:nvPr/>
+        </p:nvPicPr>
+        <p:blipFill>
+          <a:blip r:embed="rId2" cstate="print">
+            <a:extLst>
+              <a:ext uri="{28A0092B-C50C-407E-A947-70E740481C1C}">
+                <a14:useLocalDpi xmlns:a14="http://schemas.microsoft.com/office/drawing/2010/main" val="0"/>
+              </a:ext>
+            </a:extLst>
+          </a:blip>
+          <a:stretch>
+            <a:fillRect/>
+          </a:stretch>
+        </p:blipFill>
+        <p:spPr>
+          <a:xfrm>
+            <a:off x="5995507" y="3389957"/>
+            <a:ext cx="305746" cy="292736"/>
+          </a:xfrm>
+          <a:prstGeom prst="rect">
+            <a:avLst/>
+          </a:prstGeom>
+        </p:spPr>
+      </p:pic>
+      <p:pic>
+        <p:nvPicPr>
+          <p:cNvPr id="99" name="Image 98" descr="Image vectorielle gratuite: Étoiles, Jaune, Or, Noël, Shine - Image ..."/>
+          <p:cNvPicPr>
+            <a:picLocks noChangeAspect="1"/>
+          </p:cNvPicPr>
+          <p:nvPr/>
+        </p:nvPicPr>
+        <p:blipFill>
+          <a:blip r:embed="rId2" cstate="print">
+            <a:extLst>
+              <a:ext uri="{28A0092B-C50C-407E-A947-70E740481C1C}">
+                <a14:useLocalDpi xmlns:a14="http://schemas.microsoft.com/office/drawing/2010/main" val="0"/>
+              </a:ext>
+            </a:extLst>
+          </a:blip>
+          <a:stretch>
+            <a:fillRect/>
+          </a:stretch>
+        </p:blipFill>
+        <p:spPr>
+          <a:xfrm>
+            <a:off x="6600748" y="3389957"/>
+            <a:ext cx="305746" cy="292736"/>
+          </a:xfrm>
+          <a:prstGeom prst="rect">
+            <a:avLst/>
+          </a:prstGeom>
+        </p:spPr>
+      </p:pic>
+      <p:pic>
+        <p:nvPicPr>
+          <p:cNvPr id="100" name="Image 99" descr="Image vectorielle gratuite: Étoiles, Jaune, Or, Noël, Shine - Image ..."/>
+          <p:cNvPicPr>
+            <a:picLocks noChangeAspect="1"/>
+          </p:cNvPicPr>
+          <p:nvPr/>
+        </p:nvPicPr>
+        <p:blipFill>
+          <a:blip r:embed="rId2" cstate="print">
+            <a:extLst>
+              <a:ext uri="{28A0092B-C50C-407E-A947-70E740481C1C}">
+                <a14:useLocalDpi xmlns:a14="http://schemas.microsoft.com/office/drawing/2010/main" val="0"/>
+              </a:ext>
+            </a:extLst>
+          </a:blip>
+          <a:stretch>
+            <a:fillRect/>
+          </a:stretch>
+        </p:blipFill>
+        <p:spPr>
+          <a:xfrm>
+            <a:off x="6317765" y="4145205"/>
+            <a:ext cx="305746" cy="292736"/>
+          </a:xfrm>
+          <a:prstGeom prst="rect">
+            <a:avLst/>
+          </a:prstGeom>
+        </p:spPr>
+      </p:pic>
+      <p:pic>
+        <p:nvPicPr>
+          <p:cNvPr id="101" name="Image 100" descr="Image vectorielle gratuite: Étoiles, Jaune, Or, Noël, Shine - Image ..."/>
+          <p:cNvPicPr>
+            <a:picLocks noChangeAspect="1"/>
+          </p:cNvPicPr>
+          <p:nvPr/>
+        </p:nvPicPr>
+        <p:blipFill>
+          <a:blip r:embed="rId2" cstate="print">
+            <a:extLst>
+              <a:ext uri="{28A0092B-C50C-407E-A947-70E740481C1C}">
+                <a14:useLocalDpi xmlns:a14="http://schemas.microsoft.com/office/drawing/2010/main" val="0"/>
+              </a:ext>
+            </a:extLst>
+          </a:blip>
+          <a:stretch>
+            <a:fillRect/>
+          </a:stretch>
+        </p:blipFill>
+        <p:spPr>
+          <a:xfrm>
+            <a:off x="6018270" y="4151725"/>
+            <a:ext cx="305746" cy="292736"/>
+          </a:xfrm>
+          <a:prstGeom prst="rect">
+            <a:avLst/>
+          </a:prstGeom>
+        </p:spPr>
+      </p:pic>
+      <p:pic>
+        <p:nvPicPr>
+          <p:cNvPr id="102" name="Image 101" descr="Image vectorielle gratuite: Étoiles, Jaune, Or, Noël, Shine - Image ..."/>
+          <p:cNvPicPr>
+            <a:picLocks noChangeAspect="1"/>
+          </p:cNvPicPr>
+          <p:nvPr/>
+        </p:nvPicPr>
+        <p:blipFill>
+          <a:blip r:embed="rId2" cstate="print">
+            <a:extLst>
+              <a:ext uri="{28A0092B-C50C-407E-A947-70E740481C1C}">
+                <a14:useLocalDpi xmlns:a14="http://schemas.microsoft.com/office/drawing/2010/main" val="0"/>
+              </a:ext>
+            </a:extLst>
+          </a:blip>
+          <a:stretch>
+            <a:fillRect/>
+          </a:stretch>
+        </p:blipFill>
+        <p:spPr>
+          <a:xfrm>
+            <a:off x="6623511" y="4151725"/>
+            <a:ext cx="305746" cy="292736"/>
+          </a:xfrm>
+          <a:prstGeom prst="rect">
+            <a:avLst/>
+          </a:prstGeom>
+        </p:spPr>
+      </p:pic>
+      <p:pic>
+        <p:nvPicPr>
+          <p:cNvPr id="106" name="Image 105" descr="Image vectorielle gratuite: Étoiles, Jaune, Or, Noël, Shine - Image ..."/>
+          <p:cNvPicPr>
+            <a:picLocks noChangeAspect="1"/>
+          </p:cNvPicPr>
+          <p:nvPr/>
+        </p:nvPicPr>
+        <p:blipFill>
+          <a:blip r:embed="rId2" cstate="print">
+            <a:extLst>
+              <a:ext uri="{28A0092B-C50C-407E-A947-70E740481C1C}">
+                <a14:useLocalDpi xmlns:a14="http://schemas.microsoft.com/office/drawing/2010/main" val="0"/>
+              </a:ext>
+            </a:extLst>
+          </a:blip>
+          <a:stretch>
+            <a:fillRect/>
+          </a:stretch>
+        </p:blipFill>
+        <p:spPr>
+          <a:xfrm>
+            <a:off x="6288436" y="4529678"/>
+            <a:ext cx="305746" cy="292736"/>
+          </a:xfrm>
+          <a:prstGeom prst="rect">
+            <a:avLst/>
+          </a:prstGeom>
+        </p:spPr>
+      </p:pic>
+      <p:pic>
+        <p:nvPicPr>
+          <p:cNvPr id="107" name="Image 106" descr="Image vectorielle gratuite: Étoiles, Jaune, Or, Noël, Shine - Image ..."/>
+          <p:cNvPicPr>
+            <a:picLocks noChangeAspect="1"/>
+          </p:cNvPicPr>
+          <p:nvPr/>
+        </p:nvPicPr>
+        <p:blipFill>
+          <a:blip r:embed="rId2" cstate="print">
+            <a:extLst>
+              <a:ext uri="{28A0092B-C50C-407E-A947-70E740481C1C}">
+                <a14:useLocalDpi xmlns:a14="http://schemas.microsoft.com/office/drawing/2010/main" val="0"/>
+              </a:ext>
+            </a:extLst>
+          </a:blip>
+          <a:stretch>
+            <a:fillRect/>
+          </a:stretch>
+        </p:blipFill>
+        <p:spPr>
+          <a:xfrm>
+            <a:off x="5988941" y="4536198"/>
+            <a:ext cx="305746" cy="292736"/>
+          </a:xfrm>
+          <a:prstGeom prst="rect">
+            <a:avLst/>
+          </a:prstGeom>
+        </p:spPr>
+      </p:pic>
+      <p:pic>
+        <p:nvPicPr>
+          <p:cNvPr id="108" name="Image 107" descr="Image vectorielle gratuite: Étoiles, Jaune, Or, Noël, Shine - Image ..."/>
+          <p:cNvPicPr>
+            <a:picLocks noChangeAspect="1"/>
+          </p:cNvPicPr>
+          <p:nvPr/>
+        </p:nvPicPr>
+        <p:blipFill>
+          <a:blip r:embed="rId2" cstate="print">
+            <a:extLst>
+              <a:ext uri="{28A0092B-C50C-407E-A947-70E740481C1C}">
+                <a14:useLocalDpi xmlns:a14="http://schemas.microsoft.com/office/drawing/2010/main" val="0"/>
+              </a:ext>
+            </a:extLst>
+          </a:blip>
+          <a:stretch>
+            <a:fillRect/>
+          </a:stretch>
+        </p:blipFill>
+        <p:spPr>
+          <a:xfrm>
+            <a:off x="6594182" y="4536198"/>
+            <a:ext cx="305746" cy="292736"/>
+          </a:xfrm>
+          <a:prstGeom prst="rect">
+            <a:avLst/>
+          </a:prstGeom>
+        </p:spPr>
+      </p:pic>
+      <p:pic>
+        <p:nvPicPr>
+          <p:cNvPr id="112" name="Image 111" descr="Image vectorielle gratuite: Étoiles, Jaune, Or, Noël, Shine - Image ..."/>
+          <p:cNvPicPr>
+            <a:picLocks noChangeAspect="1"/>
+          </p:cNvPicPr>
+          <p:nvPr/>
+        </p:nvPicPr>
+        <p:blipFill>
+          <a:blip r:embed="rId2" cstate="print">
+            <a:extLst>
+              <a:ext uri="{28A0092B-C50C-407E-A947-70E740481C1C}">
+                <a14:useLocalDpi xmlns:a14="http://schemas.microsoft.com/office/drawing/2010/main" val="0"/>
+              </a:ext>
+            </a:extLst>
+          </a:blip>
+          <a:stretch>
+            <a:fillRect/>
+          </a:stretch>
+        </p:blipFill>
+        <p:spPr>
+          <a:xfrm>
+            <a:off x="4577244" y="3412188"/>
+            <a:ext cx="305746" cy="292736"/>
+          </a:xfrm>
+          <a:prstGeom prst="rect">
+            <a:avLst/>
+          </a:prstGeom>
+        </p:spPr>
+      </p:pic>
+      <p:pic>
+        <p:nvPicPr>
+          <p:cNvPr id="113" name="Image 112" descr="Image vectorielle gratuite: Étoiles, Jaune, Or, Noël, Shine - Image ..."/>
+          <p:cNvPicPr>
+            <a:picLocks noChangeAspect="1"/>
+          </p:cNvPicPr>
+          <p:nvPr/>
+        </p:nvPicPr>
+        <p:blipFill>
+          <a:blip r:embed="rId2" cstate="print">
+            <a:extLst>
+              <a:ext uri="{28A0092B-C50C-407E-A947-70E740481C1C}">
+                <a14:useLocalDpi xmlns:a14="http://schemas.microsoft.com/office/drawing/2010/main" val="0"/>
+              </a:ext>
+            </a:extLst>
+          </a:blip>
+          <a:stretch>
+            <a:fillRect/>
+          </a:stretch>
+        </p:blipFill>
+        <p:spPr>
+          <a:xfrm>
+            <a:off x="4261567" y="3409566"/>
+            <a:ext cx="305746" cy="292736"/>
+          </a:xfrm>
+          <a:prstGeom prst="rect">
+            <a:avLst/>
+          </a:prstGeom>
+        </p:spPr>
+      </p:pic>
+      <p:pic>
+        <p:nvPicPr>
+          <p:cNvPr id="114" name="Image 113" descr="Image vectorielle gratuite: Étoiles, Jaune, Or, Noël, Shine - Image ..."/>
+          <p:cNvPicPr>
+            <a:picLocks noChangeAspect="1"/>
+          </p:cNvPicPr>
+          <p:nvPr/>
+        </p:nvPicPr>
+        <p:blipFill>
+          <a:blip r:embed="rId2" cstate="print">
+            <a:extLst>
+              <a:ext uri="{28A0092B-C50C-407E-A947-70E740481C1C}">
+                <a14:useLocalDpi xmlns:a14="http://schemas.microsoft.com/office/drawing/2010/main" val="0"/>
+              </a:ext>
+            </a:extLst>
+          </a:blip>
+          <a:stretch>
+            <a:fillRect/>
+          </a:stretch>
+        </p:blipFill>
+        <p:spPr>
+          <a:xfrm>
+            <a:off x="4884283" y="3411650"/>
+            <a:ext cx="305746" cy="292736"/>
+          </a:xfrm>
+          <a:prstGeom prst="rect">
+            <a:avLst/>
+          </a:prstGeom>
+        </p:spPr>
+      </p:pic>
+      <p:pic>
+        <p:nvPicPr>
+          <p:cNvPr id="116" name="Image 115" descr="Free vector graphic: &lt;strong&gt;X&lt;/strong&gt;, Red, Mark, Incorrect - Free Image on Pixabay ..."/>
+          <p:cNvPicPr>
+            <a:picLocks noChangeAspect="1"/>
+          </p:cNvPicPr>
+          <p:nvPr/>
+        </p:nvPicPr>
+        <p:blipFill>
+          <a:blip r:embed="rId4" cstate="print">
+            <a:extLst>
+              <a:ext uri="{28A0092B-C50C-407E-A947-70E740481C1C}">
+                <a14:useLocalDpi xmlns:a14="http://schemas.microsoft.com/office/drawing/2010/main" val="0"/>
+              </a:ext>
+            </a:extLst>
+          </a:blip>
+          <a:stretch>
+            <a:fillRect/>
+          </a:stretch>
+        </p:blipFill>
+        <p:spPr>
+          <a:xfrm>
+            <a:off x="8582951" y="2569857"/>
+            <a:ext cx="317175" cy="317175"/>
+          </a:xfrm>
+          <a:prstGeom prst="rect">
+            <a:avLst/>
+          </a:prstGeom>
+        </p:spPr>
+      </p:pic>
+      <p:pic>
+        <p:nvPicPr>
+          <p:cNvPr id="117" name="Image 116" descr="Archivo:Gtk-&lt;strong&gt;ok&lt;/strong&gt;.svg - Wikipedia, la enciclopedia libre"/>
+          <p:cNvPicPr>
+            <a:picLocks noChangeAspect="1"/>
+          </p:cNvPicPr>
+          <p:nvPr/>
+        </p:nvPicPr>
+        <p:blipFill>
+          <a:blip r:embed="rId3" cstate="print">
+            <a:extLst>
+              <a:ext uri="{28A0092B-C50C-407E-A947-70E740481C1C}">
+                <a14:useLocalDpi xmlns:a14="http://schemas.microsoft.com/office/drawing/2010/main" val="0"/>
+              </a:ext>
+            </a:extLst>
+          </a:blip>
+          <a:stretch>
+            <a:fillRect/>
+          </a:stretch>
+        </p:blipFill>
+        <p:spPr>
+          <a:xfrm>
+            <a:off x="9631368" y="2487120"/>
+            <a:ext cx="445316" cy="445316"/>
+          </a:xfrm>
+          <a:prstGeom prst="rect">
+            <a:avLst/>
+          </a:prstGeom>
+        </p:spPr>
+      </p:pic>
+      <p:sp>
+        <p:nvSpPr>
+          <p:cNvPr id="3" name="ZoneTexte 2"/>
+          <p:cNvSpPr txBox="1"/>
+          <p:nvPr/>
+        </p:nvSpPr>
+        <p:spPr>
+          <a:xfrm>
+            <a:off x="20621" y="5452957"/>
+            <a:ext cx="8007658" cy="646331"/>
+          </a:xfrm>
+          <a:prstGeom prst="rect">
+            <a:avLst/>
+          </a:prstGeom>
+          <a:noFill/>
+        </p:spPr>
+        <p:txBody>
+          <a:bodyPr wrap="square" rtlCol="0">
+            <a:spAutoFit/>
+          </a:bodyPr>
+          <a:lstStyle/>
+          <a:p>
+            <a:r>
+              <a:rPr lang="fr-CA" dirty="0">
+                <a:latin typeface="Segoe UI" panose="020B0502040204020203" pitchFamily="34" charset="0"/>
+                <a:cs typeface="Segoe UI" panose="020B0502040204020203" pitchFamily="34" charset="0"/>
+              </a:rPr>
+              <a:t>- Ils supportent tous l’</a:t>
+            </a:r>
+            <a:r>
+              <a:rPr lang="fr-CA" dirty="0" err="1">
+                <a:latin typeface="Segoe UI" panose="020B0502040204020203" pitchFamily="34" charset="0"/>
+                <a:cs typeface="Segoe UI" panose="020B0502040204020203" pitchFamily="34" charset="0"/>
+              </a:rPr>
+              <a:t>éxécution</a:t>
+            </a:r>
+            <a:r>
+              <a:rPr lang="fr-CA" dirty="0">
+                <a:latin typeface="Segoe UI" panose="020B0502040204020203" pitchFamily="34" charset="0"/>
+                <a:cs typeface="Segoe UI" panose="020B0502040204020203" pitchFamily="34" charset="0"/>
+              </a:rPr>
+              <a:t> des procédures stockées, vues, fonctions</a:t>
+            </a:r>
+          </a:p>
+          <a:p>
+            <a:r>
+              <a:rPr lang="fr-CA" dirty="0">
+                <a:latin typeface="Segoe UI" panose="020B0502040204020203" pitchFamily="34" charset="0"/>
+                <a:cs typeface="Segoe UI" panose="020B0502040204020203" pitchFamily="34" charset="0"/>
+              </a:rPr>
+              <a:t>- Ils sont tous protégés des injection SQL (</a:t>
+            </a:r>
+            <a:r>
+              <a:rPr lang="fr-CA" dirty="0" err="1">
+                <a:latin typeface="Segoe UI" panose="020B0502040204020203" pitchFamily="34" charset="0"/>
+                <a:cs typeface="Segoe UI" panose="020B0502040204020203" pitchFamily="34" charset="0"/>
+              </a:rPr>
+              <a:t>paramétrisation</a:t>
+            </a:r>
+            <a:r>
+              <a:rPr lang="fr-CA" dirty="0">
+                <a:latin typeface="Segoe UI" panose="020B0502040204020203" pitchFamily="34" charset="0"/>
+                <a:cs typeface="Segoe UI" panose="020B0502040204020203" pitchFamily="34" charset="0"/>
+              </a:rPr>
+              <a:t> des requêtes)</a:t>
+            </a:r>
+            <a:endParaRPr lang="fr-FR" dirty="0">
+              <a:latin typeface="Segoe UI" panose="020B0502040204020203" pitchFamily="34" charset="0"/>
+              <a:cs typeface="Segoe UI" panose="020B0502040204020203" pitchFamily="34" charset="0"/>
+            </a:endParaRPr>
+          </a:p>
+        </p:txBody>
+      </p:sp>
+      <p:pic>
+        <p:nvPicPr>
+          <p:cNvPr id="83" name="Image 82" descr="Archivo:Gtk-&lt;strong&gt;ok&lt;/strong&gt;.svg - Wikipedia, la enciclopedia libre"/>
+          <p:cNvPicPr>
+            <a:picLocks noChangeAspect="1"/>
+          </p:cNvPicPr>
+          <p:nvPr/>
+        </p:nvPicPr>
+        <p:blipFill>
+          <a:blip r:embed="rId3" cstate="print">
+            <a:extLst>
+              <a:ext uri="{28A0092B-C50C-407E-A947-70E740481C1C}">
+                <a14:useLocalDpi xmlns:a14="http://schemas.microsoft.com/office/drawing/2010/main" val="0"/>
+              </a:ext>
+            </a:extLst>
+          </a:blip>
+          <a:stretch>
+            <a:fillRect/>
+          </a:stretch>
+        </p:blipFill>
+        <p:spPr>
+          <a:xfrm>
+            <a:off x="11358216" y="2070123"/>
+            <a:ext cx="445316" cy="445316"/>
+          </a:xfrm>
+          <a:prstGeom prst="rect">
+            <a:avLst/>
+          </a:prstGeom>
+        </p:spPr>
+      </p:pic>
+      <p:pic>
+        <p:nvPicPr>
+          <p:cNvPr id="84" name="Image 83" descr="Free vector graphic: &lt;strong&gt;X&lt;/strong&gt;, Red, Mark, Incorrect - Free Image on Pixabay ..."/>
+          <p:cNvPicPr>
+            <a:picLocks noChangeAspect="1"/>
+          </p:cNvPicPr>
+          <p:nvPr/>
+        </p:nvPicPr>
+        <p:blipFill>
+          <a:blip r:embed="rId4" cstate="print">
+            <a:extLst>
+              <a:ext uri="{28A0092B-C50C-407E-A947-70E740481C1C}">
+                <a14:useLocalDpi xmlns:a14="http://schemas.microsoft.com/office/drawing/2010/main" val="0"/>
+              </a:ext>
+            </a:extLst>
+          </a:blip>
+          <a:stretch>
+            <a:fillRect/>
+          </a:stretch>
+        </p:blipFill>
+        <p:spPr>
+          <a:xfrm>
+            <a:off x="11358216" y="3733634"/>
             <a:ext cx="317175" cy="317175"/>
           </a:xfrm>
           <a:prstGeom prst="rect">
@@ -9900,7 +12302,7 @@
         </p:blipFill>
         <p:spPr>
           <a:xfrm>
-            <a:off x="10339664" y="4481982"/>
+            <a:off x="11323559" y="2887032"/>
             <a:ext cx="445316" cy="445316"/>
           </a:xfrm>
           <a:prstGeom prst="rect">
@@ -9910,14 +12312,14 @@
       </p:pic>
       <p:pic>
         <p:nvPicPr>
-          <p:cNvPr id="87" name="Image 86" descr="Archivo:Gtk-&lt;strong&gt;ok&lt;/strong&gt;.svg - Wikipedia, la enciclopedia libre"/>
+          <p:cNvPr id="16" name="Image 15"/>
           <p:cNvPicPr>
             <a:picLocks noChangeAspect="1"/>
           </p:cNvPicPr>
           <p:nvPr/>
         </p:nvPicPr>
         <p:blipFill>
-          <a:blip r:embed="rId3" cstate="print">
+          <a:blip r:embed="rId5" cstate="print">
             <a:extLst>
               <a:ext uri="{28A0092B-C50C-407E-A947-70E740481C1C}">
                 <a14:useLocalDpi xmlns:a14="http://schemas.microsoft.com/office/drawing/2010/main" val="0"/>
@@ -9930,8 +12332,8 @@
         </p:blipFill>
         <p:spPr>
           <a:xfrm>
-            <a:off x="10351120" y="4873540"/>
-            <a:ext cx="445316" cy="445316"/>
+            <a:off x="11341434" y="2533123"/>
+            <a:ext cx="424474" cy="424474"/>
           </a:xfrm>
           <a:prstGeom prst="rect">
             <a:avLst/>
@@ -9940,14 +12342,14 @@
       </p:pic>
       <p:pic>
         <p:nvPicPr>
-          <p:cNvPr id="88" name="Image 87" descr="Archivo:Gtk-&lt;strong&gt;ok&lt;/strong&gt;.svg - Wikipedia, la enciclopedia libre"/>
+          <p:cNvPr id="18" name="Image 17"/>
           <p:cNvPicPr>
             <a:picLocks noChangeAspect="1"/>
           </p:cNvPicPr>
           <p:nvPr/>
         </p:nvPicPr>
         <p:blipFill>
-          <a:blip r:embed="rId3" cstate="print">
+          <a:blip r:embed="rId6" cstate="print">
             <a:extLst>
               <a:ext uri="{28A0092B-C50C-407E-A947-70E740481C1C}">
                 <a14:useLocalDpi xmlns:a14="http://schemas.microsoft.com/office/drawing/2010/main" val="0"/>
@@ -9960,8 +12362,8 @@
         </p:blipFill>
         <p:spPr>
           <a:xfrm>
-            <a:off x="11320892" y="4873540"/>
-            <a:ext cx="445316" cy="445316"/>
+            <a:off x="11341434" y="3318732"/>
+            <a:ext cx="371999" cy="371999"/>
           </a:xfrm>
           <a:prstGeom prst="rect">
             <a:avLst/>
@@ -9970,14 +12372,14 @@
       </p:pic>
       <p:pic>
         <p:nvPicPr>
-          <p:cNvPr id="89" name="Image 88" descr="Image vectorielle gratuite: Étoiles, Jaune, Or, Noël, Shine - Image ..."/>
+          <p:cNvPr id="103" name="Image 102"/>
           <p:cNvPicPr>
             <a:picLocks noChangeAspect="1"/>
           </p:cNvPicPr>
           <p:nvPr/>
         </p:nvPicPr>
         <p:blipFill>
-          <a:blip r:embed="rId2" cstate="print">
+          <a:blip r:embed="rId6" cstate="print">
             <a:extLst>
               <a:ext uri="{28A0092B-C50C-407E-A947-70E740481C1C}">
                 <a14:useLocalDpi xmlns:a14="http://schemas.microsoft.com/office/drawing/2010/main" val="0"/>
@@ -9990,8 +12392,8 @@
         </p:blipFill>
         <p:spPr>
           <a:xfrm>
-            <a:off x="6849095" y="2197383"/>
-            <a:ext cx="305746" cy="292736"/>
+            <a:off x="11341434" y="4072462"/>
+            <a:ext cx="371999" cy="371999"/>
           </a:xfrm>
           <a:prstGeom prst="rect">
             <a:avLst/>
@@ -10000,14 +12402,14 @@
       </p:pic>
       <p:pic>
         <p:nvPicPr>
-          <p:cNvPr id="90" name="Image 89" descr="Image vectorielle gratuite: Étoiles, Jaune, Or, Noël, Shine - Image ..."/>
+          <p:cNvPr id="104" name="Image 103"/>
           <p:cNvPicPr>
             <a:picLocks noChangeAspect="1"/>
           </p:cNvPicPr>
           <p:nvPr/>
         </p:nvPicPr>
         <p:blipFill>
-          <a:blip r:embed="rId2" cstate="print">
+          <a:blip r:embed="rId6" cstate="print">
             <a:extLst>
               <a:ext uri="{28A0092B-C50C-407E-A947-70E740481C1C}">
                 <a14:useLocalDpi xmlns:a14="http://schemas.microsoft.com/office/drawing/2010/main" val="0"/>
@@ -10020,428 +12422,8 @@
         </p:blipFill>
         <p:spPr>
           <a:xfrm>
-            <a:off x="6849095" y="3791365"/>
-            <a:ext cx="305746" cy="292736"/>
-          </a:xfrm>
-          <a:prstGeom prst="rect">
-            <a:avLst/>
-          </a:prstGeom>
-        </p:spPr>
-      </p:pic>
-      <p:pic>
-        <p:nvPicPr>
-          <p:cNvPr id="91" name="Image 90" descr="Image vectorielle gratuite: Étoiles, Jaune, Or, Noël, Shine - Image ..."/>
-          <p:cNvPicPr>
-            <a:picLocks noChangeAspect="1"/>
-          </p:cNvPicPr>
-          <p:nvPr/>
-        </p:nvPicPr>
-        <p:blipFill>
-          <a:blip r:embed="rId2" cstate="print">
-            <a:extLst>
-              <a:ext uri="{28A0092B-C50C-407E-A947-70E740481C1C}">
-                <a14:useLocalDpi xmlns:a14="http://schemas.microsoft.com/office/drawing/2010/main" val="0"/>
-              </a:ext>
-            </a:extLst>
-          </a:blip>
-          <a:stretch>
-            <a:fillRect/>
-          </a:stretch>
-        </p:blipFill>
-        <p:spPr>
-          <a:xfrm>
-            <a:off x="6844561" y="2642620"/>
-            <a:ext cx="305746" cy="292736"/>
-          </a:xfrm>
-          <a:prstGeom prst="rect">
-            <a:avLst/>
-          </a:prstGeom>
-        </p:spPr>
-      </p:pic>
-      <p:pic>
-        <p:nvPicPr>
-          <p:cNvPr id="92" name="Image 91" descr="Image vectorielle gratuite: Étoiles, Jaune, Or, Noël, Shine - Image ..."/>
-          <p:cNvPicPr>
-            <a:picLocks noChangeAspect="1"/>
-          </p:cNvPicPr>
-          <p:nvPr/>
-        </p:nvPicPr>
-        <p:blipFill>
-          <a:blip r:embed="rId2" cstate="print">
-            <a:extLst>
-              <a:ext uri="{28A0092B-C50C-407E-A947-70E740481C1C}">
-                <a14:useLocalDpi xmlns:a14="http://schemas.microsoft.com/office/drawing/2010/main" val="0"/>
-              </a:ext>
-            </a:extLst>
-          </a:blip>
-          <a:stretch>
-            <a:fillRect/>
-          </a:stretch>
-        </p:blipFill>
-        <p:spPr>
-          <a:xfrm>
-            <a:off x="6545066" y="2649140"/>
-            <a:ext cx="305746" cy="292736"/>
-          </a:xfrm>
-          <a:prstGeom prst="rect">
-            <a:avLst/>
-          </a:prstGeom>
-        </p:spPr>
-      </p:pic>
-      <p:pic>
-        <p:nvPicPr>
-          <p:cNvPr id="93" name="Image 92" descr="Image vectorielle gratuite: Étoiles, Jaune, Or, Noël, Shine - Image ..."/>
-          <p:cNvPicPr>
-            <a:picLocks noChangeAspect="1"/>
-          </p:cNvPicPr>
-          <p:nvPr/>
-        </p:nvPicPr>
-        <p:blipFill>
-          <a:blip r:embed="rId2" cstate="print">
-            <a:extLst>
-              <a:ext uri="{28A0092B-C50C-407E-A947-70E740481C1C}">
-                <a14:useLocalDpi xmlns:a14="http://schemas.microsoft.com/office/drawing/2010/main" val="0"/>
-              </a:ext>
-            </a:extLst>
-          </a:blip>
-          <a:stretch>
-            <a:fillRect/>
-          </a:stretch>
-        </p:blipFill>
-        <p:spPr>
-          <a:xfrm>
-            <a:off x="7150307" y="2649140"/>
-            <a:ext cx="305746" cy="292736"/>
-          </a:xfrm>
-          <a:prstGeom prst="rect">
-            <a:avLst/>
-          </a:prstGeom>
-        </p:spPr>
-      </p:pic>
-      <p:pic>
-        <p:nvPicPr>
-          <p:cNvPr id="94" name="Image 93" descr="Image vectorielle gratuite: Étoiles, Jaune, Or, Noël, Shine - Image ..."/>
-          <p:cNvPicPr>
-            <a:picLocks noChangeAspect="1"/>
-          </p:cNvPicPr>
-          <p:nvPr/>
-        </p:nvPicPr>
-        <p:blipFill>
-          <a:blip r:embed="rId2" cstate="print">
-            <a:extLst>
-              <a:ext uri="{28A0092B-C50C-407E-A947-70E740481C1C}">
-                <a14:useLocalDpi xmlns:a14="http://schemas.microsoft.com/office/drawing/2010/main" val="0"/>
-              </a:ext>
-            </a:extLst>
-          </a:blip>
-          <a:stretch>
-            <a:fillRect/>
-          </a:stretch>
-        </p:blipFill>
-        <p:spPr>
-          <a:xfrm>
-            <a:off x="6844561" y="3023464"/>
-            <a:ext cx="305746" cy="292736"/>
-          </a:xfrm>
-          <a:prstGeom prst="rect">
-            <a:avLst/>
-          </a:prstGeom>
-        </p:spPr>
-      </p:pic>
-      <p:pic>
-        <p:nvPicPr>
-          <p:cNvPr id="95" name="Image 94" descr="Image vectorielle gratuite: Étoiles, Jaune, Or, Noël, Shine - Image ..."/>
-          <p:cNvPicPr>
-            <a:picLocks noChangeAspect="1"/>
-          </p:cNvPicPr>
-          <p:nvPr/>
-        </p:nvPicPr>
-        <p:blipFill>
-          <a:blip r:embed="rId2" cstate="print">
-            <a:extLst>
-              <a:ext uri="{28A0092B-C50C-407E-A947-70E740481C1C}">
-                <a14:useLocalDpi xmlns:a14="http://schemas.microsoft.com/office/drawing/2010/main" val="0"/>
-              </a:ext>
-            </a:extLst>
-          </a:blip>
-          <a:stretch>
-            <a:fillRect/>
-          </a:stretch>
-        </p:blipFill>
-        <p:spPr>
-          <a:xfrm>
-            <a:off x="6545066" y="3029984"/>
-            <a:ext cx="305746" cy="292736"/>
-          </a:xfrm>
-          <a:prstGeom prst="rect">
-            <a:avLst/>
-          </a:prstGeom>
-        </p:spPr>
-      </p:pic>
-      <p:pic>
-        <p:nvPicPr>
-          <p:cNvPr id="96" name="Image 95" descr="Image vectorielle gratuite: Étoiles, Jaune, Or, Noël, Shine - Image ..."/>
-          <p:cNvPicPr>
-            <a:picLocks noChangeAspect="1"/>
-          </p:cNvPicPr>
-          <p:nvPr/>
-        </p:nvPicPr>
-        <p:blipFill>
-          <a:blip r:embed="rId2" cstate="print">
-            <a:extLst>
-              <a:ext uri="{28A0092B-C50C-407E-A947-70E740481C1C}">
-                <a14:useLocalDpi xmlns:a14="http://schemas.microsoft.com/office/drawing/2010/main" val="0"/>
-              </a:ext>
-            </a:extLst>
-          </a:blip>
-          <a:stretch>
-            <a:fillRect/>
-          </a:stretch>
-        </p:blipFill>
-        <p:spPr>
-          <a:xfrm>
-            <a:off x="7150307" y="3029984"/>
-            <a:ext cx="305746" cy="292736"/>
-          </a:xfrm>
-          <a:prstGeom prst="rect">
-            <a:avLst/>
-          </a:prstGeom>
-        </p:spPr>
-      </p:pic>
-      <p:pic>
-        <p:nvPicPr>
-          <p:cNvPr id="97" name="Image 96" descr="Image vectorielle gratuite: Étoiles, Jaune, Or, Noël, Shine - Image ..."/>
-          <p:cNvPicPr>
-            <a:picLocks noChangeAspect="1"/>
-          </p:cNvPicPr>
-          <p:nvPr/>
-        </p:nvPicPr>
-        <p:blipFill>
-          <a:blip r:embed="rId2" cstate="print">
-            <a:extLst>
-              <a:ext uri="{28A0092B-C50C-407E-A947-70E740481C1C}">
-                <a14:useLocalDpi xmlns:a14="http://schemas.microsoft.com/office/drawing/2010/main" val="0"/>
-              </a:ext>
-            </a:extLst>
-          </a:blip>
-          <a:stretch>
-            <a:fillRect/>
-          </a:stretch>
-        </p:blipFill>
-        <p:spPr>
-          <a:xfrm>
-            <a:off x="6844561" y="3407688"/>
-            <a:ext cx="305746" cy="292736"/>
-          </a:xfrm>
-          <a:prstGeom prst="rect">
-            <a:avLst/>
-          </a:prstGeom>
-        </p:spPr>
-      </p:pic>
-      <p:pic>
-        <p:nvPicPr>
-          <p:cNvPr id="98" name="Image 97" descr="Image vectorielle gratuite: Étoiles, Jaune, Or, Noël, Shine - Image ..."/>
-          <p:cNvPicPr>
-            <a:picLocks noChangeAspect="1"/>
-          </p:cNvPicPr>
-          <p:nvPr/>
-        </p:nvPicPr>
-        <p:blipFill>
-          <a:blip r:embed="rId2" cstate="print">
-            <a:extLst>
-              <a:ext uri="{28A0092B-C50C-407E-A947-70E740481C1C}">
-                <a14:useLocalDpi xmlns:a14="http://schemas.microsoft.com/office/drawing/2010/main" val="0"/>
-              </a:ext>
-            </a:extLst>
-          </a:blip>
-          <a:stretch>
-            <a:fillRect/>
-          </a:stretch>
-        </p:blipFill>
-        <p:spPr>
-          <a:xfrm>
-            <a:off x="6545066" y="3414208"/>
-            <a:ext cx="305746" cy="292736"/>
-          </a:xfrm>
-          <a:prstGeom prst="rect">
-            <a:avLst/>
-          </a:prstGeom>
-        </p:spPr>
-      </p:pic>
-      <p:pic>
-        <p:nvPicPr>
-          <p:cNvPr id="99" name="Image 98" descr="Image vectorielle gratuite: Étoiles, Jaune, Or, Noël, Shine - Image ..."/>
-          <p:cNvPicPr>
-            <a:picLocks noChangeAspect="1"/>
-          </p:cNvPicPr>
-          <p:nvPr/>
-        </p:nvPicPr>
-        <p:blipFill>
-          <a:blip r:embed="rId2" cstate="print">
-            <a:extLst>
-              <a:ext uri="{28A0092B-C50C-407E-A947-70E740481C1C}">
-                <a14:useLocalDpi xmlns:a14="http://schemas.microsoft.com/office/drawing/2010/main" val="0"/>
-              </a:ext>
-            </a:extLst>
-          </a:blip>
-          <a:stretch>
-            <a:fillRect/>
-          </a:stretch>
-        </p:blipFill>
-        <p:spPr>
-          <a:xfrm>
-            <a:off x="7150307" y="3414208"/>
-            <a:ext cx="305746" cy="292736"/>
-          </a:xfrm>
-          <a:prstGeom prst="rect">
-            <a:avLst/>
-          </a:prstGeom>
-        </p:spPr>
-      </p:pic>
-      <p:pic>
-        <p:nvPicPr>
-          <p:cNvPr id="100" name="Image 99" descr="Image vectorielle gratuite: Étoiles, Jaune, Or, Noël, Shine - Image ..."/>
-          <p:cNvPicPr>
-            <a:picLocks noChangeAspect="1"/>
-          </p:cNvPicPr>
-          <p:nvPr/>
-        </p:nvPicPr>
-        <p:blipFill>
-          <a:blip r:embed="rId2" cstate="print">
-            <a:extLst>
-              <a:ext uri="{28A0092B-C50C-407E-A947-70E740481C1C}">
-                <a14:useLocalDpi xmlns:a14="http://schemas.microsoft.com/office/drawing/2010/main" val="0"/>
-              </a:ext>
-            </a:extLst>
-          </a:blip>
-          <a:stretch>
-            <a:fillRect/>
-          </a:stretch>
-        </p:blipFill>
-        <p:spPr>
-          <a:xfrm>
-            <a:off x="6866765" y="4178980"/>
-            <a:ext cx="305746" cy="292736"/>
-          </a:xfrm>
-          <a:prstGeom prst="rect">
-            <a:avLst/>
-          </a:prstGeom>
-        </p:spPr>
-      </p:pic>
-      <p:pic>
-        <p:nvPicPr>
-          <p:cNvPr id="101" name="Image 100" descr="Image vectorielle gratuite: Étoiles, Jaune, Or, Noël, Shine - Image ..."/>
-          <p:cNvPicPr>
-            <a:picLocks noChangeAspect="1"/>
-          </p:cNvPicPr>
-          <p:nvPr/>
-        </p:nvPicPr>
-        <p:blipFill>
-          <a:blip r:embed="rId2" cstate="print">
-            <a:extLst>
-              <a:ext uri="{28A0092B-C50C-407E-A947-70E740481C1C}">
-                <a14:useLocalDpi xmlns:a14="http://schemas.microsoft.com/office/drawing/2010/main" val="0"/>
-              </a:ext>
-            </a:extLst>
-          </a:blip>
-          <a:stretch>
-            <a:fillRect/>
-          </a:stretch>
-        </p:blipFill>
-        <p:spPr>
-          <a:xfrm>
-            <a:off x="6567270" y="4185500"/>
-            <a:ext cx="305746" cy="292736"/>
-          </a:xfrm>
-          <a:prstGeom prst="rect">
-            <a:avLst/>
-          </a:prstGeom>
-        </p:spPr>
-      </p:pic>
-      <p:pic>
-        <p:nvPicPr>
-          <p:cNvPr id="102" name="Image 101" descr="Image vectorielle gratuite: Étoiles, Jaune, Or, Noël, Shine - Image ..."/>
-          <p:cNvPicPr>
-            <a:picLocks noChangeAspect="1"/>
-          </p:cNvPicPr>
-          <p:nvPr/>
-        </p:nvPicPr>
-        <p:blipFill>
-          <a:blip r:embed="rId2" cstate="print">
-            <a:extLst>
-              <a:ext uri="{28A0092B-C50C-407E-A947-70E740481C1C}">
-                <a14:useLocalDpi xmlns:a14="http://schemas.microsoft.com/office/drawing/2010/main" val="0"/>
-              </a:ext>
-            </a:extLst>
-          </a:blip>
-          <a:stretch>
-            <a:fillRect/>
-          </a:stretch>
-        </p:blipFill>
-        <p:spPr>
-          <a:xfrm>
-            <a:off x="7172511" y="4185500"/>
-            <a:ext cx="305746" cy="292736"/>
-          </a:xfrm>
-          <a:prstGeom prst="rect">
-            <a:avLst/>
-          </a:prstGeom>
-        </p:spPr>
-      </p:pic>
-      <p:pic>
-        <p:nvPicPr>
-          <p:cNvPr id="103" name="Image 102" descr="Image vectorielle gratuite: Étoiles, Jaune, Or, Noël, Shine - Image ..."/>
-          <p:cNvPicPr>
-            <a:picLocks noChangeAspect="1"/>
-          </p:cNvPicPr>
-          <p:nvPr/>
-        </p:nvPicPr>
-        <p:blipFill>
-          <a:blip r:embed="rId2" cstate="print">
-            <a:extLst>
-              <a:ext uri="{28A0092B-C50C-407E-A947-70E740481C1C}">
-                <a14:useLocalDpi xmlns:a14="http://schemas.microsoft.com/office/drawing/2010/main" val="0"/>
-              </a:ext>
-            </a:extLst>
-          </a:blip>
-          <a:stretch>
-            <a:fillRect/>
-          </a:stretch>
-        </p:blipFill>
-        <p:spPr>
-          <a:xfrm>
-            <a:off x="6866765" y="4567581"/>
-            <a:ext cx="305746" cy="292736"/>
-          </a:xfrm>
-          <a:prstGeom prst="rect">
-            <a:avLst/>
-          </a:prstGeom>
-        </p:spPr>
-      </p:pic>
-      <p:pic>
-        <p:nvPicPr>
-          <p:cNvPr id="104" name="Image 103" descr="Image vectorielle gratuite: Étoiles, Jaune, Or, Noël, Shine - Image ..."/>
-          <p:cNvPicPr>
-            <a:picLocks noChangeAspect="1"/>
-          </p:cNvPicPr>
-          <p:nvPr/>
-        </p:nvPicPr>
-        <p:blipFill>
-          <a:blip r:embed="rId2" cstate="print">
-            <a:extLst>
-              <a:ext uri="{28A0092B-C50C-407E-A947-70E740481C1C}">
-                <a14:useLocalDpi xmlns:a14="http://schemas.microsoft.com/office/drawing/2010/main" val="0"/>
-              </a:ext>
-            </a:extLst>
-          </a:blip>
-          <a:stretch>
-            <a:fillRect/>
-          </a:stretch>
-        </p:blipFill>
-        <p:spPr>
-          <a:xfrm>
-            <a:off x="6567270" y="4574101"/>
-            <a:ext cx="305746" cy="292736"/>
+            <a:off x="11341434" y="4483311"/>
+            <a:ext cx="371999" cy="371999"/>
           </a:xfrm>
           <a:prstGeom prst="rect">
             <a:avLst/>
@@ -10470,7 +12452,7 @@
         </p:blipFill>
         <p:spPr>
           <a:xfrm>
-            <a:off x="7172511" y="4574101"/>
+            <a:off x="3061613" y="4560030"/>
             <a:ext cx="305746" cy="292736"/>
           </a:xfrm>
           <a:prstGeom prst="rect">
@@ -10480,7 +12462,7 @@
       </p:pic>
       <p:pic>
         <p:nvPicPr>
-          <p:cNvPr id="106" name="Image 105" descr="Image vectorielle gratuite: Étoiles, Jaune, Or, Noël, Shine - Image ..."/>
+          <p:cNvPr id="115" name="Image 114" descr="Image vectorielle gratuite: Étoiles, Jaune, Or, Noël, Shine - Image ..."/>
           <p:cNvPicPr>
             <a:picLocks noChangeAspect="1"/>
           </p:cNvPicPr>
@@ -10500,218 +12482,8 @@
         </p:blipFill>
         <p:spPr>
           <a:xfrm>
-            <a:off x="6844778" y="4952508"/>
+            <a:off x="2755867" y="4556275"/>
             <a:ext cx="305746" cy="292736"/>
-          </a:xfrm>
-          <a:prstGeom prst="rect">
-            <a:avLst/>
-          </a:prstGeom>
-        </p:spPr>
-      </p:pic>
-      <p:pic>
-        <p:nvPicPr>
-          <p:cNvPr id="107" name="Image 106" descr="Image vectorielle gratuite: Étoiles, Jaune, Or, Noël, Shine - Image ..."/>
-          <p:cNvPicPr>
-            <a:picLocks noChangeAspect="1"/>
-          </p:cNvPicPr>
-          <p:nvPr/>
-        </p:nvPicPr>
-        <p:blipFill>
-          <a:blip r:embed="rId2" cstate="print">
-            <a:extLst>
-              <a:ext uri="{28A0092B-C50C-407E-A947-70E740481C1C}">
-                <a14:useLocalDpi xmlns:a14="http://schemas.microsoft.com/office/drawing/2010/main" val="0"/>
-              </a:ext>
-            </a:extLst>
-          </a:blip>
-          <a:stretch>
-            <a:fillRect/>
-          </a:stretch>
-        </p:blipFill>
-        <p:spPr>
-          <a:xfrm>
-            <a:off x="6545283" y="4959028"/>
-            <a:ext cx="305746" cy="292736"/>
-          </a:xfrm>
-          <a:prstGeom prst="rect">
-            <a:avLst/>
-          </a:prstGeom>
-        </p:spPr>
-      </p:pic>
-      <p:pic>
-        <p:nvPicPr>
-          <p:cNvPr id="108" name="Image 107" descr="Image vectorielle gratuite: Étoiles, Jaune, Or, Noël, Shine - Image ..."/>
-          <p:cNvPicPr>
-            <a:picLocks noChangeAspect="1"/>
-          </p:cNvPicPr>
-          <p:nvPr/>
-        </p:nvPicPr>
-        <p:blipFill>
-          <a:blip r:embed="rId2" cstate="print">
-            <a:extLst>
-              <a:ext uri="{28A0092B-C50C-407E-A947-70E740481C1C}">
-                <a14:useLocalDpi xmlns:a14="http://schemas.microsoft.com/office/drawing/2010/main" val="0"/>
-              </a:ext>
-            </a:extLst>
-          </a:blip>
-          <a:stretch>
-            <a:fillRect/>
-          </a:stretch>
-        </p:blipFill>
-        <p:spPr>
-          <a:xfrm>
-            <a:off x="7150524" y="4959028"/>
-            <a:ext cx="305746" cy="292736"/>
-          </a:xfrm>
-          <a:prstGeom prst="rect">
-            <a:avLst/>
-          </a:prstGeom>
-        </p:spPr>
-      </p:pic>
-      <p:pic>
-        <p:nvPicPr>
-          <p:cNvPr id="112" name="Image 111" descr="Image vectorielle gratuite: Étoiles, Jaune, Or, Noël, Shine - Image ..."/>
-          <p:cNvPicPr>
-            <a:picLocks noChangeAspect="1"/>
-          </p:cNvPicPr>
-          <p:nvPr/>
-        </p:nvPicPr>
-        <p:blipFill>
-          <a:blip r:embed="rId2" cstate="print">
-            <a:extLst>
-              <a:ext uri="{28A0092B-C50C-407E-A947-70E740481C1C}">
-                <a14:useLocalDpi xmlns:a14="http://schemas.microsoft.com/office/drawing/2010/main" val="0"/>
-              </a:ext>
-            </a:extLst>
-          </a:blip>
-          <a:stretch>
-            <a:fillRect/>
-          </a:stretch>
-        </p:blipFill>
-        <p:spPr>
-          <a:xfrm>
-            <a:off x="4985901" y="3419767"/>
-            <a:ext cx="305746" cy="292736"/>
-          </a:xfrm>
-          <a:prstGeom prst="rect">
-            <a:avLst/>
-          </a:prstGeom>
-        </p:spPr>
-      </p:pic>
-      <p:pic>
-        <p:nvPicPr>
-          <p:cNvPr id="113" name="Image 112" descr="Image vectorielle gratuite: Étoiles, Jaune, Or, Noël, Shine - Image ..."/>
-          <p:cNvPicPr>
-            <a:picLocks noChangeAspect="1"/>
-          </p:cNvPicPr>
-          <p:nvPr/>
-        </p:nvPicPr>
-        <p:blipFill>
-          <a:blip r:embed="rId2" cstate="print">
-            <a:extLst>
-              <a:ext uri="{28A0092B-C50C-407E-A947-70E740481C1C}">
-                <a14:useLocalDpi xmlns:a14="http://schemas.microsoft.com/office/drawing/2010/main" val="0"/>
-              </a:ext>
-            </a:extLst>
-          </a:blip>
-          <a:stretch>
-            <a:fillRect/>
-          </a:stretch>
-        </p:blipFill>
-        <p:spPr>
-          <a:xfrm>
-            <a:off x="4670224" y="3417145"/>
-            <a:ext cx="305746" cy="292736"/>
-          </a:xfrm>
-          <a:prstGeom prst="rect">
-            <a:avLst/>
-          </a:prstGeom>
-        </p:spPr>
-      </p:pic>
-      <p:pic>
-        <p:nvPicPr>
-          <p:cNvPr id="114" name="Image 113" descr="Image vectorielle gratuite: Étoiles, Jaune, Or, Noël, Shine - Image ..."/>
-          <p:cNvPicPr>
-            <a:picLocks noChangeAspect="1"/>
-          </p:cNvPicPr>
-          <p:nvPr/>
-        </p:nvPicPr>
-        <p:blipFill>
-          <a:blip r:embed="rId2" cstate="print">
-            <a:extLst>
-              <a:ext uri="{28A0092B-C50C-407E-A947-70E740481C1C}">
-                <a14:useLocalDpi xmlns:a14="http://schemas.microsoft.com/office/drawing/2010/main" val="0"/>
-              </a:ext>
-            </a:extLst>
-          </a:blip>
-          <a:stretch>
-            <a:fillRect/>
-          </a:stretch>
-        </p:blipFill>
-        <p:spPr>
-          <a:xfrm>
-            <a:off x="5292940" y="3419229"/>
-            <a:ext cx="305746" cy="292736"/>
-          </a:xfrm>
-          <a:prstGeom prst="rect">
-            <a:avLst/>
-          </a:prstGeom>
-        </p:spPr>
-      </p:pic>
-      <p:pic>
-        <p:nvPicPr>
-          <p:cNvPr id="116" name="Image 115" descr="Free vector graphic: &lt;strong&gt;X&lt;/strong&gt;, Red, Mark, Incorrect - Free Image on Pixabay ..."/>
-          <p:cNvPicPr>
-            <a:picLocks noChangeAspect="1"/>
-          </p:cNvPicPr>
-          <p:nvPr/>
-        </p:nvPicPr>
-        <p:blipFill>
-          <a:blip r:embed="rId4" cstate="print">
-            <a:extLst>
-              <a:ext uri="{28A0092B-C50C-407E-A947-70E740481C1C}">
-                <a14:useLocalDpi xmlns:a14="http://schemas.microsoft.com/office/drawing/2010/main" val="0"/>
-              </a:ext>
-            </a:extLst>
-          </a:blip>
-          <a:stretch>
-            <a:fillRect/>
-          </a:stretch>
-        </p:blipFill>
-        <p:spPr>
-          <a:xfrm>
-            <a:off x="9293597" y="2601951"/>
-            <a:ext cx="317175" cy="317175"/>
-          </a:xfrm>
-          <a:prstGeom prst="rect">
-            <a:avLst/>
-          </a:prstGeom>
-        </p:spPr>
-      </p:pic>
-      <p:pic>
-        <p:nvPicPr>
-          <p:cNvPr id="117" name="Image 116" descr="Archivo:Gtk-&lt;strong&gt;ok&lt;/strong&gt;.svg - Wikipedia, la enciclopedia libre"/>
-          <p:cNvPicPr>
-            <a:picLocks noChangeAspect="1"/>
-          </p:cNvPicPr>
-          <p:nvPr/>
-        </p:nvPicPr>
-        <p:blipFill>
-          <a:blip r:embed="rId3" cstate="print">
-            <a:extLst>
-              <a:ext uri="{28A0092B-C50C-407E-A947-70E740481C1C}">
-                <a14:useLocalDpi xmlns:a14="http://schemas.microsoft.com/office/drawing/2010/main" val="0"/>
-              </a:ext>
-            </a:extLst>
-          </a:blip>
-          <a:stretch>
-            <a:fillRect/>
-          </a:stretch>
-        </p:blipFill>
-        <p:spPr>
-          <a:xfrm>
-            <a:off x="10345650" y="2489669"/>
-            <a:ext cx="445316" cy="445316"/>
           </a:xfrm>
           <a:prstGeom prst="rect">
             <a:avLst/>
@@ -10740,8 +12512,8 @@
         </p:blipFill>
         <p:spPr>
           <a:xfrm>
-            <a:off x="3304267" y="2609002"/>
-            <a:ext cx="305746" cy="331324"/>
+            <a:off x="3367359" y="4556275"/>
+            <a:ext cx="305746" cy="292736"/>
           </a:xfrm>
           <a:prstGeom prst="rect">
             <a:avLst/>
@@ -10770,8 +12542,8 @@
         </p:blipFill>
         <p:spPr>
           <a:xfrm>
-            <a:off x="2997989" y="2596403"/>
-            <a:ext cx="305746" cy="331324"/>
+            <a:off x="3085424" y="3000932"/>
+            <a:ext cx="305746" cy="292736"/>
           </a:xfrm>
           <a:prstGeom prst="rect">
             <a:avLst/>
@@ -10800,8 +12572,128 @@
         </p:blipFill>
         <p:spPr>
           <a:xfrm>
-            <a:off x="3603230" y="2606579"/>
-            <a:ext cx="305746" cy="331324"/>
+            <a:off x="2779678" y="2997177"/>
+            <a:ext cx="305746" cy="292736"/>
+          </a:xfrm>
+          <a:prstGeom prst="rect">
+            <a:avLst/>
+          </a:prstGeom>
+        </p:spPr>
+      </p:pic>
+      <p:pic>
+        <p:nvPicPr>
+          <p:cNvPr id="124" name="Image 123" descr="Image vectorielle gratuite: Étoiles, Jaune, Or, Noël, Shine - Image ..."/>
+          <p:cNvPicPr>
+            <a:picLocks noChangeAspect="1"/>
+          </p:cNvPicPr>
+          <p:nvPr/>
+        </p:nvPicPr>
+        <p:blipFill>
+          <a:blip r:embed="rId2" cstate="print">
+            <a:extLst>
+              <a:ext uri="{28A0092B-C50C-407E-A947-70E740481C1C}">
+                <a14:useLocalDpi xmlns:a14="http://schemas.microsoft.com/office/drawing/2010/main" val="0"/>
+              </a:ext>
+            </a:extLst>
+          </a:blip>
+          <a:stretch>
+            <a:fillRect/>
+          </a:stretch>
+        </p:blipFill>
+        <p:spPr>
+          <a:xfrm>
+            <a:off x="3391170" y="2997177"/>
+            <a:ext cx="305746" cy="292736"/>
+          </a:xfrm>
+          <a:prstGeom prst="rect">
+            <a:avLst/>
+          </a:prstGeom>
+        </p:spPr>
+      </p:pic>
+      <p:pic>
+        <p:nvPicPr>
+          <p:cNvPr id="125" name="Image 124" descr="Image vectorielle gratuite: Étoiles, Jaune, Or, Noël, Shine - Image ..."/>
+          <p:cNvPicPr>
+            <a:picLocks noChangeAspect="1"/>
+          </p:cNvPicPr>
+          <p:nvPr/>
+        </p:nvPicPr>
+        <p:blipFill>
+          <a:blip r:embed="rId2" cstate="print">
+            <a:extLst>
+              <a:ext uri="{28A0092B-C50C-407E-A947-70E740481C1C}">
+                <a14:useLocalDpi xmlns:a14="http://schemas.microsoft.com/office/drawing/2010/main" val="0"/>
+              </a:ext>
+            </a:extLst>
+          </a:blip>
+          <a:stretch>
+            <a:fillRect/>
+          </a:stretch>
+        </p:blipFill>
+        <p:spPr>
+          <a:xfrm>
+            <a:off x="3075605" y="2627975"/>
+            <a:ext cx="305746" cy="292736"/>
+          </a:xfrm>
+          <a:prstGeom prst="rect">
+            <a:avLst/>
+          </a:prstGeom>
+        </p:spPr>
+      </p:pic>
+      <p:pic>
+        <p:nvPicPr>
+          <p:cNvPr id="126" name="Image 125" descr="Image vectorielle gratuite: Étoiles, Jaune, Or, Noël, Shine - Image ..."/>
+          <p:cNvPicPr>
+            <a:picLocks noChangeAspect="1"/>
+          </p:cNvPicPr>
+          <p:nvPr/>
+        </p:nvPicPr>
+        <p:blipFill>
+          <a:blip r:embed="rId2" cstate="print">
+            <a:extLst>
+              <a:ext uri="{28A0092B-C50C-407E-A947-70E740481C1C}">
+                <a14:useLocalDpi xmlns:a14="http://schemas.microsoft.com/office/drawing/2010/main" val="0"/>
+              </a:ext>
+            </a:extLst>
+          </a:blip>
+          <a:stretch>
+            <a:fillRect/>
+          </a:stretch>
+        </p:blipFill>
+        <p:spPr>
+          <a:xfrm>
+            <a:off x="2769859" y="2624220"/>
+            <a:ext cx="305746" cy="292736"/>
+          </a:xfrm>
+          <a:prstGeom prst="rect">
+            <a:avLst/>
+          </a:prstGeom>
+        </p:spPr>
+      </p:pic>
+      <p:pic>
+        <p:nvPicPr>
+          <p:cNvPr id="127" name="Image 126" descr="Image vectorielle gratuite: Étoiles, Jaune, Or, Noël, Shine - Image ..."/>
+          <p:cNvPicPr>
+            <a:picLocks noChangeAspect="1"/>
+          </p:cNvPicPr>
+          <p:nvPr/>
+        </p:nvPicPr>
+        <p:blipFill>
+          <a:blip r:embed="rId2" cstate="print">
+            <a:extLst>
+              <a:ext uri="{28A0092B-C50C-407E-A947-70E740481C1C}">
+                <a14:useLocalDpi xmlns:a14="http://schemas.microsoft.com/office/drawing/2010/main" val="0"/>
+              </a:ext>
+            </a:extLst>
+          </a:blip>
+          <a:stretch>
+            <a:fillRect/>
+          </a:stretch>
+        </p:blipFill>
+        <p:spPr>
+          <a:xfrm>
+            <a:off x="3381351" y="2624220"/>
+            <a:ext cx="305746" cy="292736"/>
           </a:xfrm>
           <a:prstGeom prst="rect">
             <a:avLst/>
@@ -10812,6 +12704,411 @@
     <p:extLst>
       <p:ext uri="{BB962C8B-B14F-4D97-AF65-F5344CB8AC3E}">
         <p14:creationId xmlns:p14="http://schemas.microsoft.com/office/powerpoint/2010/main" val="4059580497"/>
+      </p:ext>
+    </p:extLst>
+  </p:cSld>
+  <p:clrMapOvr>
+    <a:masterClrMapping/>
+  </p:clrMapOvr>
+  <mc:AlternateContent xmlns:mc="http://schemas.openxmlformats.org/markup-compatibility/2006" xmlns:p14="http://schemas.microsoft.com/office/powerpoint/2010/main">
+    <mc:Choice Requires="p14">
+      <p:transition spd="med" p14:dur="700">
+        <p:fade/>
+      </p:transition>
+    </mc:Choice>
+    <mc:Fallback xmlns="">
+      <p:transition spd="med">
+        <p:fade/>
+      </p:transition>
+    </mc:Fallback>
+  </mc:AlternateContent>
+</p:sld>
+</file>
+
+<file path=ppt/slides/slide18.xml><?xml version="1.0" encoding="utf-8"?>
+<p:sld xmlns:a="http://schemas.openxmlformats.org/drawingml/2006/main" xmlns:r="http://schemas.openxmlformats.org/officeDocument/2006/relationships" xmlns:p="http://schemas.openxmlformats.org/presentationml/2006/main">
+  <p:cSld>
+    <p:spTree>
+      <p:nvGrpSpPr>
+        <p:cNvPr id="1" name=""/>
+        <p:cNvGrpSpPr/>
+        <p:nvPr/>
+      </p:nvGrpSpPr>
+      <p:grpSpPr>
+        <a:xfrm>
+          <a:off x="0" y="0"/>
+          <a:ext cx="0" cy="0"/>
+          <a:chOff x="0" y="0"/>
+          <a:chExt cx="0" cy="0"/>
+        </a:xfrm>
+      </p:grpSpPr>
+      <p:sp>
+        <p:nvSpPr>
+          <p:cNvPr id="2" name="Titre 1"/>
+          <p:cNvSpPr>
+            <a:spLocks noGrp="1"/>
+          </p:cNvSpPr>
+          <p:nvPr>
+            <p:ph type="title"/>
+          </p:nvPr>
+        </p:nvSpPr>
+        <p:spPr>
+          <a:xfrm>
+            <a:off x="1341120" y="791249"/>
+            <a:ext cx="9509760" cy="567767"/>
+          </a:xfrm>
+        </p:spPr>
+        <p:txBody>
+          <a:bodyPr/>
+          <a:lstStyle/>
+          <a:p>
+            <a:r>
+              <a:rPr lang="fr-CA" dirty="0"/>
+              <a:t>Lesquels sortent du lot?</a:t>
+            </a:r>
+            <a:endParaRPr lang="fr-FR" dirty="0"/>
+          </a:p>
+        </p:txBody>
+      </p:sp>
+      <p:sp>
+        <p:nvSpPr>
+          <p:cNvPr id="5" name="Espace réservé du contenu 2"/>
+          <p:cNvSpPr>
+            <a:spLocks noGrp="1"/>
+          </p:cNvSpPr>
+          <p:nvPr>
+            <p:ph idx="1"/>
+          </p:nvPr>
+        </p:nvSpPr>
+        <p:spPr/>
+        <p:txBody>
+          <a:bodyPr>
+            <a:normAutofit/>
+          </a:bodyPr>
+          <a:lstStyle/>
+          <a:p>
+            <a:pPr marL="45720" indent="0">
+              <a:buNone/>
+            </a:pPr>
+            <a:endParaRPr lang="fr-CA" dirty="0">
+              <a:latin typeface="Segoe UI" panose="020B0502040204020203" pitchFamily="34" charset="0"/>
+              <a:cs typeface="Segoe UI" panose="020B0502040204020203" pitchFamily="34" charset="0"/>
+              <a:sym typeface="Wingdings" panose="05000000000000000000" pitchFamily="2" charset="2"/>
+            </a:endParaRPr>
+          </a:p>
+          <a:p>
+            <a:pPr>
+              <a:buFont typeface="Wingdings" panose="05000000000000000000" pitchFamily="2" charset="2"/>
+              <a:buChar char="Ø"/>
+            </a:pPr>
+            <a:r>
+              <a:rPr lang="fr-CA" dirty="0" err="1">
+                <a:latin typeface="Segoe UI" panose="020B0502040204020203" pitchFamily="34" charset="0"/>
+                <a:cs typeface="Segoe UI" panose="020B0502040204020203" pitchFamily="34" charset="0"/>
+                <a:sym typeface="Wingdings" panose="05000000000000000000" pitchFamily="2" charset="2"/>
+              </a:rPr>
+              <a:t>NPoco</a:t>
+            </a:r>
+            <a:r>
+              <a:rPr lang="fr-CA" dirty="0">
+                <a:latin typeface="Segoe UI" panose="020B0502040204020203" pitchFamily="34" charset="0"/>
+                <a:cs typeface="Segoe UI" panose="020B0502040204020203" pitchFamily="34" charset="0"/>
+                <a:sym typeface="Wingdings" panose="05000000000000000000" pitchFamily="2" charset="2"/>
+              </a:rPr>
+              <a:t> pour la simplicité de sa syntaxe</a:t>
+            </a:r>
+          </a:p>
+          <a:p>
+            <a:pPr>
+              <a:buFont typeface="Wingdings" panose="05000000000000000000" pitchFamily="2" charset="2"/>
+              <a:buChar char="Ø"/>
+            </a:pPr>
+            <a:r>
+              <a:rPr lang="fr-CA" dirty="0" err="1">
+                <a:latin typeface="Segoe UI" panose="020B0502040204020203" pitchFamily="34" charset="0"/>
+                <a:cs typeface="Segoe UI" panose="020B0502040204020203" pitchFamily="34" charset="0"/>
+                <a:sym typeface="Wingdings" panose="05000000000000000000" pitchFamily="2" charset="2"/>
+              </a:rPr>
+              <a:t>Dapper</a:t>
+            </a:r>
+            <a:r>
+              <a:rPr lang="fr-CA" dirty="0">
+                <a:latin typeface="Segoe UI" panose="020B0502040204020203" pitchFamily="34" charset="0"/>
+                <a:cs typeface="Segoe UI" panose="020B0502040204020203" pitchFamily="34" charset="0"/>
+                <a:sym typeface="Wingdings" panose="05000000000000000000" pitchFamily="2" charset="2"/>
+              </a:rPr>
+              <a:t> pour ses performances exceptionnelles et sa communauté qui l’entoure</a:t>
+            </a:r>
+          </a:p>
+          <a:p>
+            <a:pPr>
+              <a:buFont typeface="Wingdings" panose="05000000000000000000" pitchFamily="2" charset="2"/>
+              <a:buChar char="Ø"/>
+            </a:pPr>
+            <a:r>
+              <a:rPr lang="fr-CA" dirty="0" err="1">
+                <a:latin typeface="Segoe UI" panose="020B0502040204020203" pitchFamily="34" charset="0"/>
+                <a:cs typeface="Segoe UI" panose="020B0502040204020203" pitchFamily="34" charset="0"/>
+              </a:rPr>
+              <a:t>OrmLite</a:t>
+            </a:r>
+            <a:r>
+              <a:rPr lang="fr-CA" dirty="0">
+                <a:latin typeface="Segoe UI" panose="020B0502040204020203" pitchFamily="34" charset="0"/>
+                <a:cs typeface="Segoe UI" panose="020B0502040204020203" pitchFamily="34" charset="0"/>
+              </a:rPr>
+              <a:t> pour sa double syntaxe LINQ-</a:t>
+            </a:r>
+            <a:r>
+              <a:rPr lang="fr-CA" dirty="0" err="1">
+                <a:latin typeface="Segoe UI" panose="020B0502040204020203" pitchFamily="34" charset="0"/>
+                <a:cs typeface="Segoe UI" panose="020B0502040204020203" pitchFamily="34" charset="0"/>
+              </a:rPr>
+              <a:t>like</a:t>
+            </a:r>
+            <a:r>
+              <a:rPr lang="fr-CA" dirty="0">
+                <a:latin typeface="Segoe UI" panose="020B0502040204020203" pitchFamily="34" charset="0"/>
+                <a:cs typeface="Segoe UI" panose="020B0502040204020203" pitchFamily="34" charset="0"/>
+              </a:rPr>
+              <a:t> et SQL, et pour ses fonctionnalités riches</a:t>
+            </a:r>
+          </a:p>
+          <a:p>
+            <a:pPr marL="45720" indent="0">
+              <a:buNone/>
+            </a:pPr>
+            <a:endParaRPr lang="fr-CA" dirty="0">
+              <a:latin typeface="Segoe UI" panose="020B0502040204020203" pitchFamily="34" charset="0"/>
+              <a:cs typeface="Segoe UI" panose="020B0502040204020203" pitchFamily="34" charset="0"/>
+            </a:endParaRPr>
+          </a:p>
+        </p:txBody>
+      </p:sp>
+    </p:spTree>
+    <p:extLst>
+      <p:ext uri="{BB962C8B-B14F-4D97-AF65-F5344CB8AC3E}">
+        <p14:creationId xmlns:p14="http://schemas.microsoft.com/office/powerpoint/2010/main" val="2298007566"/>
+      </p:ext>
+    </p:extLst>
+  </p:cSld>
+  <p:clrMapOvr>
+    <a:masterClrMapping/>
+  </p:clrMapOvr>
+  <mc:AlternateContent xmlns:mc="http://schemas.openxmlformats.org/markup-compatibility/2006" xmlns:p14="http://schemas.microsoft.com/office/powerpoint/2010/main">
+    <mc:Choice Requires="p14">
+      <p:transition spd="med" p14:dur="700">
+        <p:fade/>
+      </p:transition>
+    </mc:Choice>
+    <mc:Fallback xmlns="">
+      <p:transition spd="med">
+        <p:fade/>
+      </p:transition>
+    </mc:Fallback>
+  </mc:AlternateContent>
+</p:sld>
+</file>
+
+<file path=ppt/slides/slide19.xml><?xml version="1.0" encoding="utf-8"?>
+<p:sld xmlns:a="http://schemas.openxmlformats.org/drawingml/2006/main" xmlns:r="http://schemas.openxmlformats.org/officeDocument/2006/relationships" xmlns:p="http://schemas.openxmlformats.org/presentationml/2006/main">
+  <p:cSld>
+    <p:spTree>
+      <p:nvGrpSpPr>
+        <p:cNvPr id="1" name=""/>
+        <p:cNvGrpSpPr/>
+        <p:nvPr/>
+      </p:nvGrpSpPr>
+      <p:grpSpPr>
+        <a:xfrm>
+          <a:off x="0" y="0"/>
+          <a:ext cx="0" cy="0"/>
+          <a:chOff x="0" y="0"/>
+          <a:chExt cx="0" cy="0"/>
+        </a:xfrm>
+      </p:grpSpPr>
+      <p:sp>
+        <p:nvSpPr>
+          <p:cNvPr id="2" name="Titre 1"/>
+          <p:cNvSpPr>
+            <a:spLocks noGrp="1"/>
+          </p:cNvSpPr>
+          <p:nvPr>
+            <p:ph type="title"/>
+          </p:nvPr>
+        </p:nvSpPr>
+        <p:spPr>
+          <a:xfrm>
+            <a:off x="1341120" y="791249"/>
+            <a:ext cx="9509760" cy="567767"/>
+          </a:xfrm>
+        </p:spPr>
+        <p:txBody>
+          <a:bodyPr/>
+          <a:lstStyle/>
+          <a:p>
+            <a:r>
+              <a:rPr lang="fr-CA" dirty="0"/>
+              <a:t>Qu’en conclure ?</a:t>
+            </a:r>
+            <a:endParaRPr lang="fr-FR" dirty="0"/>
+          </a:p>
+        </p:txBody>
+      </p:sp>
+      <p:sp>
+        <p:nvSpPr>
+          <p:cNvPr id="5" name="Espace réservé du contenu 2"/>
+          <p:cNvSpPr>
+            <a:spLocks noGrp="1"/>
+          </p:cNvSpPr>
+          <p:nvPr>
+            <p:ph idx="1"/>
+          </p:nvPr>
+        </p:nvSpPr>
+        <p:spPr/>
+        <p:txBody>
+          <a:bodyPr>
+            <a:normAutofit/>
+          </a:bodyPr>
+          <a:lstStyle/>
+          <a:p>
+            <a:pPr marL="45720" indent="0">
+              <a:buNone/>
+            </a:pPr>
+            <a:endParaRPr lang="fr-CA" dirty="0">
+              <a:latin typeface="Segoe UI" panose="020B0502040204020203" pitchFamily="34" charset="0"/>
+              <a:cs typeface="Segoe UI" panose="020B0502040204020203" pitchFamily="34" charset="0"/>
+              <a:sym typeface="Wingdings" panose="05000000000000000000" pitchFamily="2" charset="2"/>
+            </a:endParaRPr>
+          </a:p>
+          <a:p>
+            <a:pPr>
+              <a:buFont typeface="Wingdings" panose="05000000000000000000" pitchFamily="2" charset="2"/>
+              <a:buChar char="Ø"/>
+            </a:pPr>
+            <a:r>
+              <a:rPr lang="fr-CA" dirty="0" err="1">
+                <a:latin typeface="Segoe UI" panose="020B0502040204020203" pitchFamily="34" charset="0"/>
+                <a:cs typeface="Segoe UI" panose="020B0502040204020203" pitchFamily="34" charset="0"/>
+                <a:sym typeface="Wingdings" panose="05000000000000000000" pitchFamily="2" charset="2"/>
+              </a:rPr>
+              <a:t>Dapper</a:t>
+            </a:r>
+            <a:r>
+              <a:rPr lang="fr-CA" dirty="0">
+                <a:latin typeface="Segoe UI" panose="020B0502040204020203" pitchFamily="34" charset="0"/>
+                <a:cs typeface="Segoe UI" panose="020B0502040204020203" pitchFamily="34" charset="0"/>
+                <a:sym typeface="Wingdings" panose="05000000000000000000" pitchFamily="2" charset="2"/>
+              </a:rPr>
+              <a:t> est aujourd’hui le plus populaire pour ses performances exceptionnelles</a:t>
+            </a:r>
+          </a:p>
+          <a:p>
+            <a:pPr>
+              <a:buFont typeface="Wingdings" panose="05000000000000000000" pitchFamily="2" charset="2"/>
+              <a:buChar char="Ø"/>
+            </a:pPr>
+            <a:r>
+              <a:rPr lang="fr-CA" dirty="0" err="1">
+                <a:latin typeface="Segoe UI" panose="020B0502040204020203" pitchFamily="34" charset="0"/>
+                <a:cs typeface="Segoe UI" panose="020B0502040204020203" pitchFamily="34" charset="0"/>
+                <a:sym typeface="Wingdings" panose="05000000000000000000" pitchFamily="2" charset="2"/>
+              </a:rPr>
+              <a:t>Ormlite</a:t>
+            </a:r>
+            <a:r>
+              <a:rPr lang="fr-CA" dirty="0">
+                <a:latin typeface="Segoe UI" panose="020B0502040204020203" pitchFamily="34" charset="0"/>
+                <a:cs typeface="Segoe UI" panose="020B0502040204020203" pitchFamily="34" charset="0"/>
+                <a:sym typeface="Wingdings" panose="05000000000000000000" pitchFamily="2" charset="2"/>
+              </a:rPr>
+              <a:t> et </a:t>
+            </a:r>
+            <a:r>
+              <a:rPr lang="fr-CA" dirty="0" err="1">
+                <a:latin typeface="Segoe UI" panose="020B0502040204020203" pitchFamily="34" charset="0"/>
+                <a:cs typeface="Segoe UI" panose="020B0502040204020203" pitchFamily="34" charset="0"/>
+                <a:sym typeface="Wingdings" panose="05000000000000000000" pitchFamily="2" charset="2"/>
+              </a:rPr>
+              <a:t>NPoco</a:t>
+            </a:r>
+            <a:r>
+              <a:rPr lang="fr-CA" dirty="0">
+                <a:latin typeface="Segoe UI" panose="020B0502040204020203" pitchFamily="34" charset="0"/>
+                <a:cs typeface="Segoe UI" panose="020B0502040204020203" pitchFamily="34" charset="0"/>
+                <a:sym typeface="Wingdings" panose="05000000000000000000" pitchFamily="2" charset="2"/>
+              </a:rPr>
+              <a:t> méritent aussi d’être adoptés</a:t>
+            </a:r>
+          </a:p>
+          <a:p>
+            <a:pPr>
+              <a:buFont typeface="Wingdings" panose="05000000000000000000" pitchFamily="2" charset="2"/>
+              <a:buChar char="Ø"/>
+            </a:pPr>
+            <a:r>
+              <a:rPr lang="fr-CA" dirty="0">
+                <a:latin typeface="Segoe UI" panose="020B0502040204020203" pitchFamily="34" charset="0"/>
+                <a:cs typeface="Segoe UI" panose="020B0502040204020203" pitchFamily="34" charset="0"/>
+                <a:sym typeface="Wingdings" panose="05000000000000000000" pitchFamily="2" charset="2"/>
+              </a:rPr>
+              <a:t>Faut-il se séparer d’</a:t>
+            </a:r>
+            <a:r>
+              <a:rPr lang="fr-CA" dirty="0" err="1">
+                <a:latin typeface="Segoe UI" panose="020B0502040204020203" pitchFamily="34" charset="0"/>
+                <a:cs typeface="Segoe UI" panose="020B0502040204020203" pitchFamily="34" charset="0"/>
+                <a:sym typeface="Wingdings" panose="05000000000000000000" pitchFamily="2" charset="2"/>
+              </a:rPr>
+              <a:t>EntityFramework</a:t>
+            </a:r>
+            <a:r>
+              <a:rPr lang="fr-CA" dirty="0">
+                <a:latin typeface="Segoe UI" panose="020B0502040204020203" pitchFamily="34" charset="0"/>
+                <a:cs typeface="Segoe UI" panose="020B0502040204020203" pitchFamily="34" charset="0"/>
+                <a:sym typeface="Wingdings" panose="05000000000000000000" pitchFamily="2" charset="2"/>
+              </a:rPr>
+              <a:t>?</a:t>
+            </a:r>
+          </a:p>
+          <a:p>
+            <a:pPr lvl="1">
+              <a:buFont typeface="Wingdings" panose="05000000000000000000" pitchFamily="2" charset="2"/>
+              <a:buChar char="Ø"/>
+            </a:pPr>
+            <a:r>
+              <a:rPr lang="fr-CA" dirty="0">
+                <a:latin typeface="Segoe UI" panose="020B0502040204020203" pitchFamily="34" charset="0"/>
+                <a:cs typeface="Segoe UI" panose="020B0502040204020203" pitchFamily="34" charset="0"/>
+                <a:sym typeface="Wingdings" panose="05000000000000000000" pitchFamily="2" charset="2"/>
+              </a:rPr>
+              <a:t>Seul le futur le dira, mais si c’est uniquement pour une raison de performances on peut en effet le supplanter par un micro ORM</a:t>
+            </a:r>
+          </a:p>
+          <a:p>
+            <a:pPr marL="45720" indent="0">
+              <a:buNone/>
+            </a:pPr>
+            <a:endParaRPr lang="fr-CA" dirty="0">
+              <a:latin typeface="Segoe UI" panose="020B0502040204020203" pitchFamily="34" charset="0"/>
+              <a:cs typeface="Segoe UI" panose="020B0502040204020203" pitchFamily="34" charset="0"/>
+            </a:endParaRPr>
+          </a:p>
+          <a:p>
+            <a:pPr marL="45720" indent="0">
+              <a:buNone/>
+            </a:pPr>
+            <a:endParaRPr lang="fr-CA" dirty="0">
+              <a:latin typeface="Segoe UI" panose="020B0502040204020203" pitchFamily="34" charset="0"/>
+              <a:cs typeface="Segoe UI" panose="020B0502040204020203" pitchFamily="34" charset="0"/>
+            </a:endParaRPr>
+          </a:p>
+        </p:txBody>
+      </p:sp>
+    </p:spTree>
+    <p:extLst>
+      <p:ext uri="{BB962C8B-B14F-4D97-AF65-F5344CB8AC3E}">
+        <p14:creationId xmlns:p14="http://schemas.microsoft.com/office/powerpoint/2010/main" val="1645619676"/>
       </p:ext>
     </p:extLst>
   </p:cSld>
@@ -10868,7 +13165,10 @@
           <a:lstStyle/>
           <a:p>
             <a:r>
-              <a:rPr lang="fr-FR" noProof="1"/>
+              <a:rPr lang="fr-FR" noProof="1">
+                <a:latin typeface="Segoe UI" panose="020B0502040204020203" pitchFamily="34" charset="0"/>
+                <a:cs typeface="Segoe UI" panose="020B0502040204020203" pitchFamily="34" charset="0"/>
+              </a:rPr>
               <a:t>Introduction</a:t>
             </a:r>
           </a:p>
@@ -10894,23 +13194,35 @@
             <a:pPr marL="45720" indent="0">
               <a:buNone/>
             </a:pPr>
-            <a:endParaRPr lang="fr-FR" dirty="0"/>
+            <a:endParaRPr lang="fr-FR" dirty="0">
+              <a:latin typeface="Segoe UI" panose="020B0502040204020203" pitchFamily="34" charset="0"/>
+              <a:cs typeface="Segoe UI" panose="020B0502040204020203" pitchFamily="34" charset="0"/>
+            </a:endParaRPr>
           </a:p>
           <a:p>
             <a:pPr marL="45720" indent="0">
               <a:buNone/>
             </a:pPr>
             <a:r>
-              <a:rPr lang="fr-FR" dirty="0"/>
+              <a:rPr lang="fr-FR" dirty="0">
+                <a:latin typeface="Segoe UI" panose="020B0502040204020203" pitchFamily="34" charset="0"/>
+                <a:cs typeface="Segoe UI" panose="020B0502040204020203" pitchFamily="34" charset="0"/>
+              </a:rPr>
               <a:t>L'arrivée il y 10 ans d'</a:t>
             </a:r>
             <a:r>
-              <a:rPr lang="fr-FR" dirty="0" err="1"/>
+              <a:rPr lang="fr-FR" dirty="0" err="1">
+                <a:latin typeface="Segoe UI" panose="020B0502040204020203" pitchFamily="34" charset="0"/>
+                <a:cs typeface="Segoe UI" panose="020B0502040204020203" pitchFamily="34" charset="0"/>
+              </a:rPr>
               <a:t>Entity</a:t>
             </a:r>
             <a:r>
-              <a:rPr lang="fr-FR" dirty="0"/>
-              <a:t> Framework a permis de manipuler  une base de données sans écrire une seule ligne de SQL. </a:t>
+              <a:rPr lang="fr-FR" dirty="0">
+                <a:latin typeface="Segoe UI" panose="020B0502040204020203" pitchFamily="34" charset="0"/>
+                <a:cs typeface="Segoe UI" panose="020B0502040204020203" pitchFamily="34" charset="0"/>
+              </a:rPr>
+              <a:t> Framework a permis de requêter une base de données sans écrire une seule ligne de SQL. </a:t>
             </a:r>
           </a:p>
           <a:p>
@@ -10919,12 +13231,17 @@
             </a:pPr>
             <a:r>
               <a:rPr lang="fr-FR" dirty="0">
+                <a:latin typeface="Segoe UI" panose="020B0502040204020203" pitchFamily="34" charset="0"/>
+                <a:cs typeface="Segoe UI" panose="020B0502040204020203" pitchFamily="34" charset="0"/>
                 <a:sym typeface="Wingdings" panose="05000000000000000000" pitchFamily="2" charset="2"/>
               </a:rPr>
               <a:t></a:t>
             </a:r>
             <a:r>
-              <a:rPr lang="fr-FR" dirty="0"/>
+              <a:rPr lang="fr-FR" dirty="0">
+                <a:latin typeface="Segoe UI" panose="020B0502040204020203" pitchFamily="34" charset="0"/>
+                <a:cs typeface="Segoe UI" panose="020B0502040204020203" pitchFamily="34" charset="0"/>
+              </a:rPr>
               <a:t>Ce qui a permis d’augmenter la productivité des développeurs.</a:t>
             </a:r>
           </a:p>
@@ -10932,18 +13249,27 @@
             <a:pPr marL="45720" indent="0">
               <a:buNone/>
             </a:pPr>
-            <a:endParaRPr lang="fr-FR" dirty="0"/>
+            <a:endParaRPr lang="fr-FR" dirty="0">
+              <a:latin typeface="Segoe UI" panose="020B0502040204020203" pitchFamily="34" charset="0"/>
+              <a:cs typeface="Segoe UI" panose="020B0502040204020203" pitchFamily="34" charset="0"/>
+            </a:endParaRPr>
           </a:p>
           <a:p>
             <a:pPr marL="45720" indent="0">
               <a:buNone/>
             </a:pPr>
             <a:r>
-              <a:rPr lang="fr-FR" dirty="0" err="1"/>
+              <a:rPr lang="fr-FR" dirty="0" err="1">
+                <a:latin typeface="Segoe UI" panose="020B0502040204020203" pitchFamily="34" charset="0"/>
+                <a:cs typeface="Segoe UI" panose="020B0502040204020203" pitchFamily="34" charset="0"/>
+              </a:rPr>
               <a:t>Entity</a:t>
             </a:r>
             <a:r>
-              <a:rPr lang="fr-FR" dirty="0"/>
+              <a:rPr lang="fr-FR" dirty="0">
+                <a:latin typeface="Segoe UI" panose="020B0502040204020203" pitchFamily="34" charset="0"/>
+                <a:cs typeface="Segoe UI" panose="020B0502040204020203" pitchFamily="34" charset="0"/>
+              </a:rPr>
               <a:t> Framework a apporté son lot d'avantages mais aussi d'inconvénients…….</a:t>
             </a:r>
           </a:p>
@@ -10951,7 +13277,10 @@
             <a:pPr marL="45720" indent="0">
               <a:buNone/>
             </a:pPr>
-            <a:endParaRPr lang="fr-FR" dirty="0"/>
+            <a:endParaRPr lang="fr-FR" dirty="0">
+              <a:latin typeface="Segoe UI" panose="020B0502040204020203" pitchFamily="34" charset="0"/>
+              <a:cs typeface="Segoe UI" panose="020B0502040204020203" pitchFamily="34" charset="0"/>
+            </a:endParaRPr>
           </a:p>
         </p:txBody>
       </p:sp>
@@ -10959,6 +13288,231 @@
     <p:extLst>
       <p:ext uri="{BB962C8B-B14F-4D97-AF65-F5344CB8AC3E}">
         <p14:creationId xmlns:p14="http://schemas.microsoft.com/office/powerpoint/2010/main" val="2771859900"/>
+      </p:ext>
+    </p:extLst>
+  </p:cSld>
+  <p:clrMapOvr>
+    <a:masterClrMapping/>
+  </p:clrMapOvr>
+  <mc:AlternateContent xmlns:mc="http://schemas.openxmlformats.org/markup-compatibility/2006" xmlns:p14="http://schemas.microsoft.com/office/powerpoint/2010/main">
+    <mc:Choice Requires="p14">
+      <p:transition spd="med" p14:dur="700">
+        <p:fade/>
+      </p:transition>
+    </mc:Choice>
+    <mc:Fallback xmlns="">
+      <p:transition spd="med">
+        <p:fade/>
+      </p:transition>
+    </mc:Fallback>
+  </mc:AlternateContent>
+</p:sld>
+</file>
+
+<file path=ppt/slides/slide20.xml><?xml version="1.0" encoding="utf-8"?>
+<p:sld xmlns:a="http://schemas.openxmlformats.org/drawingml/2006/main" xmlns:r="http://schemas.openxmlformats.org/officeDocument/2006/relationships" xmlns:p="http://schemas.openxmlformats.org/presentationml/2006/main">
+  <p:cSld>
+    <p:spTree>
+      <p:nvGrpSpPr>
+        <p:cNvPr id="1" name=""/>
+        <p:cNvGrpSpPr/>
+        <p:nvPr/>
+      </p:nvGrpSpPr>
+      <p:grpSpPr>
+        <a:xfrm>
+          <a:off x="0" y="0"/>
+          <a:ext cx="0" cy="0"/>
+          <a:chOff x="0" y="0"/>
+          <a:chExt cx="0" cy="0"/>
+        </a:xfrm>
+      </p:grpSpPr>
+      <p:sp>
+        <p:nvSpPr>
+          <p:cNvPr id="2" name="Titre 1"/>
+          <p:cNvSpPr>
+            <a:spLocks noGrp="1"/>
+          </p:cNvSpPr>
+          <p:nvPr>
+            <p:ph type="title"/>
+          </p:nvPr>
+        </p:nvSpPr>
+        <p:spPr>
+          <a:xfrm>
+            <a:off x="1341120" y="791249"/>
+            <a:ext cx="9509760" cy="567767"/>
+          </a:xfrm>
+        </p:spPr>
+        <p:txBody>
+          <a:bodyPr/>
+          <a:lstStyle/>
+          <a:p>
+            <a:r>
+              <a:rPr lang="fr-CA" dirty="0"/>
+              <a:t>À surveiller….</a:t>
+            </a:r>
+            <a:endParaRPr lang="fr-FR" dirty="0"/>
+          </a:p>
+        </p:txBody>
+      </p:sp>
+      <p:sp>
+        <p:nvSpPr>
+          <p:cNvPr id="5" name="Espace réservé du contenu 2"/>
+          <p:cNvSpPr>
+            <a:spLocks noGrp="1"/>
+          </p:cNvSpPr>
+          <p:nvPr>
+            <p:ph idx="1"/>
+          </p:nvPr>
+        </p:nvSpPr>
+        <p:spPr/>
+        <p:txBody>
+          <a:bodyPr>
+            <a:normAutofit/>
+          </a:bodyPr>
+          <a:lstStyle/>
+          <a:p>
+            <a:pPr marL="45720" indent="0">
+              <a:buNone/>
+            </a:pPr>
+            <a:endParaRPr lang="fr-CA" dirty="0">
+              <a:latin typeface="Segoe UI" panose="020B0502040204020203" pitchFamily="34" charset="0"/>
+              <a:cs typeface="Segoe UI" panose="020B0502040204020203" pitchFamily="34" charset="0"/>
+              <a:sym typeface="Wingdings" panose="05000000000000000000" pitchFamily="2" charset="2"/>
+            </a:endParaRPr>
+          </a:p>
+          <a:p>
+            <a:pPr>
+              <a:buFont typeface="Wingdings" panose="05000000000000000000" pitchFamily="2" charset="2"/>
+              <a:buChar char="Ø"/>
+            </a:pPr>
+            <a:r>
+              <a:rPr lang="fr-CA" dirty="0" err="1">
+                <a:latin typeface="Segoe UI" panose="020B0502040204020203" pitchFamily="34" charset="0"/>
+                <a:cs typeface="Segoe UI" panose="020B0502040204020203" pitchFamily="34" charset="0"/>
+                <a:sym typeface="Wingdings" panose="05000000000000000000" pitchFamily="2" charset="2"/>
+              </a:rPr>
+              <a:t>Simple.Data</a:t>
+            </a:r>
+            <a:endParaRPr lang="fr-CA" dirty="0">
+              <a:latin typeface="Segoe UI" panose="020B0502040204020203" pitchFamily="34" charset="0"/>
+              <a:cs typeface="Segoe UI" panose="020B0502040204020203" pitchFamily="34" charset="0"/>
+              <a:sym typeface="Wingdings" panose="05000000000000000000" pitchFamily="2" charset="2"/>
+            </a:endParaRPr>
+          </a:p>
+          <a:p>
+            <a:pPr>
+              <a:buFont typeface="Wingdings" panose="05000000000000000000" pitchFamily="2" charset="2"/>
+              <a:buChar char="Ø"/>
+            </a:pPr>
+            <a:r>
+              <a:rPr lang="fr-CA" dirty="0" err="1">
+                <a:latin typeface="Segoe UI" panose="020B0502040204020203" pitchFamily="34" charset="0"/>
+                <a:cs typeface="Segoe UI" panose="020B0502040204020203" pitchFamily="34" charset="0"/>
+                <a:sym typeface="Wingdings" panose="05000000000000000000" pitchFamily="2" charset="2"/>
+              </a:rPr>
+              <a:t>SqlFU</a:t>
+            </a:r>
+            <a:endParaRPr lang="fr-CA" dirty="0">
+              <a:latin typeface="Segoe UI" panose="020B0502040204020203" pitchFamily="34" charset="0"/>
+              <a:cs typeface="Segoe UI" panose="020B0502040204020203" pitchFamily="34" charset="0"/>
+              <a:sym typeface="Wingdings" panose="05000000000000000000" pitchFamily="2" charset="2"/>
+            </a:endParaRPr>
+          </a:p>
+          <a:p>
+            <a:pPr>
+              <a:buFont typeface="Wingdings" panose="05000000000000000000" pitchFamily="2" charset="2"/>
+              <a:buChar char="Ø"/>
+            </a:pPr>
+            <a:r>
+              <a:rPr lang="fr-CA" dirty="0">
+                <a:latin typeface="Segoe UI" panose="020B0502040204020203" pitchFamily="34" charset="0"/>
+                <a:cs typeface="Segoe UI" panose="020B0502040204020203" pitchFamily="34" charset="0"/>
+                <a:sym typeface="Wingdings" panose="05000000000000000000" pitchFamily="2" charset="2"/>
+              </a:rPr>
+              <a:t>Artisan ORM</a:t>
+            </a:r>
+          </a:p>
+          <a:p>
+            <a:pPr>
+              <a:buFont typeface="Wingdings" panose="05000000000000000000" pitchFamily="2" charset="2"/>
+              <a:buChar char="Ø"/>
+            </a:pPr>
+            <a:r>
+              <a:rPr lang="fr-CA" dirty="0" err="1">
+                <a:latin typeface="Segoe UI" panose="020B0502040204020203" pitchFamily="34" charset="0"/>
+                <a:cs typeface="Segoe UI" panose="020B0502040204020203" pitchFamily="34" charset="0"/>
+                <a:sym typeface="Wingdings" panose="05000000000000000000" pitchFamily="2" charset="2"/>
+              </a:rPr>
+              <a:t>Xpoco</a:t>
+            </a:r>
+            <a:endParaRPr lang="fr-CA" dirty="0">
+              <a:latin typeface="Segoe UI" panose="020B0502040204020203" pitchFamily="34" charset="0"/>
+              <a:cs typeface="Segoe UI" panose="020B0502040204020203" pitchFamily="34" charset="0"/>
+              <a:sym typeface="Wingdings" panose="05000000000000000000" pitchFamily="2" charset="2"/>
+            </a:endParaRPr>
+          </a:p>
+          <a:p>
+            <a:pPr>
+              <a:buFont typeface="Wingdings" panose="05000000000000000000" pitchFamily="2" charset="2"/>
+              <a:buChar char="Ø"/>
+            </a:pPr>
+            <a:r>
+              <a:rPr lang="fr-CA" dirty="0" err="1">
+                <a:latin typeface="Segoe UI" panose="020B0502040204020203" pitchFamily="34" charset="0"/>
+                <a:cs typeface="Segoe UI" panose="020B0502040204020203" pitchFamily="34" charset="0"/>
+                <a:sym typeface="Wingdings" panose="05000000000000000000" pitchFamily="2" charset="2"/>
+              </a:rPr>
+              <a:t>Nreco</a:t>
+            </a:r>
+            <a:endParaRPr lang="fr-CA" dirty="0">
+              <a:latin typeface="Segoe UI" panose="020B0502040204020203" pitchFamily="34" charset="0"/>
+              <a:cs typeface="Segoe UI" panose="020B0502040204020203" pitchFamily="34" charset="0"/>
+              <a:sym typeface="Wingdings" panose="05000000000000000000" pitchFamily="2" charset="2"/>
+            </a:endParaRPr>
+          </a:p>
+          <a:p>
+            <a:pPr>
+              <a:buFont typeface="Wingdings" panose="05000000000000000000" pitchFamily="2" charset="2"/>
+              <a:buChar char="Ø"/>
+            </a:pPr>
+            <a:r>
+              <a:rPr lang="fr-CA" dirty="0" err="1">
+                <a:latin typeface="Segoe UI" panose="020B0502040204020203" pitchFamily="34" charset="0"/>
+                <a:cs typeface="Segoe UI" panose="020B0502040204020203" pitchFamily="34" charset="0"/>
+                <a:sym typeface="Wingdings" panose="05000000000000000000" pitchFamily="2" charset="2"/>
+              </a:rPr>
+              <a:t>Uni.Orm</a:t>
+            </a:r>
+            <a:endParaRPr lang="fr-CA" dirty="0">
+              <a:latin typeface="Segoe UI" panose="020B0502040204020203" pitchFamily="34" charset="0"/>
+              <a:cs typeface="Segoe UI" panose="020B0502040204020203" pitchFamily="34" charset="0"/>
+              <a:sym typeface="Wingdings" panose="05000000000000000000" pitchFamily="2" charset="2"/>
+            </a:endParaRPr>
+          </a:p>
+          <a:p>
+            <a:pPr marL="45720" indent="0">
+              <a:buNone/>
+            </a:pPr>
+            <a:endParaRPr lang="fr-CA" dirty="0">
+              <a:latin typeface="Segoe UI" panose="020B0502040204020203" pitchFamily="34" charset="0"/>
+              <a:cs typeface="Segoe UI" panose="020B0502040204020203" pitchFamily="34" charset="0"/>
+            </a:endParaRPr>
+          </a:p>
+          <a:p>
+            <a:pPr marL="45720" indent="0">
+              <a:buNone/>
+            </a:pPr>
+            <a:endParaRPr lang="fr-CA" dirty="0">
+              <a:latin typeface="Segoe UI" panose="020B0502040204020203" pitchFamily="34" charset="0"/>
+              <a:cs typeface="Segoe UI" panose="020B0502040204020203" pitchFamily="34" charset="0"/>
+            </a:endParaRPr>
+          </a:p>
+        </p:txBody>
+      </p:sp>
+    </p:spTree>
+    <p:extLst>
+      <p:ext uri="{BB962C8B-B14F-4D97-AF65-F5344CB8AC3E}">
+        <p14:creationId xmlns:p14="http://schemas.microsoft.com/office/powerpoint/2010/main" val="1009690169"/>
       </p:ext>
     </p:extLst>
   </p:cSld>
@@ -11082,7 +13636,7 @@
         <p:spPr>
           <a:xfrm>
             <a:off x="-1" y="1567528"/>
-            <a:ext cx="9130965" cy="4229265"/>
+            <a:ext cx="10163336" cy="4707437"/>
           </a:xfrm>
           <a:prstGeom prst="rect">
             <a:avLst/>
@@ -11105,8 +13659,8 @@
         </p:blipFill>
         <p:spPr>
           <a:xfrm>
-            <a:off x="8588856" y="3173861"/>
-            <a:ext cx="3659394" cy="2177422"/>
+            <a:off x="7977930" y="3534586"/>
+            <a:ext cx="4209596" cy="2504805"/>
           </a:xfrm>
           <a:prstGeom prst="rect">
             <a:avLst/>
@@ -11121,8 +13675,8 @@
         </p:nvSpPr>
         <p:spPr>
           <a:xfrm>
-            <a:off x="8350960" y="4020256"/>
-            <a:ext cx="475791" cy="484632"/>
+            <a:off x="7553520" y="4544672"/>
+            <a:ext cx="848820" cy="484632"/>
           </a:xfrm>
           <a:prstGeom prst="rightArrow">
             <a:avLst/>
@@ -11240,12 +13794,24 @@
           </a:bodyPr>
           <a:lstStyle/>
           <a:p>
+            <a:pPr marL="45720" indent="0">
+              <a:buNone/>
+            </a:pPr>
+            <a:endParaRPr lang="fr-CA" dirty="0">
+              <a:latin typeface="Segoe UI" panose="020B0502040204020203" pitchFamily="34" charset="0"/>
+              <a:cs typeface="Segoe UI" panose="020B0502040204020203" pitchFamily="34" charset="0"/>
+              <a:sym typeface="Wingdings" panose="05000000000000000000" pitchFamily="2" charset="2"/>
+            </a:endParaRPr>
+          </a:p>
+          <a:p>
             <a:pPr>
               <a:buFont typeface="Wingdings" panose="05000000000000000000" pitchFamily="2" charset="2"/>
               <a:buChar char="Ø"/>
             </a:pPr>
             <a:r>
               <a:rPr lang="fr-CA" dirty="0">
+                <a:latin typeface="Segoe UI" panose="020B0502040204020203" pitchFamily="34" charset="0"/>
+                <a:cs typeface="Segoe UI" panose="020B0502040204020203" pitchFamily="34" charset="0"/>
                 <a:sym typeface="Wingdings" panose="05000000000000000000" pitchFamily="2" charset="2"/>
               </a:rPr>
               <a:t>Performances</a:t>
@@ -11258,30 +13824,40 @@
             </a:pPr>
             <a:r>
               <a:rPr lang="fr-CA" dirty="0">
+                <a:latin typeface="Segoe UI" panose="020B0502040204020203" pitchFamily="34" charset="0"/>
+                <a:cs typeface="Segoe UI" panose="020B0502040204020203" pitchFamily="34" charset="0"/>
                 <a:sym typeface="Wingdings" panose="05000000000000000000" pitchFamily="2" charset="2"/>
               </a:rPr>
               <a:t>Plus complexe qu’il en a l’air (</a:t>
             </a:r>
             <a:r>
               <a:rPr lang="fr-CA" dirty="0" err="1">
+                <a:latin typeface="Segoe UI" panose="020B0502040204020203" pitchFamily="34" charset="0"/>
+                <a:cs typeface="Segoe UI" panose="020B0502040204020203" pitchFamily="34" charset="0"/>
                 <a:sym typeface="Wingdings" panose="05000000000000000000" pitchFamily="2" charset="2"/>
               </a:rPr>
               <a:t>LazyLoading</a:t>
             </a:r>
             <a:r>
               <a:rPr lang="fr-CA" dirty="0">
+                <a:latin typeface="Segoe UI" panose="020B0502040204020203" pitchFamily="34" charset="0"/>
+                <a:cs typeface="Segoe UI" panose="020B0502040204020203" pitchFamily="34" charset="0"/>
                 <a:sym typeface="Wingdings" panose="05000000000000000000" pitchFamily="2" charset="2"/>
               </a:rPr>
               <a:t>, </a:t>
             </a:r>
             <a:r>
               <a:rPr lang="fr-CA" dirty="0" err="1">
+                <a:latin typeface="Segoe UI" panose="020B0502040204020203" pitchFamily="34" charset="0"/>
+                <a:cs typeface="Segoe UI" panose="020B0502040204020203" pitchFamily="34" charset="0"/>
                 <a:sym typeface="Wingdings" panose="05000000000000000000" pitchFamily="2" charset="2"/>
               </a:rPr>
               <a:t>EagerLoading</a:t>
             </a:r>
             <a:r>
               <a:rPr lang="fr-CA" dirty="0">
+                <a:latin typeface="Segoe UI" panose="020B0502040204020203" pitchFamily="34" charset="0"/>
+                <a:cs typeface="Segoe UI" panose="020B0502040204020203" pitchFamily="34" charset="0"/>
                 <a:sym typeface="Wingdings" panose="05000000000000000000" pitchFamily="2" charset="2"/>
               </a:rPr>
               <a:t>)</a:t>
@@ -11293,34 +13869,35 @@
               <a:buChar char="Ø"/>
             </a:pPr>
             <a:r>
-              <a:rPr lang="fr-CA" dirty="0"/>
+              <a:rPr lang="fr-CA" dirty="0">
+                <a:latin typeface="Segoe UI" panose="020B0502040204020203" pitchFamily="34" charset="0"/>
+                <a:cs typeface="Segoe UI" panose="020B0502040204020203" pitchFamily="34" charset="0"/>
+              </a:rPr>
               <a:t>Nombreux bugs de mise à jour du modèle EDMX en mode </a:t>
             </a:r>
             <a:r>
-              <a:rPr lang="fr-CA" dirty="0" err="1"/>
+              <a:rPr lang="fr-CA" dirty="0" err="1">
+                <a:latin typeface="Segoe UI" panose="020B0502040204020203" pitchFamily="34" charset="0"/>
+                <a:cs typeface="Segoe UI" panose="020B0502040204020203" pitchFamily="34" charset="0"/>
+              </a:rPr>
               <a:t>Database</a:t>
             </a:r>
             <a:r>
-              <a:rPr lang="fr-CA" dirty="0"/>
+              <a:rPr lang="fr-CA" dirty="0">
+                <a:latin typeface="Segoe UI" panose="020B0502040204020203" pitchFamily="34" charset="0"/>
+                <a:cs typeface="Segoe UI" panose="020B0502040204020203" pitchFamily="34" charset="0"/>
+              </a:rPr>
               <a:t> First</a:t>
             </a:r>
-          </a:p>
-          <a:p>
-            <a:pPr>
-              <a:buFont typeface="Wingdings" panose="05000000000000000000" pitchFamily="2" charset="2"/>
-              <a:buChar char="Ø"/>
-            </a:pPr>
-            <a:r>
-              <a:rPr lang="fr-CA" dirty="0"/>
-              <a:t>Développement et maintenance compliquée en mode Code First</a:t>
-            </a:r>
-            <a:endParaRPr lang="fr-FR" dirty="0"/>
           </a:p>
           <a:p>
             <a:pPr marL="45720" indent="0">
               <a:buNone/>
             </a:pPr>
-            <a:endParaRPr lang="fr-FR" dirty="0"/>
+            <a:endParaRPr lang="fr-FR" dirty="0">
+              <a:latin typeface="Segoe UI" panose="020B0502040204020203" pitchFamily="34" charset="0"/>
+              <a:cs typeface="Segoe UI" panose="020B0502040204020203" pitchFamily="34" charset="0"/>
+            </a:endParaRPr>
           </a:p>
         </p:txBody>
       </p:sp>
@@ -11389,7 +13966,10 @@
           <a:lstStyle/>
           <a:p>
             <a:r>
-              <a:rPr lang="fr-FR" noProof="1"/>
+              <a:rPr lang="fr-FR" noProof="1">
+                <a:latin typeface="Segoe UI" panose="020B0502040204020203" pitchFamily="34" charset="0"/>
+                <a:cs typeface="Segoe UI" panose="020B0502040204020203" pitchFamily="34" charset="0"/>
+              </a:rPr>
               <a:t>Les alternatives</a:t>
             </a:r>
           </a:p>
@@ -11416,7 +13996,10 @@
               <a:buNone/>
             </a:pPr>
             <a:r>
-              <a:rPr lang="fr-FR" dirty="0"/>
+              <a:rPr lang="fr-FR" dirty="0">
+                <a:latin typeface="Segoe UI" panose="020B0502040204020203" pitchFamily="34" charset="0"/>
+                <a:cs typeface="Segoe UI" panose="020B0502040204020203" pitchFamily="34" charset="0"/>
+              </a:rPr>
               <a:t>Aujourd'hui il existe différentes alternatives à ce dernier, les micro ORM.</a:t>
             </a:r>
           </a:p>
@@ -11425,7 +14008,10 @@
               <a:buNone/>
             </a:pPr>
             <a:r>
-              <a:rPr lang="fr-FR" dirty="0"/>
+              <a:rPr lang="fr-FR" dirty="0">
+                <a:latin typeface="Segoe UI" panose="020B0502040204020203" pitchFamily="34" charset="0"/>
+                <a:cs typeface="Segoe UI" panose="020B0502040204020203" pitchFamily="34" charset="0"/>
+              </a:rPr>
               <a:t>Nous allons voir en quoi ils sont intéressants : </a:t>
             </a:r>
           </a:p>
@@ -11435,8 +14021,11 @@
               <a:buChar char="Ø"/>
             </a:pPr>
             <a:r>
-              <a:rPr lang="fr-FR" dirty="0"/>
-              <a:t>Compatibilité avec les différentes bases de données</a:t>
+              <a:rPr lang="fr-FR" dirty="0">
+                <a:latin typeface="Segoe UI" panose="020B0502040204020203" pitchFamily="34" charset="0"/>
+                <a:cs typeface="Segoe UI" panose="020B0502040204020203" pitchFamily="34" charset="0"/>
+              </a:rPr>
+              <a:t>Compatibilité avec les différentes bases de données relationnelles</a:t>
             </a:r>
           </a:p>
           <a:p>
@@ -11445,7 +14034,10 @@
               <a:buChar char="Ø"/>
             </a:pPr>
             <a:r>
-              <a:rPr lang="fr-FR" dirty="0"/>
+              <a:rPr lang="fr-FR" dirty="0">
+                <a:latin typeface="Segoe UI" panose="020B0502040204020203" pitchFamily="34" charset="0"/>
+                <a:cs typeface="Segoe UI" panose="020B0502040204020203" pitchFamily="34" charset="0"/>
+              </a:rPr>
               <a:t>Simplicité</a:t>
             </a:r>
           </a:p>
@@ -11455,7 +14047,10 @@
               <a:buChar char="Ø"/>
             </a:pPr>
             <a:r>
-              <a:rPr lang="fr-FR" dirty="0"/>
+              <a:rPr lang="fr-FR" dirty="0">
+                <a:latin typeface="Segoe UI" panose="020B0502040204020203" pitchFamily="34" charset="0"/>
+                <a:cs typeface="Segoe UI" panose="020B0502040204020203" pitchFamily="34" charset="0"/>
+              </a:rPr>
               <a:t>Performance</a:t>
             </a:r>
           </a:p>
@@ -11465,7 +14060,10 @@
               <a:buChar char="Ø"/>
             </a:pPr>
             <a:r>
-              <a:rPr lang="fr-FR" dirty="0"/>
+              <a:rPr lang="fr-FR" dirty="0">
+                <a:latin typeface="Segoe UI" panose="020B0502040204020203" pitchFamily="34" charset="0"/>
+                <a:cs typeface="Segoe UI" panose="020B0502040204020203" pitchFamily="34" charset="0"/>
+              </a:rPr>
               <a:t>Communauté autour de ces derniers</a:t>
             </a:r>
           </a:p>
@@ -11473,7 +14071,10 @@
             <a:pPr marL="45720" indent="0">
               <a:buNone/>
             </a:pPr>
-            <a:endParaRPr lang="fr-FR" dirty="0"/>
+            <a:endParaRPr lang="fr-FR" dirty="0">
+              <a:latin typeface="Segoe UI" panose="020B0502040204020203" pitchFamily="34" charset="0"/>
+              <a:cs typeface="Segoe UI" panose="020B0502040204020203" pitchFamily="34" charset="0"/>
+            </a:endParaRPr>
           </a:p>
         </p:txBody>
       </p:sp>
@@ -11538,7 +14139,10 @@
           <a:p>
             <a:pPr algn="ctr"/>
             <a:r>
-              <a:rPr lang="fr-FR" noProof="1"/>
+              <a:rPr lang="fr-FR" noProof="1">
+                <a:latin typeface="Segoe UI" panose="020B0502040204020203" pitchFamily="34" charset="0"/>
+                <a:cs typeface="Segoe UI" panose="020B0502040204020203" pitchFamily="34" charset="0"/>
+              </a:rPr>
               <a:t>Historique</a:t>
             </a:r>
           </a:p>
@@ -11767,7 +14371,10 @@
           <a:lstStyle/>
           <a:p>
             <a:pPr algn="ctr"/>
-            <a:endParaRPr lang="en-US" dirty="0"/>
+            <a:endParaRPr lang="en-US" dirty="0">
+              <a:latin typeface="Segoe UI" panose="020B0502040204020203" pitchFamily="34" charset="0"/>
+              <a:cs typeface="Segoe UI" panose="020B0502040204020203" pitchFamily="34" charset="0"/>
+            </a:endParaRPr>
           </a:p>
         </p:txBody>
       </p:sp>
@@ -11802,7 +14409,8 @@
                 <a:solidFill>
                   <a:schemeClr val="lt1"/>
                 </a:solidFill>
-                <a:latin typeface="Calibri" panose="020F0502020204030204" pitchFamily="34" charset="0"/>
+                <a:latin typeface="Segoe UI" panose="020B0502040204020203" pitchFamily="34" charset="0"/>
+                <a:cs typeface="Segoe UI" panose="020B0502040204020203" pitchFamily="34" charset="0"/>
               </a:rPr>
               <a:t>2002</a:t>
             </a:r>
@@ -11937,7 +14545,10 @@
           <a:lstStyle/>
           <a:p>
             <a:pPr algn="ctr"/>
-            <a:endParaRPr lang="en-US" sz="1200"/>
+            <a:endParaRPr lang="en-US" sz="1200">
+              <a:latin typeface="Segoe UI" panose="020B0502040204020203" pitchFamily="34" charset="0"/>
+              <a:cs typeface="Segoe UI" panose="020B0502040204020203" pitchFamily="34" charset="0"/>
+            </a:endParaRPr>
           </a:p>
         </p:txBody>
       </p:sp>
@@ -11954,7 +14565,7 @@
         <p:spPr>
           <a:xfrm>
             <a:off x="4311427" y="2597984"/>
-            <a:ext cx="1187174" cy="341037"/>
+            <a:ext cx="1315714" cy="341037"/>
           </a:xfrm>
           <a:prstGeom prst="rect">
             <a:avLst/>
@@ -11972,7 +14583,8 @@
                 <a:solidFill>
                   <a:srgbClr val="624332"/>
                 </a:solidFill>
-                <a:latin typeface="Calibri" panose="020F0502020204030204" pitchFamily="34" charset="0"/>
+                <a:latin typeface="Segoe UI" panose="020B0502040204020203" pitchFamily="34" charset="0"/>
+                <a:cs typeface="Segoe UI" panose="020B0502040204020203" pitchFamily="34" charset="0"/>
               </a:rPr>
               <a:t>Entity Framework</a:t>
             </a:r>
@@ -12062,7 +14674,10 @@
           <a:lstStyle/>
           <a:p>
             <a:pPr algn="ctr"/>
-            <a:endParaRPr lang="en-US" sz="1200"/>
+            <a:endParaRPr lang="en-US" sz="1200">
+              <a:latin typeface="Segoe UI" panose="020B0502040204020203" pitchFamily="34" charset="0"/>
+              <a:cs typeface="Segoe UI" panose="020B0502040204020203" pitchFamily="34" charset="0"/>
+            </a:endParaRPr>
           </a:p>
         </p:txBody>
       </p:sp>
@@ -12078,8 +14693,8 @@
         </p:nvSpPr>
         <p:spPr>
           <a:xfrm>
-            <a:off x="6682306" y="4663844"/>
-            <a:ext cx="645853" cy="341037"/>
+            <a:off x="6631220" y="4663844"/>
+            <a:ext cx="667359" cy="341037"/>
           </a:xfrm>
           <a:prstGeom prst="rect">
             <a:avLst/>
@@ -12097,7 +14712,8 @@
                 <a:solidFill>
                   <a:srgbClr val="624332"/>
                 </a:solidFill>
-                <a:latin typeface="Calibri" panose="020F0502020204030204" pitchFamily="34" charset="0"/>
+                <a:latin typeface="Segoe UI" panose="020B0502040204020203" pitchFamily="34" charset="0"/>
+                <a:cs typeface="Segoe UI" panose="020B0502040204020203" pitchFamily="34" charset="0"/>
               </a:rPr>
               <a:t>PetaPoco</a:t>
             </a:r>
@@ -12105,7 +14721,8 @@
               <a:solidFill>
                 <a:srgbClr val="624332"/>
               </a:solidFill>
-              <a:latin typeface="Calibri" panose="020F0502020204030204" pitchFamily="34" charset="0"/>
+              <a:latin typeface="Segoe UI" panose="020B0502040204020203" pitchFamily="34" charset="0"/>
+              <a:cs typeface="Segoe UI" panose="020B0502040204020203" pitchFamily="34" charset="0"/>
             </a:endParaRPr>
           </a:p>
         </p:txBody>
@@ -12193,7 +14810,10 @@
           <a:lstStyle/>
           <a:p>
             <a:pPr algn="ctr"/>
-            <a:endParaRPr lang="en-US" sz="1200"/>
+            <a:endParaRPr lang="en-US" sz="1200">
+              <a:latin typeface="Segoe UI" panose="020B0502040204020203" pitchFamily="34" charset="0"/>
+              <a:cs typeface="Segoe UI" panose="020B0502040204020203" pitchFamily="34" charset="0"/>
+            </a:endParaRPr>
           </a:p>
         </p:txBody>
       </p:sp>
@@ -12210,7 +14830,7 @@
         <p:spPr>
           <a:xfrm>
             <a:off x="208734" y="2515020"/>
-            <a:ext cx="1132386" cy="341037"/>
+            <a:ext cx="1417802" cy="341037"/>
           </a:xfrm>
           <a:prstGeom prst="rect">
             <a:avLst/>
@@ -12228,7 +14848,8 @@
                 <a:solidFill>
                   <a:srgbClr val="624332"/>
                 </a:solidFill>
-                <a:latin typeface="Calibri" panose="020F0502020204030204" pitchFamily="34" charset="0"/>
+                <a:latin typeface="Segoe UI" panose="020B0502040204020203" pitchFamily="34" charset="0"/>
+                <a:cs typeface="Segoe UI" panose="020B0502040204020203" pitchFamily="34" charset="0"/>
               </a:rPr>
               <a:t>Apparition d’ADO.NET avec </a:t>
             </a:r>
@@ -12239,7 +14860,8 @@
                 <a:solidFill>
                   <a:srgbClr val="624332"/>
                 </a:solidFill>
-                <a:latin typeface="Calibri" panose="020F0502020204030204" pitchFamily="34" charset="0"/>
+                <a:latin typeface="Segoe UI" panose="020B0502040204020203" pitchFamily="34" charset="0"/>
+                <a:cs typeface="Segoe UI" panose="020B0502040204020203" pitchFamily="34" charset="0"/>
               </a:rPr>
               <a:t>le Framework .NET</a:t>
             </a:r>
@@ -12322,7 +14944,8 @@
                 <a:solidFill>
                   <a:schemeClr val="lt1"/>
                 </a:solidFill>
-                <a:latin typeface="Calibri" panose="020F0502020204030204" pitchFamily="34" charset="0"/>
+                <a:latin typeface="Segoe UI" panose="020B0502040204020203" pitchFamily="34" charset="0"/>
+                <a:cs typeface="Segoe UI" panose="020B0502040204020203" pitchFamily="34" charset="0"/>
               </a:rPr>
               <a:t>2009</a:t>
             </a:r>
@@ -12360,7 +14983,8 @@
                 <a:solidFill>
                   <a:schemeClr val="lt1"/>
                 </a:solidFill>
-                <a:latin typeface="Calibri" panose="020F0502020204030204" pitchFamily="34" charset="0"/>
+                <a:latin typeface="Segoe UI" panose="020B0502040204020203" pitchFamily="34" charset="0"/>
+                <a:cs typeface="Segoe UI" panose="020B0502040204020203" pitchFamily="34" charset="0"/>
               </a:rPr>
               <a:t>2010</a:t>
             </a:r>
@@ -12443,7 +15067,8 @@
                 <a:solidFill>
                   <a:schemeClr val="lt1"/>
                 </a:solidFill>
-                <a:latin typeface="Calibri" panose="020F0502020204030204" pitchFamily="34" charset="0"/>
+                <a:latin typeface="Segoe UI" panose="020B0502040204020203" pitchFamily="34" charset="0"/>
+                <a:cs typeface="Segoe UI" panose="020B0502040204020203" pitchFamily="34" charset="0"/>
               </a:rPr>
               <a:t>2003</a:t>
             </a:r>
@@ -12526,7 +15151,8 @@
                 <a:solidFill>
                   <a:schemeClr val="lt1"/>
                 </a:solidFill>
-                <a:latin typeface="Calibri" panose="020F0502020204030204" pitchFamily="34" charset="0"/>
+                <a:latin typeface="Segoe UI" panose="020B0502040204020203" pitchFamily="34" charset="0"/>
+                <a:cs typeface="Segoe UI" panose="020B0502040204020203" pitchFamily="34" charset="0"/>
               </a:rPr>
               <a:t>2004</a:t>
             </a:r>
@@ -12609,7 +15235,8 @@
                 <a:solidFill>
                   <a:schemeClr val="lt1"/>
                 </a:solidFill>
-                <a:latin typeface="Calibri" panose="020F0502020204030204" pitchFamily="34" charset="0"/>
+                <a:latin typeface="Segoe UI" panose="020B0502040204020203" pitchFamily="34" charset="0"/>
+                <a:cs typeface="Segoe UI" panose="020B0502040204020203" pitchFamily="34" charset="0"/>
               </a:rPr>
               <a:t>2005</a:t>
             </a:r>
@@ -12962,7 +15589,8 @@
                 <a:solidFill>
                   <a:schemeClr val="lt1"/>
                 </a:solidFill>
-                <a:latin typeface="Calibri" panose="020F0502020204030204" pitchFamily="34" charset="0"/>
+                <a:latin typeface="Segoe UI" panose="020B0502040204020203" pitchFamily="34" charset="0"/>
+                <a:cs typeface="Segoe UI" panose="020B0502040204020203" pitchFamily="34" charset="0"/>
               </a:rPr>
               <a:t>2006</a:t>
             </a:r>
@@ -13000,7 +15628,8 @@
                 <a:solidFill>
                   <a:schemeClr val="lt1"/>
                 </a:solidFill>
-                <a:latin typeface="Calibri" panose="020F0502020204030204" pitchFamily="34" charset="0"/>
+                <a:latin typeface="Segoe UI" panose="020B0502040204020203" pitchFamily="34" charset="0"/>
+                <a:cs typeface="Segoe UI" panose="020B0502040204020203" pitchFamily="34" charset="0"/>
               </a:rPr>
               <a:t>2007</a:t>
             </a:r>
@@ -13038,7 +15667,8 @@
                 <a:solidFill>
                   <a:schemeClr val="lt1"/>
                 </a:solidFill>
-                <a:latin typeface="Calibri" panose="020F0502020204030204" pitchFamily="34" charset="0"/>
+                <a:latin typeface="Segoe UI" panose="020B0502040204020203" pitchFamily="34" charset="0"/>
+                <a:cs typeface="Segoe UI" panose="020B0502040204020203" pitchFamily="34" charset="0"/>
               </a:rPr>
               <a:t>2008</a:t>
             </a:r>
@@ -13076,7 +15706,8 @@
                 <a:solidFill>
                   <a:schemeClr val="lt1"/>
                 </a:solidFill>
-                <a:latin typeface="Calibri" panose="020F0502020204030204" pitchFamily="34" charset="0"/>
+                <a:latin typeface="Segoe UI" panose="020B0502040204020203" pitchFamily="34" charset="0"/>
+                <a:cs typeface="Segoe UI" panose="020B0502040204020203" pitchFamily="34" charset="0"/>
               </a:rPr>
               <a:t>2011</a:t>
             </a:r>
@@ -13114,7 +15745,8 @@
                 <a:solidFill>
                   <a:schemeClr val="lt1"/>
                 </a:solidFill>
-                <a:latin typeface="Calibri" panose="020F0502020204030204" pitchFamily="34" charset="0"/>
+                <a:latin typeface="Segoe UI" panose="020B0502040204020203" pitchFamily="34" charset="0"/>
+                <a:cs typeface="Segoe UI" panose="020B0502040204020203" pitchFamily="34" charset="0"/>
               </a:rPr>
               <a:t>2012</a:t>
             </a:r>
@@ -13152,7 +15784,8 @@
                 <a:solidFill>
                   <a:schemeClr val="lt1"/>
                 </a:solidFill>
-                <a:latin typeface="Calibri" panose="020F0502020204030204" pitchFamily="34" charset="0"/>
+                <a:latin typeface="Segoe UI" panose="020B0502040204020203" pitchFamily="34" charset="0"/>
+                <a:cs typeface="Segoe UI" panose="020B0502040204020203" pitchFamily="34" charset="0"/>
               </a:rPr>
               <a:t>2013</a:t>
             </a:r>
@@ -13190,7 +15823,8 @@
                 <a:solidFill>
                   <a:schemeClr val="lt1"/>
                 </a:solidFill>
-                <a:latin typeface="Calibri" panose="020F0502020204030204" pitchFamily="34" charset="0"/>
+                <a:latin typeface="Segoe UI" panose="020B0502040204020203" pitchFamily="34" charset="0"/>
+                <a:cs typeface="Segoe UI" panose="020B0502040204020203" pitchFamily="34" charset="0"/>
               </a:rPr>
               <a:t>2014</a:t>
             </a:r>
@@ -13273,7 +15907,8 @@
                 <a:solidFill>
                   <a:schemeClr val="lt1"/>
                 </a:solidFill>
-                <a:latin typeface="Calibri" panose="020F0502020204030204" pitchFamily="34" charset="0"/>
+                <a:latin typeface="Segoe UI" panose="020B0502040204020203" pitchFamily="34" charset="0"/>
+                <a:cs typeface="Segoe UI" panose="020B0502040204020203" pitchFamily="34" charset="0"/>
               </a:rPr>
               <a:t>2015</a:t>
             </a:r>
@@ -13356,7 +15991,8 @@
                 <a:solidFill>
                   <a:schemeClr val="lt1"/>
                 </a:solidFill>
-                <a:latin typeface="Calibri" panose="020F0502020204030204" pitchFamily="34" charset="0"/>
+                <a:latin typeface="Segoe UI" panose="020B0502040204020203" pitchFamily="34" charset="0"/>
+                <a:cs typeface="Segoe UI" panose="020B0502040204020203" pitchFamily="34" charset="0"/>
               </a:rPr>
               <a:t>2016</a:t>
             </a:r>
@@ -13439,7 +16075,8 @@
                 <a:solidFill>
                   <a:schemeClr val="lt1"/>
                 </a:solidFill>
-                <a:latin typeface="Calibri" panose="020F0502020204030204" pitchFamily="34" charset="0"/>
+                <a:latin typeface="Segoe UI" panose="020B0502040204020203" pitchFamily="34" charset="0"/>
+                <a:cs typeface="Segoe UI" panose="020B0502040204020203" pitchFamily="34" charset="0"/>
               </a:rPr>
               <a:t>2017</a:t>
             </a:r>
@@ -13552,7 +16189,7 @@
         <p:spPr>
           <a:xfrm>
             <a:off x="6532449" y="2806209"/>
-            <a:ext cx="528463" cy="341037"/>
+            <a:ext cx="620512" cy="341037"/>
           </a:xfrm>
           <a:prstGeom prst="rect">
             <a:avLst/>
@@ -13570,7 +16207,8 @@
                 <a:solidFill>
                   <a:srgbClr val="624332"/>
                 </a:solidFill>
-                <a:latin typeface="Calibri" panose="020F0502020204030204" pitchFamily="34" charset="0"/>
+                <a:latin typeface="Segoe UI" panose="020B0502040204020203" pitchFamily="34" charset="0"/>
+                <a:cs typeface="Segoe UI" panose="020B0502040204020203" pitchFamily="34" charset="0"/>
               </a:rPr>
               <a:t>Massive</a:t>
             </a:r>
@@ -13660,7 +16298,10 @@
           <a:lstStyle/>
           <a:p>
             <a:pPr algn="ctr"/>
-            <a:endParaRPr lang="en-US" sz="1200"/>
+            <a:endParaRPr lang="en-US" sz="1200">
+              <a:latin typeface="Segoe UI" panose="020B0502040204020203" pitchFamily="34" charset="0"/>
+              <a:cs typeface="Segoe UI" panose="020B0502040204020203" pitchFamily="34" charset="0"/>
+            </a:endParaRPr>
           </a:p>
         </p:txBody>
       </p:sp>
@@ -13747,7 +16388,10 @@
           <a:lstStyle/>
           <a:p>
             <a:pPr algn="ctr"/>
-            <a:endParaRPr lang="en-US" sz="1200"/>
+            <a:endParaRPr lang="en-US" sz="1200">
+              <a:latin typeface="Segoe UI" panose="020B0502040204020203" pitchFamily="34" charset="0"/>
+              <a:cs typeface="Segoe UI" panose="020B0502040204020203" pitchFamily="34" charset="0"/>
+            </a:endParaRPr>
           </a:p>
         </p:txBody>
       </p:sp>
@@ -13810,7 +16454,7 @@
         </p:nvSpPr>
         <p:spPr>
           <a:xfrm>
-            <a:off x="6843972" y="2597984"/>
+            <a:off x="6782725" y="2597984"/>
             <a:ext cx="647438" cy="341037"/>
           </a:xfrm>
           <a:prstGeom prst="rect">
@@ -13830,7 +16474,8 @@
                 <a:solidFill>
                   <a:srgbClr val="624332"/>
                 </a:solidFill>
-                <a:latin typeface="Calibri" panose="020F0502020204030204" pitchFamily="34" charset="0"/>
+                <a:latin typeface="Segoe UI" panose="020B0502040204020203" pitchFamily="34" charset="0"/>
+                <a:cs typeface="Segoe UI" panose="020B0502040204020203" pitchFamily="34" charset="0"/>
               </a:rPr>
               <a:t>Dapper</a:t>
             </a:r>
@@ -13920,7 +16565,10 @@
           <a:lstStyle/>
           <a:p>
             <a:pPr algn="ctr"/>
-            <a:endParaRPr lang="en-US" sz="1200"/>
+            <a:endParaRPr lang="en-US" sz="1200">
+              <a:latin typeface="Segoe UI" panose="020B0502040204020203" pitchFamily="34" charset="0"/>
+              <a:cs typeface="Segoe UI" panose="020B0502040204020203" pitchFamily="34" charset="0"/>
+            </a:endParaRPr>
           </a:p>
         </p:txBody>
       </p:sp>
@@ -13983,8 +16631,8 @@
         </p:nvSpPr>
         <p:spPr>
           <a:xfrm>
-            <a:off x="6127851" y="4663845"/>
-            <a:ext cx="532801" cy="341037"/>
+            <a:off x="6010832" y="4663844"/>
+            <a:ext cx="624011" cy="341037"/>
           </a:xfrm>
           <a:prstGeom prst="rect">
             <a:avLst/>
@@ -14002,7 +16650,8 @@
                 <a:solidFill>
                   <a:srgbClr val="624332"/>
                 </a:solidFill>
-                <a:latin typeface="Calibri" panose="020F0502020204030204" pitchFamily="34" charset="0"/>
+                <a:latin typeface="Segoe UI" panose="020B0502040204020203" pitchFamily="34" charset="0"/>
+                <a:cs typeface="Segoe UI" panose="020B0502040204020203" pitchFamily="34" charset="0"/>
               </a:rPr>
               <a:t>OrmLite</a:t>
             </a:r>
@@ -14010,7 +16659,8 @@
               <a:solidFill>
                 <a:srgbClr val="624332"/>
               </a:solidFill>
-              <a:latin typeface="Calibri" panose="020F0502020204030204" pitchFamily="34" charset="0"/>
+              <a:latin typeface="Segoe UI" panose="020B0502040204020203" pitchFamily="34" charset="0"/>
+              <a:cs typeface="Segoe UI" panose="020B0502040204020203" pitchFamily="34" charset="0"/>
             </a:endParaRPr>
           </a:p>
         </p:txBody>
@@ -14098,7 +16748,10 @@
           <a:lstStyle/>
           <a:p>
             <a:pPr algn="ctr"/>
-            <a:endParaRPr lang="en-US" sz="1200"/>
+            <a:endParaRPr lang="en-US" sz="1200">
+              <a:latin typeface="Segoe UI" panose="020B0502040204020203" pitchFamily="34" charset="0"/>
+              <a:cs typeface="Segoe UI" panose="020B0502040204020203" pitchFamily="34" charset="0"/>
+            </a:endParaRPr>
           </a:p>
         </p:txBody>
       </p:sp>
@@ -14162,8 +16815,8 @@
         </p:nvSpPr>
         <p:spPr>
           <a:xfrm>
-            <a:off x="5839893" y="2597984"/>
-            <a:ext cx="791327" cy="341037"/>
+            <a:off x="5768695" y="2597984"/>
+            <a:ext cx="862525" cy="341037"/>
           </a:xfrm>
           <a:prstGeom prst="rect">
             <a:avLst/>
@@ -14182,7 +16835,8 @@
                 <a:solidFill>
                   <a:srgbClr val="624332"/>
                 </a:solidFill>
-                <a:latin typeface="Calibri" panose="020F0502020204030204" pitchFamily="34" charset="0"/>
+                <a:latin typeface="Segoe UI" panose="020B0502040204020203" pitchFamily="34" charset="0"/>
+                <a:cs typeface="Segoe UI" panose="020B0502040204020203" pitchFamily="34" charset="0"/>
               </a:rPr>
               <a:t>Simple.Data</a:t>
             </a:r>
@@ -14190,7 +16844,8 @@
               <a:solidFill>
                 <a:srgbClr val="624332"/>
               </a:solidFill>
-              <a:latin typeface="Calibri" panose="020F0502020204030204" pitchFamily="34" charset="0"/>
+              <a:latin typeface="Segoe UI" panose="020B0502040204020203" pitchFamily="34" charset="0"/>
+              <a:cs typeface="Segoe UI" panose="020B0502040204020203" pitchFamily="34" charset="0"/>
             </a:endParaRPr>
           </a:p>
         </p:txBody>
@@ -14278,7 +16933,10 @@
           <a:lstStyle/>
           <a:p>
             <a:pPr algn="ctr"/>
-            <a:endParaRPr lang="en-US" sz="1200"/>
+            <a:endParaRPr lang="en-US" sz="1200">
+              <a:latin typeface="Segoe UI" panose="020B0502040204020203" pitchFamily="34" charset="0"/>
+              <a:cs typeface="Segoe UI" panose="020B0502040204020203" pitchFamily="34" charset="0"/>
+            </a:endParaRPr>
           </a:p>
         </p:txBody>
       </p:sp>
@@ -14361,7 +17019,8 @@
                 <a:solidFill>
                   <a:srgbClr val="624332"/>
                 </a:solidFill>
-                <a:latin typeface="Calibri" panose="020F0502020204030204" pitchFamily="34" charset="0"/>
+                <a:latin typeface="Segoe UI" panose="020B0502040204020203" pitchFamily="34" charset="0"/>
+                <a:cs typeface="Segoe UI" panose="020B0502040204020203" pitchFamily="34" charset="0"/>
               </a:rPr>
               <a:t>SqlFu</a:t>
             </a:r>
@@ -14369,7 +17028,8 @@
               <a:solidFill>
                 <a:srgbClr val="624332"/>
               </a:solidFill>
-              <a:latin typeface="Calibri" panose="020F0502020204030204" pitchFamily="34" charset="0"/>
+              <a:latin typeface="Segoe UI" panose="020B0502040204020203" pitchFamily="34" charset="0"/>
+              <a:cs typeface="Segoe UI" panose="020B0502040204020203" pitchFamily="34" charset="0"/>
             </a:endParaRPr>
           </a:p>
         </p:txBody>
@@ -14433,8 +17093,8 @@
         </p:nvSpPr>
         <p:spPr>
           <a:xfrm>
-            <a:off x="7385309" y="4663844"/>
-            <a:ext cx="622504" cy="341037"/>
+            <a:off x="7385308" y="4663844"/>
+            <a:ext cx="725113" cy="341037"/>
           </a:xfrm>
           <a:prstGeom prst="rect">
             <a:avLst/>
@@ -14452,7 +17112,8 @@
                 <a:solidFill>
                   <a:srgbClr val="624332"/>
                 </a:solidFill>
-                <a:latin typeface="Calibri" panose="020F0502020204030204" pitchFamily="34" charset="0"/>
+                <a:latin typeface="Segoe UI" panose="020B0502040204020203" pitchFamily="34" charset="0"/>
+                <a:cs typeface="Segoe UI" panose="020B0502040204020203" pitchFamily="34" charset="0"/>
               </a:rPr>
               <a:t>MicroLite</a:t>
             </a:r>
@@ -14460,7 +17121,8 @@
               <a:solidFill>
                 <a:srgbClr val="624332"/>
               </a:solidFill>
-              <a:latin typeface="Calibri" panose="020F0502020204030204" pitchFamily="34" charset="0"/>
+              <a:latin typeface="Segoe UI" panose="020B0502040204020203" pitchFamily="34" charset="0"/>
+              <a:cs typeface="Segoe UI" panose="020B0502040204020203" pitchFamily="34" charset="0"/>
             </a:endParaRPr>
           </a:p>
         </p:txBody>
@@ -14548,7 +17210,10 @@
           <a:lstStyle/>
           <a:p>
             <a:pPr algn="ctr"/>
-            <a:endParaRPr lang="en-US" sz="1200"/>
+            <a:endParaRPr lang="en-US" sz="1200">
+              <a:latin typeface="Segoe UI" panose="020B0502040204020203" pitchFamily="34" charset="0"/>
+              <a:cs typeface="Segoe UI" panose="020B0502040204020203" pitchFamily="34" charset="0"/>
+            </a:endParaRPr>
           </a:p>
         </p:txBody>
       </p:sp>
@@ -14635,7 +17300,10 @@
           <a:lstStyle/>
           <a:p>
             <a:pPr algn="ctr"/>
-            <a:endParaRPr lang="en-US" sz="1200"/>
+            <a:endParaRPr lang="en-US" sz="1200">
+              <a:latin typeface="Segoe UI" panose="020B0502040204020203" pitchFamily="34" charset="0"/>
+              <a:cs typeface="Segoe UI" panose="020B0502040204020203" pitchFamily="34" charset="0"/>
+            </a:endParaRPr>
           </a:p>
         </p:txBody>
       </p:sp>
@@ -14718,7 +17386,8 @@
                 <a:solidFill>
                   <a:srgbClr val="624332"/>
                 </a:solidFill>
-                <a:latin typeface="Calibri" panose="020F0502020204030204" pitchFamily="34" charset="0"/>
+                <a:latin typeface="Segoe UI" panose="020B0502040204020203" pitchFamily="34" charset="0"/>
+                <a:cs typeface="Segoe UI" panose="020B0502040204020203" pitchFamily="34" charset="0"/>
               </a:rPr>
               <a:t>NPoco</a:t>
             </a:r>
@@ -14726,7 +17395,8 @@
               <a:solidFill>
                 <a:srgbClr val="624332"/>
               </a:solidFill>
-              <a:latin typeface="Calibri" panose="020F0502020204030204" pitchFamily="34" charset="0"/>
+              <a:latin typeface="Segoe UI" panose="020B0502040204020203" pitchFamily="34" charset="0"/>
+              <a:cs typeface="Segoe UI" panose="020B0502040204020203" pitchFamily="34" charset="0"/>
             </a:endParaRPr>
           </a:p>
         </p:txBody>
@@ -14814,7 +17484,10 @@
           <a:lstStyle/>
           <a:p>
             <a:pPr algn="ctr"/>
-            <a:endParaRPr lang="en-US" sz="1200"/>
+            <a:endParaRPr lang="en-US" sz="1200">
+              <a:latin typeface="Segoe UI" panose="020B0502040204020203" pitchFamily="34" charset="0"/>
+              <a:cs typeface="Segoe UI" panose="020B0502040204020203" pitchFamily="34" charset="0"/>
+            </a:endParaRPr>
           </a:p>
         </p:txBody>
       </p:sp>
@@ -14897,7 +17570,8 @@
                 <a:solidFill>
                   <a:srgbClr val="624332"/>
                 </a:solidFill>
-                <a:latin typeface="Calibri" panose="020F0502020204030204" pitchFamily="34" charset="0"/>
+                <a:latin typeface="Segoe UI" panose="020B0502040204020203" pitchFamily="34" charset="0"/>
+                <a:cs typeface="Segoe UI" panose="020B0502040204020203" pitchFamily="34" charset="0"/>
               </a:rPr>
               <a:t>Uni.Orm</a:t>
             </a:r>
@@ -14905,7 +17579,8 @@
               <a:solidFill>
                 <a:srgbClr val="624332"/>
               </a:solidFill>
-              <a:latin typeface="Calibri" panose="020F0502020204030204" pitchFamily="34" charset="0"/>
+              <a:latin typeface="Segoe UI" panose="020B0502040204020203" pitchFamily="34" charset="0"/>
+              <a:cs typeface="Segoe UI" panose="020B0502040204020203" pitchFamily="34" charset="0"/>
             </a:endParaRPr>
           </a:p>
         </p:txBody>
@@ -14993,7 +17668,10 @@
           <a:lstStyle/>
           <a:p>
             <a:pPr algn="ctr"/>
-            <a:endParaRPr lang="en-US" sz="1200"/>
+            <a:endParaRPr lang="en-US" sz="1200">
+              <a:latin typeface="Segoe UI" panose="020B0502040204020203" pitchFamily="34" charset="0"/>
+              <a:cs typeface="Segoe UI" panose="020B0502040204020203" pitchFamily="34" charset="0"/>
+            </a:endParaRPr>
           </a:p>
         </p:txBody>
       </p:sp>
@@ -15076,7 +17754,8 @@
                 <a:solidFill>
                   <a:srgbClr val="624332"/>
                 </a:solidFill>
-                <a:latin typeface="Calibri" panose="020F0502020204030204" pitchFamily="34" charset="0"/>
+                <a:latin typeface="Segoe UI" panose="020B0502040204020203" pitchFamily="34" charset="0"/>
+                <a:cs typeface="Segoe UI" panose="020B0502040204020203" pitchFamily="34" charset="0"/>
               </a:rPr>
               <a:t>NReco</a:t>
             </a:r>
@@ -15084,7 +17763,8 @@
               <a:solidFill>
                 <a:srgbClr val="624332"/>
               </a:solidFill>
-              <a:latin typeface="Calibri" panose="020F0502020204030204" pitchFamily="34" charset="0"/>
+              <a:latin typeface="Segoe UI" panose="020B0502040204020203" pitchFamily="34" charset="0"/>
+              <a:cs typeface="Segoe UI" panose="020B0502040204020203" pitchFamily="34" charset="0"/>
             </a:endParaRPr>
           </a:p>
         </p:txBody>
@@ -15148,8 +17828,8 @@
         </p:nvSpPr>
         <p:spPr>
           <a:xfrm>
-            <a:off x="9759411" y="4763113"/>
-            <a:ext cx="865916" cy="341037"/>
+            <a:off x="9759410" y="4763113"/>
+            <a:ext cx="1060991" cy="341037"/>
           </a:xfrm>
           <a:prstGeom prst="rect">
             <a:avLst/>
@@ -15167,7 +17847,8 @@
                 <a:solidFill>
                   <a:srgbClr val="624332"/>
                 </a:solidFill>
-                <a:latin typeface="Calibri" panose="020F0502020204030204" pitchFamily="34" charset="0"/>
+                <a:latin typeface="Segoe UI" panose="020B0502040204020203" pitchFamily="34" charset="0"/>
+                <a:cs typeface="Segoe UI" panose="020B0502040204020203" pitchFamily="34" charset="0"/>
               </a:rPr>
               <a:t>Artisan </a:t>
             </a:r>
@@ -15176,7 +17857,8 @@
                 <a:solidFill>
                   <a:srgbClr val="624332"/>
                 </a:solidFill>
-                <a:latin typeface="Calibri" panose="020F0502020204030204" pitchFamily="34" charset="0"/>
+                <a:latin typeface="Segoe UI" panose="020B0502040204020203" pitchFamily="34" charset="0"/>
+                <a:cs typeface="Segoe UI" panose="020B0502040204020203" pitchFamily="34" charset="0"/>
               </a:rPr>
               <a:t>Orm</a:t>
             </a:r>
@@ -15184,7 +17866,8 @@
               <a:solidFill>
                 <a:srgbClr val="624332"/>
               </a:solidFill>
-              <a:latin typeface="Calibri" panose="020F0502020204030204" pitchFamily="34" charset="0"/>
+              <a:latin typeface="Segoe UI" panose="020B0502040204020203" pitchFamily="34" charset="0"/>
+              <a:cs typeface="Segoe UI" panose="020B0502040204020203" pitchFamily="34" charset="0"/>
             </a:endParaRPr>
           </a:p>
         </p:txBody>
@@ -15272,7 +17955,10 @@
           <a:lstStyle/>
           <a:p>
             <a:pPr algn="ctr"/>
-            <a:endParaRPr lang="en-US" sz="1200"/>
+            <a:endParaRPr lang="en-US" sz="1200">
+              <a:latin typeface="Segoe UI" panose="020B0502040204020203" pitchFamily="34" charset="0"/>
+              <a:cs typeface="Segoe UI" panose="020B0502040204020203" pitchFamily="34" charset="0"/>
+            </a:endParaRPr>
           </a:p>
         </p:txBody>
       </p:sp>
@@ -15359,7 +18045,10 @@
           <a:lstStyle/>
           <a:p>
             <a:pPr algn="ctr"/>
-            <a:endParaRPr lang="en-US" sz="1200"/>
+            <a:endParaRPr lang="en-US" sz="1200">
+              <a:latin typeface="Segoe UI" panose="020B0502040204020203" pitchFamily="34" charset="0"/>
+              <a:cs typeface="Segoe UI" panose="020B0502040204020203" pitchFamily="34" charset="0"/>
+            </a:endParaRPr>
           </a:p>
         </p:txBody>
       </p:sp>
@@ -15442,7 +18131,8 @@
                 <a:solidFill>
                   <a:srgbClr val="624332"/>
                 </a:solidFill>
-                <a:latin typeface="Calibri" panose="020F0502020204030204" pitchFamily="34" charset="0"/>
+                <a:latin typeface="Segoe UI" panose="020B0502040204020203" pitchFamily="34" charset="0"/>
+                <a:cs typeface="Segoe UI" panose="020B0502040204020203" pitchFamily="34" charset="0"/>
               </a:rPr>
               <a:t>XPoco</a:t>
             </a:r>
@@ -15450,7 +18140,8 @@
               <a:solidFill>
                 <a:srgbClr val="624332"/>
               </a:solidFill>
-              <a:latin typeface="Calibri" panose="020F0502020204030204" pitchFamily="34" charset="0"/>
+              <a:latin typeface="Segoe UI" panose="020B0502040204020203" pitchFamily="34" charset="0"/>
+              <a:cs typeface="Segoe UI" panose="020B0502040204020203" pitchFamily="34" charset="0"/>
             </a:endParaRPr>
           </a:p>
         </p:txBody>
@@ -15513,30 +18204,51 @@
           <a:lstStyle/>
           <a:p>
             <a:r>
-              <a:rPr lang="fr-CA" dirty="0"/>
+              <a:rPr lang="fr-CA" dirty="0">
+                <a:latin typeface="Segoe UI" panose="020B0502040204020203" pitchFamily="34" charset="0"/>
+                <a:cs typeface="Segoe UI" panose="020B0502040204020203" pitchFamily="34" charset="0"/>
+              </a:rPr>
               <a:t>Origines de </a:t>
             </a:r>
             <a:r>
-              <a:rPr lang="fr-CA" dirty="0" err="1"/>
+              <a:rPr lang="fr-CA" dirty="0" err="1">
+                <a:latin typeface="Segoe UI" panose="020B0502040204020203" pitchFamily="34" charset="0"/>
+                <a:cs typeface="Segoe UI" panose="020B0502040204020203" pitchFamily="34" charset="0"/>
+              </a:rPr>
               <a:t>PetaPoco</a:t>
             </a:r>
             <a:r>
-              <a:rPr lang="fr-CA" dirty="0"/>
+              <a:rPr lang="fr-CA" dirty="0">
+                <a:latin typeface="Segoe UI" panose="020B0502040204020203" pitchFamily="34" charset="0"/>
+                <a:cs typeface="Segoe UI" panose="020B0502040204020203" pitchFamily="34" charset="0"/>
+              </a:rPr>
               <a:t>, </a:t>
             </a:r>
             <a:r>
-              <a:rPr lang="fr-CA" dirty="0" err="1"/>
+              <a:rPr lang="fr-CA" dirty="0" err="1">
+                <a:latin typeface="Segoe UI" panose="020B0502040204020203" pitchFamily="34" charset="0"/>
+                <a:cs typeface="Segoe UI" panose="020B0502040204020203" pitchFamily="34" charset="0"/>
+              </a:rPr>
               <a:t>NPoco</a:t>
             </a:r>
             <a:r>
-              <a:rPr lang="fr-CA" dirty="0"/>
+              <a:rPr lang="fr-CA" dirty="0">
+                <a:latin typeface="Segoe UI" panose="020B0502040204020203" pitchFamily="34" charset="0"/>
+                <a:cs typeface="Segoe UI" panose="020B0502040204020203" pitchFamily="34" charset="0"/>
+              </a:rPr>
               <a:t> et </a:t>
             </a:r>
             <a:r>
-              <a:rPr lang="fr-CA" dirty="0" err="1"/>
+              <a:rPr lang="fr-CA" dirty="0" err="1">
+                <a:latin typeface="Segoe UI" panose="020B0502040204020203" pitchFamily="34" charset="0"/>
+                <a:cs typeface="Segoe UI" panose="020B0502040204020203" pitchFamily="34" charset="0"/>
+              </a:rPr>
               <a:t>XPoco</a:t>
             </a:r>
-            <a:endParaRPr lang="fr-FR" dirty="0"/>
+            <a:endParaRPr lang="fr-FR" dirty="0">
+              <a:latin typeface="Segoe UI" panose="020B0502040204020203" pitchFamily="34" charset="0"/>
+              <a:cs typeface="Segoe UI" panose="020B0502040204020203" pitchFamily="34" charset="0"/>
+            </a:endParaRPr>
           </a:p>
         </p:txBody>
       </p:sp>
@@ -15548,8 +18260,8 @@
         </p:nvSpPr>
         <p:spPr>
           <a:xfrm>
-            <a:off x="3833768" y="3406574"/>
-            <a:ext cx="978408" cy="217041"/>
+            <a:off x="3311010" y="3477005"/>
+            <a:ext cx="827405" cy="212604"/>
           </a:xfrm>
           <a:prstGeom prst="rightArrow">
             <a:avLst/>
@@ -15576,7 +18288,10 @@
           <a:lstStyle/>
           <a:p>
             <a:pPr algn="ctr"/>
-            <a:endParaRPr lang="fr-FR"/>
+            <a:endParaRPr lang="fr-FR" sz="2400">
+              <a:latin typeface="Segoe UI" panose="020B0502040204020203" pitchFamily="34" charset="0"/>
+              <a:cs typeface="Segoe UI" panose="020B0502040204020203" pitchFamily="34" charset="0"/>
+            </a:endParaRPr>
           </a:p>
         </p:txBody>
       </p:sp>
@@ -15588,8 +18303,8 @@
         </p:nvSpPr>
         <p:spPr>
           <a:xfrm>
-            <a:off x="2692865" y="3330429"/>
-            <a:ext cx="1140903" cy="646331"/>
+            <a:off x="1937857" y="3330429"/>
+            <a:ext cx="1895911" cy="830997"/>
           </a:xfrm>
           <a:prstGeom prst="rect">
             <a:avLst/>
@@ -15603,10 +18318,16 @@
           <a:lstStyle/>
           <a:p>
             <a:r>
-              <a:rPr lang="fr-CA" dirty="0"/>
+              <a:rPr lang="fr-CA" sz="2400" dirty="0">
+                <a:latin typeface="Segoe UI" panose="020B0502040204020203" pitchFamily="34" charset="0"/>
+                <a:cs typeface="Segoe UI" panose="020B0502040204020203" pitchFamily="34" charset="0"/>
+              </a:rPr>
               <a:t>Massive (2011)</a:t>
             </a:r>
-            <a:endParaRPr lang="fr-FR" dirty="0"/>
+            <a:endParaRPr lang="fr-FR" sz="2400" dirty="0">
+              <a:latin typeface="Segoe UI" panose="020B0502040204020203" pitchFamily="34" charset="0"/>
+              <a:cs typeface="Segoe UI" panose="020B0502040204020203" pitchFamily="34" charset="0"/>
+            </a:endParaRPr>
           </a:p>
         </p:txBody>
       </p:sp>
@@ -15618,8 +18339,8 @@
         </p:nvSpPr>
         <p:spPr>
           <a:xfrm>
-            <a:off x="4893423" y="3330429"/>
-            <a:ext cx="1140903" cy="646331"/>
+            <a:off x="4138415" y="3330429"/>
+            <a:ext cx="1895911" cy="830997"/>
           </a:xfrm>
           <a:prstGeom prst="rect">
             <a:avLst/>
@@ -15633,14 +18354,23 @@
           <a:lstStyle/>
           <a:p>
             <a:r>
-              <a:rPr lang="fr-CA" dirty="0" err="1"/>
+              <a:rPr lang="fr-CA" sz="2400" dirty="0" err="1">
+                <a:latin typeface="Segoe UI" panose="020B0502040204020203" pitchFamily="34" charset="0"/>
+                <a:cs typeface="Segoe UI" panose="020B0502040204020203" pitchFamily="34" charset="0"/>
+              </a:rPr>
               <a:t>PetaPoco</a:t>
             </a:r>
             <a:r>
-              <a:rPr lang="fr-CA" dirty="0"/>
+              <a:rPr lang="fr-CA" sz="2400" dirty="0">
+                <a:latin typeface="Segoe UI" panose="020B0502040204020203" pitchFamily="34" charset="0"/>
+                <a:cs typeface="Segoe UI" panose="020B0502040204020203" pitchFamily="34" charset="0"/>
+              </a:rPr>
               <a:t> (2011)</a:t>
             </a:r>
-            <a:endParaRPr lang="fr-FR" dirty="0"/>
+            <a:endParaRPr lang="fr-FR" sz="2400" dirty="0">
+              <a:latin typeface="Segoe UI" panose="020B0502040204020203" pitchFamily="34" charset="0"/>
+              <a:cs typeface="Segoe UI" panose="020B0502040204020203" pitchFamily="34" charset="0"/>
+            </a:endParaRPr>
           </a:p>
         </p:txBody>
       </p:sp>
@@ -15652,8 +18382,8 @@
         </p:nvSpPr>
         <p:spPr>
           <a:xfrm>
-            <a:off x="5877829" y="2377565"/>
-            <a:ext cx="1216152" cy="731520"/>
+            <a:off x="5073024" y="2377565"/>
+            <a:ext cx="2020957" cy="731520"/>
           </a:xfrm>
           <a:prstGeom prst="curvedDownArrow">
             <a:avLst/>
@@ -15680,10 +18410,12 @@
           <a:lstStyle/>
           <a:p>
             <a:pPr algn="ctr"/>
-            <a:endParaRPr lang="fr-FR">
+            <a:endParaRPr lang="fr-FR" sz="2400">
               <a:solidFill>
                 <a:schemeClr val="tx1"/>
               </a:solidFill>
+              <a:latin typeface="Segoe UI" panose="020B0502040204020203" pitchFamily="34" charset="0"/>
+              <a:cs typeface="Segoe UI" panose="020B0502040204020203" pitchFamily="34" charset="0"/>
             </a:endParaRPr>
           </a:p>
         </p:txBody>
@@ -15696,8 +18428,8 @@
         </p:nvSpPr>
         <p:spPr>
           <a:xfrm>
-            <a:off x="5877829" y="4261607"/>
-            <a:ext cx="1216152" cy="731520"/>
+            <a:off x="5073024" y="4261607"/>
+            <a:ext cx="2020957" cy="731520"/>
           </a:xfrm>
           <a:prstGeom prst="curvedUpArrow">
             <a:avLst/>
@@ -15724,10 +18456,12 @@
           <a:lstStyle/>
           <a:p>
             <a:pPr algn="ctr"/>
-            <a:endParaRPr lang="fr-FR">
+            <a:endParaRPr lang="fr-FR" sz="2400">
               <a:solidFill>
                 <a:schemeClr val="tx1"/>
               </a:solidFill>
+              <a:latin typeface="Segoe UI" panose="020B0502040204020203" pitchFamily="34" charset="0"/>
+              <a:cs typeface="Segoe UI" panose="020B0502040204020203" pitchFamily="34" charset="0"/>
             </a:endParaRPr>
           </a:p>
         </p:txBody>
@@ -15740,8 +18474,8 @@
         </p:nvSpPr>
         <p:spPr>
           <a:xfrm>
-            <a:off x="6597786" y="3048102"/>
-            <a:ext cx="1140903" cy="646331"/>
+            <a:off x="6987043" y="2817953"/>
+            <a:ext cx="1895911" cy="830997"/>
           </a:xfrm>
           <a:prstGeom prst="rect">
             <a:avLst/>
@@ -15755,14 +18489,23 @@
           <a:lstStyle/>
           <a:p>
             <a:r>
-              <a:rPr lang="fr-CA" dirty="0" err="1"/>
-              <a:t>Npoco</a:t>
-            </a:r>
-            <a:r>
-              <a:rPr lang="fr-CA" dirty="0"/>
+              <a:rPr lang="fr-CA" sz="2400" dirty="0" err="1">
+                <a:latin typeface="Segoe UI" panose="020B0502040204020203" pitchFamily="34" charset="0"/>
+                <a:cs typeface="Segoe UI" panose="020B0502040204020203" pitchFamily="34" charset="0"/>
+              </a:rPr>
+              <a:t>NPoco</a:t>
+            </a:r>
+            <a:r>
+              <a:rPr lang="fr-CA" sz="2400" dirty="0">
+                <a:latin typeface="Segoe UI" panose="020B0502040204020203" pitchFamily="34" charset="0"/>
+                <a:cs typeface="Segoe UI" panose="020B0502040204020203" pitchFamily="34" charset="0"/>
+              </a:rPr>
               <a:t> (2012)</a:t>
             </a:r>
-            <a:endParaRPr lang="fr-FR" dirty="0"/>
+            <a:endParaRPr lang="fr-FR" sz="2400" dirty="0">
+              <a:latin typeface="Segoe UI" panose="020B0502040204020203" pitchFamily="34" charset="0"/>
+              <a:cs typeface="Segoe UI" panose="020B0502040204020203" pitchFamily="34" charset="0"/>
+            </a:endParaRPr>
           </a:p>
         </p:txBody>
       </p:sp>
@@ -15774,8 +18517,8 @@
         </p:nvSpPr>
         <p:spPr>
           <a:xfrm>
-            <a:off x="6597786" y="3677799"/>
-            <a:ext cx="1140903" cy="646331"/>
+            <a:off x="6987043" y="3846108"/>
+            <a:ext cx="1895911" cy="830997"/>
           </a:xfrm>
           <a:prstGeom prst="rect">
             <a:avLst/>
@@ -15789,14 +18532,23 @@
           <a:lstStyle/>
           <a:p>
             <a:r>
-              <a:rPr lang="fr-CA" dirty="0" err="1"/>
-              <a:t>Xpoco</a:t>
-            </a:r>
-            <a:r>
-              <a:rPr lang="fr-CA" dirty="0"/>
+              <a:rPr lang="fr-CA" sz="2400" dirty="0" err="1">
+                <a:latin typeface="Segoe UI" panose="020B0502040204020203" pitchFamily="34" charset="0"/>
+                <a:cs typeface="Segoe UI" panose="020B0502040204020203" pitchFamily="34" charset="0"/>
+              </a:rPr>
+              <a:t>XPoco</a:t>
+            </a:r>
+            <a:r>
+              <a:rPr lang="fr-CA" sz="2400" dirty="0">
+                <a:latin typeface="Segoe UI" panose="020B0502040204020203" pitchFamily="34" charset="0"/>
+                <a:cs typeface="Segoe UI" panose="020B0502040204020203" pitchFamily="34" charset="0"/>
+              </a:rPr>
               <a:t> (2017)</a:t>
             </a:r>
-            <a:endParaRPr lang="fr-FR" dirty="0"/>
+            <a:endParaRPr lang="fr-FR" sz="2400" dirty="0">
+              <a:latin typeface="Segoe UI" panose="020B0502040204020203" pitchFamily="34" charset="0"/>
+              <a:cs typeface="Segoe UI" panose="020B0502040204020203" pitchFamily="34" charset="0"/>
+            </a:endParaRPr>
           </a:p>
         </p:txBody>
       </p:sp>
@@ -15844,7 +18596,7 @@
       </p:grpSpPr>
       <p:sp>
         <p:nvSpPr>
-          <p:cNvPr id="13" name="Titre 12"/>
+          <p:cNvPr id="2" name="Titre 1"/>
           <p:cNvSpPr>
             <a:spLocks noGrp="1"/>
           </p:cNvSpPr>
@@ -15855,294 +18607,55 @@
         <p:spPr>
           <a:xfrm>
             <a:off x="1341120" y="438912"/>
-            <a:ext cx="9509760" cy="517433"/>
+            <a:ext cx="9509760" cy="573142"/>
           </a:xfrm>
         </p:spPr>
         <p:txBody>
-          <a:bodyPr>
-            <a:normAutofit fontScale="90000"/>
-          </a:bodyPr>
+          <a:bodyPr/>
           <a:lstStyle/>
           <a:p>
             <a:r>
-              <a:rPr lang="fr-FR" noProof="1"/>
-              <a:t>Simple.Data</a:t>
-            </a:r>
+              <a:rPr lang="fr-CA" dirty="0">
+                <a:latin typeface="Segoe UI" panose="020B0502040204020203" pitchFamily="34" charset="0"/>
+                <a:cs typeface="Segoe UI" panose="020B0502040204020203" pitchFamily="34" charset="0"/>
+              </a:rPr>
+              <a:t>Scénario utilisé</a:t>
+            </a:r>
+            <a:endParaRPr lang="fr-FR" dirty="0">
+              <a:latin typeface="Segoe UI" panose="020B0502040204020203" pitchFamily="34" charset="0"/>
+              <a:cs typeface="Segoe UI" panose="020B0502040204020203" pitchFamily="34" charset="0"/>
+            </a:endParaRPr>
           </a:p>
         </p:txBody>
       </p:sp>
-      <p:sp>
-        <p:nvSpPr>
-          <p:cNvPr id="3" name="Espace réservé du contenu 2"/>
-          <p:cNvSpPr>
-            <a:spLocks noGrp="1"/>
-          </p:cNvSpPr>
-          <p:nvPr>
-            <p:ph idx="1"/>
-          </p:nvPr>
-        </p:nvSpPr>
-        <p:spPr>
-          <a:xfrm>
-            <a:off x="1341120" y="956345"/>
-            <a:ext cx="9509760" cy="5217952"/>
-          </a:xfrm>
-        </p:spPr>
-        <p:txBody>
-          <a:bodyPr>
-            <a:normAutofit fontScale="62500" lnSpcReduction="20000"/>
-          </a:bodyPr>
-          <a:lstStyle/>
-          <a:p>
-            <a:pPr>
-              <a:buFont typeface="Wingdings" panose="05000000000000000000" pitchFamily="2" charset="2"/>
-              <a:buChar char="Ø"/>
-            </a:pPr>
-            <a:r>
-              <a:rPr lang="fr-FR" dirty="0"/>
-              <a:t>Syntaxe entièrement dynamique, conséquence : pas </a:t>
-            </a:r>
-            <a:r>
-              <a:rPr lang="fr-FR" dirty="0" err="1"/>
-              <a:t>d’Intellisense</a:t>
-            </a:r>
-            <a:r>
-              <a:rPr lang="fr-FR" dirty="0"/>
-              <a:t>, mais il est possible de télécharger séparément un outil.</a:t>
-            </a:r>
-          </a:p>
-          <a:p>
-            <a:pPr>
-              <a:buFont typeface="Wingdings" panose="05000000000000000000" pitchFamily="2" charset="2"/>
-              <a:buChar char="Ø"/>
-            </a:pPr>
-            <a:r>
-              <a:rPr lang="fr-CA" dirty="0"/>
-              <a:t>C</a:t>
-            </a:r>
-            <a:r>
-              <a:rPr lang="fr-FR" dirty="0" err="1"/>
-              <a:t>ompatible</a:t>
-            </a:r>
-            <a:r>
-              <a:rPr lang="fr-FR" dirty="0"/>
-              <a:t> avec plusieurs bases de données : </a:t>
-            </a:r>
-          </a:p>
-          <a:p>
-            <a:pPr lvl="1">
-              <a:buFont typeface="Wingdings" panose="05000000000000000000" pitchFamily="2" charset="2"/>
-              <a:buChar char="Ø"/>
-            </a:pPr>
-            <a:r>
-              <a:rPr lang="fr-FR" dirty="0"/>
-              <a:t>SQL Server 2005 et supérieur, </a:t>
-            </a:r>
-          </a:p>
-          <a:p>
-            <a:pPr lvl="1">
-              <a:buFont typeface="Wingdings" panose="05000000000000000000" pitchFamily="2" charset="2"/>
-              <a:buChar char="Ø"/>
-            </a:pPr>
-            <a:r>
-              <a:rPr lang="fr-FR" dirty="0"/>
-              <a:t>Oracle, </a:t>
-            </a:r>
-          </a:p>
-          <a:p>
-            <a:pPr lvl="1">
-              <a:buFont typeface="Wingdings" panose="05000000000000000000" pitchFamily="2" charset="2"/>
-              <a:buChar char="Ø"/>
-            </a:pPr>
-            <a:r>
-              <a:rPr lang="fr-FR" dirty="0" err="1"/>
-              <a:t>Mysql</a:t>
-            </a:r>
-            <a:r>
-              <a:rPr lang="fr-FR" dirty="0"/>
-              <a:t> 4 et supérieur,</a:t>
-            </a:r>
-          </a:p>
-          <a:p>
-            <a:pPr lvl="1">
-              <a:buFont typeface="Wingdings" panose="05000000000000000000" pitchFamily="2" charset="2"/>
-              <a:buChar char="Ø"/>
-            </a:pPr>
-            <a:r>
-              <a:rPr lang="fr-FR" dirty="0" err="1"/>
-              <a:t>SqlLite</a:t>
-            </a:r>
-            <a:r>
-              <a:rPr lang="fr-FR" dirty="0"/>
-              <a:t> et supérieur</a:t>
-            </a:r>
-          </a:p>
-          <a:p>
-            <a:pPr lvl="1">
-              <a:buFont typeface="Wingdings" panose="05000000000000000000" pitchFamily="2" charset="2"/>
-              <a:buChar char="Ø"/>
-            </a:pPr>
-            <a:r>
-              <a:rPr lang="fr-CA" dirty="0" err="1"/>
-              <a:t>PostgreSql</a:t>
-            </a:r>
-            <a:endParaRPr lang="fr-CA" dirty="0"/>
-          </a:p>
-          <a:p>
-            <a:pPr lvl="1">
-              <a:buFont typeface="Wingdings" panose="05000000000000000000" pitchFamily="2" charset="2"/>
-              <a:buChar char="Ø"/>
-            </a:pPr>
-            <a:r>
-              <a:rPr lang="fr-CA" dirty="0" err="1"/>
-              <a:t>SqlAnyWhere</a:t>
-            </a:r>
-            <a:endParaRPr lang="fr-CA" dirty="0"/>
-          </a:p>
-          <a:p>
-            <a:pPr lvl="1">
-              <a:buFont typeface="Wingdings" panose="05000000000000000000" pitchFamily="2" charset="2"/>
-              <a:buChar char="Ø"/>
-            </a:pPr>
-            <a:r>
-              <a:rPr lang="fr-CA" dirty="0" err="1"/>
-              <a:t>Informix</a:t>
-            </a:r>
-            <a:endParaRPr lang="fr-CA" dirty="0"/>
-          </a:p>
-          <a:p>
-            <a:pPr lvl="1">
-              <a:buFont typeface="Wingdings" panose="05000000000000000000" pitchFamily="2" charset="2"/>
-              <a:buChar char="Ø"/>
-            </a:pPr>
-            <a:r>
-              <a:rPr lang="fr-CA" dirty="0"/>
-              <a:t>Microsoft Access (2000, 2003 ,2007)</a:t>
-            </a:r>
-            <a:endParaRPr lang="fr-FR" dirty="0"/>
-          </a:p>
-          <a:p>
-            <a:pPr>
-              <a:buFont typeface="Wingdings" panose="05000000000000000000" pitchFamily="2" charset="2"/>
-              <a:buChar char="Ø"/>
-            </a:pPr>
-            <a:r>
-              <a:rPr lang="fr-FR" dirty="0"/>
-              <a:t>Syntaxe peu compliquée (LINQ-</a:t>
-            </a:r>
-            <a:r>
-              <a:rPr lang="fr-FR" dirty="0" err="1"/>
-              <a:t>like</a:t>
-            </a:r>
-            <a:r>
-              <a:rPr lang="fr-FR" dirty="0"/>
-              <a:t>)</a:t>
-            </a:r>
-          </a:p>
-          <a:p>
-            <a:pPr>
-              <a:buFont typeface="Wingdings" panose="05000000000000000000" pitchFamily="2" charset="2"/>
-              <a:buChar char="Ø"/>
-            </a:pPr>
-            <a:r>
-              <a:rPr lang="fr-FR" dirty="0"/>
-              <a:t>Performances décevante</a:t>
-            </a:r>
-          </a:p>
-          <a:p>
-            <a:pPr>
-              <a:buFont typeface="Wingdings" panose="05000000000000000000" pitchFamily="2" charset="2"/>
-              <a:buChar char="Ø"/>
-            </a:pPr>
-            <a:r>
-              <a:rPr lang="fr-CA" dirty="0"/>
-              <a:t>Gestion de la connexion douteuse : « </a:t>
-            </a:r>
-            <a:r>
-              <a:rPr lang="en-US" i="1" dirty="0" err="1"/>
-              <a:t>Simple.Data</a:t>
-            </a:r>
-            <a:r>
-              <a:rPr lang="en-US" i="1" dirty="0"/>
-              <a:t> is quite aggressive in closing connections and holds no open connections to a data store by default, so you can keep the Database object returned from the Open*() methods hanging around without worrying.</a:t>
-            </a:r>
-            <a:r>
-              <a:rPr lang="fr-CA" dirty="0"/>
-              <a:t>»</a:t>
-            </a:r>
-          </a:p>
-          <a:p>
-            <a:pPr>
-              <a:buFont typeface="Wingdings" panose="05000000000000000000" pitchFamily="2" charset="2"/>
-              <a:buChar char="Ø"/>
-            </a:pPr>
-            <a:r>
-              <a:rPr lang="fr-CA" dirty="0"/>
-              <a:t>Transactions non prises en charge</a:t>
-            </a:r>
-          </a:p>
-          <a:p>
-            <a:pPr>
-              <a:buFont typeface="Wingdings" panose="05000000000000000000" pitchFamily="2" charset="2"/>
-              <a:buChar char="Ø"/>
-            </a:pPr>
-            <a:r>
-              <a:rPr lang="fr-CA" dirty="0"/>
-              <a:t>Obligation de créer une </a:t>
-            </a:r>
-            <a:r>
-              <a:rPr lang="fr-CA" dirty="0" err="1"/>
-              <a:t>query</a:t>
-            </a:r>
-            <a:r>
-              <a:rPr lang="fr-CA" dirty="0"/>
-              <a:t> </a:t>
-            </a:r>
-            <a:r>
-              <a:rPr lang="fr-CA" dirty="0" err="1"/>
-              <a:t>AdHoc</a:t>
-            </a:r>
-            <a:r>
-              <a:rPr lang="fr-CA" dirty="0"/>
-              <a:t> pour </a:t>
-            </a:r>
-            <a:r>
-              <a:rPr lang="fr-CA" dirty="0" err="1"/>
-              <a:t>populer</a:t>
-            </a:r>
-            <a:r>
-              <a:rPr lang="fr-CA" dirty="0"/>
-              <a:t> un objet </a:t>
-            </a:r>
-          </a:p>
-          <a:p>
-            <a:pPr>
-              <a:buFont typeface="Wingdings" panose="05000000000000000000" pitchFamily="2" charset="2"/>
-              <a:buChar char="Ø"/>
-            </a:pPr>
-            <a:r>
-              <a:rPr lang="fr-CA" dirty="0"/>
-              <a:t>Prometteur mais malheureusement il n’est plus mis à jour depuis 2013</a:t>
-            </a:r>
-          </a:p>
-          <a:p>
-            <a:pPr>
-              <a:buFont typeface="Wingdings" panose="05000000000000000000" pitchFamily="2" charset="2"/>
-              <a:buChar char="Ø"/>
-            </a:pPr>
-            <a:endParaRPr lang="fr-FR" dirty="0"/>
-          </a:p>
-          <a:p>
-            <a:pPr marL="45720" indent="0">
-              <a:buNone/>
-            </a:pPr>
-            <a:endParaRPr lang="fr-FR" dirty="0"/>
-          </a:p>
-        </p:txBody>
-      </p:sp>
+      <p:pic>
+        <p:nvPicPr>
+          <p:cNvPr id="4" name="Image 3"/>
+          <p:cNvPicPr>
+            <a:picLocks noChangeAspect="1"/>
+          </p:cNvPicPr>
+          <p:nvPr/>
+        </p:nvPicPr>
+        <p:blipFill>
+          <a:blip r:embed="rId3"/>
+          <a:stretch>
+            <a:fillRect/>
+          </a:stretch>
+        </p:blipFill>
+        <p:spPr>
+          <a:xfrm>
+            <a:off x="1981246" y="1012054"/>
+            <a:ext cx="8405627" cy="5116469"/>
+          </a:xfrm>
+          <a:prstGeom prst="rect">
+            <a:avLst/>
+          </a:prstGeom>
+        </p:spPr>
+      </p:pic>
     </p:spTree>
     <p:extLst>
       <p:ext uri="{BB962C8B-B14F-4D97-AF65-F5344CB8AC3E}">
-        <p14:creationId xmlns:p14="http://schemas.microsoft.com/office/powerpoint/2010/main" val="1174610530"/>
+        <p14:creationId xmlns:p14="http://schemas.microsoft.com/office/powerpoint/2010/main" val="3006611242"/>
       </p:ext>
     </p:extLst>
   </p:cSld>
@@ -16204,8 +18717,11 @@
           <a:lstStyle/>
           <a:p>
             <a:r>
-              <a:rPr lang="fr-FR" noProof="1"/>
-              <a:t>Massive</a:t>
+              <a:rPr lang="fr-FR" noProof="1">
+                <a:latin typeface="Segoe UI" panose="020B0502040204020203" pitchFamily="34" charset="0"/>
+                <a:cs typeface="Segoe UI" panose="020B0502040204020203" pitchFamily="34" charset="0"/>
+              </a:rPr>
+              <a:t>Simple.Data</a:t>
             </a:r>
           </a:p>
         </p:txBody>
@@ -16228,7 +18744,7 @@
         </p:spPr>
         <p:txBody>
           <a:bodyPr>
-            <a:normAutofit fontScale="92500" lnSpcReduction="10000"/>
+            <a:normAutofit fontScale="92500" lnSpcReduction="20000"/>
           </a:bodyPr>
           <a:lstStyle/>
           <a:p>
@@ -16237,12 +18753,11 @@
               <a:buChar char="Ø"/>
             </a:pPr>
             <a:r>
-              <a:rPr lang="fr-FR" dirty="0" err="1"/>
-              <a:t>MicroOrm</a:t>
-            </a:r>
-            <a:r>
-              <a:rPr lang="fr-FR" dirty="0"/>
-              <a:t> fournissant uniquement des données dynamiques</a:t>
+              <a:rPr lang="fr-FR" dirty="0">
+                <a:latin typeface="Segoe UI" panose="020B0502040204020203" pitchFamily="34" charset="0"/>
+                <a:cs typeface="Segoe UI" panose="020B0502040204020203" pitchFamily="34" charset="0"/>
+              </a:rPr>
+              <a:t>Syntaxe entièrement dynamique, conséquence : pas d'IntelliSense.</a:t>
             </a:r>
           </a:p>
           <a:p>
@@ -16251,16 +18766,25 @@
               <a:buChar char="Ø"/>
             </a:pPr>
             <a:r>
-              <a:rPr lang="fr-CA" dirty="0"/>
+              <a:rPr lang="fr-CA" dirty="0">
+                <a:latin typeface="Segoe UI" panose="020B0502040204020203" pitchFamily="34" charset="0"/>
+                <a:cs typeface="Segoe UI" panose="020B0502040204020203" pitchFamily="34" charset="0"/>
+              </a:rPr>
               <a:t>C</a:t>
             </a:r>
             <a:r>
-              <a:rPr lang="fr-FR" dirty="0" err="1"/>
+              <a:rPr lang="fr-FR" dirty="0" err="1">
+                <a:latin typeface="Segoe UI" panose="020B0502040204020203" pitchFamily="34" charset="0"/>
+                <a:cs typeface="Segoe UI" panose="020B0502040204020203" pitchFamily="34" charset="0"/>
+              </a:rPr>
               <a:t>ompatible</a:t>
             </a:r>
             <a:r>
-              <a:rPr lang="fr-FR" dirty="0"/>
-              <a:t> avec peu de bases de données :</a:t>
+              <a:rPr lang="fr-FR" dirty="0">
+                <a:latin typeface="Segoe UI" panose="020B0502040204020203" pitchFamily="34" charset="0"/>
+                <a:cs typeface="Segoe UI" panose="020B0502040204020203" pitchFamily="34" charset="0"/>
+              </a:rPr>
+              <a:t> avec plusieurs bases de données : </a:t>
             </a:r>
           </a:p>
           <a:p>
@@ -16269,44 +18793,82 @@
               <a:buChar char="Ø"/>
             </a:pPr>
             <a:r>
-              <a:rPr lang="fr-FR" dirty="0"/>
-              <a:t>SQL Server</a:t>
-            </a:r>
-          </a:p>
-          <a:p>
-            <a:pPr lvl="1">
-              <a:buFont typeface="Wingdings" panose="05000000000000000000" pitchFamily="2" charset="2"/>
-              <a:buChar char="Ø"/>
-            </a:pPr>
-            <a:r>
-              <a:rPr lang="fr-FR" dirty="0"/>
-              <a:t>Oracle</a:t>
-            </a:r>
-          </a:p>
-          <a:p>
-            <a:pPr lvl="1">
-              <a:buFont typeface="Wingdings" panose="05000000000000000000" pitchFamily="2" charset="2"/>
-              <a:buChar char="Ø"/>
-            </a:pPr>
-            <a:r>
-              <a:rPr lang="fr-FR" dirty="0" err="1"/>
+              <a:rPr lang="fr-FR" dirty="0">
+                <a:latin typeface="Segoe UI" panose="020B0502040204020203" pitchFamily="34" charset="0"/>
+                <a:cs typeface="Segoe UI" panose="020B0502040204020203" pitchFamily="34" charset="0"/>
+              </a:rPr>
+              <a:t>SQL Server, Oracle, </a:t>
+            </a:r>
+            <a:r>
+              <a:rPr lang="fr-FR" dirty="0" err="1">
+                <a:latin typeface="Segoe UI" panose="020B0502040204020203" pitchFamily="34" charset="0"/>
+                <a:cs typeface="Segoe UI" panose="020B0502040204020203" pitchFamily="34" charset="0"/>
+              </a:rPr>
+              <a:t>Mysql</a:t>
+            </a:r>
+            <a:r>
+              <a:rPr lang="fr-FR" dirty="0">
+                <a:latin typeface="Segoe UI" panose="020B0502040204020203" pitchFamily="34" charset="0"/>
+                <a:cs typeface="Segoe UI" panose="020B0502040204020203" pitchFamily="34" charset="0"/>
+              </a:rPr>
+              <a:t>, </a:t>
+            </a:r>
+            <a:r>
+              <a:rPr lang="fr-FR" dirty="0" err="1">
+                <a:latin typeface="Segoe UI" panose="020B0502040204020203" pitchFamily="34" charset="0"/>
+                <a:cs typeface="Segoe UI" panose="020B0502040204020203" pitchFamily="34" charset="0"/>
+              </a:rPr>
               <a:t>SqlLite</a:t>
             </a:r>
             <a:r>
-              <a:rPr lang="fr-FR" dirty="0"/>
-              <a:t> </a:t>
-            </a:r>
-          </a:p>
-          <a:p>
-            <a:pPr lvl="1">
-              <a:buFont typeface="Wingdings" panose="05000000000000000000" pitchFamily="2" charset="2"/>
-              <a:buChar char="Ø"/>
-            </a:pPr>
-            <a:r>
-              <a:rPr lang="fr-CA" dirty="0" err="1"/>
+              <a:rPr lang="fr-FR" dirty="0">
+                <a:latin typeface="Segoe UI" panose="020B0502040204020203" pitchFamily="34" charset="0"/>
+                <a:cs typeface="Segoe UI" panose="020B0502040204020203" pitchFamily="34" charset="0"/>
+              </a:rPr>
+              <a:t>, </a:t>
+            </a:r>
+            <a:r>
+              <a:rPr lang="fr-CA" dirty="0" err="1">
+                <a:latin typeface="Segoe UI" panose="020B0502040204020203" pitchFamily="34" charset="0"/>
+                <a:cs typeface="Segoe UI" panose="020B0502040204020203" pitchFamily="34" charset="0"/>
+              </a:rPr>
               <a:t>PostgreSql</a:t>
             </a:r>
-            <a:endParaRPr lang="fr-CA" dirty="0"/>
+            <a:r>
+              <a:rPr lang="fr-CA" dirty="0">
+                <a:latin typeface="Segoe UI" panose="020B0502040204020203" pitchFamily="34" charset="0"/>
+                <a:cs typeface="Segoe UI" panose="020B0502040204020203" pitchFamily="34" charset="0"/>
+              </a:rPr>
+              <a:t>, </a:t>
+            </a:r>
+            <a:r>
+              <a:rPr lang="fr-CA" dirty="0" err="1">
+                <a:latin typeface="Segoe UI" panose="020B0502040204020203" pitchFamily="34" charset="0"/>
+                <a:cs typeface="Segoe UI" panose="020B0502040204020203" pitchFamily="34" charset="0"/>
+              </a:rPr>
+              <a:t>SqlAnyWhere</a:t>
+            </a:r>
+            <a:r>
+              <a:rPr lang="fr-CA" dirty="0">
+                <a:latin typeface="Segoe UI" panose="020B0502040204020203" pitchFamily="34" charset="0"/>
+                <a:cs typeface="Segoe UI" panose="020B0502040204020203" pitchFamily="34" charset="0"/>
+              </a:rPr>
+              <a:t>, </a:t>
+            </a:r>
+            <a:r>
+              <a:rPr lang="fr-CA" dirty="0" err="1">
+                <a:latin typeface="Segoe UI" panose="020B0502040204020203" pitchFamily="34" charset="0"/>
+                <a:cs typeface="Segoe UI" panose="020B0502040204020203" pitchFamily="34" charset="0"/>
+              </a:rPr>
+              <a:t>Informix</a:t>
+            </a:r>
+            <a:r>
+              <a:rPr lang="fr-CA" dirty="0">
+                <a:latin typeface="Segoe UI" panose="020B0502040204020203" pitchFamily="34" charset="0"/>
+                <a:cs typeface="Segoe UI" panose="020B0502040204020203" pitchFamily="34" charset="0"/>
+              </a:rPr>
+              <a:t> Microsoft Access </a:t>
+            </a:r>
           </a:p>
           <a:p>
             <a:pPr>
@@ -16314,8 +18876,25 @@
               <a:buChar char="Ø"/>
             </a:pPr>
             <a:r>
-              <a:rPr lang="fr-FR" dirty="0"/>
-              <a:t>Double Syntaxe SQL et hybride LINQ / SQL</a:t>
+              <a:rPr lang="fr-FR" dirty="0">
+                <a:latin typeface="Segoe UI" panose="020B0502040204020203" pitchFamily="34" charset="0"/>
+                <a:cs typeface="Segoe UI" panose="020B0502040204020203" pitchFamily="34" charset="0"/>
+              </a:rPr>
+              <a:t>Syntaxe peu compliquée (LINQ-</a:t>
+            </a:r>
+            <a:r>
+              <a:rPr lang="fr-FR" dirty="0" err="1">
+                <a:latin typeface="Segoe UI" panose="020B0502040204020203" pitchFamily="34" charset="0"/>
+                <a:cs typeface="Segoe UI" panose="020B0502040204020203" pitchFamily="34" charset="0"/>
+              </a:rPr>
+              <a:t>like</a:t>
+            </a:r>
+            <a:r>
+              <a:rPr lang="fr-FR" dirty="0">
+                <a:latin typeface="Segoe UI" panose="020B0502040204020203" pitchFamily="34" charset="0"/>
+                <a:cs typeface="Segoe UI" panose="020B0502040204020203" pitchFamily="34" charset="0"/>
+              </a:rPr>
+              <a:t>)</a:t>
             </a:r>
           </a:p>
           <a:p>
@@ -16324,18 +18903,12 @@
               <a:buChar char="Ø"/>
             </a:pPr>
             <a:r>
-              <a:rPr lang="fr-CA" dirty="0"/>
-              <a:t>Fournit les commandes de base uniquement, syntaxe simpliste (pas de </a:t>
-            </a:r>
-            <a:r>
-              <a:rPr lang="fr-CA" dirty="0" err="1"/>
-              <a:t>join</a:t>
-            </a:r>
-            <a:r>
-              <a:rPr lang="fr-CA" dirty="0"/>
-              <a:t> par exemple)</a:t>
-            </a:r>
-            <a:endParaRPr lang="fr-FR" dirty="0"/>
+              <a:rPr lang="fr-CA" dirty="0">
+                <a:latin typeface="Segoe UI" panose="020B0502040204020203" pitchFamily="34" charset="0"/>
+                <a:cs typeface="Segoe UI" panose="020B0502040204020203" pitchFamily="34" charset="0"/>
+              </a:rPr>
+              <a:t>Supporte les transactions</a:t>
+            </a:r>
           </a:p>
           <a:p>
             <a:pPr>
@@ -16343,8 +18916,11 @@
               <a:buChar char="Ø"/>
             </a:pPr>
             <a:r>
-              <a:rPr lang="fr-FR" dirty="0"/>
-              <a:t>Performances intéressantes</a:t>
+              <a:rPr lang="fr-FR" dirty="0">
+                <a:latin typeface="Segoe UI" panose="020B0502040204020203" pitchFamily="34" charset="0"/>
+                <a:cs typeface="Segoe UI" panose="020B0502040204020203" pitchFamily="34" charset="0"/>
+              </a:rPr>
+              <a:t>Performances décevantes</a:t>
             </a:r>
           </a:p>
           <a:p>
@@ -16353,32 +18929,32 @@
               <a:buChar char="Ø"/>
             </a:pPr>
             <a:r>
-              <a:rPr lang="fr-CA" dirty="0"/>
-              <a:t>Obligation de créer une </a:t>
-            </a:r>
-            <a:r>
-              <a:rPr lang="fr-CA" dirty="0" err="1"/>
-              <a:t>query</a:t>
-            </a:r>
-            <a:r>
-              <a:rPr lang="fr-CA" dirty="0"/>
-              <a:t> </a:t>
-            </a:r>
-            <a:r>
-              <a:rPr lang="fr-CA" dirty="0" err="1"/>
-              <a:t>AdHoc</a:t>
-            </a:r>
-            <a:r>
-              <a:rPr lang="fr-CA" dirty="0"/>
-              <a:t> pour </a:t>
-            </a:r>
-            <a:r>
-              <a:rPr lang="fr-CA" dirty="0" err="1"/>
-              <a:t>populer</a:t>
-            </a:r>
-            <a:r>
-              <a:rPr lang="fr-CA" dirty="0"/>
-              <a:t> un objet</a:t>
+              <a:rPr lang="fr-CA" dirty="0">
+                <a:latin typeface="Segoe UI" panose="020B0502040204020203" pitchFamily="34" charset="0"/>
+                <a:cs typeface="Segoe UI" panose="020B0502040204020203" pitchFamily="34" charset="0"/>
+              </a:rPr>
+              <a:t>Gestion de la connexion douteuse : « </a:t>
+            </a:r>
+            <a:r>
+              <a:rPr lang="en-US" i="1" dirty="0" err="1">
+                <a:latin typeface="Segoe UI" panose="020B0502040204020203" pitchFamily="34" charset="0"/>
+                <a:cs typeface="Segoe UI" panose="020B0502040204020203" pitchFamily="34" charset="0"/>
+              </a:rPr>
+              <a:t>Simple.Data</a:t>
+            </a:r>
+            <a:r>
+              <a:rPr lang="en-US" i="1" dirty="0">
+                <a:latin typeface="Segoe UI" panose="020B0502040204020203" pitchFamily="34" charset="0"/>
+                <a:cs typeface="Segoe UI" panose="020B0502040204020203" pitchFamily="34" charset="0"/>
+              </a:rPr>
+              <a:t> is quite aggressive in closing connections and holds no open connections to a data store by default, so you can keep the Database object returned from the Open*() methods hanging around without worrying.</a:t>
+            </a:r>
+            <a:r>
+              <a:rPr lang="fr-CA" dirty="0">
+                <a:latin typeface="Segoe UI" panose="020B0502040204020203" pitchFamily="34" charset="0"/>
+                <a:cs typeface="Segoe UI" panose="020B0502040204020203" pitchFamily="34" charset="0"/>
+              </a:rPr>
+              <a:t>»</a:t>
             </a:r>
           </a:p>
           <a:p>
@@ -16387,56 +18963,106 @@
               <a:buChar char="Ø"/>
             </a:pPr>
             <a:r>
-              <a:rPr lang="fr-CA" dirty="0"/>
-              <a:t>Obligation de faire hériter ses </a:t>
-            </a:r>
-            <a:r>
-              <a:rPr lang="fr-CA" dirty="0" err="1"/>
-              <a:t>Pocos</a:t>
-            </a:r>
-            <a:r>
-              <a:rPr lang="fr-CA" dirty="0"/>
-              <a:t> d’une classe nommée « </a:t>
-            </a:r>
-            <a:r>
-              <a:rPr lang="fr-CA" dirty="0" err="1"/>
-              <a:t>DynamicModel</a:t>
-            </a:r>
-            <a:r>
-              <a:rPr lang="fr-CA" dirty="0"/>
-              <a:t> »,</a:t>
-            </a:r>
-          </a:p>
-          <a:p>
-            <a:pPr lvl="1">
-              <a:buFont typeface="Wingdings" panose="05000000000000000000" pitchFamily="2" charset="2"/>
-              <a:buChar char="Ø"/>
-            </a:pPr>
-            <a:r>
-              <a:rPr lang="fr-CA" dirty="0"/>
-              <a:t>Mapper ses données dans un autre objet typé similaire ou se contenter de données dynamiques</a:t>
-            </a:r>
-            <a:endParaRPr lang="fr-FR" dirty="0"/>
+              <a:rPr lang="fr-CA" dirty="0">
+                <a:latin typeface="Segoe UI" panose="020B0502040204020203" pitchFamily="34" charset="0"/>
+                <a:cs typeface="Segoe UI" panose="020B0502040204020203" pitchFamily="34" charset="0"/>
+              </a:rPr>
+              <a:t>Obligation de créer une </a:t>
+            </a:r>
+            <a:r>
+              <a:rPr lang="fr-CA" dirty="0" err="1">
+                <a:latin typeface="Segoe UI" panose="020B0502040204020203" pitchFamily="34" charset="0"/>
+                <a:cs typeface="Segoe UI" panose="020B0502040204020203" pitchFamily="34" charset="0"/>
+              </a:rPr>
+              <a:t>query</a:t>
+            </a:r>
+            <a:r>
+              <a:rPr lang="fr-CA" dirty="0">
+                <a:latin typeface="Segoe UI" panose="020B0502040204020203" pitchFamily="34" charset="0"/>
+                <a:cs typeface="Segoe UI" panose="020B0502040204020203" pitchFamily="34" charset="0"/>
+              </a:rPr>
+              <a:t> </a:t>
+            </a:r>
+            <a:r>
+              <a:rPr lang="fr-CA" dirty="0" err="1">
+                <a:latin typeface="Segoe UI" panose="020B0502040204020203" pitchFamily="34" charset="0"/>
+                <a:cs typeface="Segoe UI" panose="020B0502040204020203" pitchFamily="34" charset="0"/>
+              </a:rPr>
+              <a:t>AdHoc</a:t>
+            </a:r>
+            <a:r>
+              <a:rPr lang="fr-CA" dirty="0">
+                <a:latin typeface="Segoe UI" panose="020B0502040204020203" pitchFamily="34" charset="0"/>
+                <a:cs typeface="Segoe UI" panose="020B0502040204020203" pitchFamily="34" charset="0"/>
+              </a:rPr>
+              <a:t> pour </a:t>
+            </a:r>
+            <a:r>
+              <a:rPr lang="fr-CA" dirty="0" err="1">
+                <a:latin typeface="Segoe UI" panose="020B0502040204020203" pitchFamily="34" charset="0"/>
+                <a:cs typeface="Segoe UI" panose="020B0502040204020203" pitchFamily="34" charset="0"/>
+              </a:rPr>
+              <a:t>populer</a:t>
+            </a:r>
+            <a:r>
+              <a:rPr lang="fr-CA" dirty="0">
+                <a:latin typeface="Segoe UI" panose="020B0502040204020203" pitchFamily="34" charset="0"/>
+                <a:cs typeface="Segoe UI" panose="020B0502040204020203" pitchFamily="34" charset="0"/>
+              </a:rPr>
+              <a:t> un objet (relations non supportées)</a:t>
+            </a:r>
           </a:p>
           <a:p>
             <a:pPr>
               <a:buFont typeface="Wingdings" panose="05000000000000000000" pitchFamily="2" charset="2"/>
               <a:buChar char="Ø"/>
             </a:pPr>
-            <a:endParaRPr lang="fr-FR" dirty="0"/>
+            <a:r>
+              <a:rPr lang="fr-CA" dirty="0">
+                <a:latin typeface="Segoe UI" panose="020B0502040204020203" pitchFamily="34" charset="0"/>
+                <a:cs typeface="Segoe UI" panose="020B0502040204020203" pitchFamily="34" charset="0"/>
+              </a:rPr>
+              <a:t>Non testable unitairement</a:t>
+            </a:r>
+          </a:p>
+          <a:p>
+            <a:pPr>
+              <a:buFont typeface="Wingdings" panose="05000000000000000000" pitchFamily="2" charset="2"/>
+              <a:buChar char="Ø"/>
+            </a:pPr>
+            <a:r>
+              <a:rPr lang="fr-CA" dirty="0">
+                <a:latin typeface="Segoe UI" panose="020B0502040204020203" pitchFamily="34" charset="0"/>
+                <a:cs typeface="Segoe UI" panose="020B0502040204020203" pitchFamily="34" charset="0"/>
+              </a:rPr>
+              <a:t>Était Prometteur mais malheureusement il n’est plus mis à jour depuis 2013</a:t>
+            </a:r>
+          </a:p>
+          <a:p>
+            <a:pPr>
+              <a:buFont typeface="Wingdings" panose="05000000000000000000" pitchFamily="2" charset="2"/>
+              <a:buChar char="Ø"/>
+            </a:pPr>
+            <a:endParaRPr lang="fr-FR" dirty="0">
+              <a:latin typeface="Segoe UI" panose="020B0502040204020203" pitchFamily="34" charset="0"/>
+              <a:cs typeface="Segoe UI" panose="020B0502040204020203" pitchFamily="34" charset="0"/>
+            </a:endParaRPr>
           </a:p>
           <a:p>
             <a:pPr marL="45720" indent="0">
               <a:buNone/>
             </a:pPr>
-            <a:endParaRPr lang="fr-FR" dirty="0"/>
+            <a:endParaRPr lang="fr-FR" dirty="0">
+              <a:latin typeface="Segoe UI" panose="020B0502040204020203" pitchFamily="34" charset="0"/>
+              <a:cs typeface="Segoe UI" panose="020B0502040204020203" pitchFamily="34" charset="0"/>
+            </a:endParaRPr>
           </a:p>
         </p:txBody>
       </p:sp>
     </p:spTree>
     <p:extLst>
       <p:ext uri="{BB962C8B-B14F-4D97-AF65-F5344CB8AC3E}">
-        <p14:creationId xmlns:p14="http://schemas.microsoft.com/office/powerpoint/2010/main" val="2045684570"/>
+        <p14:creationId xmlns:p14="http://schemas.microsoft.com/office/powerpoint/2010/main" val="1174610530"/>
       </p:ext>
     </p:extLst>
   </p:cSld>

--- a/Items/Les Micro Orm, alternatives à Entity Framework.pptx
+++ b/Items/Les Micro Orm, alternatives à Entity Framework.pptx
@@ -12815,7 +12815,7 @@
                 <a:cs typeface="Segoe UI" panose="020B0502040204020203" pitchFamily="34" charset="0"/>
                 <a:sym typeface="Wingdings" panose="05000000000000000000" pitchFamily="2" charset="2"/>
               </a:rPr>
-              <a:t> pour la simplicité de sa syntaxe</a:t>
+              <a:t> pour la simplicité de sa syntaxe et ses performances</a:t>
             </a:r>
           </a:p>
           <a:p>
@@ -12871,7 +12871,7 @@
                 <a:latin typeface="Segoe UI" panose="020B0502040204020203" pitchFamily="34" charset="0"/>
                 <a:cs typeface="Segoe UI" panose="020B0502040204020203" pitchFamily="34" charset="0"/>
               </a:rPr>
-              <a:t> et SQL, et pour ses fonctionnalités riches</a:t>
+              <a:t> et SQL, et pour ses fonctionnalités riches, et ses performances</a:t>
             </a:r>
           </a:p>
           <a:p>
@@ -13084,6 +13084,57 @@
               </a:rPr>
               <a:t>Seul le futur le dira, mais si c’est uniquement pour une raison de performances on peut en effet le supplanter par un micro ORM</a:t>
             </a:r>
+          </a:p>
+          <a:p>
+            <a:pPr lvl="1">
+              <a:buFont typeface="Wingdings" panose="05000000000000000000" pitchFamily="2" charset="2"/>
+              <a:buChar char="Ø"/>
+            </a:pPr>
+            <a:r>
+              <a:rPr lang="fr-CA" dirty="0" err="1">
+                <a:latin typeface="Segoe UI" panose="020B0502040204020203" pitchFamily="34" charset="0"/>
+                <a:cs typeface="Segoe UI" panose="020B0502040204020203" pitchFamily="34" charset="0"/>
+                <a:sym typeface="Wingdings" panose="05000000000000000000" pitchFamily="2" charset="2"/>
+              </a:rPr>
+              <a:t>EntityFramework</a:t>
+            </a:r>
+            <a:r>
+              <a:rPr lang="fr-CA" dirty="0">
+                <a:latin typeface="Segoe UI" panose="020B0502040204020203" pitchFamily="34" charset="0"/>
+                <a:cs typeface="Segoe UI" panose="020B0502040204020203" pitchFamily="34" charset="0"/>
+                <a:sym typeface="Wingdings" panose="05000000000000000000" pitchFamily="2" charset="2"/>
+              </a:rPr>
+              <a:t> est plus facile à tester unitairement en </a:t>
+            </a:r>
+            <a:r>
+              <a:rPr lang="fr-CA" dirty="0" err="1">
+                <a:latin typeface="Segoe UI" panose="020B0502040204020203" pitchFamily="34" charset="0"/>
+                <a:cs typeface="Segoe UI" panose="020B0502040204020203" pitchFamily="34" charset="0"/>
+                <a:sym typeface="Wingdings" panose="05000000000000000000" pitchFamily="2" charset="2"/>
+              </a:rPr>
+              <a:t>mockant</a:t>
+            </a:r>
+            <a:r>
+              <a:rPr lang="fr-CA" dirty="0">
+                <a:latin typeface="Segoe UI" panose="020B0502040204020203" pitchFamily="34" charset="0"/>
+                <a:cs typeface="Segoe UI" panose="020B0502040204020203" pitchFamily="34" charset="0"/>
+                <a:sym typeface="Wingdings" panose="05000000000000000000" pitchFamily="2" charset="2"/>
+              </a:rPr>
+              <a:t> son </a:t>
+            </a:r>
+            <a:r>
+              <a:rPr lang="fr-CA" dirty="0" err="1">
+                <a:latin typeface="Segoe UI" panose="020B0502040204020203" pitchFamily="34" charset="0"/>
+                <a:cs typeface="Segoe UI" panose="020B0502040204020203" pitchFamily="34" charset="0"/>
+                <a:sym typeface="Wingdings" panose="05000000000000000000" pitchFamily="2" charset="2"/>
+              </a:rPr>
+              <a:t>DbContext</a:t>
+            </a:r>
+            <a:endParaRPr lang="fr-CA" dirty="0">
+              <a:latin typeface="Segoe UI" panose="020B0502040204020203" pitchFamily="34" charset="0"/>
+              <a:cs typeface="Segoe UI" panose="020B0502040204020203" pitchFamily="34" charset="0"/>
+              <a:sym typeface="Wingdings" panose="05000000000000000000" pitchFamily="2" charset="2"/>
+            </a:endParaRPr>
           </a:p>
           <a:p>
             <a:pPr marL="45720" indent="0">
@@ -13443,7 +13494,7 @@
                 <a:cs typeface="Segoe UI" panose="020B0502040204020203" pitchFamily="34" charset="0"/>
                 <a:sym typeface="Wingdings" panose="05000000000000000000" pitchFamily="2" charset="2"/>
               </a:rPr>
-              <a:t>Xpoco</a:t>
+              <a:t>XPoco</a:t>
             </a:r>
             <a:endParaRPr lang="fr-CA" dirty="0">
               <a:latin typeface="Segoe UI" panose="020B0502040204020203" pitchFamily="34" charset="0"/>
@@ -13462,7 +13513,7 @@
                 <a:cs typeface="Segoe UI" panose="020B0502040204020203" pitchFamily="34" charset="0"/>
                 <a:sym typeface="Wingdings" panose="05000000000000000000" pitchFamily="2" charset="2"/>
               </a:rPr>
-              <a:t>Nreco</a:t>
+              <a:t>NReco</a:t>
             </a:r>
             <a:endParaRPr lang="fr-CA" dirty="0">
               <a:latin typeface="Segoe UI" panose="020B0502040204020203" pitchFamily="34" charset="0"/>
